--- a/docs/images/jfrog-architecture-diagram.pptx
+++ b/docs/images/jfrog-architecture-diagram.pptx
@@ -5,12 +5,13 @@
     <p:sldMasterId id="2147483661" r:id="rId1"/>
   </p:sldMasterIdLst>
   <p:notesMasterIdLst>
-    <p:notesMasterId r:id="rId5"/>
+    <p:notesMasterId r:id="rId6"/>
   </p:notesMasterIdLst>
   <p:sldIdLst>
     <p:sldId id="426" r:id="rId2"/>
-    <p:sldId id="441" r:id="rId3"/>
-    <p:sldId id="432" r:id="rId4"/>
+    <p:sldId id="438" r:id="rId3"/>
+    <p:sldId id="441" r:id="rId4"/>
+    <p:sldId id="432" r:id="rId5"/>
   </p:sldIdLst>
   <p:sldSz cx="12192000" cy="9144000"/>
   <p:notesSz cx="6858000" cy="9144000"/>
@@ -199,7 +200,7 @@
           <a:p>
             <a:fld id="{590E2399-5717-194F-AD3A-E8B320BF82AF}" type="datetimeFigureOut">
               <a:rPr lang="en-US" smtClean="0"/>
-              <a:t>4/14/2021</a:t>
+              <a:t>10/22/2021</a:t>
             </a:fld>
             <a:endParaRPr lang="en-US"/>
           </a:p>
@@ -582,12 +583,7 @@
             <p:ph type="sldImg"/>
           </p:nvPr>
         </p:nvSpPr>
-        <p:spPr>
-          <a:xfrm>
-            <a:off x="1371600" y="1143000"/>
-            <a:ext cx="4114800" cy="3086100"/>
-          </a:xfrm>
-        </p:spPr>
+        <p:spPr/>
       </p:sp>
       <p:sp>
         <p:nvSpPr>
@@ -634,7 +630,7 @@
     </p:spTree>
     <p:extLst>
       <p:ext uri="{BB962C8B-B14F-4D97-AF65-F5344CB8AC3E}">
-        <p14:creationId xmlns:p14="http://schemas.microsoft.com/office/powerpoint/2010/main" val="1320098802"/>
+        <p14:creationId xmlns:p14="http://schemas.microsoft.com/office/powerpoint/2010/main" val="3368807765"/>
       </p:ext>
     </p:extLst>
   </p:cSld>
@@ -693,10 +689,7 @@
           <a:bodyPr/>
           <a:lstStyle/>
           <a:p>
-            <a:r>
-              <a:rPr lang="en-US" dirty="0"/>
-              <a:t>››</a:t>
-            </a:r>
+            <a:endParaRPr lang="en-US" dirty="0"/>
           </a:p>
         </p:txBody>
       </p:sp>
@@ -718,6 +711,98 @@
             <a:fld id="{080A0696-8427-C34C-8881-EE4F495026EE}" type="slidenum">
               <a:rPr lang="en-US" smtClean="0"/>
               <a:t>3</a:t>
+            </a:fld>
+            <a:endParaRPr lang="en-US"/>
+          </a:p>
+        </p:txBody>
+      </p:sp>
+    </p:spTree>
+    <p:extLst>
+      <p:ext uri="{BB962C8B-B14F-4D97-AF65-F5344CB8AC3E}">
+        <p14:creationId xmlns:p14="http://schemas.microsoft.com/office/powerpoint/2010/main" val="1320098802"/>
+      </p:ext>
+    </p:extLst>
+  </p:cSld>
+  <p:clrMapOvr>
+    <a:masterClrMapping/>
+  </p:clrMapOvr>
+</p:notes>
+</file>
+
+<file path=ppt/notesSlides/notesSlide4.xml><?xml version="1.0" encoding="utf-8"?>
+<p:notes xmlns:a="http://schemas.openxmlformats.org/drawingml/2006/main" xmlns:r="http://schemas.openxmlformats.org/officeDocument/2006/relationships" xmlns:p="http://schemas.openxmlformats.org/presentationml/2006/main">
+  <p:cSld>
+    <p:spTree>
+      <p:nvGrpSpPr>
+        <p:cNvPr id="1" name=""/>
+        <p:cNvGrpSpPr/>
+        <p:nvPr/>
+      </p:nvGrpSpPr>
+      <p:grpSpPr>
+        <a:xfrm>
+          <a:off x="0" y="0"/>
+          <a:ext cx="0" cy="0"/>
+          <a:chOff x="0" y="0"/>
+          <a:chExt cx="0" cy="0"/>
+        </a:xfrm>
+      </p:grpSpPr>
+      <p:sp>
+        <p:nvSpPr>
+          <p:cNvPr id="2" name="Slide Image Placeholder 1"/>
+          <p:cNvSpPr>
+            <a:spLocks noGrp="1" noRot="1" noChangeAspect="1"/>
+          </p:cNvSpPr>
+          <p:nvPr>
+            <p:ph type="sldImg"/>
+          </p:nvPr>
+        </p:nvSpPr>
+        <p:spPr>
+          <a:xfrm>
+            <a:off x="1371600" y="1143000"/>
+            <a:ext cx="4114800" cy="3086100"/>
+          </a:xfrm>
+        </p:spPr>
+      </p:sp>
+      <p:sp>
+        <p:nvSpPr>
+          <p:cNvPr id="3" name="Notes Placeholder 2"/>
+          <p:cNvSpPr>
+            <a:spLocks noGrp="1"/>
+          </p:cNvSpPr>
+          <p:nvPr>
+            <p:ph type="body" idx="1"/>
+          </p:nvPr>
+        </p:nvSpPr>
+        <p:spPr/>
+        <p:txBody>
+          <a:bodyPr/>
+          <a:lstStyle/>
+          <a:p>
+            <a:r>
+              <a:rPr lang="en-US" dirty="0"/>
+              <a:t>››</a:t>
+            </a:r>
+          </a:p>
+        </p:txBody>
+      </p:sp>
+      <p:sp>
+        <p:nvSpPr>
+          <p:cNvPr id="4" name="Slide Number Placeholder 3"/>
+          <p:cNvSpPr>
+            <a:spLocks noGrp="1"/>
+          </p:cNvSpPr>
+          <p:nvPr>
+            <p:ph type="sldNum" sz="quarter" idx="5"/>
+          </p:nvPr>
+        </p:nvSpPr>
+        <p:spPr/>
+        <p:txBody>
+          <a:bodyPr/>
+          <a:lstStyle/>
+          <a:p>
+            <a:fld id="{080A0696-8427-C34C-8881-EE4F495026EE}" type="slidenum">
+              <a:rPr lang="en-US" smtClean="0"/>
+              <a:t>4</a:t>
             </a:fld>
             <a:endParaRPr lang="en-US"/>
           </a:p>
@@ -867,7 +952,7 @@
           <a:p>
             <a:fld id="{F55C447A-44A3-5F49-B3D4-7D25A8EEBE0E}" type="datetimeFigureOut">
               <a:rPr lang="en-US" smtClean="0"/>
-              <a:t>4/14/2021</a:t>
+              <a:t>10/22/2021</a:t>
             </a:fld>
             <a:endParaRPr lang="en-US"/>
           </a:p>
@@ -1037,7 +1122,7 @@
           <a:p>
             <a:fld id="{F55C447A-44A3-5F49-B3D4-7D25A8EEBE0E}" type="datetimeFigureOut">
               <a:rPr lang="en-US" smtClean="0"/>
-              <a:t>4/14/2021</a:t>
+              <a:t>10/22/2021</a:t>
             </a:fld>
             <a:endParaRPr lang="en-US"/>
           </a:p>
@@ -1217,7 +1302,7 @@
           <a:p>
             <a:fld id="{F55C447A-44A3-5F49-B3D4-7D25A8EEBE0E}" type="datetimeFigureOut">
               <a:rPr lang="en-US" smtClean="0"/>
-              <a:t>4/14/2021</a:t>
+              <a:t>10/22/2021</a:t>
             </a:fld>
             <a:endParaRPr lang="en-US"/>
           </a:p>
@@ -1601,7 +1686,7 @@
           <a:p>
             <a:fld id="{F55C447A-44A3-5F49-B3D4-7D25A8EEBE0E}" type="datetimeFigureOut">
               <a:rPr lang="en-US" smtClean="0"/>
-              <a:t>4/14/2021</a:t>
+              <a:t>10/22/2021</a:t>
             </a:fld>
             <a:endParaRPr lang="en-US"/>
           </a:p>
@@ -1845,7 +1930,7 @@
           <a:p>
             <a:fld id="{F55C447A-44A3-5F49-B3D4-7D25A8EEBE0E}" type="datetimeFigureOut">
               <a:rPr lang="en-US" smtClean="0"/>
-              <a:t>4/14/2021</a:t>
+              <a:t>10/22/2021</a:t>
             </a:fld>
             <a:endParaRPr lang="en-US"/>
           </a:p>
@@ -2077,7 +2162,7 @@
           <a:p>
             <a:fld id="{F55C447A-44A3-5F49-B3D4-7D25A8EEBE0E}" type="datetimeFigureOut">
               <a:rPr lang="en-US" smtClean="0"/>
-              <a:t>4/14/2021</a:t>
+              <a:t>10/22/2021</a:t>
             </a:fld>
             <a:endParaRPr lang="en-US"/>
           </a:p>
@@ -2444,7 +2529,7 @@
           <a:p>
             <a:fld id="{F55C447A-44A3-5F49-B3D4-7D25A8EEBE0E}" type="datetimeFigureOut">
               <a:rPr lang="en-US" smtClean="0"/>
-              <a:t>4/14/2021</a:t>
+              <a:t>10/22/2021</a:t>
             </a:fld>
             <a:endParaRPr lang="en-US"/>
           </a:p>
@@ -2562,7 +2647,7 @@
           <a:p>
             <a:fld id="{F55C447A-44A3-5F49-B3D4-7D25A8EEBE0E}" type="datetimeFigureOut">
               <a:rPr lang="en-US" smtClean="0"/>
-              <a:t>4/14/2021</a:t>
+              <a:t>10/22/2021</a:t>
             </a:fld>
             <a:endParaRPr lang="en-US"/>
           </a:p>
@@ -2657,7 +2742,7 @@
           <a:p>
             <a:fld id="{F55C447A-44A3-5F49-B3D4-7D25A8EEBE0E}" type="datetimeFigureOut">
               <a:rPr lang="en-US" smtClean="0"/>
-              <a:t>4/14/2021</a:t>
+              <a:t>10/22/2021</a:t>
             </a:fld>
             <a:endParaRPr lang="en-US"/>
           </a:p>
@@ -2934,7 +3019,7 @@
           <a:p>
             <a:fld id="{F55C447A-44A3-5F49-B3D4-7D25A8EEBE0E}" type="datetimeFigureOut">
               <a:rPr lang="en-US" smtClean="0"/>
-              <a:t>4/14/2021</a:t>
+              <a:t>10/22/2021</a:t>
             </a:fld>
             <a:endParaRPr lang="en-US"/>
           </a:p>
@@ -3191,7 +3276,7 @@
           <a:p>
             <a:fld id="{F55C447A-44A3-5F49-B3D4-7D25A8EEBE0E}" type="datetimeFigureOut">
               <a:rPr lang="en-US" smtClean="0"/>
-              <a:t>4/14/2021</a:t>
+              <a:t>10/22/2021</a:t>
             </a:fld>
             <a:endParaRPr lang="en-US"/>
           </a:p>
@@ -3404,7 +3489,7 @@
           <a:p>
             <a:fld id="{F55C447A-44A3-5F49-B3D4-7D25A8EEBE0E}" type="datetimeFigureOut">
               <a:rPr lang="en-US" smtClean="0"/>
-              <a:t>4/14/2021</a:t>
+              <a:t>10/22/2021</a:t>
             </a:fld>
             <a:endParaRPr lang="en-US"/>
           </a:p>
@@ -3824,8 +3909,8 @@
         </p:nvSpPr>
         <p:spPr>
           <a:xfrm>
-            <a:off x="6638944" y="3618145"/>
-            <a:ext cx="2214564" cy="4064378"/>
+            <a:off x="6638944" y="3618144"/>
+            <a:ext cx="2214564" cy="5015315"/>
           </a:xfrm>
           <a:prstGeom prst="rect">
             <a:avLst/>
@@ -4038,7 +4123,7 @@
         <p:spPr>
           <a:xfrm>
             <a:off x="2661887" y="3643386"/>
-            <a:ext cx="2214564" cy="4066408"/>
+            <a:ext cx="2214564" cy="4990074"/>
           </a:xfrm>
           <a:prstGeom prst="rect">
             <a:avLst/>
@@ -4109,7 +4194,7 @@
         <p:spPr>
           <a:xfrm>
             <a:off x="1173480" y="966655"/>
-            <a:ext cx="9550673" cy="7318929"/>
+            <a:ext cx="9550673" cy="8047805"/>
           </a:xfrm>
           <a:prstGeom prst="rect">
             <a:avLst/>
@@ -4178,7 +4263,7 @@
           <a:blip r:embed="rId3">
             <a:extLst>
               <a:ext uri="{96DAC541-7B7A-43D3-8B79-37D633B846F1}">
-                <asvg:svgBlip xmlns="" xmlns:asvg="http://schemas.microsoft.com/office/drawing/2016/SVG/main" r:embed="rId4"/>
+                <asvg:svgBlip xmlns:asvg="http://schemas.microsoft.com/office/drawing/2016/SVG/main" r:embed="rId4"/>
               </a:ext>
             </a:extLst>
           </a:blip>
@@ -4211,7 +4296,7 @@
         <p:spPr>
           <a:xfrm>
             <a:off x="2574141" y="1248131"/>
-            <a:ext cx="2402325" cy="6602911"/>
+            <a:ext cx="2402325" cy="7507249"/>
           </a:xfrm>
           <a:prstGeom prst="rect">
             <a:avLst/>
@@ -4277,8 +4362,8 @@
         </p:nvSpPr>
         <p:spPr>
           <a:xfrm>
-            <a:off x="1310593" y="1621812"/>
-            <a:ext cx="7799741" cy="6439832"/>
+            <a:off x="1310593" y="1621811"/>
+            <a:ext cx="7799741" cy="7247867"/>
           </a:xfrm>
           <a:prstGeom prst="rect">
             <a:avLst/>
@@ -4352,7 +4437,7 @@
           <a:blip r:embed="rId5">
             <a:extLst>
               <a:ext uri="{96DAC541-7B7A-43D3-8B79-37D633B846F1}">
-                <asvg:svgBlip xmlns="" xmlns:asvg="http://schemas.microsoft.com/office/drawing/2016/SVG/main" r:embed="rId6"/>
+                <asvg:svgBlip xmlns:asvg="http://schemas.microsoft.com/office/drawing/2016/SVG/main" r:embed="rId6"/>
               </a:ext>
             </a:extLst>
           </a:blip>
@@ -4384,7 +4469,7 @@
         </p:nvSpPr>
         <p:spPr>
           <a:xfrm>
-            <a:off x="1372417" y="7611022"/>
+            <a:off x="1372417" y="8479702"/>
             <a:ext cx="1044715" cy="276999"/>
           </a:xfrm>
           <a:prstGeom prst="rect">
@@ -4423,7 +4508,7 @@
         </p:nvSpPr>
         <p:spPr>
           <a:xfrm>
-            <a:off x="3078013" y="7334023"/>
+            <a:off x="3078013" y="8271283"/>
             <a:ext cx="1304257" cy="276999"/>
           </a:xfrm>
           <a:prstGeom prst="rect">
@@ -4466,7 +4551,7 @@
           <a:blip r:embed="rId7">
             <a:extLst>
               <a:ext uri="{96DAC541-7B7A-43D3-8B79-37D633B846F1}">
-                <asvg:svgBlip xmlns="" xmlns:asvg="http://schemas.microsoft.com/office/drawing/2016/SVG/main" r:embed="rId8"/>
+                <asvg:svgBlip xmlns:asvg="http://schemas.microsoft.com/office/drawing/2016/SVG/main" r:embed="rId8"/>
               </a:ext>
             </a:extLst>
           </a:blip>
@@ -4502,7 +4587,7 @@
           <a:blip r:embed="rId9">
             <a:extLst>
               <a:ext uri="{96DAC541-7B7A-43D3-8B79-37D633B846F1}">
-                <asvg:svgBlip xmlns="" xmlns:asvg="http://schemas.microsoft.com/office/drawing/2016/SVG/main" r:embed="rId10"/>
+                <asvg:svgBlip xmlns:asvg="http://schemas.microsoft.com/office/drawing/2016/SVG/main" r:embed="rId10"/>
               </a:ext>
             </a:extLst>
           </a:blip>
@@ -4661,7 +4746,7 @@
           <a:blip r:embed="rId11">
             <a:extLst>
               <a:ext uri="{96DAC541-7B7A-43D3-8B79-37D633B846F1}">
-                <asvg:svgBlip xmlns="" xmlns:asvg="http://schemas.microsoft.com/office/drawing/2016/SVG/main" r:embed="rId12"/>
+                <asvg:svgBlip xmlns:asvg="http://schemas.microsoft.com/office/drawing/2016/SVG/main" r:embed="rId12"/>
               </a:ext>
             </a:extLst>
           </a:blip>
@@ -4697,7 +4782,7 @@
           <a:blip r:embed="rId9">
             <a:extLst>
               <a:ext uri="{96DAC541-7B7A-43D3-8B79-37D633B846F1}">
-                <asvg:svgBlip xmlns="" xmlns:asvg="http://schemas.microsoft.com/office/drawing/2016/SVG/main" r:embed="rId10"/>
+                <asvg:svgBlip xmlns:asvg="http://schemas.microsoft.com/office/drawing/2016/SVG/main" r:embed="rId10"/>
               </a:ext>
             </a:extLst>
           </a:blip>
@@ -4819,7 +4904,7 @@
           <a:blip r:embed="rId13">
             <a:extLst>
               <a:ext uri="{96DAC541-7B7A-43D3-8B79-37D633B846F1}">
-                <asvg:svgBlip xmlns="" xmlns:asvg="http://schemas.microsoft.com/office/drawing/2016/SVG/main" r:embed="rId14"/>
+                <asvg:svgBlip xmlns:asvg="http://schemas.microsoft.com/office/drawing/2016/SVG/main" r:embed="rId14"/>
               </a:ext>
             </a:extLst>
           </a:blip>
@@ -4852,7 +4937,7 @@
         <p:spPr>
           <a:xfrm>
             <a:off x="6542909" y="1248131"/>
-            <a:ext cx="2402325" cy="6602911"/>
+            <a:ext cx="2402325" cy="7507249"/>
           </a:xfrm>
           <a:prstGeom prst="rect">
             <a:avLst/>
@@ -4918,7 +5003,7 @@
         </p:nvSpPr>
         <p:spPr>
           <a:xfrm>
-            <a:off x="7296138" y="6828285"/>
+            <a:off x="7296138" y="7765545"/>
             <a:ext cx="1113269" cy="461665"/>
           </a:xfrm>
           <a:prstGeom prst="rect">
@@ -4971,7 +5056,7 @@
           <a:blip r:embed="rId15">
             <a:extLst>
               <a:ext uri="{96DAC541-7B7A-43D3-8B79-37D633B846F1}">
-                <asvg:svgBlip xmlns="" xmlns:asvg="http://schemas.microsoft.com/office/drawing/2016/SVG/main" r:embed="rId16"/>
+                <asvg:svgBlip xmlns:asvg="http://schemas.microsoft.com/office/drawing/2016/SVG/main" r:embed="rId16"/>
               </a:ext>
             </a:extLst>
           </a:blip>
@@ -4981,7 +5066,7 @@
         </p:blipFill>
         <p:spPr>
           <a:xfrm>
-            <a:off x="6797266" y="6802265"/>
+            <a:off x="6797266" y="7739525"/>
             <a:ext cx="487180" cy="487180"/>
           </a:xfrm>
           <a:prstGeom prst="rect">
@@ -5007,7 +5092,7 @@
           <a:blip r:embed="rId7">
             <a:extLst>
               <a:ext uri="{96DAC541-7B7A-43D3-8B79-37D633B846F1}">
-                <asvg:svgBlip xmlns="" xmlns:asvg="http://schemas.microsoft.com/office/drawing/2016/SVG/main" r:embed="rId8"/>
+                <asvg:svgBlip xmlns:asvg="http://schemas.microsoft.com/office/drawing/2016/SVG/main" r:embed="rId8"/>
               </a:ext>
             </a:extLst>
           </a:blip>
@@ -5043,7 +5128,7 @@
           <a:blip r:embed="rId9">
             <a:extLst>
               <a:ext uri="{96DAC541-7B7A-43D3-8B79-37D633B846F1}">
-                <asvg:svgBlip xmlns="" xmlns:asvg="http://schemas.microsoft.com/office/drawing/2016/SVG/main" r:embed="rId10"/>
+                <asvg:svgBlip xmlns:asvg="http://schemas.microsoft.com/office/drawing/2016/SVG/main" r:embed="rId10"/>
               </a:ext>
             </a:extLst>
           </a:blip>
@@ -5122,7 +5207,7 @@
           <a:blip r:embed="rId13">
             <a:extLst>
               <a:ext uri="{96DAC541-7B7A-43D3-8B79-37D633B846F1}">
-                <asvg:svgBlip xmlns="" xmlns:asvg="http://schemas.microsoft.com/office/drawing/2016/SVG/main" r:embed="rId14"/>
+                <asvg:svgBlip xmlns:asvg="http://schemas.microsoft.com/office/drawing/2016/SVG/main" r:embed="rId14"/>
               </a:ext>
             </a:extLst>
           </a:blip>
@@ -5158,7 +5243,7 @@
         </p:nvCxnSpPr>
         <p:spPr>
           <a:xfrm>
-            <a:off x="4086678" y="7043211"/>
+            <a:off x="4086678" y="7980471"/>
             <a:ext cx="2710589" cy="2644"/>
           </a:xfrm>
           <a:prstGeom prst="straightConnector1">
@@ -5288,7 +5373,7 @@
           <a:blip r:embed="rId11">
             <a:extLst>
               <a:ext uri="{96DAC541-7B7A-43D3-8B79-37D633B846F1}">
-                <asvg:svgBlip xmlns="" xmlns:asvg="http://schemas.microsoft.com/office/drawing/2016/SVG/main" r:embed="rId12"/>
+                <asvg:svgBlip xmlns:asvg="http://schemas.microsoft.com/office/drawing/2016/SVG/main" r:embed="rId12"/>
               </a:ext>
             </a:extLst>
           </a:blip>
@@ -5324,7 +5409,7 @@
           <a:blip r:embed="rId17">
             <a:extLst>
               <a:ext uri="{96DAC541-7B7A-43D3-8B79-37D633B846F1}">
-                <asvg:svgBlip xmlns="" xmlns:asvg="http://schemas.microsoft.com/office/drawing/2016/SVG/main" r:embed="rId18"/>
+                <asvg:svgBlip xmlns:asvg="http://schemas.microsoft.com/office/drawing/2016/SVG/main" r:embed="rId18"/>
               </a:ext>
             </a:extLst>
           </a:blip>
@@ -5444,7 +5529,7 @@
           <a:blip r:embed="rId19">
             <a:extLst>
               <a:ext uri="{96DAC541-7B7A-43D3-8B79-37D633B846F1}">
-                <asvg:svgBlip xmlns="" xmlns:asvg="http://schemas.microsoft.com/office/drawing/2016/SVG/main" r:embed="rId20"/>
+                <asvg:svgBlip xmlns:asvg="http://schemas.microsoft.com/office/drawing/2016/SVG/main" r:embed="rId20"/>
               </a:ext>
             </a:extLst>
           </a:blip>
@@ -5480,7 +5565,7 @@
           <a:blip r:embed="rId19">
             <a:extLst>
               <a:ext uri="{96DAC541-7B7A-43D3-8B79-37D633B846F1}">
-                <asvg:svgBlip xmlns="" xmlns:asvg="http://schemas.microsoft.com/office/drawing/2016/SVG/main" r:embed="rId20"/>
+                <asvg:svgBlip xmlns:asvg="http://schemas.microsoft.com/office/drawing/2016/SVG/main" r:embed="rId20"/>
               </a:ext>
             </a:extLst>
           </a:blip>
@@ -5656,7 +5741,7 @@
           <a:blip r:embed="rId21">
             <a:extLst>
               <a:ext uri="{96DAC541-7B7A-43D3-8B79-37D633B846F1}">
-                <asvg:svgBlip xmlns="" xmlns:asvg="http://schemas.microsoft.com/office/drawing/2016/SVG/main" r:embed="rId22"/>
+                <asvg:svgBlip xmlns:asvg="http://schemas.microsoft.com/office/drawing/2016/SVG/main" r:embed="rId22"/>
               </a:ext>
             </a:extLst>
           </a:blip>
@@ -5692,7 +5777,7 @@
           <a:blip r:embed="rId23">
             <a:extLst>
               <a:ext uri="{96DAC541-7B7A-43D3-8B79-37D633B846F1}">
-                <asvg:svgBlip xmlns="" xmlns:asvg="http://schemas.microsoft.com/office/drawing/2016/SVG/main" r:embed="rId24"/>
+                <asvg:svgBlip xmlns:asvg="http://schemas.microsoft.com/office/drawing/2016/SVG/main" r:embed="rId24"/>
               </a:ext>
             </a:extLst>
           </a:blip>
@@ -5770,7 +5855,7 @@
           <a:blip r:embed="rId25">
             <a:extLst>
               <a:ext uri="{96DAC541-7B7A-43D3-8B79-37D633B846F1}">
-                <asvg:svgBlip xmlns="" xmlns:asvg="http://schemas.microsoft.com/office/drawing/2016/SVG/main" r:embed="rId26"/>
+                <asvg:svgBlip xmlns:asvg="http://schemas.microsoft.com/office/drawing/2016/SVG/main" r:embed="rId26"/>
               </a:ext>
             </a:extLst>
           </a:blip>
@@ -5912,7 +5997,7 @@
           <a:blip r:embed="rId11">
             <a:extLst>
               <a:ext uri="{96DAC541-7B7A-43D3-8B79-37D633B846F1}">
-                <asvg:svgBlip xmlns="" xmlns:asvg="http://schemas.microsoft.com/office/drawing/2016/SVG/main" r:embed="rId12"/>
+                <asvg:svgBlip xmlns:asvg="http://schemas.microsoft.com/office/drawing/2016/SVG/main" r:embed="rId12"/>
               </a:ext>
             </a:extLst>
           </a:blip>
@@ -6399,7 +6484,7 @@
           <a:blip r:embed="rId29">
             <a:extLst>
               <a:ext uri="{96DAC541-7B7A-43D3-8B79-37D633B846F1}">
-                <asvg:svgBlip xmlns="" xmlns:asvg="http://schemas.microsoft.com/office/drawing/2016/SVG/main" r:embed="rId30"/>
+                <asvg:svgBlip xmlns:asvg="http://schemas.microsoft.com/office/drawing/2016/SVG/main" r:embed="rId30"/>
               </a:ext>
             </a:extLst>
           </a:blip>
@@ -6409,7 +6494,7 @@
         </p:blipFill>
         <p:spPr>
           <a:xfrm>
-            <a:off x="1618888" y="7016662"/>
+            <a:off x="1618888" y="7885342"/>
             <a:ext cx="594360" cy="594360"/>
           </a:xfrm>
           <a:prstGeom prst="rect">
@@ -6435,7 +6520,7 @@
           <a:blip r:embed="rId31">
             <a:extLst>
               <a:ext uri="{96DAC541-7B7A-43D3-8B79-37D633B846F1}">
-                <asvg:svgBlip xmlns="" xmlns:asvg="http://schemas.microsoft.com/office/drawing/2016/SVG/main" r:embed="rId32"/>
+                <asvg:svgBlip xmlns:asvg="http://schemas.microsoft.com/office/drawing/2016/SVG/main" r:embed="rId32"/>
               </a:ext>
             </a:extLst>
           </a:blip>
@@ -6445,7 +6530,7 @@
         </p:blipFill>
         <p:spPr>
           <a:xfrm>
-            <a:off x="3492317" y="6746031"/>
+            <a:off x="3492317" y="7683291"/>
             <a:ext cx="594360" cy="594360"/>
           </a:xfrm>
           <a:prstGeom prst="rect">
@@ -6734,96 +6819,12 @@
           </p:style>
         </p:cxnSp>
       </p:grpSp>
-      <p:sp>
-        <p:nvSpPr>
-          <p:cNvPr id="89" name="Rectangle 88">
-            <a:extLst>
-              <a:ext uri="{FF2B5EF4-FFF2-40B4-BE49-F238E27FC236}">
-                <a16:creationId xmlns:a16="http://schemas.microsoft.com/office/drawing/2014/main" id="{C9BEB6DF-9F85-3444-B18D-655E27594665}"/>
-              </a:ext>
-            </a:extLst>
-          </p:cNvPr>
-          <p:cNvSpPr/>
-          <p:nvPr/>
-        </p:nvSpPr>
-        <p:spPr>
-          <a:xfrm>
-            <a:off x="3188270" y="5794786"/>
-            <a:ext cx="5166360" cy="694944"/>
-          </a:xfrm>
-          <a:prstGeom prst="rect">
-            <a:avLst/>
-          </a:prstGeom>
-          <a:noFill/>
-          <a:ln w="12700">
-            <a:solidFill>
-              <a:srgbClr val="D86613"/>
-            </a:solidFill>
-            <a:prstDash val="dash"/>
-          </a:ln>
-        </p:spPr>
-        <p:style>
-          <a:lnRef idx="2">
-            <a:schemeClr val="accent1">
-              <a:shade val="50000"/>
-            </a:schemeClr>
-          </a:lnRef>
-          <a:fillRef idx="1">
-            <a:schemeClr val="accent1"/>
-          </a:fillRef>
-          <a:effectRef idx="0">
-            <a:schemeClr val="accent1"/>
-          </a:effectRef>
-          <a:fontRef idx="minor">
-            <a:schemeClr val="lt1"/>
-          </a:fontRef>
-        </p:style>
-        <p:txBody>
-          <a:bodyPr rot="0" spcFirstLastPara="0" vertOverflow="overflow" horzOverflow="overflow" vert="horz" wrap="square" lIns="91440" tIns="91440" rIns="91440" bIns="45720" numCol="1" spcCol="0" rtlCol="0" fromWordArt="0" anchor="t" anchorCtr="0" forceAA="0" compatLnSpc="1">
-            <a:prstTxWarp prst="textNoShape">
-              <a:avLst/>
-            </a:prstTxWarp>
-            <a:noAutofit/>
-          </a:bodyPr>
-          <a:lstStyle/>
-          <a:p>
-            <a:pPr algn="ctr"/>
-            <a:endParaRPr lang="en-US" sz="1200" dirty="0">
-              <a:solidFill>
-                <a:srgbClr val="D86613"/>
-              </a:solidFill>
-              <a:latin typeface="Arial" panose="020B0604020202020204" pitchFamily="34" charset="0"/>
-              <a:cs typeface="Arial" panose="020B0604020202020204" pitchFamily="34" charset="0"/>
-            </a:endParaRPr>
-          </a:p>
-          <a:p>
-            <a:pPr algn="ctr"/>
-            <a:r>
-              <a:rPr lang="en-US" sz="1200">
-                <a:solidFill>
-                  <a:srgbClr val="D86613"/>
-                </a:solidFill>
-                <a:latin typeface="Arial" panose="020B0604020202020204" pitchFamily="34" charset="0"/>
-                <a:cs typeface="Arial" panose="020B0604020202020204" pitchFamily="34" charset="0"/>
-              </a:rPr>
-              <a:t>         </a:t>
-            </a:r>
-            <a:endParaRPr lang="en-US" sz="1200" dirty="0">
-              <a:solidFill>
-                <a:srgbClr val="D86613"/>
-              </a:solidFill>
-              <a:latin typeface="Arial" panose="020B0604020202020204" pitchFamily="34" charset="0"/>
-              <a:cs typeface="Arial" panose="020B0604020202020204" pitchFamily="34" charset="0"/>
-            </a:endParaRPr>
-          </a:p>
-        </p:txBody>
-      </p:sp>
       <p:pic>
         <p:nvPicPr>
-          <p:cNvPr id="90" name="Graphic 89">
-            <a:extLst>
-              <a:ext uri="{FF2B5EF4-FFF2-40B4-BE49-F238E27FC236}">
-                <a16:creationId xmlns:a16="http://schemas.microsoft.com/office/drawing/2014/main" id="{190BC261-81CF-084F-9723-985085A89B89}"/>
+          <p:cNvPr id="117" name="Graphic 116">
+            <a:extLst>
+              <a:ext uri="{FF2B5EF4-FFF2-40B4-BE49-F238E27FC236}">
+                <a16:creationId xmlns:a16="http://schemas.microsoft.com/office/drawing/2014/main" id="{14F451A7-A9F1-4140-A797-32B2EFA9BBB2}"/>
               </a:ext>
             </a:extLst>
           </p:cNvPr>
@@ -6833,10 +6834,10 @@
           <p:nvPr/>
         </p:nvPicPr>
         <p:blipFill>
-          <a:blip r:embed="rId11">
+          <a:blip r:embed="rId9">
             <a:extLst>
               <a:ext uri="{96DAC541-7B7A-43D3-8B79-37D633B846F1}">
-                <asvg:svgBlip xmlns="" xmlns:asvg="http://schemas.microsoft.com/office/drawing/2016/SVG/main" r:embed="rId12"/>
+                <asvg:svgBlip xmlns:asvg="http://schemas.microsoft.com/office/drawing/2016/SVG/main" r:embed="rId10"/>
               </a:ext>
             </a:extLst>
           </a:blip>
@@ -6846,56 +6847,20 @@
         </p:blipFill>
         <p:spPr>
           <a:xfrm>
-            <a:off x="5650053" y="5794786"/>
-            <a:ext cx="274320" cy="274320"/>
+            <a:off x="7510840" y="5833542"/>
+            <a:ext cx="469900" cy="469900"/>
           </a:xfrm>
           <a:prstGeom prst="rect">
             <a:avLst/>
           </a:prstGeom>
         </p:spPr>
       </p:pic>
-      <p:pic>
-        <p:nvPicPr>
-          <p:cNvPr id="104" name="Graphic 103">
-            <a:extLst>
-              <a:ext uri="{FF2B5EF4-FFF2-40B4-BE49-F238E27FC236}">
-                <a16:creationId xmlns:a16="http://schemas.microsoft.com/office/drawing/2014/main" id="{86F85705-EFC1-4948-9DAD-90771DFF61AD}"/>
-              </a:ext>
-            </a:extLst>
-          </p:cNvPr>
-          <p:cNvPicPr>
-            <a:picLocks noChangeAspect="1"/>
-          </p:cNvPicPr>
-          <p:nvPr/>
-        </p:nvPicPr>
-        <p:blipFill>
-          <a:blip r:embed="rId9">
-            <a:extLst>
-              <a:ext uri="{96DAC541-7B7A-43D3-8B79-37D633B846F1}">
-                <asvg:svgBlip xmlns="" xmlns:asvg="http://schemas.microsoft.com/office/drawing/2016/SVG/main" r:embed="rId10"/>
-              </a:ext>
-            </a:extLst>
-          </a:blip>
-          <a:stretch>
-            <a:fillRect/>
-          </a:stretch>
-        </p:blipFill>
-        <p:spPr>
-          <a:xfrm>
-            <a:off x="3572318" y="5833595"/>
-            <a:ext cx="469900" cy="469900"/>
-          </a:xfrm>
-          <a:prstGeom prst="rect">
-            <a:avLst/>
-          </a:prstGeom>
-        </p:spPr>
-      </p:pic>
-      <p:sp>
-        <p:nvSpPr>
-          <p:cNvPr id="115" name="TextBox 114">
-            <a:extLst>
-              <a:ext uri="{FF2B5EF4-FFF2-40B4-BE49-F238E27FC236}">
-                <a16:creationId xmlns:a16="http://schemas.microsoft.com/office/drawing/2014/main" id="{33DC9D1B-DA2A-8048-BF25-4D05A37EB95C}"/>
+      <p:sp>
+        <p:nvSpPr>
+          <p:cNvPr id="119" name="TextBox 118">
+            <a:extLst>
+              <a:ext uri="{FF2B5EF4-FFF2-40B4-BE49-F238E27FC236}">
+                <a16:creationId xmlns:a16="http://schemas.microsoft.com/office/drawing/2014/main" id="{2BE11C18-93F2-6B4A-904D-903E4E06AB22}"/>
               </a:ext>
             </a:extLst>
           </p:cNvPr>
@@ -6904,8 +6869,8 @@
         </p:nvSpPr>
         <p:spPr>
           <a:xfrm>
-            <a:off x="3041627" y="6227065"/>
-            <a:ext cx="1513305" cy="276999"/>
+            <a:off x="4898198" y="6158348"/>
+            <a:ext cx="1803400" cy="276999"/>
           </a:xfrm>
           <a:prstGeom prst="rect">
             <a:avLst/>
@@ -6921,120 +6886,6 @@
             <a:pPr algn="ctr"/>
             <a:r>
               <a:rPr lang="en-US" sz="1200" dirty="0">
-                <a:latin typeface="Arial" panose="020B0604020202020204" pitchFamily="34" charset="0"/>
-                <a:cs typeface="Arial" panose="020B0604020202020204" pitchFamily="34" charset="0"/>
-              </a:rPr>
-              <a:t>Xray node(s)</a:t>
-            </a:r>
-          </a:p>
-        </p:txBody>
-      </p:sp>
-      <p:pic>
-        <p:nvPicPr>
-          <p:cNvPr id="117" name="Graphic 116">
-            <a:extLst>
-              <a:ext uri="{FF2B5EF4-FFF2-40B4-BE49-F238E27FC236}">
-                <a16:creationId xmlns:a16="http://schemas.microsoft.com/office/drawing/2014/main" id="{14F451A7-A9F1-4140-A797-32B2EFA9BBB2}"/>
-              </a:ext>
-            </a:extLst>
-          </p:cNvPr>
-          <p:cNvPicPr>
-            <a:picLocks noChangeAspect="1"/>
-          </p:cNvPicPr>
-          <p:nvPr/>
-        </p:nvPicPr>
-        <p:blipFill>
-          <a:blip r:embed="rId9">
-            <a:extLst>
-              <a:ext uri="{96DAC541-7B7A-43D3-8B79-37D633B846F1}">
-                <asvg:svgBlip xmlns="" xmlns:asvg="http://schemas.microsoft.com/office/drawing/2016/SVG/main" r:embed="rId10"/>
-              </a:ext>
-            </a:extLst>
-          </a:blip>
-          <a:stretch>
-            <a:fillRect/>
-          </a:stretch>
-        </p:blipFill>
-        <p:spPr>
-          <a:xfrm>
-            <a:off x="7510840" y="5833542"/>
-            <a:ext cx="469900" cy="469900"/>
-          </a:xfrm>
-          <a:prstGeom prst="rect">
-            <a:avLst/>
-          </a:prstGeom>
-        </p:spPr>
-      </p:pic>
-      <p:sp>
-        <p:nvSpPr>
-          <p:cNvPr id="118" name="TextBox 117">
-            <a:extLst>
-              <a:ext uri="{FF2B5EF4-FFF2-40B4-BE49-F238E27FC236}">
-                <a16:creationId xmlns:a16="http://schemas.microsoft.com/office/drawing/2014/main" id="{8B0428B3-74E3-0848-8A19-0371BBA34675}"/>
-              </a:ext>
-            </a:extLst>
-          </p:cNvPr>
-          <p:cNvSpPr txBox="1"/>
-          <p:nvPr/>
-        </p:nvSpPr>
-        <p:spPr>
-          <a:xfrm>
-            <a:off x="6989138" y="6226735"/>
-            <a:ext cx="1513305" cy="276999"/>
-          </a:xfrm>
-          <a:prstGeom prst="rect">
-            <a:avLst/>
-          </a:prstGeom>
-          <a:noFill/>
-        </p:spPr>
-        <p:txBody>
-          <a:bodyPr wrap="square" rtlCol="0">
-            <a:spAutoFit/>
-          </a:bodyPr>
-          <a:lstStyle/>
-          <a:p>
-            <a:pPr algn="ctr"/>
-            <a:r>
-              <a:rPr lang="en-US" sz="1200" dirty="0">
-                <a:latin typeface="Arial" panose="020B0604020202020204" pitchFamily="34" charset="0"/>
-                <a:cs typeface="Arial" panose="020B0604020202020204" pitchFamily="34" charset="0"/>
-              </a:rPr>
-              <a:t>Xray node(s)</a:t>
-            </a:r>
-          </a:p>
-        </p:txBody>
-      </p:sp>
-      <p:sp>
-        <p:nvSpPr>
-          <p:cNvPr id="119" name="TextBox 118">
-            <a:extLst>
-              <a:ext uri="{FF2B5EF4-FFF2-40B4-BE49-F238E27FC236}">
-                <a16:creationId xmlns:a16="http://schemas.microsoft.com/office/drawing/2014/main" id="{2BE11C18-93F2-6B4A-904D-903E4E06AB22}"/>
-              </a:ext>
-            </a:extLst>
-          </p:cNvPr>
-          <p:cNvSpPr txBox="1"/>
-          <p:nvPr/>
-        </p:nvSpPr>
-        <p:spPr>
-          <a:xfrm>
-            <a:off x="4898198" y="6051668"/>
-            <a:ext cx="1803400" cy="276999"/>
-          </a:xfrm>
-          <a:prstGeom prst="rect">
-            <a:avLst/>
-          </a:prstGeom>
-          <a:noFill/>
-        </p:spPr>
-        <p:txBody>
-          <a:bodyPr wrap="square" rtlCol="0">
-            <a:spAutoFit/>
-          </a:bodyPr>
-          <a:lstStyle/>
-          <a:p>
-            <a:pPr algn="ctr"/>
-            <a:r>
-              <a:rPr lang="en-US" sz="1200">
                 <a:solidFill>
                   <a:srgbClr val="D86613"/>
                 </a:solidFill>
@@ -7060,7 +6911,7 @@
         </p:nvSpPr>
         <p:spPr>
           <a:xfrm>
-            <a:off x="1411672" y="6366620"/>
+            <a:off x="1387976" y="6198000"/>
             <a:ext cx="1022439" cy="461665"/>
           </a:xfrm>
           <a:prstGeom prst="rect">
@@ -7113,7 +6964,7 @@
           <a:blip r:embed="rId21">
             <a:extLst>
               <a:ext uri="{96DAC541-7B7A-43D3-8B79-37D633B846F1}">
-                <asvg:svgBlip xmlns="" xmlns:asvg="http://schemas.microsoft.com/office/drawing/2016/SVG/main" r:embed="rId22"/>
+                <asvg:svgBlip xmlns:asvg="http://schemas.microsoft.com/office/drawing/2016/SVG/main" r:embed="rId22"/>
               </a:ext>
             </a:extLst>
           </a:blip>
@@ -7123,7 +6974,7 @@
         </p:blipFill>
         <p:spPr>
           <a:xfrm>
-            <a:off x="1626974" y="5766063"/>
+            <a:off x="1604090" y="5459909"/>
             <a:ext cx="594360" cy="594360"/>
           </a:xfrm>
           <a:prstGeom prst="rect">
@@ -7131,51 +6982,6 @@
           </a:prstGeom>
         </p:spPr>
       </p:pic>
-      <p:cxnSp>
-        <p:nvCxnSpPr>
-          <p:cNvPr id="122" name="Straight Arrow Connector 121">
-            <a:extLst>
-              <a:ext uri="{FF2B5EF4-FFF2-40B4-BE49-F238E27FC236}">
-                <a16:creationId xmlns:a16="http://schemas.microsoft.com/office/drawing/2014/main" id="{C4428053-86F7-4943-A028-976C6341E38D}"/>
-              </a:ext>
-            </a:extLst>
-          </p:cNvPr>
-          <p:cNvCxnSpPr>
-            <a:cxnSpLocks/>
-          </p:cNvCxnSpPr>
-          <p:nvPr/>
-        </p:nvCxnSpPr>
-        <p:spPr>
-          <a:xfrm flipV="1">
-            <a:off x="2194560" y="6069106"/>
-            <a:ext cx="1003868" cy="18768"/>
-          </a:xfrm>
-          <a:prstGeom prst="straightConnector1">
-            <a:avLst/>
-          </a:prstGeom>
-          <a:ln w="12700">
-            <a:solidFill>
-              <a:srgbClr val="545B64"/>
-            </a:solidFill>
-            <a:headEnd type="arrow" w="med" len="sm"/>
-            <a:tailEnd type="none" w="med" len="sm"/>
-          </a:ln>
-        </p:spPr>
-        <p:style>
-          <a:lnRef idx="1">
-            <a:schemeClr val="accent1"/>
-          </a:lnRef>
-          <a:fillRef idx="0">
-            <a:schemeClr val="accent1"/>
-          </a:fillRef>
-          <a:effectRef idx="0">
-            <a:schemeClr val="accent1"/>
-          </a:effectRef>
-          <a:fontRef idx="minor">
-            <a:schemeClr val="tx1"/>
-          </a:fontRef>
-        </p:style>
-      </p:cxnSp>
       <p:sp>
         <p:nvSpPr>
           <p:cNvPr id="124" name="Freeform 123">
@@ -7382,32 +7188,935 @@
           </a:p>
         </p:txBody>
       </p:sp>
+      <p:pic>
+        <p:nvPicPr>
+          <p:cNvPr id="6" name="Graphic 5">
+            <a:extLst>
+              <a:ext uri="{FF2B5EF4-FFF2-40B4-BE49-F238E27FC236}">
+                <a16:creationId xmlns:a16="http://schemas.microsoft.com/office/drawing/2014/main" id="{83FA64B8-BC20-8B40-8E6C-BBC88D66EC9D}"/>
+              </a:ext>
+            </a:extLst>
+          </p:cNvPr>
+          <p:cNvPicPr>
+            <a:picLocks noChangeAspect="1"/>
+          </p:cNvPicPr>
+          <p:nvPr/>
+        </p:nvPicPr>
+        <p:blipFill>
+          <a:blip r:embed="rId33">
+            <a:extLst>
+              <a:ext uri="{96DAC541-7B7A-43D3-8B79-37D633B846F1}">
+                <asvg:svgBlip xmlns:asvg="http://schemas.microsoft.com/office/drawing/2016/SVG/main" r:embed="rId34"/>
+              </a:ext>
+            </a:extLst>
+          </a:blip>
+          <a:stretch>
+            <a:fillRect/>
+          </a:stretch>
+        </p:blipFill>
+        <p:spPr>
+          <a:xfrm>
+            <a:off x="9231239" y="6270780"/>
+            <a:ext cx="1342959" cy="745203"/>
+          </a:xfrm>
+          <a:prstGeom prst="rect">
+            <a:avLst/>
+          </a:prstGeom>
+        </p:spPr>
+      </p:pic>
+      <p:pic>
+        <p:nvPicPr>
+          <p:cNvPr id="8" name="Graphic 7">
+            <a:extLst>
+              <a:ext uri="{FF2B5EF4-FFF2-40B4-BE49-F238E27FC236}">
+                <a16:creationId xmlns:a16="http://schemas.microsoft.com/office/drawing/2014/main" id="{D277B287-4A2B-2A46-A369-3EC052889C48}"/>
+              </a:ext>
+            </a:extLst>
+          </p:cNvPr>
+          <p:cNvPicPr>
+            <a:picLocks noChangeAspect="1"/>
+          </p:cNvPicPr>
+          <p:nvPr/>
+        </p:nvPicPr>
+        <p:blipFill>
+          <a:blip r:embed="rId35">
+            <a:extLst>
+              <a:ext uri="{96DAC541-7B7A-43D3-8B79-37D633B846F1}">
+                <asvg:svgBlip xmlns:asvg="http://schemas.microsoft.com/office/drawing/2016/SVG/main" r:embed="rId36"/>
+              </a:ext>
+            </a:extLst>
+          </a:blip>
+          <a:stretch>
+            <a:fillRect/>
+          </a:stretch>
+        </p:blipFill>
+        <p:spPr>
+          <a:xfrm>
+            <a:off x="9192525" y="4497427"/>
+            <a:ext cx="1592207" cy="628149"/>
+          </a:xfrm>
+          <a:prstGeom prst="rect">
+            <a:avLst/>
+          </a:prstGeom>
+        </p:spPr>
+      </p:pic>
+      <p:pic>
+        <p:nvPicPr>
+          <p:cNvPr id="81" name="Graphic 80">
+            <a:extLst>
+              <a:ext uri="{FF2B5EF4-FFF2-40B4-BE49-F238E27FC236}">
+                <a16:creationId xmlns:a16="http://schemas.microsoft.com/office/drawing/2014/main" id="{6EC75CF2-B122-4173-B980-1FA6F3B36A0B}"/>
+              </a:ext>
+            </a:extLst>
+          </p:cNvPr>
+          <p:cNvPicPr>
+            <a:picLocks noChangeAspect="1"/>
+          </p:cNvPicPr>
+          <p:nvPr/>
+        </p:nvPicPr>
+        <p:blipFill>
+          <a:blip r:embed="rId9">
+            <a:extLst>
+              <a:ext uri="{96DAC541-7B7A-43D3-8B79-37D633B846F1}">
+                <asvg:svgBlip xmlns:asvg="http://schemas.microsoft.com/office/drawing/2016/SVG/main" r:embed="rId10"/>
+              </a:ext>
+            </a:extLst>
+          </a:blip>
+          <a:stretch>
+            <a:fillRect/>
+          </a:stretch>
+        </p:blipFill>
+        <p:spPr>
+          <a:xfrm>
+            <a:off x="3605071" y="5875947"/>
+            <a:ext cx="469900" cy="469900"/>
+          </a:xfrm>
+          <a:prstGeom prst="rect">
+            <a:avLst/>
+          </a:prstGeom>
+        </p:spPr>
+      </p:pic>
+      <p:sp>
+        <p:nvSpPr>
+          <p:cNvPr id="84" name="TextBox 83">
+            <a:extLst>
+              <a:ext uri="{FF2B5EF4-FFF2-40B4-BE49-F238E27FC236}">
+                <a16:creationId xmlns:a16="http://schemas.microsoft.com/office/drawing/2014/main" id="{491C3F87-B265-40F7-8EE9-7EF6DB973CA6}"/>
+              </a:ext>
+            </a:extLst>
+          </p:cNvPr>
+          <p:cNvSpPr txBox="1"/>
+          <p:nvPr/>
+        </p:nvSpPr>
+        <p:spPr>
+          <a:xfrm>
+            <a:off x="3095320" y="6285054"/>
+            <a:ext cx="1513305" cy="276999"/>
+          </a:xfrm>
+          <a:prstGeom prst="rect">
+            <a:avLst/>
+          </a:prstGeom>
+          <a:noFill/>
+        </p:spPr>
+        <p:txBody>
+          <a:bodyPr wrap="square" rtlCol="0">
+            <a:spAutoFit/>
+          </a:bodyPr>
+          <a:lstStyle/>
+          <a:p>
+            <a:pPr algn="ctr"/>
+            <a:r>
+              <a:rPr lang="en-US" sz="1200" dirty="0">
+                <a:latin typeface="Arial" panose="020B0604020202020204" pitchFamily="34" charset="0"/>
+                <a:cs typeface="Arial" panose="020B0604020202020204" pitchFamily="34" charset="0"/>
+              </a:rPr>
+              <a:t>Primary node</a:t>
+            </a:r>
+          </a:p>
+        </p:txBody>
+      </p:sp>
+      <p:sp>
+        <p:nvSpPr>
+          <p:cNvPr id="86" name="Rectangle 85">
+            <a:extLst>
+              <a:ext uri="{FF2B5EF4-FFF2-40B4-BE49-F238E27FC236}">
+                <a16:creationId xmlns:a16="http://schemas.microsoft.com/office/drawing/2014/main" id="{38B85B5F-A7D2-4248-83C4-D1D0C246E5A2}"/>
+              </a:ext>
+            </a:extLst>
+          </p:cNvPr>
+          <p:cNvSpPr/>
+          <p:nvPr/>
+        </p:nvSpPr>
+        <p:spPr>
+          <a:xfrm>
+            <a:off x="3221023" y="6763635"/>
+            <a:ext cx="5166360" cy="694944"/>
+          </a:xfrm>
+          <a:prstGeom prst="rect">
+            <a:avLst/>
+          </a:prstGeom>
+          <a:noFill/>
+          <a:ln w="12700">
+            <a:solidFill>
+              <a:srgbClr val="D86613"/>
+            </a:solidFill>
+            <a:prstDash val="dash"/>
+          </a:ln>
+        </p:spPr>
+        <p:style>
+          <a:lnRef idx="2">
+            <a:schemeClr val="accent1">
+              <a:shade val="50000"/>
+            </a:schemeClr>
+          </a:lnRef>
+          <a:fillRef idx="1">
+            <a:schemeClr val="accent1"/>
+          </a:fillRef>
+          <a:effectRef idx="0">
+            <a:schemeClr val="accent1"/>
+          </a:effectRef>
+          <a:fontRef idx="minor">
+            <a:schemeClr val="lt1"/>
+          </a:fontRef>
+        </p:style>
+        <p:txBody>
+          <a:bodyPr rot="0" spcFirstLastPara="0" vertOverflow="overflow" horzOverflow="overflow" vert="horz" wrap="square" lIns="91440" tIns="91440" rIns="91440" bIns="45720" numCol="1" spcCol="0" rtlCol="0" fromWordArt="0" anchor="t" anchorCtr="0" forceAA="0" compatLnSpc="1">
+            <a:prstTxWarp prst="textNoShape">
+              <a:avLst/>
+            </a:prstTxWarp>
+            <a:noAutofit/>
+          </a:bodyPr>
+          <a:lstStyle/>
+          <a:p>
+            <a:pPr algn="ctr"/>
+            <a:endParaRPr lang="en-US" sz="1200" dirty="0">
+              <a:solidFill>
+                <a:srgbClr val="D86613"/>
+              </a:solidFill>
+              <a:latin typeface="Arial" panose="020B0604020202020204" pitchFamily="34" charset="0"/>
+              <a:cs typeface="Arial" panose="020B0604020202020204" pitchFamily="34" charset="0"/>
+            </a:endParaRPr>
+          </a:p>
+          <a:p>
+            <a:pPr algn="ctr"/>
+            <a:r>
+              <a:rPr lang="en-US" sz="1200">
+                <a:solidFill>
+                  <a:srgbClr val="D86613"/>
+                </a:solidFill>
+                <a:latin typeface="Arial" panose="020B0604020202020204" pitchFamily="34" charset="0"/>
+                <a:cs typeface="Arial" panose="020B0604020202020204" pitchFamily="34" charset="0"/>
+              </a:rPr>
+              <a:t>         </a:t>
+            </a:r>
+            <a:endParaRPr lang="en-US" sz="1200" dirty="0">
+              <a:solidFill>
+                <a:srgbClr val="D86613"/>
+              </a:solidFill>
+              <a:latin typeface="Arial" panose="020B0604020202020204" pitchFamily="34" charset="0"/>
+              <a:cs typeface="Arial" panose="020B0604020202020204" pitchFamily="34" charset="0"/>
+            </a:endParaRPr>
+          </a:p>
+        </p:txBody>
+      </p:sp>
+      <p:pic>
+        <p:nvPicPr>
+          <p:cNvPr id="116" name="Graphic 115">
+            <a:extLst>
+              <a:ext uri="{FF2B5EF4-FFF2-40B4-BE49-F238E27FC236}">
+                <a16:creationId xmlns:a16="http://schemas.microsoft.com/office/drawing/2014/main" id="{A72A0B95-D9D9-472B-8AC6-6F68ACAE45A3}"/>
+              </a:ext>
+            </a:extLst>
+          </p:cNvPr>
+          <p:cNvPicPr>
+            <a:picLocks noChangeAspect="1"/>
+          </p:cNvPicPr>
+          <p:nvPr/>
+        </p:nvPicPr>
+        <p:blipFill>
+          <a:blip r:embed="rId11">
+            <a:extLst>
+              <a:ext uri="{96DAC541-7B7A-43D3-8B79-37D633B846F1}">
+                <asvg:svgBlip xmlns:asvg="http://schemas.microsoft.com/office/drawing/2016/SVG/main" r:embed="rId12"/>
+              </a:ext>
+            </a:extLst>
+          </a:blip>
+          <a:stretch>
+            <a:fillRect/>
+          </a:stretch>
+        </p:blipFill>
+        <p:spPr>
+          <a:xfrm>
+            <a:off x="5682806" y="6763635"/>
+            <a:ext cx="274320" cy="274320"/>
+          </a:xfrm>
+          <a:prstGeom prst="rect">
+            <a:avLst/>
+          </a:prstGeom>
+        </p:spPr>
+      </p:pic>
+      <p:pic>
+        <p:nvPicPr>
+          <p:cNvPr id="123" name="Graphic 122">
+            <a:extLst>
+              <a:ext uri="{FF2B5EF4-FFF2-40B4-BE49-F238E27FC236}">
+                <a16:creationId xmlns:a16="http://schemas.microsoft.com/office/drawing/2014/main" id="{4E174C69-F99C-4426-8E33-F573E38025A6}"/>
+              </a:ext>
+            </a:extLst>
+          </p:cNvPr>
+          <p:cNvPicPr>
+            <a:picLocks noChangeAspect="1"/>
+          </p:cNvPicPr>
+          <p:nvPr/>
+        </p:nvPicPr>
+        <p:blipFill>
+          <a:blip r:embed="rId9">
+            <a:extLst>
+              <a:ext uri="{96DAC541-7B7A-43D3-8B79-37D633B846F1}">
+                <asvg:svgBlip xmlns:asvg="http://schemas.microsoft.com/office/drawing/2016/SVG/main" r:embed="rId10"/>
+              </a:ext>
+            </a:extLst>
+          </a:blip>
+          <a:stretch>
+            <a:fillRect/>
+          </a:stretch>
+        </p:blipFill>
+        <p:spPr>
+          <a:xfrm>
+            <a:off x="3605071" y="6802444"/>
+            <a:ext cx="469900" cy="469900"/>
+          </a:xfrm>
+          <a:prstGeom prst="rect">
+            <a:avLst/>
+          </a:prstGeom>
+        </p:spPr>
+      </p:pic>
+      <p:sp>
+        <p:nvSpPr>
+          <p:cNvPr id="125" name="TextBox 124">
+            <a:extLst>
+              <a:ext uri="{FF2B5EF4-FFF2-40B4-BE49-F238E27FC236}">
+                <a16:creationId xmlns:a16="http://schemas.microsoft.com/office/drawing/2014/main" id="{55921C25-C694-44D2-A92D-6648E627A7CE}"/>
+              </a:ext>
+            </a:extLst>
+          </p:cNvPr>
+          <p:cNvSpPr txBox="1"/>
+          <p:nvPr/>
+        </p:nvSpPr>
+        <p:spPr>
+          <a:xfrm>
+            <a:off x="3074380" y="7195914"/>
+            <a:ext cx="1513305" cy="276999"/>
+          </a:xfrm>
+          <a:prstGeom prst="rect">
+            <a:avLst/>
+          </a:prstGeom>
+          <a:noFill/>
+        </p:spPr>
+        <p:txBody>
+          <a:bodyPr wrap="square" rtlCol="0">
+            <a:spAutoFit/>
+          </a:bodyPr>
+          <a:lstStyle/>
+          <a:p>
+            <a:pPr algn="ctr"/>
+            <a:r>
+              <a:rPr lang="en-US" sz="1200">
+                <a:latin typeface="Arial" panose="020B0604020202020204" pitchFamily="34" charset="0"/>
+                <a:cs typeface="Arial" panose="020B0604020202020204" pitchFamily="34" charset="0"/>
+              </a:rPr>
+              <a:t>Secondary node</a:t>
+            </a:r>
+            <a:endParaRPr lang="en-US" sz="1200" dirty="0">
+              <a:latin typeface="Arial" panose="020B0604020202020204" pitchFamily="34" charset="0"/>
+              <a:cs typeface="Arial" panose="020B0604020202020204" pitchFamily="34" charset="0"/>
+            </a:endParaRPr>
+          </a:p>
+        </p:txBody>
+      </p:sp>
+      <p:sp>
+        <p:nvSpPr>
+          <p:cNvPr id="126" name="TextBox 125">
+            <a:extLst>
+              <a:ext uri="{FF2B5EF4-FFF2-40B4-BE49-F238E27FC236}">
+                <a16:creationId xmlns:a16="http://schemas.microsoft.com/office/drawing/2014/main" id="{98073DD9-3FA6-4F40-B789-D793A8D1353F}"/>
+              </a:ext>
+            </a:extLst>
+          </p:cNvPr>
+          <p:cNvSpPr txBox="1"/>
+          <p:nvPr/>
+        </p:nvSpPr>
+        <p:spPr>
+          <a:xfrm>
+            <a:off x="4911140" y="7199068"/>
+            <a:ext cx="1769070" cy="276999"/>
+          </a:xfrm>
+          <a:prstGeom prst="rect">
+            <a:avLst/>
+          </a:prstGeom>
+          <a:noFill/>
+        </p:spPr>
+        <p:txBody>
+          <a:bodyPr wrap="square" rtlCol="0">
+            <a:spAutoFit/>
+          </a:bodyPr>
+          <a:lstStyle/>
+          <a:p>
+            <a:pPr algn="ctr"/>
+            <a:r>
+              <a:rPr lang="en-US" sz="1200" dirty="0">
+                <a:latin typeface="Arial" panose="020B0604020202020204" pitchFamily="34" charset="0"/>
+                <a:cs typeface="Arial" panose="020B0604020202020204" pitchFamily="34" charset="0"/>
+              </a:rPr>
+              <a:t>Xray secondary</a:t>
+            </a:r>
+          </a:p>
+        </p:txBody>
+      </p:sp>
+      <p:pic>
+        <p:nvPicPr>
+          <p:cNvPr id="127" name="Graphic 126">
+            <a:extLst>
+              <a:ext uri="{FF2B5EF4-FFF2-40B4-BE49-F238E27FC236}">
+                <a16:creationId xmlns:a16="http://schemas.microsoft.com/office/drawing/2014/main" id="{0EF99323-FDB0-4AEA-8894-DC77B30E6B59}"/>
+              </a:ext>
+            </a:extLst>
+          </p:cNvPr>
+          <p:cNvPicPr>
+            <a:picLocks noChangeAspect="1"/>
+          </p:cNvPicPr>
+          <p:nvPr/>
+        </p:nvPicPr>
+        <p:blipFill>
+          <a:blip r:embed="rId9">
+            <a:extLst>
+              <a:ext uri="{96DAC541-7B7A-43D3-8B79-37D633B846F1}">
+                <asvg:svgBlip xmlns:asvg="http://schemas.microsoft.com/office/drawing/2016/SVG/main" r:embed="rId10"/>
+              </a:ext>
+            </a:extLst>
+          </a:blip>
+          <a:stretch>
+            <a:fillRect/>
+          </a:stretch>
+        </p:blipFill>
+        <p:spPr>
+          <a:xfrm>
+            <a:off x="7543593" y="6802391"/>
+            <a:ext cx="469900" cy="469900"/>
+          </a:xfrm>
+          <a:prstGeom prst="rect">
+            <a:avLst/>
+          </a:prstGeom>
+        </p:spPr>
+      </p:pic>
+      <p:sp>
+        <p:nvSpPr>
+          <p:cNvPr id="130" name="TextBox 129">
+            <a:extLst>
+              <a:ext uri="{FF2B5EF4-FFF2-40B4-BE49-F238E27FC236}">
+                <a16:creationId xmlns:a16="http://schemas.microsoft.com/office/drawing/2014/main" id="{69E15268-F891-4D8F-8532-6EA951712760}"/>
+              </a:ext>
+            </a:extLst>
+          </p:cNvPr>
+          <p:cNvSpPr txBox="1"/>
+          <p:nvPr/>
+        </p:nvSpPr>
+        <p:spPr>
+          <a:xfrm>
+            <a:off x="7021891" y="7195584"/>
+            <a:ext cx="1513305" cy="276999"/>
+          </a:xfrm>
+          <a:prstGeom prst="rect">
+            <a:avLst/>
+          </a:prstGeom>
+          <a:noFill/>
+        </p:spPr>
+        <p:txBody>
+          <a:bodyPr wrap="square" rtlCol="0">
+            <a:spAutoFit/>
+          </a:bodyPr>
+          <a:lstStyle/>
+          <a:p>
+            <a:pPr algn="ctr"/>
+            <a:r>
+              <a:rPr lang="en-US" sz="1200">
+                <a:latin typeface="Arial" panose="020B0604020202020204" pitchFamily="34" charset="0"/>
+                <a:cs typeface="Arial" panose="020B0604020202020204" pitchFamily="34" charset="0"/>
+              </a:rPr>
+              <a:t>Secondary node</a:t>
+            </a:r>
+            <a:endParaRPr lang="en-US" sz="1200" dirty="0">
+              <a:latin typeface="Arial" panose="020B0604020202020204" pitchFamily="34" charset="0"/>
+              <a:cs typeface="Arial" panose="020B0604020202020204" pitchFamily="34" charset="0"/>
+            </a:endParaRPr>
+          </a:p>
+        </p:txBody>
+      </p:sp>
+      <p:sp>
+        <p:nvSpPr>
+          <p:cNvPr id="131" name="Rectangle 130">
+            <a:extLst>
+              <a:ext uri="{FF2B5EF4-FFF2-40B4-BE49-F238E27FC236}">
+                <a16:creationId xmlns:a16="http://schemas.microsoft.com/office/drawing/2014/main" id="{9A9851FC-5B7A-4A5B-B091-01CB20F90808}"/>
+              </a:ext>
+            </a:extLst>
+          </p:cNvPr>
+          <p:cNvSpPr/>
+          <p:nvPr/>
+        </p:nvSpPr>
+        <p:spPr>
+          <a:xfrm>
+            <a:off x="3218353" y="5833542"/>
+            <a:ext cx="5165644" cy="698945"/>
+          </a:xfrm>
+          <a:prstGeom prst="rect">
+            <a:avLst/>
+          </a:prstGeom>
+          <a:noFill/>
+          <a:ln w="12700">
+            <a:solidFill>
+              <a:srgbClr val="D86613"/>
+            </a:solidFill>
+            <a:prstDash val="dash"/>
+          </a:ln>
+        </p:spPr>
+        <p:style>
+          <a:lnRef idx="2">
+            <a:schemeClr val="accent1">
+              <a:shade val="50000"/>
+            </a:schemeClr>
+          </a:lnRef>
+          <a:fillRef idx="1">
+            <a:schemeClr val="accent1"/>
+          </a:fillRef>
+          <a:effectRef idx="0">
+            <a:schemeClr val="accent1"/>
+          </a:effectRef>
+          <a:fontRef idx="minor">
+            <a:schemeClr val="lt1"/>
+          </a:fontRef>
+        </p:style>
+        <p:txBody>
+          <a:bodyPr rot="0" spcFirstLastPara="0" vertOverflow="overflow" horzOverflow="overflow" vert="horz" wrap="square" lIns="91440" tIns="91440" rIns="91440" bIns="45720" numCol="1" spcCol="0" rtlCol="0" fromWordArt="0" anchor="t" anchorCtr="0" forceAA="0" compatLnSpc="1">
+            <a:prstTxWarp prst="textNoShape">
+              <a:avLst/>
+            </a:prstTxWarp>
+            <a:noAutofit/>
+          </a:bodyPr>
+          <a:lstStyle/>
+          <a:p>
+            <a:pPr algn="ctr"/>
+            <a:endParaRPr lang="en-US" sz="1200" dirty="0">
+              <a:solidFill>
+                <a:srgbClr val="D86613"/>
+              </a:solidFill>
+              <a:latin typeface="Arial" panose="020B0604020202020204" pitchFamily="34" charset="0"/>
+              <a:cs typeface="Arial" panose="020B0604020202020204" pitchFamily="34" charset="0"/>
+            </a:endParaRPr>
+          </a:p>
+        </p:txBody>
+      </p:sp>
+      <p:pic>
+        <p:nvPicPr>
+          <p:cNvPr id="132" name="Graphic 131">
+            <a:extLst>
+              <a:ext uri="{FF2B5EF4-FFF2-40B4-BE49-F238E27FC236}">
+                <a16:creationId xmlns:a16="http://schemas.microsoft.com/office/drawing/2014/main" id="{9CD68518-386E-458C-B5CA-51AA18EFC50D}"/>
+              </a:ext>
+            </a:extLst>
+          </p:cNvPr>
+          <p:cNvPicPr>
+            <a:picLocks noChangeAspect="1"/>
+          </p:cNvPicPr>
+          <p:nvPr/>
+        </p:nvPicPr>
+        <p:blipFill>
+          <a:blip r:embed="rId11">
+            <a:extLst>
+              <a:ext uri="{96DAC541-7B7A-43D3-8B79-37D633B846F1}">
+                <asvg:svgBlip xmlns:asvg="http://schemas.microsoft.com/office/drawing/2016/SVG/main" r:embed="rId12"/>
+              </a:ext>
+            </a:extLst>
+          </a:blip>
+          <a:stretch>
+            <a:fillRect/>
+          </a:stretch>
+        </p:blipFill>
+        <p:spPr>
+          <a:xfrm>
+            <a:off x="5676112" y="5833128"/>
+            <a:ext cx="277535" cy="277535"/>
+          </a:xfrm>
+          <a:prstGeom prst="rect">
+            <a:avLst/>
+          </a:prstGeom>
+        </p:spPr>
+      </p:pic>
+      <p:sp>
+        <p:nvSpPr>
+          <p:cNvPr id="133" name="TextBox 132">
+            <a:extLst>
+              <a:ext uri="{FF2B5EF4-FFF2-40B4-BE49-F238E27FC236}">
+                <a16:creationId xmlns:a16="http://schemas.microsoft.com/office/drawing/2014/main" id="{0BABA691-5A6E-4E88-B85F-20BB01D8B791}"/>
+              </a:ext>
+            </a:extLst>
+          </p:cNvPr>
+          <p:cNvSpPr txBox="1"/>
+          <p:nvPr/>
+        </p:nvSpPr>
+        <p:spPr>
+          <a:xfrm>
+            <a:off x="7020540" y="6281184"/>
+            <a:ext cx="1513305" cy="276999"/>
+          </a:xfrm>
+          <a:prstGeom prst="rect">
+            <a:avLst/>
+          </a:prstGeom>
+          <a:noFill/>
+        </p:spPr>
+        <p:txBody>
+          <a:bodyPr wrap="square" rtlCol="0">
+            <a:spAutoFit/>
+          </a:bodyPr>
+          <a:lstStyle/>
+          <a:p>
+            <a:pPr algn="ctr"/>
+            <a:r>
+              <a:rPr lang="en-US" sz="1200" dirty="0">
+                <a:latin typeface="Arial" panose="020B0604020202020204" pitchFamily="34" charset="0"/>
+                <a:cs typeface="Arial" panose="020B0604020202020204" pitchFamily="34" charset="0"/>
+              </a:rPr>
+              <a:t>Primary node</a:t>
+            </a:r>
+          </a:p>
+        </p:txBody>
+      </p:sp>
+      <p:grpSp>
+        <p:nvGrpSpPr>
+          <p:cNvPr id="134" name="Group 133">
+            <a:extLst>
+              <a:ext uri="{FF2B5EF4-FFF2-40B4-BE49-F238E27FC236}">
+                <a16:creationId xmlns:a16="http://schemas.microsoft.com/office/drawing/2014/main" id="{B14FB813-CA87-46B4-9DE3-333AC1D44393}"/>
+              </a:ext>
+            </a:extLst>
+          </p:cNvPr>
+          <p:cNvGrpSpPr/>
+          <p:nvPr/>
+        </p:nvGrpSpPr>
+        <p:grpSpPr>
+          <a:xfrm flipH="1">
+            <a:off x="8400227" y="6174134"/>
+            <a:ext cx="831012" cy="968248"/>
+            <a:chOff x="2338436" y="1567527"/>
+            <a:chExt cx="1824394" cy="331243"/>
+          </a:xfrm>
+        </p:grpSpPr>
+        <p:sp>
+          <p:nvSpPr>
+            <p:cNvPr id="135" name="Freeform 77">
+              <a:extLst>
+                <a:ext uri="{FF2B5EF4-FFF2-40B4-BE49-F238E27FC236}">
+                  <a16:creationId xmlns:a16="http://schemas.microsoft.com/office/drawing/2014/main" id="{D59B6CBD-31CE-43DC-A7C4-A9D2FDB11772}"/>
+                </a:ext>
+              </a:extLst>
+            </p:cNvPr>
+            <p:cNvSpPr/>
+            <p:nvPr/>
+          </p:nvSpPr>
+          <p:spPr>
+            <a:xfrm rot="10800000">
+              <a:off x="3690783" y="1567527"/>
+              <a:ext cx="472047" cy="331243"/>
+            </a:xfrm>
+            <a:custGeom>
+              <a:avLst/>
+              <a:gdLst>
+                <a:gd name="connsiteX0" fmla="*/ 0 w 622300"/>
+                <a:gd name="connsiteY0" fmla="*/ 0 h 1574800"/>
+                <a:gd name="connsiteX1" fmla="*/ 622300 w 622300"/>
+                <a:gd name="connsiteY1" fmla="*/ 0 h 1574800"/>
+                <a:gd name="connsiteX2" fmla="*/ 622300 w 622300"/>
+                <a:gd name="connsiteY2" fmla="*/ 1574800 h 1574800"/>
+                <a:gd name="connsiteX3" fmla="*/ 482600 w 622300"/>
+                <a:gd name="connsiteY3" fmla="*/ 1574800 h 1574800"/>
+                <a:gd name="connsiteX4" fmla="*/ 0 w 622300"/>
+                <a:gd name="connsiteY4" fmla="*/ 1574800 h 1574800"/>
+              </a:gdLst>
+              <a:ahLst/>
+              <a:cxnLst>
+                <a:cxn ang="0">
+                  <a:pos x="connsiteX0" y="connsiteY0"/>
+                </a:cxn>
+                <a:cxn ang="0">
+                  <a:pos x="connsiteX1" y="connsiteY1"/>
+                </a:cxn>
+                <a:cxn ang="0">
+                  <a:pos x="connsiteX2" y="connsiteY2"/>
+                </a:cxn>
+                <a:cxn ang="0">
+                  <a:pos x="connsiteX3" y="connsiteY3"/>
+                </a:cxn>
+                <a:cxn ang="0">
+                  <a:pos x="connsiteX4" y="connsiteY4"/>
+                </a:cxn>
+              </a:cxnLst>
+              <a:rect l="l" t="t" r="r" b="b"/>
+              <a:pathLst>
+                <a:path w="622300" h="1574800">
+                  <a:moveTo>
+                    <a:pt x="0" y="0"/>
+                  </a:moveTo>
+                  <a:lnTo>
+                    <a:pt x="622300" y="0"/>
+                  </a:lnTo>
+                  <a:lnTo>
+                    <a:pt x="622300" y="1574800"/>
+                  </a:lnTo>
+                  <a:lnTo>
+                    <a:pt x="482600" y="1574800"/>
+                  </a:lnTo>
+                  <a:lnTo>
+                    <a:pt x="0" y="1574800"/>
+                  </a:lnTo>
+                </a:path>
+              </a:pathLst>
+            </a:custGeom>
+            <a:noFill/>
+            <a:ln w="12700">
+              <a:solidFill>
+                <a:schemeClr val="tx2"/>
+              </a:solidFill>
+              <a:headEnd type="arrow" w="med" len="sm"/>
+              <a:tailEnd type="arrow" w="med" len="sm"/>
+            </a:ln>
+          </p:spPr>
+          <p:style>
+            <a:lnRef idx="2">
+              <a:schemeClr val="accent1">
+                <a:shade val="50000"/>
+              </a:schemeClr>
+            </a:lnRef>
+            <a:fillRef idx="1">
+              <a:schemeClr val="accent1"/>
+            </a:fillRef>
+            <a:effectRef idx="0">
+              <a:schemeClr val="accent1"/>
+            </a:effectRef>
+            <a:fontRef idx="minor">
+              <a:schemeClr val="lt1"/>
+            </a:fontRef>
+          </p:style>
+          <p:txBody>
+            <a:bodyPr rtlCol="0" anchor="ctr"/>
+            <a:lstStyle/>
+            <a:p>
+              <a:pPr algn="ctr"/>
+              <a:endParaRPr lang="en-US" sz="1200" dirty="0">
+                <a:latin typeface="Arial" panose="020B0604020202020204" pitchFamily="34" charset="0"/>
+                <a:cs typeface="Arial" panose="020B0604020202020204" pitchFamily="34" charset="0"/>
+              </a:endParaRPr>
+            </a:p>
+          </p:txBody>
+        </p:sp>
+        <p:cxnSp>
+          <p:nvCxnSpPr>
+            <p:cNvPr id="136" name="Straight Arrow Connector 135">
+              <a:extLst>
+                <a:ext uri="{FF2B5EF4-FFF2-40B4-BE49-F238E27FC236}">
+                  <a16:creationId xmlns:a16="http://schemas.microsoft.com/office/drawing/2014/main" id="{B06D5BC6-FADF-4846-9EDB-A4E6BC6CF28F}"/>
+                </a:ext>
+              </a:extLst>
+            </p:cNvPr>
+            <p:cNvCxnSpPr>
+              <a:cxnSpLocks/>
+            </p:cNvCxnSpPr>
+            <p:nvPr/>
+          </p:nvCxnSpPr>
+          <p:spPr>
+            <a:xfrm>
+              <a:off x="2338436" y="1733630"/>
+              <a:ext cx="1352347" cy="0"/>
+            </a:xfrm>
+            <a:prstGeom prst="straightConnector1">
+              <a:avLst/>
+            </a:prstGeom>
+            <a:ln w="12700">
+              <a:solidFill>
+                <a:srgbClr val="545B64"/>
+              </a:solidFill>
+              <a:headEnd type="none" w="med" len="sm"/>
+              <a:tailEnd type="none" w="med" len="sm"/>
+            </a:ln>
+          </p:spPr>
+          <p:style>
+            <a:lnRef idx="1">
+              <a:schemeClr val="accent1"/>
+            </a:lnRef>
+            <a:fillRef idx="0">
+              <a:schemeClr val="accent1"/>
+            </a:fillRef>
+            <a:effectRef idx="0">
+              <a:schemeClr val="accent1"/>
+            </a:effectRef>
+            <a:fontRef idx="minor">
+              <a:schemeClr val="tx1"/>
+            </a:fontRef>
+          </p:style>
+        </p:cxnSp>
+      </p:grpSp>
+      <p:sp>
+        <p:nvSpPr>
+          <p:cNvPr id="137" name="TextBox 136">
+            <a:extLst>
+              <a:ext uri="{FF2B5EF4-FFF2-40B4-BE49-F238E27FC236}">
+                <a16:creationId xmlns:a16="http://schemas.microsoft.com/office/drawing/2014/main" id="{7B3C41A9-E881-49F7-AB76-CCB11EFB4943}"/>
+              </a:ext>
+            </a:extLst>
+          </p:cNvPr>
+          <p:cNvSpPr txBox="1"/>
+          <p:nvPr/>
+        </p:nvSpPr>
+        <p:spPr>
+          <a:xfrm>
+            <a:off x="4930951" y="7020517"/>
+            <a:ext cx="1803400" cy="276999"/>
+          </a:xfrm>
+          <a:prstGeom prst="rect">
+            <a:avLst/>
+          </a:prstGeom>
+          <a:noFill/>
+        </p:spPr>
+        <p:txBody>
+          <a:bodyPr wrap="square" rtlCol="0">
+            <a:spAutoFit/>
+          </a:bodyPr>
+          <a:lstStyle/>
+          <a:p>
+            <a:pPr algn="ctr"/>
+            <a:r>
+              <a:rPr lang="en-US" sz="1200">
+                <a:solidFill>
+                  <a:srgbClr val="D86613"/>
+                </a:solidFill>
+                <a:latin typeface="Arial" panose="020B0604020202020204" pitchFamily="34" charset="0"/>
+                <a:cs typeface="Arial" panose="020B0604020202020204" pitchFamily="34" charset="0"/>
+              </a:rPr>
+              <a:t>Auto Scaling group</a:t>
+            </a:r>
+          </a:p>
+        </p:txBody>
+      </p:sp>
+      <p:pic>
+        <p:nvPicPr>
+          <p:cNvPr id="141" name="Picture 2" descr="AWS Elastic File System (EFS) Summary | by Michael Weeks | Absolute Zero |  Medium">
+            <a:extLst>
+              <a:ext uri="{FF2B5EF4-FFF2-40B4-BE49-F238E27FC236}">
+                <a16:creationId xmlns:a16="http://schemas.microsoft.com/office/drawing/2014/main" id="{3ACF9FA5-0F8F-4A90-8611-21F489F5F43A}"/>
+              </a:ext>
+            </a:extLst>
+          </p:cNvPr>
+          <p:cNvPicPr>
+            <a:picLocks noChangeAspect="1" noChangeArrowheads="1"/>
+          </p:cNvPicPr>
+          <p:nvPr/>
+        </p:nvPicPr>
+        <p:blipFill>
+          <a:blip r:embed="rId37">
+            <a:extLst>
+              <a:ext uri="{28A0092B-C50C-407E-A947-70E740481C1C}">
+                <a14:useLocalDpi xmlns:a14="http://schemas.microsoft.com/office/drawing/2010/main" val="0"/>
+              </a:ext>
+            </a:extLst>
+          </a:blip>
+          <a:srcRect/>
+          <a:stretch>
+            <a:fillRect/>
+          </a:stretch>
+        </p:blipFill>
+        <p:spPr bwMode="auto">
+          <a:xfrm>
+            <a:off x="1579944" y="6647608"/>
+            <a:ext cx="705431" cy="826319"/>
+          </a:xfrm>
+          <a:prstGeom prst="rect">
+            <a:avLst/>
+          </a:prstGeom>
+          <a:noFill/>
+          <a:extLst>
+            <a:ext uri="{909E8E84-426E-40DD-AFC4-6F175D3DCCD1}">
+              <a14:hiddenFill xmlns:a14="http://schemas.microsoft.com/office/drawing/2010/main">
+                <a:solidFill>
+                  <a:srgbClr val="FFFFFF"/>
+                </a:solidFill>
+              </a14:hiddenFill>
+            </a:ext>
+          </a:extLst>
+        </p:spPr>
+      </p:pic>
+      <p:sp>
+        <p:nvSpPr>
+          <p:cNvPr id="142" name="TextBox 141">
+            <a:extLst>
+              <a:ext uri="{FF2B5EF4-FFF2-40B4-BE49-F238E27FC236}">
+                <a16:creationId xmlns:a16="http://schemas.microsoft.com/office/drawing/2014/main" id="{90094BB5-4484-4FBA-8813-9CE70BDD6577}"/>
+              </a:ext>
+            </a:extLst>
+          </p:cNvPr>
+          <p:cNvSpPr txBox="1"/>
+          <p:nvPr/>
+        </p:nvSpPr>
+        <p:spPr>
+          <a:xfrm>
+            <a:off x="1419939" y="7388593"/>
+            <a:ext cx="1154202" cy="461665"/>
+          </a:xfrm>
+          <a:prstGeom prst="rect">
+            <a:avLst/>
+          </a:prstGeom>
+          <a:noFill/>
+        </p:spPr>
+        <p:txBody>
+          <a:bodyPr wrap="square" rtlCol="0">
+            <a:spAutoFit/>
+          </a:bodyPr>
+          <a:lstStyle/>
+          <a:p>
+            <a:pPr algn="ctr"/>
+            <a:r>
+              <a:rPr lang="en-US" sz="1200" dirty="0">
+                <a:latin typeface="Arial" panose="020B0604020202020204" pitchFamily="34" charset="0"/>
+                <a:cs typeface="Arial" panose="020B0604020202020204" pitchFamily="34" charset="0"/>
+              </a:rPr>
+              <a:t>Elastic File System (EFS)</a:t>
+            </a:r>
+          </a:p>
+        </p:txBody>
+      </p:sp>
       <p:cxnSp>
         <p:nvCxnSpPr>
-          <p:cNvPr id="129" name="Straight Arrow Connector 128">
-            <a:extLst>
-              <a:ext uri="{FF2B5EF4-FFF2-40B4-BE49-F238E27FC236}">
-                <a16:creationId xmlns:a16="http://schemas.microsoft.com/office/drawing/2014/main" id="{F9457408-49B8-D74F-A559-914152B31E54}"/>
-              </a:ext>
-            </a:extLst>
-          </p:cNvPr>
-          <p:cNvCxnSpPr/>
+          <p:cNvPr id="4" name="Connector: Elbow 3">
+            <a:extLst>
+              <a:ext uri="{FF2B5EF4-FFF2-40B4-BE49-F238E27FC236}">
+                <a16:creationId xmlns:a16="http://schemas.microsoft.com/office/drawing/2014/main" id="{8D4B0C29-1D2D-44B5-A6BB-9923D7637367}"/>
+              </a:ext>
+            </a:extLst>
+          </p:cNvPr>
+          <p:cNvCxnSpPr>
+            <a:stCxn id="141" idx="3"/>
+            <a:endCxn id="124" idx="4"/>
+          </p:cNvCxnSpPr>
           <p:nvPr/>
         </p:nvCxnSpPr>
         <p:spPr>
-          <a:xfrm>
-            <a:off x="8363083" y="6101566"/>
-            <a:ext cx="843965" cy="0"/>
-          </a:xfrm>
-          <a:prstGeom prst="straightConnector1">
-            <a:avLst/>
-          </a:prstGeom>
-          <a:ln w="12700">
-            <a:solidFill>
-              <a:srgbClr val="545B64"/>
-            </a:solidFill>
-            <a:headEnd type="arrow" w="med" len="sm"/>
-            <a:tailEnd type="none" w="med" len="sm"/>
+          <a:xfrm flipV="1">
+            <a:off x="2285375" y="4433439"/>
+            <a:ext cx="884336" cy="2627329"/>
+          </a:xfrm>
+          <a:prstGeom prst="bentConnector3">
+            <a:avLst/>
+          </a:prstGeom>
+          <a:ln>
+            <a:tailEnd type="triangle"/>
           </a:ln>
         </p:spPr>
         <p:style>
@@ -7425,78 +8134,131 @@
           </a:fontRef>
         </p:style>
       </p:cxnSp>
-      <p:pic>
-        <p:nvPicPr>
-          <p:cNvPr id="6" name="Graphic 5">
-            <a:extLst>
-              <a:ext uri="{FF2B5EF4-FFF2-40B4-BE49-F238E27FC236}">
-                <a16:creationId xmlns:a16="http://schemas.microsoft.com/office/drawing/2014/main" id="{83FA64B8-BC20-8B40-8E6C-BBC88D66EC9D}"/>
-              </a:ext>
-            </a:extLst>
-          </p:cNvPr>
-          <p:cNvPicPr>
-            <a:picLocks noChangeAspect="1"/>
-          </p:cNvPicPr>
-          <p:nvPr/>
-        </p:nvPicPr>
-        <p:blipFill>
-          <a:blip r:embed="rId33">
-            <a:extLst>
-              <a:ext uri="{96DAC541-7B7A-43D3-8B79-37D633B846F1}">
-                <asvg:svgBlip xmlns="" xmlns:asvg="http://schemas.microsoft.com/office/drawing/2016/SVG/main" r:embed="rId34"/>
-              </a:ext>
-            </a:extLst>
-          </a:blip>
-          <a:stretch>
-            <a:fillRect/>
-          </a:stretch>
-        </p:blipFill>
-        <p:spPr>
-          <a:xfrm>
-            <a:off x="9226198" y="5736754"/>
-            <a:ext cx="1342959" cy="745203"/>
-          </a:xfrm>
-          <a:prstGeom prst="rect">
-            <a:avLst/>
-          </a:prstGeom>
-        </p:spPr>
-      </p:pic>
-      <p:pic>
-        <p:nvPicPr>
-          <p:cNvPr id="8" name="Graphic 7">
-            <a:extLst>
-              <a:ext uri="{FF2B5EF4-FFF2-40B4-BE49-F238E27FC236}">
-                <a16:creationId xmlns:a16="http://schemas.microsoft.com/office/drawing/2014/main" id="{D277B287-4A2B-2A46-A369-3EC052889C48}"/>
-              </a:ext>
-            </a:extLst>
-          </p:cNvPr>
-          <p:cNvPicPr>
-            <a:picLocks noChangeAspect="1"/>
-          </p:cNvPicPr>
-          <p:nvPr/>
-        </p:nvPicPr>
-        <p:blipFill>
-          <a:blip r:embed="rId35">
-            <a:extLst>
-              <a:ext uri="{96DAC541-7B7A-43D3-8B79-37D633B846F1}">
-                <asvg:svgBlip xmlns="" xmlns:asvg="http://schemas.microsoft.com/office/drawing/2016/SVG/main" r:embed="rId36"/>
-              </a:ext>
-            </a:extLst>
-          </a:blip>
-          <a:stretch>
-            <a:fillRect/>
-          </a:stretch>
-        </p:blipFill>
-        <p:spPr>
-          <a:xfrm>
-            <a:off x="9192525" y="4497427"/>
-            <a:ext cx="1592207" cy="628149"/>
-          </a:xfrm>
-          <a:prstGeom prst="rect">
-            <a:avLst/>
-          </a:prstGeom>
-        </p:spPr>
-      </p:pic>
+      <p:cxnSp>
+        <p:nvCxnSpPr>
+          <p:cNvPr id="7" name="Connector: Elbow 6">
+            <a:extLst>
+              <a:ext uri="{FF2B5EF4-FFF2-40B4-BE49-F238E27FC236}">
+                <a16:creationId xmlns:a16="http://schemas.microsoft.com/office/drawing/2014/main" id="{844752B0-2437-4195-A4D8-4F087BEA635B}"/>
+              </a:ext>
+            </a:extLst>
+          </p:cNvPr>
+          <p:cNvCxnSpPr>
+            <a:stCxn id="141" idx="3"/>
+          </p:cNvCxnSpPr>
+          <p:nvPr/>
+        </p:nvCxnSpPr>
+        <p:spPr>
+          <a:xfrm flipV="1">
+            <a:off x="2285375" y="5273647"/>
+            <a:ext cx="780578" cy="1787121"/>
+          </a:xfrm>
+          <a:prstGeom prst="bentConnector2">
+            <a:avLst/>
+          </a:prstGeom>
+          <a:ln>
+            <a:tailEnd type="triangle"/>
+          </a:ln>
+        </p:spPr>
+        <p:style>
+          <a:lnRef idx="1">
+            <a:schemeClr val="accent1"/>
+          </a:lnRef>
+          <a:fillRef idx="0">
+            <a:schemeClr val="accent1"/>
+          </a:fillRef>
+          <a:effectRef idx="0">
+            <a:schemeClr val="accent1"/>
+          </a:effectRef>
+          <a:fontRef idx="minor">
+            <a:schemeClr val="tx1"/>
+          </a:fontRef>
+        </p:style>
+      </p:cxnSp>
+      <p:cxnSp>
+        <p:nvCxnSpPr>
+          <p:cNvPr id="10" name="Connector: Elbow 9">
+            <a:extLst>
+              <a:ext uri="{FF2B5EF4-FFF2-40B4-BE49-F238E27FC236}">
+                <a16:creationId xmlns:a16="http://schemas.microsoft.com/office/drawing/2014/main" id="{32B8F2B3-9B2A-4DE1-ABB5-85865C7C8F2C}"/>
+              </a:ext>
+            </a:extLst>
+          </p:cNvPr>
+          <p:cNvCxnSpPr>
+            <a:stCxn id="121" idx="3"/>
+            <a:endCxn id="131" idx="1"/>
+          </p:cNvCxnSpPr>
+          <p:nvPr/>
+        </p:nvCxnSpPr>
+        <p:spPr>
+          <a:xfrm>
+            <a:off x="2198450" y="5757089"/>
+            <a:ext cx="1019903" cy="425926"/>
+          </a:xfrm>
+          <a:prstGeom prst="bentConnector3">
+            <a:avLst/>
+          </a:prstGeom>
+          <a:ln>
+            <a:tailEnd type="triangle"/>
+          </a:ln>
+        </p:spPr>
+        <p:style>
+          <a:lnRef idx="1">
+            <a:schemeClr val="accent1"/>
+          </a:lnRef>
+          <a:fillRef idx="0">
+            <a:schemeClr val="accent1"/>
+          </a:fillRef>
+          <a:effectRef idx="0">
+            <a:schemeClr val="accent1"/>
+          </a:effectRef>
+          <a:fontRef idx="minor">
+            <a:schemeClr val="tx1"/>
+          </a:fontRef>
+        </p:style>
+      </p:cxnSp>
+      <p:cxnSp>
+        <p:nvCxnSpPr>
+          <p:cNvPr id="13" name="Connector: Elbow 12">
+            <a:extLst>
+              <a:ext uri="{FF2B5EF4-FFF2-40B4-BE49-F238E27FC236}">
+                <a16:creationId xmlns:a16="http://schemas.microsoft.com/office/drawing/2014/main" id="{64757619-2856-4299-9C2B-5C952A1EAF18}"/>
+              </a:ext>
+            </a:extLst>
+          </p:cNvPr>
+          <p:cNvCxnSpPr>
+            <a:stCxn id="121" idx="3"/>
+            <a:endCxn id="86" idx="1"/>
+          </p:cNvCxnSpPr>
+          <p:nvPr/>
+        </p:nvCxnSpPr>
+        <p:spPr>
+          <a:xfrm>
+            <a:off x="2198450" y="5757089"/>
+            <a:ext cx="1022573" cy="1354018"/>
+          </a:xfrm>
+          <a:prstGeom prst="bentConnector3">
+            <a:avLst/>
+          </a:prstGeom>
+          <a:ln>
+            <a:tailEnd type="triangle"/>
+          </a:ln>
+        </p:spPr>
+        <p:style>
+          <a:lnRef idx="1">
+            <a:schemeClr val="accent1"/>
+          </a:lnRef>
+          <a:fillRef idx="0">
+            <a:schemeClr val="accent1"/>
+          </a:fillRef>
+          <a:effectRef idx="0">
+            <a:schemeClr val="accent1"/>
+          </a:effectRef>
+          <a:fontRef idx="minor">
+            <a:schemeClr val="tx1"/>
+          </a:fontRef>
+        </p:style>
+      </p:cxnSp>
     </p:spTree>
     <p:extLst>
       <p:ext uri="{BB962C8B-B14F-4D97-AF65-F5344CB8AC3E}">
@@ -7529,10 +8291,10 @@
       </p:grpSpPr>
       <p:sp>
         <p:nvSpPr>
-          <p:cNvPr id="59" name="Rectangle 58">
-            <a:extLst>
-              <a:ext uri="{FF2B5EF4-FFF2-40B4-BE49-F238E27FC236}">
-                <a16:creationId xmlns:a16="http://schemas.microsoft.com/office/drawing/2014/main" id="{41BC9E44-8E66-3144-ACE4-3F48D4B12908}"/>
+          <p:cNvPr id="115" name="Rectangle 114">
+            <a:extLst>
+              <a:ext uri="{FF2B5EF4-FFF2-40B4-BE49-F238E27FC236}">
+                <a16:creationId xmlns:a16="http://schemas.microsoft.com/office/drawing/2014/main" id="{EA1FA80F-5CD7-4151-A8A1-C0CAB42E2C2A}"/>
               </a:ext>
             </a:extLst>
           </p:cNvPr>
@@ -7541,20 +8303,18 @@
         </p:nvSpPr>
         <p:spPr>
           <a:xfrm>
-            <a:off x="2621437" y="4320496"/>
-            <a:ext cx="2322576" cy="2917929"/>
-          </a:xfrm>
-          <a:prstGeom prst="rect">
-            <a:avLst/>
-          </a:prstGeom>
-          <a:solidFill>
-            <a:srgbClr val="007CBC">
-              <a:alpha val="9804"/>
-            </a:srgbClr>
-          </a:solidFill>
+            <a:off x="4015027" y="5957557"/>
+            <a:ext cx="5216196" cy="554269"/>
+          </a:xfrm>
+          <a:prstGeom prst="rect">
+            <a:avLst/>
+          </a:prstGeom>
+          <a:noFill/>
           <a:ln w="12700">
-            <a:noFill/>
-            <a:prstDash val="solid"/>
+            <a:solidFill>
+              <a:srgbClr val="D86613"/>
+            </a:solidFill>
+            <a:prstDash val="dash"/>
           </a:ln>
         </p:spPr>
         <p:style>
@@ -7574,7 +8334,7 @@
           </a:fontRef>
         </p:style>
         <p:txBody>
-          <a:bodyPr rot="0" spcFirstLastPara="0" vertOverflow="overflow" horzOverflow="overflow" vert="horz" wrap="square" lIns="338328" tIns="45720" rIns="91440" bIns="45720" numCol="1" spcCol="0" rtlCol="0" fromWordArt="0" anchor="t" anchorCtr="0" forceAA="0" compatLnSpc="1">
+          <a:bodyPr rot="0" spcFirstLastPara="0" vertOverflow="overflow" horzOverflow="overflow" vert="horz" wrap="square" lIns="91440" tIns="91440" rIns="91440" bIns="45720" numCol="1" spcCol="0" rtlCol="0" fromWordArt="0" anchor="t" anchorCtr="0" forceAA="0" compatLnSpc="1">
             <a:prstTxWarp prst="textNoShape">
               <a:avLst/>
             </a:prstTxWarp>
@@ -7582,26 +8342,31 @@
           </a:bodyPr>
           <a:lstStyle/>
           <a:p>
-            <a:pPr algn="l"/>
-            <a:r>
-              <a:rPr lang="en-US" sz="1200" dirty="0">
+            <a:pPr algn="ctr"/>
+            <a:endParaRPr lang="en-US" sz="1100" dirty="0">
+              <a:solidFill>
+                <a:srgbClr val="D86613"/>
+              </a:solidFill>
+            </a:endParaRPr>
+          </a:p>
+          <a:p>
+            <a:r>
+              <a:rPr lang="en-US" sz="1100" dirty="0">
                 <a:solidFill>
-                  <a:schemeClr val="accent5">
-                    <a:lumMod val="75000"/>
-                  </a:schemeClr>
+                  <a:srgbClr val="D86613"/>
                 </a:solidFill>
               </a:rPr>
-              <a:t>Private subnet</a:t>
-            </a:r>
-          </a:p>
-        </p:txBody>
-      </p:sp>
-      <p:sp>
-        <p:nvSpPr>
-          <p:cNvPr id="95" name="Rectangle 94">
-            <a:extLst>
-              <a:ext uri="{FF2B5EF4-FFF2-40B4-BE49-F238E27FC236}">
-                <a16:creationId xmlns:a16="http://schemas.microsoft.com/office/drawing/2014/main" id="{891F0CD3-B2D1-BF40-A87C-82BD95CF0AD0}"/>
+              <a:t>                                                               Auto Scaling group</a:t>
+            </a:r>
+          </a:p>
+        </p:txBody>
+      </p:sp>
+      <p:sp>
+        <p:nvSpPr>
+          <p:cNvPr id="52" name="Rectangle 51">
+            <a:extLst>
+              <a:ext uri="{FF2B5EF4-FFF2-40B4-BE49-F238E27FC236}">
+                <a16:creationId xmlns:a16="http://schemas.microsoft.com/office/drawing/2014/main" id="{D0B91E44-C6BF-494E-B6A9-D25349F6E570}"/>
               </a:ext>
             </a:extLst>
           </p:cNvPr>
@@ -7610,18 +8375,22 @@
         </p:nvSpPr>
         <p:spPr>
           <a:xfrm>
-            <a:off x="2772170" y="4642900"/>
-            <a:ext cx="5830657" cy="1786567"/>
-          </a:xfrm>
-          <a:prstGeom prst="rect">
-            <a:avLst/>
-          </a:prstGeom>
-          <a:noFill/>
+            <a:off x="7497700" y="4127260"/>
+            <a:ext cx="2214564" cy="3512442"/>
+          </a:xfrm>
+          <a:prstGeom prst="rect">
+            <a:avLst/>
+          </a:prstGeom>
+          <a:solidFill>
+            <a:srgbClr val="007CBC">
+              <a:alpha val="9804"/>
+            </a:srgbClr>
+          </a:solidFill>
           <a:ln w="12700">
             <a:solidFill>
-              <a:srgbClr val="D86613"/>
+              <a:schemeClr val="accent5"/>
             </a:solidFill>
-            <a:prstDash val="dash"/>
+            <a:prstDash val="solid"/>
           </a:ln>
         </p:spPr>
         <p:style>
@@ -7641,7 +8410,7 @@
           </a:fontRef>
         </p:style>
         <p:txBody>
-          <a:bodyPr rot="0" spcFirstLastPara="0" vertOverflow="overflow" horzOverflow="overflow" vert="horz" wrap="square" lIns="91440" tIns="91440" rIns="91440" bIns="45720" numCol="1" spcCol="0" rtlCol="0" fromWordArt="0" anchor="t" anchorCtr="0" forceAA="0" compatLnSpc="1">
+          <a:bodyPr rot="0" spcFirstLastPara="0" vertOverflow="overflow" horzOverflow="overflow" vert="horz" wrap="square" lIns="338328" tIns="45720" rIns="91440" bIns="45720" numCol="1" spcCol="0" rtlCol="0" fromWordArt="0" anchor="t" anchorCtr="0" forceAA="0" compatLnSpc="1">
             <a:prstTxWarp prst="textNoShape">
               <a:avLst/>
             </a:prstTxWarp>
@@ -7649,12 +8418,17 @@
           </a:bodyPr>
           <a:lstStyle/>
           <a:p>
-            <a:pPr algn="ctr"/>
-            <a:endParaRPr lang="en-US" sz="1100" dirty="0">
-              <a:solidFill>
-                <a:srgbClr val="D86613"/>
-              </a:solidFill>
-            </a:endParaRPr>
+            <a:pPr algn="l"/>
+            <a:r>
+              <a:rPr lang="en-US" sz="1200" dirty="0">
+                <a:solidFill>
+                  <a:schemeClr val="accent5">
+                    <a:lumMod val="75000"/>
+                  </a:schemeClr>
+                </a:solidFill>
+              </a:rPr>
+              <a:t>Private subnet</a:t>
+            </a:r>
           </a:p>
         </p:txBody>
       </p:sp>
@@ -7672,8 +8446,8 @@
         </p:nvSpPr>
         <p:spPr>
           <a:xfrm>
-            <a:off x="2617228" y="2537417"/>
-            <a:ext cx="2322576" cy="1668769"/>
+            <a:off x="3501951" y="2478788"/>
+            <a:ext cx="2214564" cy="1558357"/>
           </a:xfrm>
           <a:prstGeom prst="rect">
             <a:avLst/>
@@ -7684,7 +8458,11 @@
             </a:srgbClr>
           </a:solidFill>
           <a:ln w="12700">
-            <a:noFill/>
+            <a:solidFill>
+              <a:schemeClr val="accent6">
+                <a:lumMod val="75000"/>
+              </a:schemeClr>
+            </a:solidFill>
             <a:prstDash val="solid"/>
           </a:ln>
         </p:spPr>
@@ -7729,10 +8507,10 @@
       </p:sp>
       <p:sp>
         <p:nvSpPr>
-          <p:cNvPr id="35" name="Rectangle 34">
-            <a:extLst>
-              <a:ext uri="{FF2B5EF4-FFF2-40B4-BE49-F238E27FC236}">
-                <a16:creationId xmlns:a16="http://schemas.microsoft.com/office/drawing/2014/main" id="{CE7F7081-419C-2E4F-A999-2923C4338FC0}"/>
+          <p:cNvPr id="58" name="Rectangle 57">
+            <a:extLst>
+              <a:ext uri="{FF2B5EF4-FFF2-40B4-BE49-F238E27FC236}">
+                <a16:creationId xmlns:a16="http://schemas.microsoft.com/office/drawing/2014/main" id="{A5864494-7B4B-114A-A3EE-7BF256B3B491}"/>
               </a:ext>
             </a:extLst>
           </p:cNvPr>
@@ -7741,17 +8519,24 @@
         </p:nvSpPr>
         <p:spPr>
           <a:xfrm>
-            <a:off x="1366156" y="1751443"/>
-            <a:ext cx="9391492" cy="5870169"/>
-          </a:xfrm>
-          <a:prstGeom prst="rect">
-            <a:avLst/>
-          </a:prstGeom>
-          <a:noFill/>
+            <a:off x="7492807" y="2476385"/>
+            <a:ext cx="2214564" cy="1526343"/>
+          </a:xfrm>
+          <a:prstGeom prst="rect">
+            <a:avLst/>
+          </a:prstGeom>
+          <a:solidFill>
+            <a:srgbClr val="1D8900">
+              <a:alpha val="9804"/>
+            </a:srgbClr>
+          </a:solidFill>
           <a:ln w="12700">
             <a:solidFill>
-              <a:schemeClr val="tx1"/>
+              <a:schemeClr val="accent6">
+                <a:lumMod val="75000"/>
+              </a:schemeClr>
             </a:solidFill>
+            <a:prstDash val="solid"/>
           </a:ln>
         </p:spPr>
         <p:style>
@@ -7771,7 +8556,7 @@
           </a:fontRef>
         </p:style>
         <p:txBody>
-          <a:bodyPr rot="0" spcFirstLastPara="0" vertOverflow="overflow" horzOverflow="overflow" vert="horz" wrap="square" lIns="457200" tIns="91440" rIns="91440" bIns="45720" numCol="1" spcCol="0" rtlCol="0" fromWordArt="0" anchor="t" anchorCtr="0" forceAA="0" compatLnSpc="1">
+          <a:bodyPr rot="0" spcFirstLastPara="0" vertOverflow="overflow" horzOverflow="overflow" vert="horz" wrap="square" lIns="338328" tIns="45720" rIns="91440" bIns="45720" numCol="1" spcCol="0" rtlCol="0" fromWordArt="0" anchor="t" anchorCtr="0" forceAA="0" compatLnSpc="1">
             <a:prstTxWarp prst="textNoShape">
               <a:avLst/>
             </a:prstTxWarp>
@@ -7783,56 +8568,106 @@
             <a:r>
               <a:rPr lang="en-US" sz="1200" dirty="0">
                 <a:solidFill>
-                  <a:sysClr val="windowText" lastClr="000000"/>
+                  <a:schemeClr val="accent6">
+                    <a:lumMod val="75000"/>
+                  </a:schemeClr>
                 </a:solidFill>
               </a:rPr>
-              <a:t>AWS Cloud</a:t>
-            </a:r>
-          </a:p>
-        </p:txBody>
-      </p:sp>
-      <p:pic>
-        <p:nvPicPr>
-          <p:cNvPr id="12" name="Graphic 11">
-            <a:extLst>
-              <a:ext uri="{FF2B5EF4-FFF2-40B4-BE49-F238E27FC236}">
-                <a16:creationId xmlns:a16="http://schemas.microsoft.com/office/drawing/2014/main" id="{CE52C9D7-11B0-9E41-AB16-2C9849C3ECBE}"/>
-              </a:ext>
-            </a:extLst>
-          </p:cNvPr>
-          <p:cNvPicPr>
-            <a:picLocks noChangeAspect="1"/>
-          </p:cNvPicPr>
-          <p:nvPr/>
-        </p:nvPicPr>
-        <p:blipFill>
-          <a:blip r:embed="rId3">
-            <a:extLst>
-              <a:ext uri="{96DAC541-7B7A-43D3-8B79-37D633B846F1}">
-                <asvg:svgBlip xmlns="" xmlns:asvg="http://schemas.microsoft.com/office/drawing/2016/SVG/main" r:embed="rId4"/>
-              </a:ext>
-            </a:extLst>
-          </a:blip>
-          <a:stretch>
-            <a:fillRect/>
-          </a:stretch>
-        </p:blipFill>
-        <p:spPr>
-          <a:xfrm>
-            <a:off x="1366156" y="1750177"/>
-            <a:ext cx="329184" cy="329184"/>
-          </a:xfrm>
-          <a:prstGeom prst="rect">
-            <a:avLst/>
-          </a:prstGeom>
-        </p:spPr>
-      </p:pic>
-      <p:sp>
-        <p:nvSpPr>
-          <p:cNvPr id="38" name="Rectangle 37">
-            <a:extLst>
-              <a:ext uri="{FF2B5EF4-FFF2-40B4-BE49-F238E27FC236}">
-                <a16:creationId xmlns:a16="http://schemas.microsoft.com/office/drawing/2014/main" id="{B49515D6-3F2B-974D-BD44-4567F9748DBA}"/>
+              <a:t>Public subnet</a:t>
+            </a:r>
+          </a:p>
+        </p:txBody>
+      </p:sp>
+      <p:sp>
+        <p:nvSpPr>
+          <p:cNvPr id="86" name="TextBox 85">
+            <a:extLst>
+              <a:ext uri="{FF2B5EF4-FFF2-40B4-BE49-F238E27FC236}">
+                <a16:creationId xmlns:a16="http://schemas.microsoft.com/office/drawing/2014/main" id="{853148E2-83B6-324A-82D9-6AAC42650D08}"/>
+              </a:ext>
+            </a:extLst>
+          </p:cNvPr>
+          <p:cNvSpPr txBox="1"/>
+          <p:nvPr/>
+        </p:nvSpPr>
+        <p:spPr>
+          <a:xfrm>
+            <a:off x="8302072" y="2488927"/>
+            <a:ext cx="1769070" cy="276999"/>
+          </a:xfrm>
+          <a:prstGeom prst="rect">
+            <a:avLst/>
+          </a:prstGeom>
+          <a:noFill/>
+        </p:spPr>
+        <p:txBody>
+          <a:bodyPr wrap="square" rtlCol="0">
+            <a:spAutoFit/>
+          </a:bodyPr>
+          <a:lstStyle/>
+          <a:p>
+            <a:pPr algn="ctr"/>
+            <a:r>
+              <a:rPr lang="en-US" sz="1200" dirty="0">
+                <a:solidFill>
+                  <a:schemeClr val="accent6">
+                    <a:lumMod val="75000"/>
+                  </a:schemeClr>
+                </a:solidFill>
+              </a:rPr>
+              <a:t>10.0.4.0/24</a:t>
+            </a:r>
+          </a:p>
+        </p:txBody>
+      </p:sp>
+      <p:sp>
+        <p:nvSpPr>
+          <p:cNvPr id="84" name="TextBox 83">
+            <a:extLst>
+              <a:ext uri="{FF2B5EF4-FFF2-40B4-BE49-F238E27FC236}">
+                <a16:creationId xmlns:a16="http://schemas.microsoft.com/office/drawing/2014/main" id="{91867495-C0B7-D944-B02E-7A49575EDBF7}"/>
+              </a:ext>
+            </a:extLst>
+          </p:cNvPr>
+          <p:cNvSpPr txBox="1"/>
+          <p:nvPr/>
+        </p:nvSpPr>
+        <p:spPr>
+          <a:xfrm>
+            <a:off x="8656345" y="4149547"/>
+            <a:ext cx="1097280" cy="276999"/>
+          </a:xfrm>
+          <a:prstGeom prst="rect">
+            <a:avLst/>
+          </a:prstGeom>
+          <a:noFill/>
+        </p:spPr>
+        <p:txBody>
+          <a:bodyPr wrap="square" rtlCol="0">
+            <a:noAutofit/>
+          </a:bodyPr>
+          <a:lstStyle/>
+          <a:p>
+            <a:pPr algn="ctr"/>
+            <a:r>
+              <a:rPr lang="en-US" sz="1200" dirty="0">
+                <a:solidFill>
+                  <a:schemeClr val="accent5">
+                    <a:lumMod val="75000"/>
+                  </a:schemeClr>
+                </a:solidFill>
+              </a:rPr>
+              <a:t>10.0.2.0/24</a:t>
+            </a:r>
+          </a:p>
+        </p:txBody>
+      </p:sp>
+      <p:sp>
+        <p:nvSpPr>
+          <p:cNvPr id="59" name="Rectangle 58">
+            <a:extLst>
+              <a:ext uri="{FF2B5EF4-FFF2-40B4-BE49-F238E27FC236}">
+                <a16:creationId xmlns:a16="http://schemas.microsoft.com/office/drawing/2014/main" id="{41BC9E44-8E66-3144-ACE4-3F48D4B12908}"/>
               </a:ext>
             </a:extLst>
           </p:cNvPr>
@@ -7841,18 +8676,22 @@
         </p:nvSpPr>
         <p:spPr>
           <a:xfrm>
-            <a:off x="2495570" y="2054982"/>
-            <a:ext cx="2625577" cy="5313584"/>
-          </a:xfrm>
-          <a:prstGeom prst="rect">
-            <a:avLst/>
-          </a:prstGeom>
-          <a:noFill/>
+            <a:off x="3507771" y="4183601"/>
+            <a:ext cx="2214564" cy="3456101"/>
+          </a:xfrm>
+          <a:prstGeom prst="rect">
+            <a:avLst/>
+          </a:prstGeom>
+          <a:solidFill>
+            <a:srgbClr val="007CBC">
+              <a:alpha val="9804"/>
+            </a:srgbClr>
+          </a:solidFill>
           <a:ln w="12700">
             <a:solidFill>
               <a:schemeClr val="accent5"/>
             </a:solidFill>
-            <a:prstDash val="dash"/>
+            <a:prstDash val="solid"/>
           </a:ln>
         </p:spPr>
         <p:style>
@@ -7872,7 +8711,7 @@
           </a:fontRef>
         </p:style>
         <p:txBody>
-          <a:bodyPr rot="0" spcFirstLastPara="0" vertOverflow="overflow" horzOverflow="overflow" vert="horz" wrap="square" lIns="91440" tIns="91440" rIns="91440" bIns="45720" numCol="1" spcCol="0" rtlCol="0" fromWordArt="0" anchor="t" anchorCtr="0" forceAA="0" compatLnSpc="1">
+          <a:bodyPr rot="0" spcFirstLastPara="0" vertOverflow="overflow" horzOverflow="overflow" vert="horz" wrap="square" lIns="338328" tIns="45720" rIns="91440" bIns="45720" numCol="1" spcCol="0" rtlCol="0" fromWordArt="0" anchor="t" anchorCtr="0" forceAA="0" compatLnSpc="1">
             <a:prstTxWarp prst="textNoShape">
               <a:avLst/>
             </a:prstTxWarp>
@@ -7880,24 +8719,100 @@
           </a:bodyPr>
           <a:lstStyle/>
           <a:p>
-            <a:pPr algn="ctr"/>
+            <a:pPr algn="l"/>
             <a:r>
               <a:rPr lang="en-US" sz="1200" dirty="0">
                 <a:solidFill>
-                  <a:schemeClr val="accent5"/>
+                  <a:schemeClr val="accent5">
+                    <a:lumMod val="75000"/>
+                  </a:schemeClr>
                 </a:solidFill>
               </a:rPr>
-              <a:t>Availability Zone 1 </a:t>
-            </a:r>
-          </a:p>
-        </p:txBody>
-      </p:sp>
-      <p:sp>
-        <p:nvSpPr>
-          <p:cNvPr id="42" name="Rectangle 41">
-            <a:extLst>
-              <a:ext uri="{FF2B5EF4-FFF2-40B4-BE49-F238E27FC236}">
-                <a16:creationId xmlns:a16="http://schemas.microsoft.com/office/drawing/2014/main" id="{CFE615A1-47A2-7C46-BF1C-41DAFA36A0C7}"/>
+              <a:t>Private subnet</a:t>
+            </a:r>
+          </a:p>
+        </p:txBody>
+      </p:sp>
+      <p:sp>
+        <p:nvSpPr>
+          <p:cNvPr id="5" name="Slide Number Placeholder 4">
+            <a:extLst>
+              <a:ext uri="{FF2B5EF4-FFF2-40B4-BE49-F238E27FC236}">
+                <a16:creationId xmlns:a16="http://schemas.microsoft.com/office/drawing/2014/main" id="{9B54F766-87AB-C446-AFF6-E8E2E50450C5}"/>
+              </a:ext>
+            </a:extLst>
+          </p:cNvPr>
+          <p:cNvSpPr>
+            <a:spLocks noGrp="1"/>
+          </p:cNvSpPr>
+          <p:nvPr>
+            <p:ph type="sldNum" sz="quarter" idx="10"/>
+          </p:nvPr>
+        </p:nvSpPr>
+        <p:spPr>
+          <a:xfrm>
+            <a:off x="8166268" y="1504299"/>
+            <a:ext cx="2743200" cy="365125"/>
+          </a:xfrm>
+        </p:spPr>
+        <p:txBody>
+          <a:bodyPr/>
+          <a:lstStyle/>
+          <a:p>
+            <a:fld id="{0E0E0192-C642-4D4F-AE82-A0D0DC02E26B}" type="slidenum">
+              <a:rPr lang="en-US" smtClean="0"/>
+              <a:pPr/>
+              <a:t>2</a:t>
+            </a:fld>
+            <a:endParaRPr lang="en-US" dirty="0"/>
+          </a:p>
+        </p:txBody>
+      </p:sp>
+      <p:sp>
+        <p:nvSpPr>
+          <p:cNvPr id="2" name="Title 1">
+            <a:extLst>
+              <a:ext uri="{FF2B5EF4-FFF2-40B4-BE49-F238E27FC236}">
+                <a16:creationId xmlns:a16="http://schemas.microsoft.com/office/drawing/2014/main" id="{A429D488-79C0-2B45-ADFC-1E9D89072941}"/>
+              </a:ext>
+            </a:extLst>
+          </p:cNvPr>
+          <p:cNvSpPr>
+            <a:spLocks noGrp="1"/>
+          </p:cNvSpPr>
+          <p:nvPr>
+            <p:ph type="title"/>
+          </p:nvPr>
+        </p:nvSpPr>
+        <p:spPr>
+          <a:xfrm>
+            <a:off x="4809102" y="1706356"/>
+            <a:ext cx="3950442" cy="559397"/>
+          </a:xfrm>
+        </p:spPr>
+        <p:txBody>
+          <a:bodyPr>
+            <a:normAutofit/>
+          </a:bodyPr>
+          <a:lstStyle/>
+          <a:p>
+            <a:r>
+              <a:rPr lang="en-US" sz="1800" dirty="0" err="1"/>
+              <a:t>JFrog</a:t>
+            </a:r>
+            <a:r>
+              <a:rPr lang="en-US" sz="1800" dirty="0"/>
+              <a:t> EC2 High Availability Deployment</a:t>
+            </a:r>
+          </a:p>
+        </p:txBody>
+      </p:sp>
+      <p:sp>
+        <p:nvSpPr>
+          <p:cNvPr id="35" name="Rectangle 34">
+            <a:extLst>
+              <a:ext uri="{FF2B5EF4-FFF2-40B4-BE49-F238E27FC236}">
+                <a16:creationId xmlns:a16="http://schemas.microsoft.com/office/drawing/2014/main" id="{CE7F7081-419C-2E4F-A999-2923C4338FC0}"/>
               </a:ext>
             </a:extLst>
           </p:cNvPr>
@@ -7906,8 +8821,8 @@
         </p:nvSpPr>
         <p:spPr>
           <a:xfrm>
-            <a:off x="1500597" y="2349211"/>
-            <a:ext cx="7941030" cy="5147508"/>
+            <a:off x="2125956" y="1830888"/>
+            <a:ext cx="9532637" cy="6044149"/>
           </a:xfrm>
           <a:prstGeom prst="rect">
             <a:avLst/>
@@ -7915,9 +8830,7 @@
           <a:noFill/>
           <a:ln w="12700">
             <a:solidFill>
-              <a:schemeClr val="accent6">
-                <a:lumMod val="75000"/>
-              </a:schemeClr>
+              <a:schemeClr val="tx1"/>
             </a:solidFill>
           </a:ln>
         </p:spPr>
@@ -7949,24 +8862,21 @@
             <a:pPr algn="l"/>
             <a:r>
               <a:rPr lang="en-US" sz="1200" dirty="0">
-                <a:ln w="0"/>
                 <a:solidFill>
-                  <a:schemeClr val="accent6">
-                    <a:lumMod val="75000"/>
-                  </a:schemeClr>
+                  <a:sysClr val="windowText" lastClr="000000"/>
                 </a:solidFill>
               </a:rPr>
-              <a:t>VPC</a:t>
+              <a:t>AWS Cloud</a:t>
             </a:r>
           </a:p>
         </p:txBody>
       </p:sp>
       <p:pic>
         <p:nvPicPr>
-          <p:cNvPr id="45" name="Graphic 44">
-            <a:extLst>
-              <a:ext uri="{FF2B5EF4-FFF2-40B4-BE49-F238E27FC236}">
-                <a16:creationId xmlns:a16="http://schemas.microsoft.com/office/drawing/2014/main" id="{1D8BD82B-EEBD-D04C-BAD0-1AE0FE879C4A}"/>
+          <p:cNvPr id="12" name="Graphic 11">
+            <a:extLst>
+              <a:ext uri="{FF2B5EF4-FFF2-40B4-BE49-F238E27FC236}">
+                <a16:creationId xmlns:a16="http://schemas.microsoft.com/office/drawing/2014/main" id="{CE52C9D7-11B0-9E41-AB16-2C9849C3ECBE}"/>
               </a:ext>
             </a:extLst>
           </p:cNvPr>
@@ -7976,10 +8886,10 @@
           <p:nvPr/>
         </p:nvPicPr>
         <p:blipFill>
-          <a:blip r:embed="rId5">
+          <a:blip r:embed="rId3">
             <a:extLst>
               <a:ext uri="{96DAC541-7B7A-43D3-8B79-37D633B846F1}">
-                <asvg:svgBlip xmlns="" xmlns:asvg="http://schemas.microsoft.com/office/drawing/2016/SVG/main" r:embed="rId6"/>
+                <asvg:svgBlip xmlns:asvg="http://schemas.microsoft.com/office/drawing/2016/SVG/main" r:embed="rId4"/>
               </a:ext>
             </a:extLst>
           </a:blip>
@@ -7989,8 +8899,8 @@
         </p:blipFill>
         <p:spPr>
           <a:xfrm>
-            <a:off x="1500596" y="2344913"/>
-            <a:ext cx="330200" cy="330200"/>
+            <a:off x="2123822" y="1833505"/>
+            <a:ext cx="365598" cy="365598"/>
           </a:xfrm>
           <a:prstGeom prst="rect">
             <a:avLst/>
@@ -7999,251 +8909,10 @@
       </p:pic>
       <p:sp>
         <p:nvSpPr>
-          <p:cNvPr id="63" name="TextBox 62">
-            <a:extLst>
-              <a:ext uri="{FF2B5EF4-FFF2-40B4-BE49-F238E27FC236}">
-                <a16:creationId xmlns:a16="http://schemas.microsoft.com/office/drawing/2014/main" id="{FE764737-0E73-594C-AE8B-DB71DA1EB227}"/>
-              </a:ext>
-            </a:extLst>
-          </p:cNvPr>
-          <p:cNvSpPr txBox="1"/>
-          <p:nvPr/>
-        </p:nvSpPr>
-        <p:spPr>
-          <a:xfrm>
-            <a:off x="3563269" y="4326348"/>
-            <a:ext cx="1769070" cy="276999"/>
-          </a:xfrm>
-          <a:prstGeom prst="rect">
-            <a:avLst/>
-          </a:prstGeom>
-          <a:noFill/>
-        </p:spPr>
-        <p:txBody>
-          <a:bodyPr wrap="square" rtlCol="0">
-            <a:spAutoFit/>
-          </a:bodyPr>
-          <a:lstStyle/>
-          <a:p>
-            <a:pPr algn="ctr"/>
-            <a:r>
-              <a:rPr lang="en-US" sz="1200" dirty="0">
-                <a:solidFill>
-                  <a:schemeClr val="accent5"/>
-                </a:solidFill>
-              </a:rPr>
-              <a:t>10.0.0.0/19</a:t>
-            </a:r>
-          </a:p>
-        </p:txBody>
-      </p:sp>
-      <p:pic>
-        <p:nvPicPr>
-          <p:cNvPr id="69" name="Graphic 68">
-            <a:extLst>
-              <a:ext uri="{FF2B5EF4-FFF2-40B4-BE49-F238E27FC236}">
-                <a16:creationId xmlns:a16="http://schemas.microsoft.com/office/drawing/2014/main" id="{09EB77DE-05FC-F740-B942-35485585AE24}"/>
-              </a:ext>
-            </a:extLst>
-          </p:cNvPr>
-          <p:cNvPicPr>
-            <a:picLocks/>
-          </p:cNvPicPr>
-          <p:nvPr/>
-        </p:nvPicPr>
-        <p:blipFill>
-          <a:blip r:embed="rId7">
-            <a:extLst>
-              <a:ext uri="{96DAC541-7B7A-43D3-8B79-37D633B846F1}">
-                <asvg:svgBlip xmlns="" xmlns:asvg="http://schemas.microsoft.com/office/drawing/2016/SVG/main" r:embed="rId8"/>
-              </a:ext>
-            </a:extLst>
-          </a:blip>
-          <a:stretch>
-            <a:fillRect/>
-          </a:stretch>
-        </p:blipFill>
-        <p:spPr>
-          <a:xfrm>
-            <a:off x="2621437" y="2537416"/>
-            <a:ext cx="274320" cy="274320"/>
-          </a:xfrm>
-          <a:prstGeom prst="rect">
-            <a:avLst/>
-          </a:prstGeom>
-        </p:spPr>
-      </p:pic>
-      <p:sp>
-        <p:nvSpPr>
-          <p:cNvPr id="72" name="TextBox 71">
-            <a:extLst>
-              <a:ext uri="{FF2B5EF4-FFF2-40B4-BE49-F238E27FC236}">
-                <a16:creationId xmlns:a16="http://schemas.microsoft.com/office/drawing/2014/main" id="{18D2CF70-69F3-2A43-9756-57323A482E12}"/>
-              </a:ext>
-            </a:extLst>
-          </p:cNvPr>
-          <p:cNvSpPr txBox="1"/>
-          <p:nvPr/>
-        </p:nvSpPr>
-        <p:spPr>
-          <a:xfrm>
-            <a:off x="3560245" y="2523650"/>
-            <a:ext cx="1769070" cy="276999"/>
-          </a:xfrm>
-          <a:prstGeom prst="rect">
-            <a:avLst/>
-          </a:prstGeom>
-          <a:noFill/>
-        </p:spPr>
-        <p:txBody>
-          <a:bodyPr wrap="square" rtlCol="0">
-            <a:spAutoFit/>
-          </a:bodyPr>
-          <a:lstStyle/>
-          <a:p>
-            <a:pPr algn="ctr"/>
-            <a:r>
-              <a:rPr lang="en-US" sz="1200" dirty="0">
-                <a:solidFill>
-                  <a:schemeClr val="accent6">
-                    <a:lumMod val="75000"/>
-                  </a:schemeClr>
-                </a:solidFill>
-              </a:rPr>
-              <a:t>10.0.128.0/20</a:t>
-            </a:r>
-          </a:p>
-        </p:txBody>
-      </p:sp>
-      <p:sp>
-        <p:nvSpPr>
-          <p:cNvPr id="74" name="TextBox 73">
-            <a:extLst>
-              <a:ext uri="{FF2B5EF4-FFF2-40B4-BE49-F238E27FC236}">
-                <a16:creationId xmlns:a16="http://schemas.microsoft.com/office/drawing/2014/main" id="{48225619-6388-144A-A00A-67325F4CEEE7}"/>
-              </a:ext>
-            </a:extLst>
-          </p:cNvPr>
-          <p:cNvSpPr txBox="1"/>
-          <p:nvPr/>
-        </p:nvSpPr>
-        <p:spPr>
-          <a:xfrm>
-            <a:off x="5288850" y="7196842"/>
-            <a:ext cx="944631" cy="276999"/>
-          </a:xfrm>
-          <a:prstGeom prst="rect">
-            <a:avLst/>
-          </a:prstGeom>
-          <a:noFill/>
-        </p:spPr>
-        <p:txBody>
-          <a:bodyPr wrap="square" rtlCol="0">
-            <a:spAutoFit/>
-          </a:bodyPr>
-          <a:lstStyle/>
-          <a:p>
-            <a:pPr algn="ctr"/>
-            <a:r>
-              <a:rPr lang="en-US" sz="1200" dirty="0">
-                <a:solidFill>
-                  <a:schemeClr val="accent6">
-                    <a:lumMod val="75000"/>
-                  </a:schemeClr>
-                </a:solidFill>
-              </a:rPr>
-              <a:t>10.0.0.0/16</a:t>
-            </a:r>
-          </a:p>
-        </p:txBody>
-      </p:sp>
-      <p:pic>
-        <p:nvPicPr>
-          <p:cNvPr id="77" name="Graphic 76">
-            <a:extLst>
-              <a:ext uri="{FF2B5EF4-FFF2-40B4-BE49-F238E27FC236}">
-                <a16:creationId xmlns:a16="http://schemas.microsoft.com/office/drawing/2014/main" id="{E4DC5A8E-B2C6-EF44-B7E5-F6A646E731FE}"/>
-              </a:ext>
-            </a:extLst>
-          </p:cNvPr>
-          <p:cNvPicPr>
-            <a:picLocks noChangeAspect="1"/>
-          </p:cNvPicPr>
-          <p:nvPr/>
-        </p:nvPicPr>
-        <p:blipFill>
-          <a:blip r:embed="rId9">
-            <a:extLst>
-              <a:ext uri="{96DAC541-7B7A-43D3-8B79-37D633B846F1}">
-                <asvg:svgBlip xmlns="" xmlns:asvg="http://schemas.microsoft.com/office/drawing/2016/SVG/main" r:embed="rId10"/>
-              </a:ext>
-            </a:extLst>
-          </a:blip>
-          <a:stretch>
-            <a:fillRect/>
-          </a:stretch>
-        </p:blipFill>
-        <p:spPr>
-          <a:xfrm>
-            <a:off x="3457273" y="2805746"/>
-            <a:ext cx="394953" cy="394953"/>
-          </a:xfrm>
-          <a:prstGeom prst="rect">
-            <a:avLst/>
-          </a:prstGeom>
-        </p:spPr>
-      </p:pic>
-      <p:sp>
-        <p:nvSpPr>
-          <p:cNvPr id="78" name="TextBox 77">
-            <a:extLst>
-              <a:ext uri="{FF2B5EF4-FFF2-40B4-BE49-F238E27FC236}">
-                <a16:creationId xmlns:a16="http://schemas.microsoft.com/office/drawing/2014/main" id="{6D96A958-E580-EA4E-8760-D58907B05BA0}"/>
-              </a:ext>
-            </a:extLst>
-          </p:cNvPr>
-          <p:cNvSpPr txBox="1"/>
-          <p:nvPr/>
-        </p:nvSpPr>
-        <p:spPr>
-          <a:xfrm>
-            <a:off x="2913043" y="3213057"/>
-            <a:ext cx="1485100" cy="276999"/>
-          </a:xfrm>
-          <a:prstGeom prst="rect">
-            <a:avLst/>
-          </a:prstGeom>
-          <a:noFill/>
-        </p:spPr>
-        <p:txBody>
-          <a:bodyPr wrap="square" rtlCol="0">
-            <a:spAutoFit/>
-          </a:bodyPr>
-          <a:lstStyle/>
-          <a:p>
-            <a:pPr algn="ctr"/>
-            <a:r>
-              <a:rPr lang="en-US" sz="1200">
-                <a:solidFill>
-                  <a:srgbClr val="232F3E"/>
-                </a:solidFill>
-              </a:rPr>
-              <a:t>NAT gateway</a:t>
-            </a:r>
-            <a:endParaRPr lang="en-US" sz="1200" dirty="0">
-              <a:solidFill>
-                <a:srgbClr val="232F3E"/>
-              </a:solidFill>
-            </a:endParaRPr>
-          </a:p>
-        </p:txBody>
-      </p:sp>
-      <p:sp>
-        <p:nvSpPr>
-          <p:cNvPr id="80" name="Rectangle 79">
-            <a:extLst>
-              <a:ext uri="{FF2B5EF4-FFF2-40B4-BE49-F238E27FC236}">
-                <a16:creationId xmlns:a16="http://schemas.microsoft.com/office/drawing/2014/main" id="{D7930BBC-96FA-D844-8B3B-B23F04AAFD88}"/>
+          <p:cNvPr id="38" name="Rectangle 37">
+            <a:extLst>
+              <a:ext uri="{FF2B5EF4-FFF2-40B4-BE49-F238E27FC236}">
+                <a16:creationId xmlns:a16="http://schemas.microsoft.com/office/drawing/2014/main" id="{B49515D6-3F2B-974D-BD44-4567F9748DBA}"/>
               </a:ext>
             </a:extLst>
           </p:cNvPr>
@@ -8252,8 +8921,8 @@
         </p:nvSpPr>
         <p:spPr>
           <a:xfrm>
-            <a:off x="2776885" y="3461164"/>
-            <a:ext cx="5833872" cy="675153"/>
+            <a:off x="3396701" y="2112365"/>
+            <a:ext cx="2402325" cy="5610350"/>
           </a:xfrm>
           <a:prstGeom prst="rect">
             <a:avLst/>
@@ -8261,7 +8930,7 @@
           <a:noFill/>
           <a:ln w="12700">
             <a:solidFill>
-              <a:srgbClr val="D86613"/>
+              <a:schemeClr val="accent5"/>
             </a:solidFill>
             <a:prstDash val="dash"/>
           </a:ln>
@@ -8292,205 +8961,44 @@
           <a:lstStyle/>
           <a:p>
             <a:pPr algn="ctr"/>
-            <a:endParaRPr lang="en-US" sz="1100" dirty="0">
-              <a:solidFill>
-                <a:srgbClr val="D86613"/>
-              </a:solidFill>
-            </a:endParaRPr>
-          </a:p>
-          <a:p>
-            <a:r>
-              <a:rPr lang="en-US" sz="1100">
+            <a:r>
+              <a:rPr lang="en-US" sz="1200" dirty="0">
                 <a:solidFill>
-                  <a:srgbClr val="D86613"/>
+                  <a:schemeClr val="accent5"/>
                 </a:solidFill>
               </a:rPr>
-              <a:t>                                                                  </a:t>
-            </a:r>
-            <a:endParaRPr lang="en-US" sz="1200" dirty="0">
-              <a:solidFill>
-                <a:srgbClr val="D86613"/>
-              </a:solidFill>
-            </a:endParaRPr>
-          </a:p>
-        </p:txBody>
-      </p:sp>
-      <p:pic>
-        <p:nvPicPr>
-          <p:cNvPr id="81" name="Graphic 80">
-            <a:extLst>
-              <a:ext uri="{FF2B5EF4-FFF2-40B4-BE49-F238E27FC236}">
-                <a16:creationId xmlns:a16="http://schemas.microsoft.com/office/drawing/2014/main" id="{8F1F2F8B-8FF2-2F44-9D38-384D0A244A42}"/>
-              </a:ext>
-            </a:extLst>
-          </p:cNvPr>
-          <p:cNvPicPr>
-            <a:picLocks noChangeAspect="1"/>
-          </p:cNvPicPr>
-          <p:nvPr/>
-        </p:nvPicPr>
-        <p:blipFill>
-          <a:blip r:embed="rId11">
-            <a:extLst>
-              <a:ext uri="{96DAC541-7B7A-43D3-8B79-37D633B846F1}">
-                <asvg:svgBlip xmlns="" xmlns:asvg="http://schemas.microsoft.com/office/drawing/2016/SVG/main" r:embed="rId12"/>
-              </a:ext>
-            </a:extLst>
-          </a:blip>
-          <a:stretch>
-            <a:fillRect/>
-          </a:stretch>
-        </p:blipFill>
-        <p:spPr>
-          <a:xfrm>
-            <a:off x="5629182" y="3460961"/>
-            <a:ext cx="277535" cy="277535"/>
-          </a:xfrm>
-          <a:prstGeom prst="rect">
-            <a:avLst/>
-          </a:prstGeom>
-        </p:spPr>
-      </p:pic>
-      <p:pic>
-        <p:nvPicPr>
-          <p:cNvPr id="91" name="Graphic 90">
-            <a:extLst>
-              <a:ext uri="{FF2B5EF4-FFF2-40B4-BE49-F238E27FC236}">
-                <a16:creationId xmlns:a16="http://schemas.microsoft.com/office/drawing/2014/main" id="{2B537DD3-7437-A841-8670-F15808FFAC1C}"/>
-              </a:ext>
-            </a:extLst>
-          </p:cNvPr>
-          <p:cNvPicPr>
-            <a:picLocks noChangeAspect="1"/>
-          </p:cNvPicPr>
-          <p:nvPr/>
-        </p:nvPicPr>
-        <p:blipFill>
-          <a:blip r:embed="rId13">
-            <a:extLst>
-              <a:ext uri="{96DAC541-7B7A-43D3-8B79-37D633B846F1}">
-                <asvg:svgBlip xmlns="" xmlns:asvg="http://schemas.microsoft.com/office/drawing/2016/SVG/main" r:embed="rId14"/>
-              </a:ext>
-            </a:extLst>
-          </a:blip>
-          <a:stretch>
-            <a:fillRect/>
-          </a:stretch>
-        </p:blipFill>
-        <p:spPr>
-          <a:xfrm>
-            <a:off x="3454559" y="3516961"/>
-            <a:ext cx="394953" cy="394953"/>
-          </a:xfrm>
-          <a:prstGeom prst="rect">
-            <a:avLst/>
-          </a:prstGeom>
-        </p:spPr>
-      </p:pic>
-      <p:sp>
-        <p:nvSpPr>
-          <p:cNvPr id="92" name="TextBox 91">
-            <a:extLst>
-              <a:ext uri="{FF2B5EF4-FFF2-40B4-BE49-F238E27FC236}">
-                <a16:creationId xmlns:a16="http://schemas.microsoft.com/office/drawing/2014/main" id="{7A3F60AE-D7C9-F04E-97BA-6998CD5D31F0}"/>
-              </a:ext>
-            </a:extLst>
-          </p:cNvPr>
-          <p:cNvSpPr txBox="1"/>
-          <p:nvPr/>
-        </p:nvSpPr>
-        <p:spPr>
-          <a:xfrm>
-            <a:off x="2913845" y="3856253"/>
-            <a:ext cx="1485100" cy="276999"/>
+              <a:t>Availability Zone 1 </a:t>
+            </a:r>
+          </a:p>
+        </p:txBody>
+      </p:sp>
+      <p:sp>
+        <p:nvSpPr>
+          <p:cNvPr id="42" name="Rectangle 41">
+            <a:extLst>
+              <a:ext uri="{FF2B5EF4-FFF2-40B4-BE49-F238E27FC236}">
+                <a16:creationId xmlns:a16="http://schemas.microsoft.com/office/drawing/2014/main" id="{CFE615A1-47A2-7C46-BF1C-41DAFA36A0C7}"/>
+              </a:ext>
+            </a:extLst>
+          </p:cNvPr>
+          <p:cNvSpPr/>
+          <p:nvPr/>
+        </p:nvSpPr>
+        <p:spPr>
+          <a:xfrm>
+            <a:off x="2411402" y="2404502"/>
+            <a:ext cx="7521492" cy="5395890"/>
           </a:xfrm>
           <a:prstGeom prst="rect">
             <a:avLst/>
           </a:prstGeom>
           <a:noFill/>
-        </p:spPr>
-        <p:txBody>
-          <a:bodyPr wrap="square" rtlCol="0">
-            <a:spAutoFit/>
-          </a:bodyPr>
-          <a:lstStyle/>
-          <a:p>
-            <a:pPr algn="ctr"/>
-            <a:r>
-              <a:rPr lang="en-US" sz="1200" dirty="0">
-                <a:solidFill>
-                  <a:srgbClr val="232F3E"/>
-                </a:solidFill>
-              </a:rPr>
-              <a:t>Bastion</a:t>
-            </a:r>
-          </a:p>
-        </p:txBody>
-      </p:sp>
-      <p:pic>
-        <p:nvPicPr>
-          <p:cNvPr id="96" name="Graphic 95">
-            <a:extLst>
-              <a:ext uri="{FF2B5EF4-FFF2-40B4-BE49-F238E27FC236}">
-                <a16:creationId xmlns:a16="http://schemas.microsoft.com/office/drawing/2014/main" id="{EB2BBB6A-B821-5F45-988F-BDA18B516105}"/>
-              </a:ext>
-            </a:extLst>
-          </p:cNvPr>
-          <p:cNvPicPr>
-            <a:picLocks noChangeAspect="1"/>
-          </p:cNvPicPr>
-          <p:nvPr/>
-        </p:nvPicPr>
-        <p:blipFill>
-          <a:blip r:embed="rId11">
-            <a:extLst>
-              <a:ext uri="{96DAC541-7B7A-43D3-8B79-37D633B846F1}">
-                <asvg:svgBlip xmlns="" xmlns:asvg="http://schemas.microsoft.com/office/drawing/2016/SVG/main" r:embed="rId12"/>
-              </a:ext>
-            </a:extLst>
-          </a:blip>
-          <a:stretch>
-            <a:fillRect/>
-          </a:stretch>
-        </p:blipFill>
-        <p:spPr>
-          <a:xfrm>
-            <a:off x="5629814" y="4645300"/>
-            <a:ext cx="277535" cy="277535"/>
-          </a:xfrm>
-          <a:prstGeom prst="rect">
-            <a:avLst/>
-          </a:prstGeom>
-        </p:spPr>
-      </p:pic>
-      <p:sp>
-        <p:nvSpPr>
-          <p:cNvPr id="97" name="Rectangle 96">
-            <a:extLst>
-              <a:ext uri="{FF2B5EF4-FFF2-40B4-BE49-F238E27FC236}">
-                <a16:creationId xmlns:a16="http://schemas.microsoft.com/office/drawing/2014/main" id="{F0BD445B-C2C6-CF4D-97EC-4488631835E5}"/>
-              </a:ext>
-            </a:extLst>
-          </p:cNvPr>
-          <p:cNvSpPr/>
-          <p:nvPr/>
-        </p:nvSpPr>
-        <p:spPr>
-          <a:xfrm>
-            <a:off x="6596764" y="2537155"/>
-            <a:ext cx="2322576" cy="1668769"/>
-          </a:xfrm>
-          <a:prstGeom prst="rect">
-            <a:avLst/>
-          </a:prstGeom>
-          <a:solidFill>
-            <a:srgbClr val="1D8900">
-              <a:alpha val="9804"/>
-            </a:srgbClr>
-          </a:solidFill>
           <a:ln w="12700">
-            <a:noFill/>
-            <a:prstDash val="solid"/>
+            <a:solidFill>
+              <a:schemeClr val="accent6">
+                <a:lumMod val="75000"/>
+              </a:schemeClr>
+            </a:solidFill>
           </a:ln>
         </p:spPr>
         <p:style>
@@ -8510,7 +9018,7 @@
           </a:fontRef>
         </p:style>
         <p:txBody>
-          <a:bodyPr rot="0" spcFirstLastPara="0" vertOverflow="overflow" horzOverflow="overflow" vert="horz" wrap="square" lIns="338328" tIns="45720" rIns="91440" bIns="45720" numCol="1" spcCol="0" rtlCol="0" fromWordArt="0" anchor="t" anchorCtr="0" forceAA="0" compatLnSpc="1">
+          <a:bodyPr rot="0" spcFirstLastPara="0" vertOverflow="overflow" horzOverflow="overflow" vert="horz" wrap="square" lIns="457200" tIns="91440" rIns="91440" bIns="45720" numCol="1" spcCol="0" rtlCol="0" fromWordArt="0" anchor="t" anchorCtr="0" forceAA="0" compatLnSpc="1">
             <a:prstTxWarp prst="textNoShape">
               <a:avLst/>
             </a:prstTxWarp>
@@ -8521,23 +9029,276 @@
             <a:pPr algn="l"/>
             <a:r>
               <a:rPr lang="en-US" sz="1200" dirty="0">
+                <a:ln w="0"/>
                 <a:solidFill>
                   <a:schemeClr val="accent6">
                     <a:lumMod val="75000"/>
                   </a:schemeClr>
                 </a:solidFill>
               </a:rPr>
-              <a:t>Public subnet</a:t>
-            </a:r>
-          </a:p>
-        </p:txBody>
-      </p:sp>
-      <p:sp>
-        <p:nvSpPr>
-          <p:cNvPr id="98" name="Rectangle 97">
-            <a:extLst>
-              <a:ext uri="{FF2B5EF4-FFF2-40B4-BE49-F238E27FC236}">
-                <a16:creationId xmlns:a16="http://schemas.microsoft.com/office/drawing/2014/main" id="{0959FFAB-23A1-1949-903E-628281A462F3}"/>
+              <a:t>VPC</a:t>
+            </a:r>
+          </a:p>
+        </p:txBody>
+      </p:sp>
+      <p:pic>
+        <p:nvPicPr>
+          <p:cNvPr id="45" name="Graphic 44">
+            <a:extLst>
+              <a:ext uri="{FF2B5EF4-FFF2-40B4-BE49-F238E27FC236}">
+                <a16:creationId xmlns:a16="http://schemas.microsoft.com/office/drawing/2014/main" id="{1D8BD82B-EEBD-D04C-BAD0-1AE0FE879C4A}"/>
+              </a:ext>
+            </a:extLst>
+          </p:cNvPr>
+          <p:cNvPicPr>
+            <a:picLocks noChangeAspect="1"/>
+          </p:cNvPicPr>
+          <p:nvPr/>
+        </p:nvPicPr>
+        <p:blipFill>
+          <a:blip r:embed="rId5">
+            <a:extLst>
+              <a:ext uri="{96DAC541-7B7A-43D3-8B79-37D633B846F1}">
+                <asvg:svgBlip xmlns:asvg="http://schemas.microsoft.com/office/drawing/2016/SVG/main" r:embed="rId6"/>
+              </a:ext>
+            </a:extLst>
+          </a:blip>
+          <a:stretch>
+            <a:fillRect/>
+          </a:stretch>
+        </p:blipFill>
+        <p:spPr>
+          <a:xfrm>
+            <a:off x="2415246" y="2403958"/>
+            <a:ext cx="330200" cy="330200"/>
+          </a:xfrm>
+          <a:prstGeom prst="rect">
+            <a:avLst/>
+          </a:prstGeom>
+        </p:spPr>
+      </p:pic>
+      <p:sp>
+        <p:nvSpPr>
+          <p:cNvPr id="54" name="TextBox 53">
+            <a:extLst>
+              <a:ext uri="{FF2B5EF4-FFF2-40B4-BE49-F238E27FC236}">
+                <a16:creationId xmlns:a16="http://schemas.microsoft.com/office/drawing/2014/main" id="{5F3588F3-E328-BF44-BAD5-299A2F91A2DC}"/>
+              </a:ext>
+            </a:extLst>
+          </p:cNvPr>
+          <p:cNvSpPr txBox="1"/>
+          <p:nvPr/>
+        </p:nvSpPr>
+        <p:spPr>
+          <a:xfrm>
+            <a:off x="2378221" y="7521101"/>
+            <a:ext cx="887461" cy="276999"/>
+          </a:xfrm>
+          <a:prstGeom prst="rect">
+            <a:avLst/>
+          </a:prstGeom>
+          <a:noFill/>
+        </p:spPr>
+        <p:txBody>
+          <a:bodyPr wrap="square" rtlCol="0">
+            <a:spAutoFit/>
+          </a:bodyPr>
+          <a:lstStyle/>
+          <a:p>
+            <a:pPr algn="ctr"/>
+            <a:r>
+              <a:rPr lang="en-US" sz="1200" dirty="0"/>
+              <a:t>Amazon S3</a:t>
+            </a:r>
+          </a:p>
+        </p:txBody>
+      </p:sp>
+      <p:sp>
+        <p:nvSpPr>
+          <p:cNvPr id="55" name="TextBox 54">
+            <a:extLst>
+              <a:ext uri="{FF2B5EF4-FFF2-40B4-BE49-F238E27FC236}">
+                <a16:creationId xmlns:a16="http://schemas.microsoft.com/office/drawing/2014/main" id="{4CB600A7-79EB-204D-AE6E-3ABDA00BD39A}"/>
+              </a:ext>
+            </a:extLst>
+          </p:cNvPr>
+          <p:cNvSpPr txBox="1"/>
+          <p:nvPr/>
+        </p:nvSpPr>
+        <p:spPr>
+          <a:xfrm>
+            <a:off x="4065526" y="7288871"/>
+            <a:ext cx="1077943" cy="276999"/>
+          </a:xfrm>
+          <a:prstGeom prst="rect">
+            <a:avLst/>
+          </a:prstGeom>
+          <a:noFill/>
+        </p:spPr>
+        <p:txBody>
+          <a:bodyPr wrap="square" rtlCol="0">
+            <a:noAutofit/>
+          </a:bodyPr>
+          <a:lstStyle/>
+          <a:p>
+            <a:pPr algn="ctr"/>
+            <a:r>
+              <a:rPr lang="en-US" sz="1200" dirty="0"/>
+              <a:t>Amazon RDS</a:t>
+            </a:r>
+          </a:p>
+        </p:txBody>
+      </p:sp>
+      <p:pic>
+        <p:nvPicPr>
+          <p:cNvPr id="56" name="Graphic 55">
+            <a:extLst>
+              <a:ext uri="{FF2B5EF4-FFF2-40B4-BE49-F238E27FC236}">
+                <a16:creationId xmlns:a16="http://schemas.microsoft.com/office/drawing/2014/main" id="{511B6D1E-A188-E149-AE63-A6636B46767B}"/>
+              </a:ext>
+            </a:extLst>
+          </p:cNvPr>
+          <p:cNvPicPr>
+            <a:picLocks noChangeAspect="1"/>
+          </p:cNvPicPr>
+          <p:nvPr/>
+        </p:nvPicPr>
+        <p:blipFill>
+          <a:blip r:embed="rId7">
+            <a:extLst>
+              <a:ext uri="{96DAC541-7B7A-43D3-8B79-37D633B846F1}">
+                <asvg:svgBlip xmlns:asvg="http://schemas.microsoft.com/office/drawing/2016/SVG/main" r:embed="rId8"/>
+              </a:ext>
+            </a:extLst>
+          </a:blip>
+          <a:stretch>
+            <a:fillRect/>
+          </a:stretch>
+        </p:blipFill>
+        <p:spPr>
+          <a:xfrm>
+            <a:off x="5058137" y="7277629"/>
+            <a:ext cx="297341" cy="297341"/>
+          </a:xfrm>
+          <a:prstGeom prst="rect">
+            <a:avLst/>
+          </a:prstGeom>
+        </p:spPr>
+      </p:pic>
+      <p:pic>
+        <p:nvPicPr>
+          <p:cNvPr id="60" name="Graphic 59">
+            <a:extLst>
+              <a:ext uri="{FF2B5EF4-FFF2-40B4-BE49-F238E27FC236}">
+                <a16:creationId xmlns:a16="http://schemas.microsoft.com/office/drawing/2014/main" id="{155E7950-7713-7B46-A862-B8538CF7E41B}"/>
+              </a:ext>
+            </a:extLst>
+          </p:cNvPr>
+          <p:cNvPicPr>
+            <a:picLocks noChangeAspect="1"/>
+          </p:cNvPicPr>
+          <p:nvPr/>
+        </p:nvPicPr>
+        <p:blipFill>
+          <a:blip r:embed="rId9">
+            <a:extLst>
+              <a:ext uri="{96DAC541-7B7A-43D3-8B79-37D633B846F1}">
+                <asvg:svgBlip xmlns:asvg="http://schemas.microsoft.com/office/drawing/2016/SVG/main" r:embed="rId10"/>
+              </a:ext>
+            </a:extLst>
+          </a:blip>
+          <a:stretch>
+            <a:fillRect/>
+          </a:stretch>
+        </p:blipFill>
+        <p:spPr>
+          <a:xfrm>
+            <a:off x="3507771" y="4190547"/>
+            <a:ext cx="274320" cy="308689"/>
+          </a:xfrm>
+          <a:prstGeom prst="rect">
+            <a:avLst/>
+          </a:prstGeom>
+        </p:spPr>
+      </p:pic>
+      <p:pic>
+        <p:nvPicPr>
+          <p:cNvPr id="23" name="Graphic 22">
+            <a:extLst>
+              <a:ext uri="{FF2B5EF4-FFF2-40B4-BE49-F238E27FC236}">
+                <a16:creationId xmlns:a16="http://schemas.microsoft.com/office/drawing/2014/main" id="{A6A330A6-44A6-9C4D-8449-D141671093FD}"/>
+              </a:ext>
+            </a:extLst>
+          </p:cNvPr>
+          <p:cNvPicPr>
+            <a:picLocks noChangeAspect="1"/>
+          </p:cNvPicPr>
+          <p:nvPr/>
+        </p:nvPicPr>
+        <p:blipFill>
+          <a:blip r:embed="rId11">
+            <a:extLst>
+              <a:ext uri="{96DAC541-7B7A-43D3-8B79-37D633B846F1}">
+                <asvg:svgBlip xmlns:asvg="http://schemas.microsoft.com/office/drawing/2016/SVG/main" r:embed="rId12"/>
+              </a:ext>
+            </a:extLst>
+          </a:blip>
+          <a:stretch>
+            <a:fillRect/>
+          </a:stretch>
+        </p:blipFill>
+        <p:spPr>
+          <a:xfrm>
+            <a:off x="4334750" y="4518730"/>
+            <a:ext cx="336188" cy="336188"/>
+          </a:xfrm>
+          <a:prstGeom prst="rect">
+            <a:avLst/>
+          </a:prstGeom>
+        </p:spPr>
+      </p:pic>
+      <p:sp>
+        <p:nvSpPr>
+          <p:cNvPr id="24" name="TextBox 23">
+            <a:extLst>
+              <a:ext uri="{FF2B5EF4-FFF2-40B4-BE49-F238E27FC236}">
+                <a16:creationId xmlns:a16="http://schemas.microsoft.com/office/drawing/2014/main" id="{DB980BD4-21C5-BC49-8566-A2E31E245002}"/>
+              </a:ext>
+            </a:extLst>
+          </p:cNvPr>
+          <p:cNvSpPr txBox="1"/>
+          <p:nvPr/>
+        </p:nvSpPr>
+        <p:spPr>
+          <a:xfrm>
+            <a:off x="3840958" y="4781494"/>
+            <a:ext cx="1513305" cy="276999"/>
+          </a:xfrm>
+          <a:prstGeom prst="rect">
+            <a:avLst/>
+          </a:prstGeom>
+          <a:noFill/>
+        </p:spPr>
+        <p:txBody>
+          <a:bodyPr wrap="square" rtlCol="0">
+            <a:spAutoFit/>
+          </a:bodyPr>
+          <a:lstStyle/>
+          <a:p>
+            <a:pPr algn="ctr"/>
+            <a:r>
+              <a:rPr lang="en-US" sz="1200" dirty="0"/>
+              <a:t>Primary node</a:t>
+            </a:r>
+          </a:p>
+        </p:txBody>
+      </p:sp>
+      <p:sp>
+        <p:nvSpPr>
+          <p:cNvPr id="43" name="Rectangle 42">
+            <a:extLst>
+              <a:ext uri="{FF2B5EF4-FFF2-40B4-BE49-F238E27FC236}">
+                <a16:creationId xmlns:a16="http://schemas.microsoft.com/office/drawing/2014/main" id="{6BA4291E-F3FD-9A43-B20A-47F42CC56389}"/>
               </a:ext>
             </a:extLst>
           </p:cNvPr>
@@ -8546,20 +9307,18 @@
         </p:nvSpPr>
         <p:spPr>
           <a:xfrm>
-            <a:off x="6599357" y="4320496"/>
-            <a:ext cx="2322576" cy="2917929"/>
-          </a:xfrm>
-          <a:prstGeom prst="rect">
-            <a:avLst/>
-          </a:prstGeom>
-          <a:solidFill>
-            <a:srgbClr val="007CBC">
-              <a:alpha val="9804"/>
-            </a:srgbClr>
-          </a:solidFill>
+            <a:off x="4011546" y="5136028"/>
+            <a:ext cx="5193439" cy="554269"/>
+          </a:xfrm>
+          <a:prstGeom prst="rect">
+            <a:avLst/>
+          </a:prstGeom>
+          <a:noFill/>
           <a:ln w="12700">
-            <a:noFill/>
-            <a:prstDash val="solid"/>
+            <a:solidFill>
+              <a:srgbClr val="D86613"/>
+            </a:solidFill>
+            <a:prstDash val="dash"/>
           </a:ln>
         </p:spPr>
         <p:style>
@@ -8579,7 +9338,7 @@
           </a:fontRef>
         </p:style>
         <p:txBody>
-          <a:bodyPr rot="0" spcFirstLastPara="0" vertOverflow="overflow" horzOverflow="overflow" vert="horz" wrap="square" lIns="338328" tIns="45720" rIns="91440" bIns="45720" numCol="1" spcCol="0" rtlCol="0" fromWordArt="0" anchor="t" anchorCtr="0" forceAA="0" compatLnSpc="1">
+          <a:bodyPr rot="0" spcFirstLastPara="0" vertOverflow="overflow" horzOverflow="overflow" vert="horz" wrap="square" lIns="91440" tIns="91440" rIns="91440" bIns="45720" numCol="1" spcCol="0" rtlCol="0" fromWordArt="0" anchor="t" anchorCtr="0" forceAA="0" compatLnSpc="1">
             <a:prstTxWarp prst="textNoShape">
               <a:avLst/>
             </a:prstTxWarp>
@@ -8587,7 +9346,199 @@
           </a:bodyPr>
           <a:lstStyle/>
           <a:p>
-            <a:pPr algn="l"/>
+            <a:pPr algn="ctr"/>
+            <a:endParaRPr lang="en-US" sz="1200" dirty="0">
+              <a:solidFill>
+                <a:srgbClr val="D86613"/>
+              </a:solidFill>
+            </a:endParaRPr>
+          </a:p>
+          <a:p>
+            <a:pPr algn="ctr"/>
+            <a:r>
+              <a:rPr lang="en-US" sz="1100" dirty="0">
+                <a:solidFill>
+                  <a:srgbClr val="D86613"/>
+                </a:solidFill>
+              </a:rPr>
+              <a:t>         Auto Scaling group</a:t>
+            </a:r>
+          </a:p>
+        </p:txBody>
+      </p:sp>
+      <p:pic>
+        <p:nvPicPr>
+          <p:cNvPr id="44" name="Graphic 43">
+            <a:extLst>
+              <a:ext uri="{FF2B5EF4-FFF2-40B4-BE49-F238E27FC236}">
+                <a16:creationId xmlns:a16="http://schemas.microsoft.com/office/drawing/2014/main" id="{474E0A03-7F16-E849-A0D9-E640D7D1F68F}"/>
+              </a:ext>
+            </a:extLst>
+          </p:cNvPr>
+          <p:cNvPicPr>
+            <a:picLocks noChangeAspect="1"/>
+          </p:cNvPicPr>
+          <p:nvPr/>
+        </p:nvPicPr>
+        <p:blipFill>
+          <a:blip r:embed="rId13">
+            <a:extLst>
+              <a:ext uri="{96DAC541-7B7A-43D3-8B79-37D633B846F1}">
+                <asvg:svgBlip xmlns:asvg="http://schemas.microsoft.com/office/drawing/2016/SVG/main" r:embed="rId14"/>
+              </a:ext>
+            </a:extLst>
+          </a:blip>
+          <a:stretch>
+            <a:fillRect/>
+          </a:stretch>
+        </p:blipFill>
+        <p:spPr>
+          <a:xfrm>
+            <a:off x="6475999" y="5143115"/>
+            <a:ext cx="274320" cy="274320"/>
+          </a:xfrm>
+          <a:prstGeom prst="rect">
+            <a:avLst/>
+          </a:prstGeom>
+        </p:spPr>
+      </p:pic>
+      <p:pic>
+        <p:nvPicPr>
+          <p:cNvPr id="48" name="Graphic 47">
+            <a:extLst>
+              <a:ext uri="{FF2B5EF4-FFF2-40B4-BE49-F238E27FC236}">
+                <a16:creationId xmlns:a16="http://schemas.microsoft.com/office/drawing/2014/main" id="{800FEDEB-8B27-5A47-8770-94A885B76380}"/>
+              </a:ext>
+            </a:extLst>
+          </p:cNvPr>
+          <p:cNvPicPr>
+            <a:picLocks noChangeAspect="1"/>
+          </p:cNvPicPr>
+          <p:nvPr/>
+        </p:nvPicPr>
+        <p:blipFill>
+          <a:blip r:embed="rId11">
+            <a:extLst>
+              <a:ext uri="{96DAC541-7B7A-43D3-8B79-37D633B846F1}">
+                <asvg:svgBlip xmlns:asvg="http://schemas.microsoft.com/office/drawing/2016/SVG/main" r:embed="rId12"/>
+              </a:ext>
+            </a:extLst>
+          </a:blip>
+          <a:stretch>
+            <a:fillRect/>
+          </a:stretch>
+        </p:blipFill>
+        <p:spPr>
+          <a:xfrm>
+            <a:off x="4328451" y="5159923"/>
+            <a:ext cx="319559" cy="319559"/>
+          </a:xfrm>
+          <a:prstGeom prst="rect">
+            <a:avLst/>
+          </a:prstGeom>
+        </p:spPr>
+      </p:pic>
+      <p:sp>
+        <p:nvSpPr>
+          <p:cNvPr id="49" name="TextBox 48">
+            <a:extLst>
+              <a:ext uri="{FF2B5EF4-FFF2-40B4-BE49-F238E27FC236}">
+                <a16:creationId xmlns:a16="http://schemas.microsoft.com/office/drawing/2014/main" id="{0949C564-AFA5-CC4F-AA8E-F3BFEA7D389F}"/>
+              </a:ext>
+            </a:extLst>
+          </p:cNvPr>
+          <p:cNvSpPr txBox="1"/>
+          <p:nvPr/>
+        </p:nvSpPr>
+        <p:spPr>
+          <a:xfrm>
+            <a:off x="3842173" y="5403206"/>
+            <a:ext cx="1513305" cy="276999"/>
+          </a:xfrm>
+          <a:prstGeom prst="rect">
+            <a:avLst/>
+          </a:prstGeom>
+          <a:noFill/>
+        </p:spPr>
+        <p:txBody>
+          <a:bodyPr wrap="square" rtlCol="0">
+            <a:spAutoFit/>
+          </a:bodyPr>
+          <a:lstStyle/>
+          <a:p>
+            <a:pPr algn="ctr"/>
+            <a:r>
+              <a:rPr lang="en-US" sz="1200" dirty="0"/>
+              <a:t>Secondary</a:t>
+            </a:r>
+          </a:p>
+        </p:txBody>
+      </p:sp>
+      <p:sp>
+        <p:nvSpPr>
+          <p:cNvPr id="53" name="TextBox 52">
+            <a:extLst>
+              <a:ext uri="{FF2B5EF4-FFF2-40B4-BE49-F238E27FC236}">
+                <a16:creationId xmlns:a16="http://schemas.microsoft.com/office/drawing/2014/main" id="{04C4D8DA-21E8-7441-B51B-8D71AB025A68}"/>
+              </a:ext>
+            </a:extLst>
+          </p:cNvPr>
+          <p:cNvSpPr txBox="1"/>
+          <p:nvPr/>
+        </p:nvSpPr>
+        <p:spPr>
+          <a:xfrm>
+            <a:off x="5892619" y="5482560"/>
+            <a:ext cx="1769070" cy="246221"/>
+          </a:xfrm>
+          <a:prstGeom prst="rect">
+            <a:avLst/>
+          </a:prstGeom>
+          <a:noFill/>
+        </p:spPr>
+        <p:txBody>
+          <a:bodyPr wrap="square" rtlCol="0">
+            <a:spAutoFit/>
+          </a:bodyPr>
+          <a:lstStyle/>
+          <a:p>
+            <a:pPr algn="ctr"/>
+            <a:r>
+              <a:rPr lang="en-US" sz="1000" dirty="0"/>
+              <a:t>Artifactory Secondary</a:t>
+            </a:r>
+          </a:p>
+        </p:txBody>
+      </p:sp>
+      <p:sp>
+        <p:nvSpPr>
+          <p:cNvPr id="63" name="TextBox 62">
+            <a:extLst>
+              <a:ext uri="{FF2B5EF4-FFF2-40B4-BE49-F238E27FC236}">
+                <a16:creationId xmlns:a16="http://schemas.microsoft.com/office/drawing/2014/main" id="{FE764737-0E73-594C-AE8B-DB71DA1EB227}"/>
+              </a:ext>
+            </a:extLst>
+          </p:cNvPr>
+          <p:cNvSpPr txBox="1"/>
+          <p:nvPr/>
+        </p:nvSpPr>
+        <p:spPr>
+          <a:xfrm>
+            <a:off x="4595057" y="4187574"/>
+            <a:ext cx="1280160" cy="276999"/>
+          </a:xfrm>
+          <a:prstGeom prst="rect">
+            <a:avLst/>
+          </a:prstGeom>
+          <a:noFill/>
+        </p:spPr>
+        <p:txBody>
+          <a:bodyPr wrap="square" rtlCol="0">
+            <a:noAutofit/>
+          </a:bodyPr>
+          <a:lstStyle/>
+          <a:p>
+            <a:pPr algn="ctr"/>
             <a:r>
               <a:rPr lang="en-US" sz="1200" dirty="0">
                 <a:solidFill>
@@ -8596,17 +9547,137 @@
                   </a:schemeClr>
                 </a:solidFill>
               </a:rPr>
-              <a:t>Private subnet</a:t>
-            </a:r>
-          </a:p>
-        </p:txBody>
-      </p:sp>
-      <p:sp>
-        <p:nvSpPr>
-          <p:cNvPr id="99" name="Rectangle 98">
-            <a:extLst>
-              <a:ext uri="{FF2B5EF4-FFF2-40B4-BE49-F238E27FC236}">
-                <a16:creationId xmlns:a16="http://schemas.microsoft.com/office/drawing/2014/main" id="{2FFC4BEB-5342-F749-8A52-7B38811CBF4B}"/>
+              <a:t>10.0.1.0/24</a:t>
+            </a:r>
+          </a:p>
+        </p:txBody>
+      </p:sp>
+      <p:pic>
+        <p:nvPicPr>
+          <p:cNvPr id="69" name="Graphic 68">
+            <a:extLst>
+              <a:ext uri="{FF2B5EF4-FFF2-40B4-BE49-F238E27FC236}">
+                <a16:creationId xmlns:a16="http://schemas.microsoft.com/office/drawing/2014/main" id="{09EB77DE-05FC-F740-B942-35485585AE24}"/>
+              </a:ext>
+            </a:extLst>
+          </p:cNvPr>
+          <p:cNvPicPr>
+            <a:picLocks/>
+          </p:cNvPicPr>
+          <p:nvPr/>
+        </p:nvPicPr>
+        <p:blipFill>
+          <a:blip r:embed="rId15">
+            <a:extLst>
+              <a:ext uri="{96DAC541-7B7A-43D3-8B79-37D633B846F1}">
+                <asvg:svgBlip xmlns:asvg="http://schemas.microsoft.com/office/drawing/2016/SVG/main" r:embed="rId16"/>
+              </a:ext>
+            </a:extLst>
+          </a:blip>
+          <a:stretch>
+            <a:fillRect/>
+          </a:stretch>
+        </p:blipFill>
+        <p:spPr>
+          <a:xfrm>
+            <a:off x="3484447" y="2486180"/>
+            <a:ext cx="274320" cy="274320"/>
+          </a:xfrm>
+          <a:prstGeom prst="rect">
+            <a:avLst/>
+          </a:prstGeom>
+        </p:spPr>
+      </p:pic>
+      <p:sp>
+        <p:nvSpPr>
+          <p:cNvPr id="72" name="TextBox 71">
+            <a:extLst>
+              <a:ext uri="{FF2B5EF4-FFF2-40B4-BE49-F238E27FC236}">
+                <a16:creationId xmlns:a16="http://schemas.microsoft.com/office/drawing/2014/main" id="{18D2CF70-69F3-2A43-9756-57323A482E12}"/>
+              </a:ext>
+            </a:extLst>
+          </p:cNvPr>
+          <p:cNvSpPr txBox="1"/>
+          <p:nvPr/>
+        </p:nvSpPr>
+        <p:spPr>
+          <a:xfrm>
+            <a:off x="4304079" y="2482622"/>
+            <a:ext cx="1769070" cy="276999"/>
+          </a:xfrm>
+          <a:prstGeom prst="rect">
+            <a:avLst/>
+          </a:prstGeom>
+          <a:noFill/>
+        </p:spPr>
+        <p:txBody>
+          <a:bodyPr wrap="square" rtlCol="0">
+            <a:spAutoFit/>
+          </a:bodyPr>
+          <a:lstStyle/>
+          <a:p>
+            <a:pPr algn="ctr"/>
+            <a:r>
+              <a:rPr lang="en-US" sz="1200" dirty="0">
+                <a:solidFill>
+                  <a:schemeClr val="accent6">
+                    <a:lumMod val="75000"/>
+                  </a:schemeClr>
+                </a:solidFill>
+              </a:rPr>
+              <a:t>10.0.3.0/24</a:t>
+            </a:r>
+          </a:p>
+        </p:txBody>
+      </p:sp>
+      <p:sp>
+        <p:nvSpPr>
+          <p:cNvPr id="74" name="TextBox 73">
+            <a:extLst>
+              <a:ext uri="{FF2B5EF4-FFF2-40B4-BE49-F238E27FC236}">
+                <a16:creationId xmlns:a16="http://schemas.microsoft.com/office/drawing/2014/main" id="{48225619-6388-144A-A00A-67325F4CEEE7}"/>
+              </a:ext>
+            </a:extLst>
+          </p:cNvPr>
+          <p:cNvSpPr txBox="1"/>
+          <p:nvPr/>
+        </p:nvSpPr>
+        <p:spPr>
+          <a:xfrm>
+            <a:off x="2398616" y="2724760"/>
+            <a:ext cx="932550" cy="276999"/>
+          </a:xfrm>
+          <a:prstGeom prst="rect">
+            <a:avLst/>
+          </a:prstGeom>
+          <a:noFill/>
+        </p:spPr>
+        <p:txBody>
+          <a:bodyPr wrap="square" rtlCol="0">
+            <a:spAutoFit/>
+          </a:bodyPr>
+          <a:lstStyle/>
+          <a:p>
+            <a:pPr algn="ctr"/>
+            <a:r>
+              <a:rPr lang="en-US" sz="1200" dirty="0">
+                <a:solidFill>
+                  <a:schemeClr val="accent6">
+                    <a:lumMod val="75000"/>
+                  </a:schemeClr>
+                </a:solidFill>
+              </a:rPr>
+              <a:t>10.0.0.0/16</a:t>
+            </a:r>
+          </a:p>
+        </p:txBody>
+      </p:sp>
+      <p:sp>
+        <p:nvSpPr>
+          <p:cNvPr id="67" name="Rectangle 66">
+            <a:extLst>
+              <a:ext uri="{FF2B5EF4-FFF2-40B4-BE49-F238E27FC236}">
+                <a16:creationId xmlns:a16="http://schemas.microsoft.com/office/drawing/2014/main" id="{4C2661AE-F568-3C4B-A027-37205C2785E3}"/>
               </a:ext>
             </a:extLst>
           </p:cNvPr>
@@ -8615,8 +9686,8 @@
         </p:nvSpPr>
         <p:spPr>
           <a:xfrm>
-            <a:off x="6475105" y="2054982"/>
-            <a:ext cx="2624328" cy="5312664"/>
+            <a:off x="7365469" y="2112363"/>
+            <a:ext cx="2402325" cy="5610350"/>
           </a:xfrm>
           <a:prstGeom prst="rect">
             <a:avLst/>
@@ -8666,6 +9737,3451 @@
           </a:p>
         </p:txBody>
       </p:sp>
+      <p:sp>
+        <p:nvSpPr>
+          <p:cNvPr id="75" name="TextBox 74">
+            <a:extLst>
+              <a:ext uri="{FF2B5EF4-FFF2-40B4-BE49-F238E27FC236}">
+                <a16:creationId xmlns:a16="http://schemas.microsoft.com/office/drawing/2014/main" id="{214516E3-067A-CB42-85F8-56E2C528C5C3}"/>
+              </a:ext>
+            </a:extLst>
+          </p:cNvPr>
+          <p:cNvSpPr txBox="1"/>
+          <p:nvPr/>
+        </p:nvSpPr>
+        <p:spPr>
+          <a:xfrm>
+            <a:off x="8130741" y="7205762"/>
+            <a:ext cx="1113269" cy="461665"/>
+          </a:xfrm>
+          <a:prstGeom prst="rect">
+            <a:avLst/>
+          </a:prstGeom>
+          <a:noFill/>
+        </p:spPr>
+        <p:txBody>
+          <a:bodyPr wrap="square" rtlCol="0">
+            <a:spAutoFit/>
+          </a:bodyPr>
+          <a:lstStyle/>
+          <a:p>
+            <a:pPr algn="ctr"/>
+            <a:r>
+              <a:rPr lang="en-US" sz="1200" dirty="0"/>
+              <a:t>Amazon RDS </a:t>
+            </a:r>
+          </a:p>
+          <a:p>
+            <a:pPr algn="ctr"/>
+            <a:r>
+              <a:rPr lang="en-US" sz="1200" dirty="0"/>
+              <a:t>HA(Optional)</a:t>
+            </a:r>
+          </a:p>
+        </p:txBody>
+      </p:sp>
+      <p:pic>
+        <p:nvPicPr>
+          <p:cNvPr id="76" name="Graphic 75">
+            <a:extLst>
+              <a:ext uri="{FF2B5EF4-FFF2-40B4-BE49-F238E27FC236}">
+                <a16:creationId xmlns:a16="http://schemas.microsoft.com/office/drawing/2014/main" id="{8BEF6D83-25D0-5549-914C-278AD8148E68}"/>
+              </a:ext>
+            </a:extLst>
+          </p:cNvPr>
+          <p:cNvPicPr>
+            <a:picLocks noChangeAspect="1"/>
+          </p:cNvPicPr>
+          <p:nvPr/>
+        </p:nvPicPr>
+        <p:blipFill>
+          <a:blip r:embed="rId17">
+            <a:extLst>
+              <a:ext uri="{96DAC541-7B7A-43D3-8B79-37D633B846F1}">
+                <asvg:svgBlip xmlns:asvg="http://schemas.microsoft.com/office/drawing/2016/SVG/main" r:embed="rId18"/>
+              </a:ext>
+            </a:extLst>
+          </a:blip>
+          <a:stretch>
+            <a:fillRect/>
+          </a:stretch>
+        </p:blipFill>
+        <p:spPr>
+          <a:xfrm>
+            <a:off x="7801418" y="7273368"/>
+            <a:ext cx="316536" cy="316536"/>
+          </a:xfrm>
+          <a:prstGeom prst="rect">
+            <a:avLst/>
+          </a:prstGeom>
+        </p:spPr>
+      </p:pic>
+      <p:pic>
+        <p:nvPicPr>
+          <p:cNvPr id="79" name="Graphic 78">
+            <a:extLst>
+              <a:ext uri="{FF2B5EF4-FFF2-40B4-BE49-F238E27FC236}">
+                <a16:creationId xmlns:a16="http://schemas.microsoft.com/office/drawing/2014/main" id="{7DF5963A-79CA-A843-97FC-D557872BC470}"/>
+              </a:ext>
+            </a:extLst>
+          </p:cNvPr>
+          <p:cNvPicPr>
+            <a:picLocks noChangeAspect="1"/>
+          </p:cNvPicPr>
+          <p:nvPr/>
+        </p:nvPicPr>
+        <p:blipFill>
+          <a:blip r:embed="rId9">
+            <a:extLst>
+              <a:ext uri="{96DAC541-7B7A-43D3-8B79-37D633B846F1}">
+                <asvg:svgBlip xmlns:asvg="http://schemas.microsoft.com/office/drawing/2016/SVG/main" r:embed="rId10"/>
+              </a:ext>
+            </a:extLst>
+          </a:blip>
+          <a:stretch>
+            <a:fillRect/>
+          </a:stretch>
+        </p:blipFill>
+        <p:spPr>
+          <a:xfrm>
+            <a:off x="7497700" y="4129211"/>
+            <a:ext cx="274320" cy="308689"/>
+          </a:xfrm>
+          <a:prstGeom prst="rect">
+            <a:avLst/>
+          </a:prstGeom>
+        </p:spPr>
+      </p:pic>
+      <p:pic>
+        <p:nvPicPr>
+          <p:cNvPr id="82" name="Graphic 81">
+            <a:extLst>
+              <a:ext uri="{FF2B5EF4-FFF2-40B4-BE49-F238E27FC236}">
+                <a16:creationId xmlns:a16="http://schemas.microsoft.com/office/drawing/2014/main" id="{44014D03-3D40-8B42-AC5A-C1B8E43A3E3D}"/>
+              </a:ext>
+            </a:extLst>
+          </p:cNvPr>
+          <p:cNvPicPr>
+            <a:picLocks noChangeAspect="1"/>
+          </p:cNvPicPr>
+          <p:nvPr/>
+        </p:nvPicPr>
+        <p:blipFill>
+          <a:blip r:embed="rId11">
+            <a:extLst>
+              <a:ext uri="{96DAC541-7B7A-43D3-8B79-37D633B846F1}">
+                <asvg:svgBlip xmlns:asvg="http://schemas.microsoft.com/office/drawing/2016/SVG/main" r:embed="rId12"/>
+              </a:ext>
+            </a:extLst>
+          </a:blip>
+          <a:stretch>
+            <a:fillRect/>
+          </a:stretch>
+        </p:blipFill>
+        <p:spPr>
+          <a:xfrm>
+            <a:off x="8400917" y="5179508"/>
+            <a:ext cx="319559" cy="319559"/>
+          </a:xfrm>
+          <a:prstGeom prst="rect">
+            <a:avLst/>
+          </a:prstGeom>
+        </p:spPr>
+      </p:pic>
+      <p:sp>
+        <p:nvSpPr>
+          <p:cNvPr id="83" name="TextBox 82">
+            <a:extLst>
+              <a:ext uri="{FF2B5EF4-FFF2-40B4-BE49-F238E27FC236}">
+                <a16:creationId xmlns:a16="http://schemas.microsoft.com/office/drawing/2014/main" id="{6AAD8FD2-A181-8A47-AD48-235FA9552BF3}"/>
+              </a:ext>
+            </a:extLst>
+          </p:cNvPr>
+          <p:cNvSpPr txBox="1"/>
+          <p:nvPr/>
+        </p:nvSpPr>
+        <p:spPr>
+          <a:xfrm>
+            <a:off x="7815084" y="5390506"/>
+            <a:ext cx="1513305" cy="276999"/>
+          </a:xfrm>
+          <a:prstGeom prst="rect">
+            <a:avLst/>
+          </a:prstGeom>
+          <a:noFill/>
+        </p:spPr>
+        <p:txBody>
+          <a:bodyPr wrap="square" rtlCol="0">
+            <a:spAutoFit/>
+          </a:bodyPr>
+          <a:lstStyle/>
+          <a:p>
+            <a:pPr algn="ctr"/>
+            <a:r>
+              <a:rPr lang="en-US" sz="1200" dirty="0"/>
+              <a:t>Secondary</a:t>
+            </a:r>
+          </a:p>
+        </p:txBody>
+      </p:sp>
+      <p:pic>
+        <p:nvPicPr>
+          <p:cNvPr id="85" name="Graphic 84">
+            <a:extLst>
+              <a:ext uri="{FF2B5EF4-FFF2-40B4-BE49-F238E27FC236}">
+                <a16:creationId xmlns:a16="http://schemas.microsoft.com/office/drawing/2014/main" id="{441B9D59-05AC-0A44-8F52-E74A38409ABA}"/>
+              </a:ext>
+            </a:extLst>
+          </p:cNvPr>
+          <p:cNvPicPr>
+            <a:picLocks/>
+          </p:cNvPicPr>
+          <p:nvPr/>
+        </p:nvPicPr>
+        <p:blipFill>
+          <a:blip r:embed="rId15">
+            <a:extLst>
+              <a:ext uri="{96DAC541-7B7A-43D3-8B79-37D633B846F1}">
+                <asvg:svgBlip xmlns:asvg="http://schemas.microsoft.com/office/drawing/2016/SVG/main" r:embed="rId16"/>
+              </a:ext>
+            </a:extLst>
+          </a:blip>
+          <a:stretch>
+            <a:fillRect/>
+          </a:stretch>
+        </p:blipFill>
+        <p:spPr>
+          <a:xfrm>
+            <a:off x="7466989" y="2473779"/>
+            <a:ext cx="274320" cy="274320"/>
+          </a:xfrm>
+          <a:prstGeom prst="rect">
+            <a:avLst/>
+          </a:prstGeom>
+        </p:spPr>
+      </p:pic>
+      <p:cxnSp>
+        <p:nvCxnSpPr>
+          <p:cNvPr id="87" name="Straight Arrow Connector 86">
+            <a:extLst>
+              <a:ext uri="{FF2B5EF4-FFF2-40B4-BE49-F238E27FC236}">
+                <a16:creationId xmlns:a16="http://schemas.microsoft.com/office/drawing/2014/main" id="{9569120A-19C6-5A40-9695-82C754D901EB}"/>
+              </a:ext>
+            </a:extLst>
+          </p:cNvPr>
+          <p:cNvCxnSpPr>
+            <a:cxnSpLocks/>
+            <a:stCxn id="56" idx="3"/>
+            <a:endCxn id="76" idx="1"/>
+          </p:cNvCxnSpPr>
+          <p:nvPr/>
+        </p:nvCxnSpPr>
+        <p:spPr>
+          <a:xfrm>
+            <a:off x="5355478" y="7426300"/>
+            <a:ext cx="2445941" cy="5337"/>
+          </a:xfrm>
+          <a:prstGeom prst="straightConnector1">
+            <a:avLst/>
+          </a:prstGeom>
+          <a:ln w="12700">
+            <a:solidFill>
+              <a:srgbClr val="545B64"/>
+            </a:solidFill>
+            <a:headEnd type="none" w="med" len="sm"/>
+            <a:tailEnd type="arrow" w="med" len="sm"/>
+          </a:ln>
+        </p:spPr>
+        <p:style>
+          <a:lnRef idx="1">
+            <a:schemeClr val="accent1"/>
+          </a:lnRef>
+          <a:fillRef idx="0">
+            <a:schemeClr val="accent1"/>
+          </a:fillRef>
+          <a:effectRef idx="0">
+            <a:schemeClr val="accent1"/>
+          </a:effectRef>
+          <a:fontRef idx="minor">
+            <a:schemeClr val="tx1"/>
+          </a:fontRef>
+        </p:style>
+      </p:cxnSp>
+      <p:pic>
+        <p:nvPicPr>
+          <p:cNvPr id="88" name="Graphic 87">
+            <a:extLst>
+              <a:ext uri="{FF2B5EF4-FFF2-40B4-BE49-F238E27FC236}">
+                <a16:creationId xmlns:a16="http://schemas.microsoft.com/office/drawing/2014/main" id="{4FD8295D-7E19-D449-81EF-8DE9CB84E3BB}"/>
+              </a:ext>
+            </a:extLst>
+          </p:cNvPr>
+          <p:cNvPicPr>
+            <a:picLocks noChangeAspect="1"/>
+          </p:cNvPicPr>
+          <p:nvPr/>
+        </p:nvPicPr>
+        <p:blipFill>
+          <a:blip r:embed="rId19">
+            <a:extLst>
+              <a:ext uri="{96DAC541-7B7A-43D3-8B79-37D633B846F1}">
+                <asvg:svgBlip xmlns:asvg="http://schemas.microsoft.com/office/drawing/2016/SVG/main" r:embed="rId20"/>
+              </a:ext>
+            </a:extLst>
+          </a:blip>
+          <a:stretch>
+            <a:fillRect/>
+          </a:stretch>
+        </p:blipFill>
+        <p:spPr>
+          <a:xfrm>
+            <a:off x="2606014" y="7167896"/>
+            <a:ext cx="369925" cy="369925"/>
+          </a:xfrm>
+          <a:prstGeom prst="rect">
+            <a:avLst/>
+          </a:prstGeom>
+        </p:spPr>
+      </p:pic>
+      <p:cxnSp>
+        <p:nvCxnSpPr>
+          <p:cNvPr id="90" name="Elbow Connector 89">
+            <a:extLst>
+              <a:ext uri="{FF2B5EF4-FFF2-40B4-BE49-F238E27FC236}">
+                <a16:creationId xmlns:a16="http://schemas.microsoft.com/office/drawing/2014/main" id="{F0164715-E3F8-CB40-9547-551D4966B37D}"/>
+              </a:ext>
+            </a:extLst>
+          </p:cNvPr>
+          <p:cNvCxnSpPr>
+            <a:cxnSpLocks/>
+            <a:stCxn id="71" idx="3"/>
+            <a:endCxn id="23" idx="1"/>
+          </p:cNvCxnSpPr>
+          <p:nvPr/>
+        </p:nvCxnSpPr>
+        <p:spPr>
+          <a:xfrm flipV="1">
+            <a:off x="2951388" y="4686825"/>
+            <a:ext cx="1383363" cy="158471"/>
+          </a:xfrm>
+          <a:prstGeom prst="bentConnector3">
+            <a:avLst>
+              <a:gd name="adj1" fmla="val 50000"/>
+            </a:avLst>
+          </a:prstGeom>
+          <a:ln w="0">
+            <a:solidFill>
+              <a:schemeClr val="tx2"/>
+            </a:solidFill>
+            <a:headEnd type="none" w="med" len="sm"/>
+            <a:tailEnd type="arrow" w="med" len="sm"/>
+          </a:ln>
+        </p:spPr>
+        <p:style>
+          <a:lnRef idx="1">
+            <a:schemeClr val="accent1"/>
+          </a:lnRef>
+          <a:fillRef idx="0">
+            <a:schemeClr val="accent1"/>
+          </a:fillRef>
+          <a:effectRef idx="0">
+            <a:schemeClr val="accent1"/>
+          </a:effectRef>
+          <a:fontRef idx="minor">
+            <a:schemeClr val="tx1"/>
+          </a:fontRef>
+        </p:style>
+      </p:cxnSp>
+      <p:cxnSp>
+        <p:nvCxnSpPr>
+          <p:cNvPr id="91" name="Straight Arrow Connector 90">
+            <a:extLst>
+              <a:ext uri="{FF2B5EF4-FFF2-40B4-BE49-F238E27FC236}">
+                <a16:creationId xmlns:a16="http://schemas.microsoft.com/office/drawing/2014/main" id="{D6DCAE54-B22F-244F-8C39-1069EFC0E76E}"/>
+              </a:ext>
+            </a:extLst>
+          </p:cNvPr>
+          <p:cNvCxnSpPr>
+            <a:cxnSpLocks/>
+          </p:cNvCxnSpPr>
+          <p:nvPr/>
+        </p:nvCxnSpPr>
+        <p:spPr>
+          <a:xfrm flipV="1">
+            <a:off x="9204985" y="4992913"/>
+            <a:ext cx="1059527" cy="447739"/>
+          </a:xfrm>
+          <a:prstGeom prst="straightConnector1">
+            <a:avLst/>
+          </a:prstGeom>
+          <a:ln w="12700">
+            <a:solidFill>
+              <a:srgbClr val="545B64"/>
+            </a:solidFill>
+            <a:headEnd type="arrow" w="med" len="sm"/>
+            <a:tailEnd type="oval" w="med" len="sm"/>
+          </a:ln>
+        </p:spPr>
+        <p:style>
+          <a:lnRef idx="1">
+            <a:schemeClr val="accent1"/>
+          </a:lnRef>
+          <a:fillRef idx="0">
+            <a:schemeClr val="accent1"/>
+          </a:fillRef>
+          <a:effectRef idx="0">
+            <a:schemeClr val="accent1"/>
+          </a:effectRef>
+          <a:fontRef idx="minor">
+            <a:schemeClr val="tx1"/>
+          </a:fontRef>
+        </p:style>
+      </p:cxnSp>
+      <p:sp>
+        <p:nvSpPr>
+          <p:cNvPr id="92" name="Rectangle 91">
+            <a:extLst>
+              <a:ext uri="{FF2B5EF4-FFF2-40B4-BE49-F238E27FC236}">
+                <a16:creationId xmlns:a16="http://schemas.microsoft.com/office/drawing/2014/main" id="{3A960599-1DC8-E04C-B908-6529AA9157AD}"/>
+              </a:ext>
+            </a:extLst>
+          </p:cNvPr>
+          <p:cNvSpPr/>
+          <p:nvPr/>
+        </p:nvSpPr>
+        <p:spPr>
+          <a:xfrm>
+            <a:off x="4015026" y="3398140"/>
+            <a:ext cx="5165644" cy="535022"/>
+          </a:xfrm>
+          <a:prstGeom prst="rect">
+            <a:avLst/>
+          </a:prstGeom>
+          <a:noFill/>
+          <a:ln w="12700">
+            <a:solidFill>
+              <a:srgbClr val="D86613"/>
+            </a:solidFill>
+            <a:prstDash val="dash"/>
+          </a:ln>
+        </p:spPr>
+        <p:style>
+          <a:lnRef idx="2">
+            <a:schemeClr val="accent1">
+              <a:shade val="50000"/>
+            </a:schemeClr>
+          </a:lnRef>
+          <a:fillRef idx="1">
+            <a:schemeClr val="accent1"/>
+          </a:fillRef>
+          <a:effectRef idx="0">
+            <a:schemeClr val="accent1"/>
+          </a:effectRef>
+          <a:fontRef idx="minor">
+            <a:schemeClr val="lt1"/>
+          </a:fontRef>
+        </p:style>
+        <p:txBody>
+          <a:bodyPr rot="0" spcFirstLastPara="0" vertOverflow="overflow" horzOverflow="overflow" vert="horz" wrap="square" lIns="91440" tIns="91440" rIns="91440" bIns="45720" numCol="1" spcCol="0" rtlCol="0" fromWordArt="0" anchor="t" anchorCtr="0" forceAA="0" compatLnSpc="1">
+            <a:prstTxWarp prst="textNoShape">
+              <a:avLst/>
+            </a:prstTxWarp>
+            <a:noAutofit/>
+          </a:bodyPr>
+          <a:lstStyle/>
+          <a:p>
+            <a:pPr algn="ctr"/>
+            <a:endParaRPr lang="en-US" sz="1100" dirty="0">
+              <a:solidFill>
+                <a:srgbClr val="D86613"/>
+              </a:solidFill>
+            </a:endParaRPr>
+          </a:p>
+          <a:p>
+            <a:r>
+              <a:rPr lang="en-US" sz="1100" dirty="0">
+                <a:solidFill>
+                  <a:srgbClr val="D86613"/>
+                </a:solidFill>
+              </a:rPr>
+              <a:t>                                                               Auto Scaling group</a:t>
+            </a:r>
+          </a:p>
+        </p:txBody>
+      </p:sp>
+      <p:pic>
+        <p:nvPicPr>
+          <p:cNvPr id="93" name="Graphic 92">
+            <a:extLst>
+              <a:ext uri="{FF2B5EF4-FFF2-40B4-BE49-F238E27FC236}">
+                <a16:creationId xmlns:a16="http://schemas.microsoft.com/office/drawing/2014/main" id="{4EDF6032-5B66-3246-A30E-3032648FCE9F}"/>
+              </a:ext>
+            </a:extLst>
+          </p:cNvPr>
+          <p:cNvPicPr>
+            <a:picLocks noChangeAspect="1"/>
+          </p:cNvPicPr>
+          <p:nvPr/>
+        </p:nvPicPr>
+        <p:blipFill>
+          <a:blip r:embed="rId13">
+            <a:extLst>
+              <a:ext uri="{96DAC541-7B7A-43D3-8B79-37D633B846F1}">
+                <asvg:svgBlip xmlns:asvg="http://schemas.microsoft.com/office/drawing/2016/SVG/main" r:embed="rId14"/>
+              </a:ext>
+            </a:extLst>
+          </a:blip>
+          <a:stretch>
+            <a:fillRect/>
+          </a:stretch>
+        </p:blipFill>
+        <p:spPr>
+          <a:xfrm>
+            <a:off x="6472785" y="3415213"/>
+            <a:ext cx="277535" cy="277535"/>
+          </a:xfrm>
+          <a:prstGeom prst="rect">
+            <a:avLst/>
+          </a:prstGeom>
+        </p:spPr>
+      </p:pic>
+      <p:pic>
+        <p:nvPicPr>
+          <p:cNvPr id="94" name="Graphic 93">
+            <a:extLst>
+              <a:ext uri="{FF2B5EF4-FFF2-40B4-BE49-F238E27FC236}">
+                <a16:creationId xmlns:a16="http://schemas.microsoft.com/office/drawing/2014/main" id="{7CED7F91-0AD1-A740-A7CF-5DFAE0017A11}"/>
+              </a:ext>
+            </a:extLst>
+          </p:cNvPr>
+          <p:cNvPicPr>
+            <a:picLocks noChangeAspect="1"/>
+          </p:cNvPicPr>
+          <p:nvPr/>
+        </p:nvPicPr>
+        <p:blipFill>
+          <a:blip r:embed="rId21">
+            <a:extLst>
+              <a:ext uri="{96DAC541-7B7A-43D3-8B79-37D633B846F1}">
+                <asvg:svgBlip xmlns:asvg="http://schemas.microsoft.com/office/drawing/2016/SVG/main" r:embed="rId22"/>
+              </a:ext>
+            </a:extLst>
+          </a:blip>
+          <a:stretch>
+            <a:fillRect/>
+          </a:stretch>
+        </p:blipFill>
+        <p:spPr>
+          <a:xfrm>
+            <a:off x="4400814" y="3447010"/>
+            <a:ext cx="327981" cy="327981"/>
+          </a:xfrm>
+          <a:prstGeom prst="rect">
+            <a:avLst/>
+          </a:prstGeom>
+        </p:spPr>
+      </p:pic>
+      <p:pic>
+        <p:nvPicPr>
+          <p:cNvPr id="95" name="Graphic 94">
+            <a:extLst>
+              <a:ext uri="{FF2B5EF4-FFF2-40B4-BE49-F238E27FC236}">
+                <a16:creationId xmlns:a16="http://schemas.microsoft.com/office/drawing/2014/main" id="{039F236A-95A8-F849-B808-CB40617EC993}"/>
+              </a:ext>
+            </a:extLst>
+          </p:cNvPr>
+          <p:cNvPicPr>
+            <a:picLocks noChangeAspect="1"/>
+          </p:cNvPicPr>
+          <p:nvPr/>
+        </p:nvPicPr>
+        <p:blipFill>
+          <a:blip r:embed="rId23">
+            <a:extLst>
+              <a:ext uri="{96DAC541-7B7A-43D3-8B79-37D633B846F1}">
+                <asvg:svgBlip xmlns:asvg="http://schemas.microsoft.com/office/drawing/2016/SVG/main" r:embed="rId24"/>
+              </a:ext>
+            </a:extLst>
+          </a:blip>
+          <a:stretch>
+            <a:fillRect/>
+          </a:stretch>
+        </p:blipFill>
+        <p:spPr>
+          <a:xfrm>
+            <a:off x="8404396" y="3445725"/>
+            <a:ext cx="327981" cy="327981"/>
+          </a:xfrm>
+          <a:prstGeom prst="rect">
+            <a:avLst/>
+          </a:prstGeom>
+        </p:spPr>
+      </p:pic>
+      <p:sp>
+        <p:nvSpPr>
+          <p:cNvPr id="96" name="TextBox 95">
+            <a:extLst>
+              <a:ext uri="{FF2B5EF4-FFF2-40B4-BE49-F238E27FC236}">
+                <a16:creationId xmlns:a16="http://schemas.microsoft.com/office/drawing/2014/main" id="{61B9EBD2-8C7A-EA44-A73E-AF66AA619EDB}"/>
+              </a:ext>
+            </a:extLst>
+          </p:cNvPr>
+          <p:cNvSpPr txBox="1"/>
+          <p:nvPr/>
+        </p:nvSpPr>
+        <p:spPr>
+          <a:xfrm>
+            <a:off x="4097983" y="3704030"/>
+            <a:ext cx="997328" cy="261610"/>
+          </a:xfrm>
+          <a:prstGeom prst="rect">
+            <a:avLst/>
+          </a:prstGeom>
+          <a:noFill/>
+        </p:spPr>
+        <p:txBody>
+          <a:bodyPr wrap="square" rtlCol="0">
+            <a:spAutoFit/>
+          </a:bodyPr>
+          <a:lstStyle/>
+          <a:p>
+            <a:pPr algn="ctr"/>
+            <a:r>
+              <a:rPr lang="en-US" sz="1100" dirty="0">
+                <a:solidFill>
+                  <a:srgbClr val="232F3E"/>
+                </a:solidFill>
+              </a:rPr>
+              <a:t>Bastion</a:t>
+            </a:r>
+          </a:p>
+        </p:txBody>
+      </p:sp>
+      <p:sp>
+        <p:nvSpPr>
+          <p:cNvPr id="97" name="TextBox 96">
+            <a:extLst>
+              <a:ext uri="{FF2B5EF4-FFF2-40B4-BE49-F238E27FC236}">
+                <a16:creationId xmlns:a16="http://schemas.microsoft.com/office/drawing/2014/main" id="{41AECBF6-AC80-734F-BF31-0C56D516C3A8}"/>
+              </a:ext>
+            </a:extLst>
+          </p:cNvPr>
+          <p:cNvSpPr txBox="1"/>
+          <p:nvPr/>
+        </p:nvSpPr>
+        <p:spPr>
+          <a:xfrm>
+            <a:off x="8095431" y="3711419"/>
+            <a:ext cx="1012880" cy="261610"/>
+          </a:xfrm>
+          <a:prstGeom prst="rect">
+            <a:avLst/>
+          </a:prstGeom>
+          <a:noFill/>
+        </p:spPr>
+        <p:txBody>
+          <a:bodyPr wrap="square" rtlCol="0">
+            <a:spAutoFit/>
+          </a:bodyPr>
+          <a:lstStyle/>
+          <a:p>
+            <a:pPr algn="ctr"/>
+            <a:r>
+              <a:rPr lang="en-US" sz="1100" dirty="0">
+                <a:solidFill>
+                  <a:srgbClr val="232F3E"/>
+                </a:solidFill>
+              </a:rPr>
+              <a:t>Bastion</a:t>
+            </a:r>
+          </a:p>
+        </p:txBody>
+      </p:sp>
+      <p:pic>
+        <p:nvPicPr>
+          <p:cNvPr id="98" name="Graphic 97">
+            <a:extLst>
+              <a:ext uri="{FF2B5EF4-FFF2-40B4-BE49-F238E27FC236}">
+                <a16:creationId xmlns:a16="http://schemas.microsoft.com/office/drawing/2014/main" id="{6633983D-7343-4242-B535-ADD58D8B2392}"/>
+              </a:ext>
+            </a:extLst>
+          </p:cNvPr>
+          <p:cNvPicPr>
+            <a:picLocks noChangeAspect="1"/>
+          </p:cNvPicPr>
+          <p:nvPr/>
+        </p:nvPicPr>
+        <p:blipFill>
+          <a:blip r:embed="rId25">
+            <a:extLst>
+              <a:ext uri="{96DAC541-7B7A-43D3-8B79-37D633B846F1}">
+                <asvg:svgBlip xmlns:asvg="http://schemas.microsoft.com/office/drawing/2016/SVG/main" r:embed="rId26"/>
+              </a:ext>
+            </a:extLst>
+          </a:blip>
+          <a:stretch>
+            <a:fillRect/>
+          </a:stretch>
+        </p:blipFill>
+        <p:spPr>
+          <a:xfrm>
+            <a:off x="4416648" y="2742585"/>
+            <a:ext cx="331590" cy="331590"/>
+          </a:xfrm>
+          <a:prstGeom prst="rect">
+            <a:avLst/>
+          </a:prstGeom>
+        </p:spPr>
+      </p:pic>
+      <p:pic>
+        <p:nvPicPr>
+          <p:cNvPr id="99" name="Graphic 98">
+            <a:extLst>
+              <a:ext uri="{FF2B5EF4-FFF2-40B4-BE49-F238E27FC236}">
+                <a16:creationId xmlns:a16="http://schemas.microsoft.com/office/drawing/2014/main" id="{AC00D972-020E-044C-AAA9-9B82AB1BB666}"/>
+              </a:ext>
+            </a:extLst>
+          </p:cNvPr>
+          <p:cNvPicPr>
+            <a:picLocks noChangeAspect="1"/>
+          </p:cNvPicPr>
+          <p:nvPr/>
+        </p:nvPicPr>
+        <p:blipFill>
+          <a:blip r:embed="rId25">
+            <a:extLst>
+              <a:ext uri="{96DAC541-7B7A-43D3-8B79-37D633B846F1}">
+                <asvg:svgBlip xmlns:asvg="http://schemas.microsoft.com/office/drawing/2016/SVG/main" r:embed="rId26"/>
+              </a:ext>
+            </a:extLst>
+          </a:blip>
+          <a:stretch>
+            <a:fillRect/>
+          </a:stretch>
+        </p:blipFill>
+        <p:spPr>
+          <a:xfrm>
+            <a:off x="8374260" y="2734084"/>
+            <a:ext cx="331590" cy="331590"/>
+          </a:xfrm>
+          <a:prstGeom prst="rect">
+            <a:avLst/>
+          </a:prstGeom>
+        </p:spPr>
+      </p:pic>
+      <p:sp>
+        <p:nvSpPr>
+          <p:cNvPr id="100" name="TextBox 99">
+            <a:extLst>
+              <a:ext uri="{FF2B5EF4-FFF2-40B4-BE49-F238E27FC236}">
+                <a16:creationId xmlns:a16="http://schemas.microsoft.com/office/drawing/2014/main" id="{A0A4FD8A-B3C6-5C4A-A694-F72C6B12FD47}"/>
+              </a:ext>
+            </a:extLst>
+          </p:cNvPr>
+          <p:cNvSpPr txBox="1"/>
+          <p:nvPr/>
+        </p:nvSpPr>
+        <p:spPr>
+          <a:xfrm>
+            <a:off x="3891348" y="3038217"/>
+            <a:ext cx="1485100" cy="261610"/>
+          </a:xfrm>
+          <a:prstGeom prst="rect">
+            <a:avLst/>
+          </a:prstGeom>
+          <a:noFill/>
+        </p:spPr>
+        <p:txBody>
+          <a:bodyPr wrap="square" rtlCol="0">
+            <a:spAutoFit/>
+          </a:bodyPr>
+          <a:lstStyle/>
+          <a:p>
+            <a:pPr algn="ctr"/>
+            <a:r>
+              <a:rPr lang="en-US" sz="1100" dirty="0">
+                <a:solidFill>
+                  <a:srgbClr val="232F3E"/>
+                </a:solidFill>
+              </a:rPr>
+              <a:t>NAT Gateway</a:t>
+            </a:r>
+          </a:p>
+        </p:txBody>
+      </p:sp>
+      <p:sp>
+        <p:nvSpPr>
+          <p:cNvPr id="101" name="TextBox 100">
+            <a:extLst>
+              <a:ext uri="{FF2B5EF4-FFF2-40B4-BE49-F238E27FC236}">
+                <a16:creationId xmlns:a16="http://schemas.microsoft.com/office/drawing/2014/main" id="{914E7793-C91B-B642-9129-EBFE08FF8196}"/>
+              </a:ext>
+            </a:extLst>
+          </p:cNvPr>
+          <p:cNvSpPr txBox="1"/>
+          <p:nvPr/>
+        </p:nvSpPr>
+        <p:spPr>
+          <a:xfrm>
+            <a:off x="8040614" y="3032002"/>
+            <a:ext cx="1047568" cy="261610"/>
+          </a:xfrm>
+          <a:prstGeom prst="rect">
+            <a:avLst/>
+          </a:prstGeom>
+          <a:noFill/>
+        </p:spPr>
+        <p:txBody>
+          <a:bodyPr wrap="square" rtlCol="0">
+            <a:spAutoFit/>
+          </a:bodyPr>
+          <a:lstStyle/>
+          <a:p>
+            <a:pPr algn="ctr"/>
+            <a:r>
+              <a:rPr lang="en-US" sz="1100" dirty="0">
+                <a:solidFill>
+                  <a:srgbClr val="232F3E"/>
+                </a:solidFill>
+              </a:rPr>
+              <a:t>NAT Gateway</a:t>
+            </a:r>
+          </a:p>
+        </p:txBody>
+      </p:sp>
+      <p:sp>
+        <p:nvSpPr>
+          <p:cNvPr id="70" name="TextBox 69">
+            <a:extLst>
+              <a:ext uri="{FF2B5EF4-FFF2-40B4-BE49-F238E27FC236}">
+                <a16:creationId xmlns:a16="http://schemas.microsoft.com/office/drawing/2014/main" id="{986CC1F7-A801-E24A-A318-61EA30C3C067}"/>
+              </a:ext>
+            </a:extLst>
+          </p:cNvPr>
+          <p:cNvSpPr txBox="1"/>
+          <p:nvPr/>
+        </p:nvSpPr>
+        <p:spPr>
+          <a:xfrm>
+            <a:off x="2261718" y="4989740"/>
+            <a:ext cx="1022439" cy="400110"/>
+          </a:xfrm>
+          <a:prstGeom prst="rect">
+            <a:avLst/>
+          </a:prstGeom>
+          <a:noFill/>
+        </p:spPr>
+        <p:txBody>
+          <a:bodyPr wrap="square" rtlCol="0">
+            <a:spAutoFit/>
+          </a:bodyPr>
+          <a:lstStyle/>
+          <a:p>
+            <a:pPr algn="ctr"/>
+            <a:r>
+              <a:rPr lang="en-US" sz="1000" dirty="0"/>
+              <a:t>Elastic Load </a:t>
+            </a:r>
+          </a:p>
+          <a:p>
+            <a:pPr algn="ctr"/>
+            <a:r>
+              <a:rPr lang="en-US" sz="1000" dirty="0"/>
+              <a:t>Balancing</a:t>
+            </a:r>
+          </a:p>
+        </p:txBody>
+      </p:sp>
+      <p:pic>
+        <p:nvPicPr>
+          <p:cNvPr id="71" name="Graphic 70">
+            <a:extLst>
+              <a:ext uri="{FF2B5EF4-FFF2-40B4-BE49-F238E27FC236}">
+                <a16:creationId xmlns:a16="http://schemas.microsoft.com/office/drawing/2014/main" id="{8632C698-F74F-5B46-B011-1C884FBF4689}"/>
+              </a:ext>
+            </a:extLst>
+          </p:cNvPr>
+          <p:cNvPicPr>
+            <a:picLocks noChangeAspect="1"/>
+          </p:cNvPicPr>
+          <p:nvPr/>
+        </p:nvPicPr>
+        <p:blipFill>
+          <a:blip r:embed="rId27">
+            <a:extLst>
+              <a:ext uri="{96DAC541-7B7A-43D3-8B79-37D633B846F1}">
+                <asvg:svgBlip xmlns:asvg="http://schemas.microsoft.com/office/drawing/2016/SVG/main" r:embed="rId28"/>
+              </a:ext>
+            </a:extLst>
+          </a:blip>
+          <a:stretch>
+            <a:fillRect/>
+          </a:stretch>
+        </p:blipFill>
+        <p:spPr>
+          <a:xfrm>
+            <a:off x="2568271" y="4653737"/>
+            <a:ext cx="383117" cy="383117"/>
+          </a:xfrm>
+          <a:prstGeom prst="rect">
+            <a:avLst/>
+          </a:prstGeom>
+        </p:spPr>
+      </p:pic>
+      <p:pic>
+        <p:nvPicPr>
+          <p:cNvPr id="102" name="Graphic 101">
+            <a:extLst>
+              <a:ext uri="{FF2B5EF4-FFF2-40B4-BE49-F238E27FC236}">
+                <a16:creationId xmlns:a16="http://schemas.microsoft.com/office/drawing/2014/main" id="{9C42C22B-AE73-AC4A-BD26-23164E805D3F}"/>
+              </a:ext>
+            </a:extLst>
+          </p:cNvPr>
+          <p:cNvPicPr>
+            <a:picLocks noChangeAspect="1"/>
+          </p:cNvPicPr>
+          <p:nvPr/>
+        </p:nvPicPr>
+        <p:blipFill>
+          <a:blip r:embed="rId29">
+            <a:extLst>
+              <a:ext uri="{96DAC541-7B7A-43D3-8B79-37D633B846F1}">
+                <asvg:svgBlip xmlns:asvg="http://schemas.microsoft.com/office/drawing/2016/SVG/main" r:embed="rId30"/>
+              </a:ext>
+            </a:extLst>
+          </a:blip>
+          <a:stretch>
+            <a:fillRect/>
+          </a:stretch>
+        </p:blipFill>
+        <p:spPr>
+          <a:xfrm flipH="1">
+            <a:off x="2529007" y="3839339"/>
+            <a:ext cx="422380" cy="410426"/>
+          </a:xfrm>
+          <a:prstGeom prst="rect">
+            <a:avLst/>
+          </a:prstGeom>
+        </p:spPr>
+      </p:pic>
+      <p:sp>
+        <p:nvSpPr>
+          <p:cNvPr id="103" name="TextBox 102">
+            <a:extLst>
+              <a:ext uri="{FF2B5EF4-FFF2-40B4-BE49-F238E27FC236}">
+                <a16:creationId xmlns:a16="http://schemas.microsoft.com/office/drawing/2014/main" id="{1407B5D6-4D9B-4942-BDEF-98DA796479A0}"/>
+              </a:ext>
+            </a:extLst>
+          </p:cNvPr>
+          <p:cNvSpPr txBox="1"/>
+          <p:nvPr/>
+        </p:nvSpPr>
+        <p:spPr>
+          <a:xfrm>
+            <a:off x="2223455" y="4220839"/>
+            <a:ext cx="1072750" cy="276999"/>
+          </a:xfrm>
+          <a:prstGeom prst="rect">
+            <a:avLst/>
+          </a:prstGeom>
+          <a:noFill/>
+        </p:spPr>
+        <p:txBody>
+          <a:bodyPr wrap="square" rtlCol="0">
+            <a:spAutoFit/>
+          </a:bodyPr>
+          <a:lstStyle/>
+          <a:p>
+            <a:pPr algn="ctr"/>
+            <a:r>
+              <a:rPr lang="en-US" sz="1200" dirty="0">
+                <a:solidFill>
+                  <a:srgbClr val="232F3E"/>
+                </a:solidFill>
+              </a:rPr>
+              <a:t>Users</a:t>
+            </a:r>
+          </a:p>
+        </p:txBody>
+      </p:sp>
+      <p:cxnSp>
+        <p:nvCxnSpPr>
+          <p:cNvPr id="104" name="Elbow Connector 103">
+            <a:extLst>
+              <a:ext uri="{FF2B5EF4-FFF2-40B4-BE49-F238E27FC236}">
+                <a16:creationId xmlns:a16="http://schemas.microsoft.com/office/drawing/2014/main" id="{B49B7B80-6A46-3D41-A7FC-16C6A1AEC803}"/>
+              </a:ext>
+            </a:extLst>
+          </p:cNvPr>
+          <p:cNvCxnSpPr>
+            <a:cxnSpLocks/>
+            <a:stCxn id="71" idx="3"/>
+            <a:endCxn id="48" idx="1"/>
+          </p:cNvCxnSpPr>
+          <p:nvPr/>
+        </p:nvCxnSpPr>
+        <p:spPr>
+          <a:xfrm>
+            <a:off x="2951388" y="4845296"/>
+            <a:ext cx="1377063" cy="474407"/>
+          </a:xfrm>
+          <a:prstGeom prst="bentConnector3">
+            <a:avLst>
+              <a:gd name="adj1" fmla="val 50000"/>
+            </a:avLst>
+          </a:prstGeom>
+          <a:ln w="0">
+            <a:solidFill>
+              <a:schemeClr val="tx2"/>
+            </a:solidFill>
+            <a:headEnd type="none" w="med" len="sm"/>
+            <a:tailEnd type="arrow" w="med" len="sm"/>
+          </a:ln>
+        </p:spPr>
+        <p:style>
+          <a:lnRef idx="1">
+            <a:schemeClr val="accent1"/>
+          </a:lnRef>
+          <a:fillRef idx="0">
+            <a:schemeClr val="accent1"/>
+          </a:fillRef>
+          <a:effectRef idx="0">
+            <a:schemeClr val="accent1"/>
+          </a:effectRef>
+          <a:fontRef idx="minor">
+            <a:schemeClr val="tx1"/>
+          </a:fontRef>
+        </p:style>
+      </p:cxnSp>
+      <p:cxnSp>
+        <p:nvCxnSpPr>
+          <p:cNvPr id="105" name="Elbow Connector 104">
+            <a:extLst>
+              <a:ext uri="{FF2B5EF4-FFF2-40B4-BE49-F238E27FC236}">
+                <a16:creationId xmlns:a16="http://schemas.microsoft.com/office/drawing/2014/main" id="{C9BD91D6-3A38-7641-B595-70139C02D84E}"/>
+              </a:ext>
+            </a:extLst>
+          </p:cNvPr>
+          <p:cNvCxnSpPr>
+            <a:cxnSpLocks/>
+            <a:endCxn id="71" idx="0"/>
+          </p:cNvCxnSpPr>
+          <p:nvPr/>
+        </p:nvCxnSpPr>
+        <p:spPr>
+          <a:xfrm rot="5400000">
+            <a:off x="2598774" y="4492679"/>
+            <a:ext cx="322114" cy="3"/>
+          </a:xfrm>
+          <a:prstGeom prst="bentConnector3">
+            <a:avLst>
+              <a:gd name="adj1" fmla="val 50000"/>
+            </a:avLst>
+          </a:prstGeom>
+          <a:ln w="0">
+            <a:solidFill>
+              <a:schemeClr val="tx2"/>
+            </a:solidFill>
+            <a:headEnd type="none" w="med" len="sm"/>
+            <a:tailEnd type="arrow" w="med" len="sm"/>
+          </a:ln>
+        </p:spPr>
+        <p:style>
+          <a:lnRef idx="1">
+            <a:schemeClr val="accent1"/>
+          </a:lnRef>
+          <a:fillRef idx="0">
+            <a:schemeClr val="accent1"/>
+          </a:fillRef>
+          <a:effectRef idx="0">
+            <a:schemeClr val="accent1"/>
+          </a:effectRef>
+          <a:fontRef idx="minor">
+            <a:schemeClr val="tx1"/>
+          </a:fontRef>
+        </p:style>
+      </p:cxnSp>
+      <p:pic>
+        <p:nvPicPr>
+          <p:cNvPr id="106" name="Graphic 105">
+            <a:extLst>
+              <a:ext uri="{FF2B5EF4-FFF2-40B4-BE49-F238E27FC236}">
+                <a16:creationId xmlns:a16="http://schemas.microsoft.com/office/drawing/2014/main" id="{A646124C-7D7B-CF45-8728-81406848AFD6}"/>
+              </a:ext>
+            </a:extLst>
+          </p:cNvPr>
+          <p:cNvPicPr>
+            <a:picLocks noChangeAspect="1"/>
+          </p:cNvPicPr>
+          <p:nvPr/>
+        </p:nvPicPr>
+        <p:blipFill>
+          <a:blip r:embed="rId31">
+            <a:extLst>
+              <a:ext uri="{96DAC541-7B7A-43D3-8B79-37D633B846F1}">
+                <asvg:svgBlip xmlns:asvg="http://schemas.microsoft.com/office/drawing/2016/SVG/main" r:embed="rId32"/>
+              </a:ext>
+            </a:extLst>
+          </a:blip>
+          <a:stretch>
+            <a:fillRect/>
+          </a:stretch>
+        </p:blipFill>
+        <p:spPr>
+          <a:xfrm>
+            <a:off x="2598464" y="3136205"/>
+            <a:ext cx="366175" cy="366175"/>
+          </a:xfrm>
+          <a:prstGeom prst="rect">
+            <a:avLst/>
+          </a:prstGeom>
+        </p:spPr>
+      </p:pic>
+      <p:sp>
+        <p:nvSpPr>
+          <p:cNvPr id="107" name="TextBox 106">
+            <a:extLst>
+              <a:ext uri="{FF2B5EF4-FFF2-40B4-BE49-F238E27FC236}">
+                <a16:creationId xmlns:a16="http://schemas.microsoft.com/office/drawing/2014/main" id="{4883E4CD-D281-CF41-A80F-0B7E1C49EAFC}"/>
+              </a:ext>
+            </a:extLst>
+          </p:cNvPr>
+          <p:cNvSpPr txBox="1"/>
+          <p:nvPr/>
+        </p:nvSpPr>
+        <p:spPr>
+          <a:xfrm>
+            <a:off x="2462958" y="3475533"/>
+            <a:ext cx="659618" cy="276999"/>
+          </a:xfrm>
+          <a:prstGeom prst="rect">
+            <a:avLst/>
+          </a:prstGeom>
+          <a:noFill/>
+        </p:spPr>
+        <p:txBody>
+          <a:bodyPr wrap="square" rtlCol="0">
+            <a:spAutoFit/>
+          </a:bodyPr>
+          <a:lstStyle/>
+          <a:p>
+            <a:pPr algn="ctr"/>
+            <a:r>
+              <a:rPr lang="en-US" sz="1200" dirty="0">
+                <a:solidFill>
+                  <a:srgbClr val="232F3E"/>
+                </a:solidFill>
+              </a:rPr>
+              <a:t>Admin</a:t>
+            </a:r>
+          </a:p>
+        </p:txBody>
+      </p:sp>
+      <p:sp>
+        <p:nvSpPr>
+          <p:cNvPr id="62" name="Rectangle 61">
+            <a:extLst>
+              <a:ext uri="{FF2B5EF4-FFF2-40B4-BE49-F238E27FC236}">
+                <a16:creationId xmlns:a16="http://schemas.microsoft.com/office/drawing/2014/main" id="{1FB57F45-5C5B-0642-9785-F46998675881}"/>
+              </a:ext>
+            </a:extLst>
+          </p:cNvPr>
+          <p:cNvSpPr/>
+          <p:nvPr/>
+        </p:nvSpPr>
+        <p:spPr>
+          <a:xfrm>
+            <a:off x="4011546" y="4491684"/>
+            <a:ext cx="5165644" cy="554269"/>
+          </a:xfrm>
+          <a:prstGeom prst="rect">
+            <a:avLst/>
+          </a:prstGeom>
+          <a:noFill/>
+          <a:ln w="12700">
+            <a:solidFill>
+              <a:srgbClr val="D86613"/>
+            </a:solidFill>
+            <a:prstDash val="dash"/>
+          </a:ln>
+        </p:spPr>
+        <p:style>
+          <a:lnRef idx="2">
+            <a:schemeClr val="accent1">
+              <a:shade val="50000"/>
+            </a:schemeClr>
+          </a:lnRef>
+          <a:fillRef idx="1">
+            <a:schemeClr val="accent1"/>
+          </a:fillRef>
+          <a:effectRef idx="0">
+            <a:schemeClr val="accent1"/>
+          </a:effectRef>
+          <a:fontRef idx="minor">
+            <a:schemeClr val="lt1"/>
+          </a:fontRef>
+        </p:style>
+        <p:txBody>
+          <a:bodyPr rot="0" spcFirstLastPara="0" vertOverflow="overflow" horzOverflow="overflow" vert="horz" wrap="square" lIns="91440" tIns="91440" rIns="91440" bIns="45720" numCol="1" spcCol="0" rtlCol="0" fromWordArt="0" anchor="t" anchorCtr="0" forceAA="0" compatLnSpc="1">
+            <a:prstTxWarp prst="textNoShape">
+              <a:avLst/>
+            </a:prstTxWarp>
+            <a:noAutofit/>
+          </a:bodyPr>
+          <a:lstStyle/>
+          <a:p>
+            <a:pPr algn="ctr"/>
+            <a:endParaRPr lang="en-US" sz="1100" dirty="0">
+              <a:solidFill>
+                <a:srgbClr val="D86613"/>
+              </a:solidFill>
+            </a:endParaRPr>
+          </a:p>
+          <a:p>
+            <a:r>
+              <a:rPr lang="en-US" sz="1100" dirty="0">
+                <a:solidFill>
+                  <a:srgbClr val="D86613"/>
+                </a:solidFill>
+              </a:rPr>
+              <a:t>                                                               Auto Scaling group</a:t>
+            </a:r>
+          </a:p>
+        </p:txBody>
+      </p:sp>
+      <p:cxnSp>
+        <p:nvCxnSpPr>
+          <p:cNvPr id="108" name="Elbow Connector 107">
+            <a:extLst>
+              <a:ext uri="{FF2B5EF4-FFF2-40B4-BE49-F238E27FC236}">
+                <a16:creationId xmlns:a16="http://schemas.microsoft.com/office/drawing/2014/main" id="{C261AE2C-160E-F746-8B1F-C95F4E2F5AB7}"/>
+              </a:ext>
+            </a:extLst>
+          </p:cNvPr>
+          <p:cNvCxnSpPr>
+            <a:cxnSpLocks/>
+            <a:stCxn id="107" idx="3"/>
+            <a:endCxn id="94" idx="1"/>
+          </p:cNvCxnSpPr>
+          <p:nvPr/>
+        </p:nvCxnSpPr>
+        <p:spPr>
+          <a:xfrm flipV="1">
+            <a:off x="3122577" y="3611000"/>
+            <a:ext cx="1278237" cy="3032"/>
+          </a:xfrm>
+          <a:prstGeom prst="bentConnector3">
+            <a:avLst>
+              <a:gd name="adj1" fmla="val 50000"/>
+            </a:avLst>
+          </a:prstGeom>
+          <a:ln w="0">
+            <a:solidFill>
+              <a:schemeClr val="tx2"/>
+            </a:solidFill>
+            <a:headEnd type="none" w="med" len="sm"/>
+            <a:tailEnd type="arrow" w="med" len="sm"/>
+          </a:ln>
+        </p:spPr>
+        <p:style>
+          <a:lnRef idx="1">
+            <a:schemeClr val="accent1"/>
+          </a:lnRef>
+          <a:fillRef idx="0">
+            <a:schemeClr val="accent1"/>
+          </a:fillRef>
+          <a:effectRef idx="0">
+            <a:schemeClr val="accent1"/>
+          </a:effectRef>
+          <a:fontRef idx="minor">
+            <a:schemeClr val="tx1"/>
+          </a:fontRef>
+        </p:style>
+      </p:cxnSp>
+      <p:pic>
+        <p:nvPicPr>
+          <p:cNvPr id="64" name="Graphic 63">
+            <a:extLst>
+              <a:ext uri="{FF2B5EF4-FFF2-40B4-BE49-F238E27FC236}">
+                <a16:creationId xmlns:a16="http://schemas.microsoft.com/office/drawing/2014/main" id="{31B7666C-8AFC-F84C-92AF-49359DA7874C}"/>
+              </a:ext>
+            </a:extLst>
+          </p:cNvPr>
+          <p:cNvPicPr>
+            <a:picLocks noChangeAspect="1"/>
+          </p:cNvPicPr>
+          <p:nvPr/>
+        </p:nvPicPr>
+        <p:blipFill>
+          <a:blip r:embed="rId13">
+            <a:extLst>
+              <a:ext uri="{96DAC541-7B7A-43D3-8B79-37D633B846F1}">
+                <asvg:svgBlip xmlns:asvg="http://schemas.microsoft.com/office/drawing/2016/SVG/main" r:embed="rId14"/>
+              </a:ext>
+            </a:extLst>
+          </a:blip>
+          <a:stretch>
+            <a:fillRect/>
+          </a:stretch>
+        </p:blipFill>
+        <p:spPr>
+          <a:xfrm>
+            <a:off x="6469305" y="4508757"/>
+            <a:ext cx="277535" cy="277535"/>
+          </a:xfrm>
+          <a:prstGeom prst="rect">
+            <a:avLst/>
+          </a:prstGeom>
+        </p:spPr>
+      </p:pic>
+      <p:pic>
+        <p:nvPicPr>
+          <p:cNvPr id="65" name="Graphic 64">
+            <a:extLst>
+              <a:ext uri="{FF2B5EF4-FFF2-40B4-BE49-F238E27FC236}">
+                <a16:creationId xmlns:a16="http://schemas.microsoft.com/office/drawing/2014/main" id="{43294EBF-A689-DD4A-958E-B224A996A2BE}"/>
+              </a:ext>
+            </a:extLst>
+          </p:cNvPr>
+          <p:cNvPicPr>
+            <a:picLocks noChangeAspect="1"/>
+          </p:cNvPicPr>
+          <p:nvPr/>
+        </p:nvPicPr>
+        <p:blipFill>
+          <a:blip r:embed="rId23">
+            <a:extLst>
+              <a:ext uri="{96DAC541-7B7A-43D3-8B79-37D633B846F1}">
+                <asvg:svgBlip xmlns:asvg="http://schemas.microsoft.com/office/drawing/2016/SVG/main" r:embed="rId24"/>
+              </a:ext>
+            </a:extLst>
+          </a:blip>
+          <a:stretch>
+            <a:fillRect/>
+          </a:stretch>
+        </p:blipFill>
+        <p:spPr>
+          <a:xfrm>
+            <a:off x="8400916" y="4520219"/>
+            <a:ext cx="304934" cy="304934"/>
+          </a:xfrm>
+          <a:prstGeom prst="rect">
+            <a:avLst/>
+          </a:prstGeom>
+        </p:spPr>
+      </p:pic>
+      <p:sp>
+        <p:nvSpPr>
+          <p:cNvPr id="66" name="TextBox 65">
+            <a:extLst>
+              <a:ext uri="{FF2B5EF4-FFF2-40B4-BE49-F238E27FC236}">
+                <a16:creationId xmlns:a16="http://schemas.microsoft.com/office/drawing/2014/main" id="{480EBCEE-28CC-7B43-B975-32F87FC8E51C}"/>
+              </a:ext>
+            </a:extLst>
+          </p:cNvPr>
+          <p:cNvSpPr txBox="1"/>
+          <p:nvPr/>
+        </p:nvSpPr>
+        <p:spPr>
+          <a:xfrm>
+            <a:off x="7851833" y="4756591"/>
+            <a:ext cx="1513305" cy="276999"/>
+          </a:xfrm>
+          <a:prstGeom prst="rect">
+            <a:avLst/>
+          </a:prstGeom>
+          <a:noFill/>
+        </p:spPr>
+        <p:txBody>
+          <a:bodyPr wrap="square" rtlCol="0">
+            <a:spAutoFit/>
+          </a:bodyPr>
+          <a:lstStyle/>
+          <a:p>
+            <a:pPr algn="ctr"/>
+            <a:r>
+              <a:rPr lang="en-US" sz="1200" dirty="0"/>
+              <a:t>Primary node</a:t>
+            </a:r>
+          </a:p>
+        </p:txBody>
+      </p:sp>
+      <p:cxnSp>
+        <p:nvCxnSpPr>
+          <p:cNvPr id="73" name="Straight Arrow Connector 72">
+            <a:extLst>
+              <a:ext uri="{FF2B5EF4-FFF2-40B4-BE49-F238E27FC236}">
+                <a16:creationId xmlns:a16="http://schemas.microsoft.com/office/drawing/2014/main" id="{840A8E95-2E61-6F43-82FE-ADBACB417249}"/>
+              </a:ext>
+            </a:extLst>
+          </p:cNvPr>
+          <p:cNvCxnSpPr>
+            <a:cxnSpLocks/>
+          </p:cNvCxnSpPr>
+          <p:nvPr/>
+        </p:nvCxnSpPr>
+        <p:spPr>
+          <a:xfrm>
+            <a:off x="9166791" y="4751712"/>
+            <a:ext cx="1097720" cy="241201"/>
+          </a:xfrm>
+          <a:prstGeom prst="straightConnector1">
+            <a:avLst/>
+          </a:prstGeom>
+          <a:ln w="12700">
+            <a:solidFill>
+              <a:srgbClr val="545B64"/>
+            </a:solidFill>
+            <a:headEnd type="arrow" w="med" len="sm"/>
+            <a:tailEnd type="oval" w="med" len="sm"/>
+          </a:ln>
+        </p:spPr>
+        <p:style>
+          <a:lnRef idx="1">
+            <a:schemeClr val="accent1"/>
+          </a:lnRef>
+          <a:fillRef idx="0">
+            <a:schemeClr val="accent1"/>
+          </a:fillRef>
+          <a:effectRef idx="0">
+            <a:schemeClr val="accent1"/>
+          </a:effectRef>
+          <a:fontRef idx="minor">
+            <a:schemeClr val="tx1"/>
+          </a:fontRef>
+        </p:style>
+      </p:cxnSp>
+      <p:sp>
+        <p:nvSpPr>
+          <p:cNvPr id="81" name="TextBox 80">
+            <a:extLst>
+              <a:ext uri="{FF2B5EF4-FFF2-40B4-BE49-F238E27FC236}">
+                <a16:creationId xmlns:a16="http://schemas.microsoft.com/office/drawing/2014/main" id="{5541B23D-3240-45C4-BCF6-2B26527DCF3C}"/>
+              </a:ext>
+            </a:extLst>
+          </p:cNvPr>
+          <p:cNvSpPr txBox="1"/>
+          <p:nvPr/>
+        </p:nvSpPr>
+        <p:spPr>
+          <a:xfrm>
+            <a:off x="3853658" y="6290254"/>
+            <a:ext cx="1513305" cy="276999"/>
+          </a:xfrm>
+          <a:prstGeom prst="rect">
+            <a:avLst/>
+          </a:prstGeom>
+          <a:noFill/>
+        </p:spPr>
+        <p:txBody>
+          <a:bodyPr wrap="square" rtlCol="0">
+            <a:spAutoFit/>
+          </a:bodyPr>
+          <a:lstStyle/>
+          <a:p>
+            <a:pPr algn="ctr"/>
+            <a:r>
+              <a:rPr lang="en-US" sz="1200" dirty="0"/>
+              <a:t>Xray Primary node</a:t>
+            </a:r>
+          </a:p>
+        </p:txBody>
+      </p:sp>
+      <p:pic>
+        <p:nvPicPr>
+          <p:cNvPr id="116" name="Graphic 115">
+            <a:extLst>
+              <a:ext uri="{FF2B5EF4-FFF2-40B4-BE49-F238E27FC236}">
+                <a16:creationId xmlns:a16="http://schemas.microsoft.com/office/drawing/2014/main" id="{F92827C4-2E0A-4022-9F9C-947399A49D7A}"/>
+              </a:ext>
+            </a:extLst>
+          </p:cNvPr>
+          <p:cNvPicPr>
+            <a:picLocks noChangeAspect="1"/>
+          </p:cNvPicPr>
+          <p:nvPr/>
+        </p:nvPicPr>
+        <p:blipFill>
+          <a:blip r:embed="rId13">
+            <a:extLst>
+              <a:ext uri="{96DAC541-7B7A-43D3-8B79-37D633B846F1}">
+                <asvg:svgBlip xmlns:asvg="http://schemas.microsoft.com/office/drawing/2016/SVG/main" r:embed="rId14"/>
+              </a:ext>
+            </a:extLst>
+          </a:blip>
+          <a:stretch>
+            <a:fillRect/>
+          </a:stretch>
+        </p:blipFill>
+        <p:spPr>
+          <a:xfrm>
+            <a:off x="6482005" y="5983419"/>
+            <a:ext cx="277535" cy="277535"/>
+          </a:xfrm>
+          <a:prstGeom prst="rect">
+            <a:avLst/>
+          </a:prstGeom>
+        </p:spPr>
+      </p:pic>
+      <p:pic>
+        <p:nvPicPr>
+          <p:cNvPr id="117" name="Graphic 116">
+            <a:extLst>
+              <a:ext uri="{FF2B5EF4-FFF2-40B4-BE49-F238E27FC236}">
+                <a16:creationId xmlns:a16="http://schemas.microsoft.com/office/drawing/2014/main" id="{E77A2E62-A82F-4B6E-8D7D-11AE37E4FA8A}"/>
+              </a:ext>
+            </a:extLst>
+          </p:cNvPr>
+          <p:cNvPicPr>
+            <a:picLocks noChangeAspect="1"/>
+          </p:cNvPicPr>
+          <p:nvPr/>
+        </p:nvPicPr>
+        <p:blipFill>
+          <a:blip r:embed="rId33">
+            <a:extLst>
+              <a:ext uri="{96DAC541-7B7A-43D3-8B79-37D633B846F1}">
+                <asvg:svgBlip xmlns:asvg="http://schemas.microsoft.com/office/drawing/2016/SVG/main" r:embed="rId34"/>
+              </a:ext>
+            </a:extLst>
+          </a:blip>
+          <a:stretch>
+            <a:fillRect/>
+          </a:stretch>
+        </p:blipFill>
+        <p:spPr>
+          <a:xfrm>
+            <a:off x="8413616" y="5997229"/>
+            <a:ext cx="318760" cy="318760"/>
+          </a:xfrm>
+          <a:prstGeom prst="rect">
+            <a:avLst/>
+          </a:prstGeom>
+        </p:spPr>
+      </p:pic>
+      <p:sp>
+        <p:nvSpPr>
+          <p:cNvPr id="118" name="TextBox 117">
+            <a:extLst>
+              <a:ext uri="{FF2B5EF4-FFF2-40B4-BE49-F238E27FC236}">
+                <a16:creationId xmlns:a16="http://schemas.microsoft.com/office/drawing/2014/main" id="{BFF93A5E-C7C9-47B8-A4A1-C4BB92257BE7}"/>
+              </a:ext>
+            </a:extLst>
+          </p:cNvPr>
+          <p:cNvSpPr txBox="1"/>
+          <p:nvPr/>
+        </p:nvSpPr>
+        <p:spPr>
+          <a:xfrm>
+            <a:off x="7864533" y="6265351"/>
+            <a:ext cx="1513305" cy="276999"/>
+          </a:xfrm>
+          <a:prstGeom prst="rect">
+            <a:avLst/>
+          </a:prstGeom>
+          <a:noFill/>
+        </p:spPr>
+        <p:txBody>
+          <a:bodyPr wrap="square" rtlCol="0">
+            <a:spAutoFit/>
+          </a:bodyPr>
+          <a:lstStyle/>
+          <a:p>
+            <a:pPr algn="ctr"/>
+            <a:r>
+              <a:rPr lang="en-US" sz="1200" dirty="0"/>
+              <a:t>Xray Primary node</a:t>
+            </a:r>
+          </a:p>
+        </p:txBody>
+      </p:sp>
+      <p:pic>
+        <p:nvPicPr>
+          <p:cNvPr id="124" name="Graphic 123">
+            <a:extLst>
+              <a:ext uri="{FF2B5EF4-FFF2-40B4-BE49-F238E27FC236}">
+                <a16:creationId xmlns:a16="http://schemas.microsoft.com/office/drawing/2014/main" id="{4BC447C4-BADF-4075-8F83-F690CD2CA4E7}"/>
+              </a:ext>
+            </a:extLst>
+          </p:cNvPr>
+          <p:cNvPicPr>
+            <a:picLocks noChangeAspect="1"/>
+          </p:cNvPicPr>
+          <p:nvPr/>
+        </p:nvPicPr>
+        <p:blipFill>
+          <a:blip r:embed="rId35">
+            <a:extLst>
+              <a:ext uri="{96DAC541-7B7A-43D3-8B79-37D633B846F1}">
+                <asvg:svgBlip xmlns:asvg="http://schemas.microsoft.com/office/drawing/2016/SVG/main" r:embed="rId36"/>
+              </a:ext>
+            </a:extLst>
+          </a:blip>
+          <a:stretch>
+            <a:fillRect/>
+          </a:stretch>
+        </p:blipFill>
+        <p:spPr>
+          <a:xfrm>
+            <a:off x="4304080" y="5996733"/>
+            <a:ext cx="366859" cy="366859"/>
+          </a:xfrm>
+          <a:prstGeom prst="rect">
+            <a:avLst/>
+          </a:prstGeom>
+        </p:spPr>
+      </p:pic>
+      <p:sp>
+        <p:nvSpPr>
+          <p:cNvPr id="127" name="TextBox 126">
+            <a:extLst>
+              <a:ext uri="{FF2B5EF4-FFF2-40B4-BE49-F238E27FC236}">
+                <a16:creationId xmlns:a16="http://schemas.microsoft.com/office/drawing/2014/main" id="{6C5B5B68-964C-4690-B0FA-E3734DE806ED}"/>
+              </a:ext>
+            </a:extLst>
+          </p:cNvPr>
+          <p:cNvSpPr txBox="1"/>
+          <p:nvPr/>
+        </p:nvSpPr>
+        <p:spPr>
+          <a:xfrm>
+            <a:off x="2278989" y="6672956"/>
+            <a:ext cx="1022439" cy="400110"/>
+          </a:xfrm>
+          <a:prstGeom prst="rect">
+            <a:avLst/>
+          </a:prstGeom>
+          <a:noFill/>
+        </p:spPr>
+        <p:txBody>
+          <a:bodyPr wrap="square" rtlCol="0">
+            <a:spAutoFit/>
+          </a:bodyPr>
+          <a:lstStyle/>
+          <a:p>
+            <a:pPr algn="ctr"/>
+            <a:r>
+              <a:rPr lang="en-US" sz="1000" dirty="0"/>
+              <a:t>Internal Load </a:t>
+            </a:r>
+          </a:p>
+          <a:p>
+            <a:pPr algn="ctr"/>
+            <a:r>
+              <a:rPr lang="en-US" sz="1000" dirty="0"/>
+              <a:t>Balancing</a:t>
+            </a:r>
+          </a:p>
+        </p:txBody>
+      </p:sp>
+      <p:pic>
+        <p:nvPicPr>
+          <p:cNvPr id="128" name="Graphic 127">
+            <a:extLst>
+              <a:ext uri="{FF2B5EF4-FFF2-40B4-BE49-F238E27FC236}">
+                <a16:creationId xmlns:a16="http://schemas.microsoft.com/office/drawing/2014/main" id="{F0C52E5B-98A4-4BD0-8FE3-FFB8B376B37F}"/>
+              </a:ext>
+            </a:extLst>
+          </p:cNvPr>
+          <p:cNvPicPr>
+            <a:picLocks noChangeAspect="1"/>
+          </p:cNvPicPr>
+          <p:nvPr/>
+        </p:nvPicPr>
+        <p:blipFill>
+          <a:blip r:embed="rId27">
+            <a:extLst>
+              <a:ext uri="{96DAC541-7B7A-43D3-8B79-37D633B846F1}">
+                <asvg:svgBlip xmlns:asvg="http://schemas.microsoft.com/office/drawing/2016/SVG/main" r:embed="rId28"/>
+              </a:ext>
+            </a:extLst>
+          </a:blip>
+          <a:stretch>
+            <a:fillRect/>
+          </a:stretch>
+        </p:blipFill>
+        <p:spPr>
+          <a:xfrm>
+            <a:off x="2585542" y="6304076"/>
+            <a:ext cx="383117" cy="383117"/>
+          </a:xfrm>
+          <a:prstGeom prst="rect">
+            <a:avLst/>
+          </a:prstGeom>
+        </p:spPr>
+      </p:pic>
+      <p:cxnSp>
+        <p:nvCxnSpPr>
+          <p:cNvPr id="147" name="Elbow Connector 103">
+            <a:extLst>
+              <a:ext uri="{FF2B5EF4-FFF2-40B4-BE49-F238E27FC236}">
+                <a16:creationId xmlns:a16="http://schemas.microsoft.com/office/drawing/2014/main" id="{858B1A84-12FC-433A-B2C5-F8EE763769AF}"/>
+              </a:ext>
+            </a:extLst>
+          </p:cNvPr>
+          <p:cNvCxnSpPr>
+            <a:cxnSpLocks/>
+            <a:stCxn id="128" idx="3"/>
+            <a:endCxn id="49" idx="2"/>
+          </p:cNvCxnSpPr>
+          <p:nvPr/>
+        </p:nvCxnSpPr>
+        <p:spPr>
+          <a:xfrm flipV="1">
+            <a:off x="2968659" y="5680204"/>
+            <a:ext cx="1630167" cy="815430"/>
+          </a:xfrm>
+          <a:prstGeom prst="bentConnector2">
+            <a:avLst/>
+          </a:prstGeom>
+          <a:ln>
+            <a:headEnd type="none" w="med" len="sm"/>
+            <a:tailEnd type="arrow" w="med" len="sm"/>
+          </a:ln>
+        </p:spPr>
+        <p:style>
+          <a:lnRef idx="1">
+            <a:schemeClr val="accent6"/>
+          </a:lnRef>
+          <a:fillRef idx="0">
+            <a:schemeClr val="accent6"/>
+          </a:fillRef>
+          <a:effectRef idx="0">
+            <a:schemeClr val="accent6"/>
+          </a:effectRef>
+          <a:fontRef idx="minor">
+            <a:schemeClr val="tx1"/>
+          </a:fontRef>
+        </p:style>
+      </p:cxnSp>
+      <p:cxnSp>
+        <p:nvCxnSpPr>
+          <p:cNvPr id="123" name="Straight Arrow Connector 122">
+            <a:extLst>
+              <a:ext uri="{FF2B5EF4-FFF2-40B4-BE49-F238E27FC236}">
+                <a16:creationId xmlns:a16="http://schemas.microsoft.com/office/drawing/2014/main" id="{3E8E21FA-2C3E-4628-9767-DE102962277F}"/>
+              </a:ext>
+            </a:extLst>
+          </p:cNvPr>
+          <p:cNvCxnSpPr>
+            <a:cxnSpLocks/>
+          </p:cNvCxnSpPr>
+          <p:nvPr/>
+        </p:nvCxnSpPr>
+        <p:spPr>
+          <a:xfrm>
+            <a:off x="9223344" y="6215392"/>
+            <a:ext cx="1266113" cy="179532"/>
+          </a:xfrm>
+          <a:prstGeom prst="straightConnector1">
+            <a:avLst/>
+          </a:prstGeom>
+          <a:ln w="12700">
+            <a:solidFill>
+              <a:srgbClr val="545B64"/>
+            </a:solidFill>
+            <a:headEnd type="arrow" w="med" len="sm"/>
+            <a:tailEnd type="oval" w="med" len="sm"/>
+          </a:ln>
+        </p:spPr>
+        <p:style>
+          <a:lnRef idx="1">
+            <a:schemeClr val="accent1"/>
+          </a:lnRef>
+          <a:fillRef idx="0">
+            <a:schemeClr val="accent1"/>
+          </a:fillRef>
+          <a:effectRef idx="0">
+            <a:schemeClr val="accent1"/>
+          </a:effectRef>
+          <a:fontRef idx="minor">
+            <a:schemeClr val="tx1"/>
+          </a:fontRef>
+        </p:style>
+      </p:cxnSp>
+      <p:pic>
+        <p:nvPicPr>
+          <p:cNvPr id="7" name="Picture 6" descr="A close up of a sign&#10;&#10;Description automatically generated">
+            <a:extLst>
+              <a:ext uri="{FF2B5EF4-FFF2-40B4-BE49-F238E27FC236}">
+                <a16:creationId xmlns:a16="http://schemas.microsoft.com/office/drawing/2014/main" id="{8AB0F8FB-5BF4-419B-B9EC-D61AEDF9FAE1}"/>
+              </a:ext>
+            </a:extLst>
+          </p:cNvPr>
+          <p:cNvPicPr>
+            <a:picLocks noChangeAspect="1"/>
+          </p:cNvPicPr>
+          <p:nvPr/>
+        </p:nvPicPr>
+        <p:blipFill>
+          <a:blip r:embed="rId37"/>
+          <a:stretch>
+            <a:fillRect/>
+          </a:stretch>
+        </p:blipFill>
+        <p:spPr>
+          <a:xfrm>
+            <a:off x="10317748" y="4663344"/>
+            <a:ext cx="1161289" cy="624426"/>
+          </a:xfrm>
+          <a:prstGeom prst="rect">
+            <a:avLst/>
+          </a:prstGeom>
+        </p:spPr>
+      </p:pic>
+      <p:pic>
+        <p:nvPicPr>
+          <p:cNvPr id="10" name="Picture 9" descr="A picture containing clock, meter&#10;&#10;Description automatically generated">
+            <a:extLst>
+              <a:ext uri="{FF2B5EF4-FFF2-40B4-BE49-F238E27FC236}">
+                <a16:creationId xmlns:a16="http://schemas.microsoft.com/office/drawing/2014/main" id="{E902839F-F0A4-45B4-8AE2-F63A43587C8E}"/>
+              </a:ext>
+            </a:extLst>
+          </p:cNvPr>
+          <p:cNvPicPr>
+            <a:picLocks noChangeAspect="1"/>
+          </p:cNvPicPr>
+          <p:nvPr/>
+        </p:nvPicPr>
+        <p:blipFill>
+          <a:blip r:embed="rId38"/>
+          <a:stretch>
+            <a:fillRect/>
+          </a:stretch>
+        </p:blipFill>
+        <p:spPr>
+          <a:xfrm>
+            <a:off x="10663282" y="5974467"/>
+            <a:ext cx="509821" cy="795224"/>
+          </a:xfrm>
+          <a:prstGeom prst="rect">
+            <a:avLst/>
+          </a:prstGeom>
+        </p:spPr>
+      </p:pic>
+      <p:sp>
+        <p:nvSpPr>
+          <p:cNvPr id="80" name="Rectangle 79">
+            <a:extLst>
+              <a:ext uri="{FF2B5EF4-FFF2-40B4-BE49-F238E27FC236}">
+                <a16:creationId xmlns:a16="http://schemas.microsoft.com/office/drawing/2014/main" id="{73A01786-72E0-4011-AD32-6FB0A8069B3B}"/>
+              </a:ext>
+            </a:extLst>
+          </p:cNvPr>
+          <p:cNvSpPr/>
+          <p:nvPr/>
+        </p:nvSpPr>
+        <p:spPr>
+          <a:xfrm>
+            <a:off x="4022804" y="6618475"/>
+            <a:ext cx="5216196" cy="594089"/>
+          </a:xfrm>
+          <a:prstGeom prst="rect">
+            <a:avLst/>
+          </a:prstGeom>
+          <a:noFill/>
+          <a:ln w="12700">
+            <a:solidFill>
+              <a:srgbClr val="D86613"/>
+            </a:solidFill>
+            <a:prstDash val="dash"/>
+          </a:ln>
+        </p:spPr>
+        <p:style>
+          <a:lnRef idx="2">
+            <a:schemeClr val="accent1">
+              <a:shade val="50000"/>
+            </a:schemeClr>
+          </a:lnRef>
+          <a:fillRef idx="1">
+            <a:schemeClr val="accent1"/>
+          </a:fillRef>
+          <a:effectRef idx="0">
+            <a:schemeClr val="accent1"/>
+          </a:effectRef>
+          <a:fontRef idx="minor">
+            <a:schemeClr val="lt1"/>
+          </a:fontRef>
+        </p:style>
+        <p:txBody>
+          <a:bodyPr rot="0" spcFirstLastPara="0" vertOverflow="overflow" horzOverflow="overflow" vert="horz" wrap="square" lIns="91440" tIns="91440" rIns="91440" bIns="45720" numCol="1" spcCol="0" rtlCol="0" fromWordArt="0" anchor="t" anchorCtr="0" forceAA="0" compatLnSpc="1">
+            <a:prstTxWarp prst="textNoShape">
+              <a:avLst/>
+            </a:prstTxWarp>
+            <a:noAutofit/>
+          </a:bodyPr>
+          <a:lstStyle/>
+          <a:p>
+            <a:pPr algn="ctr"/>
+            <a:endParaRPr lang="en-US" sz="1100" dirty="0">
+              <a:solidFill>
+                <a:srgbClr val="D86613"/>
+              </a:solidFill>
+            </a:endParaRPr>
+          </a:p>
+          <a:p>
+            <a:r>
+              <a:rPr lang="en-US" sz="1100" dirty="0">
+                <a:solidFill>
+                  <a:srgbClr val="D86613"/>
+                </a:solidFill>
+              </a:rPr>
+              <a:t>                                                               Auto Scaling group</a:t>
+            </a:r>
+          </a:p>
+          <a:p>
+            <a:r>
+              <a:rPr lang="en-US" sz="1100" dirty="0">
+                <a:solidFill>
+                  <a:srgbClr val="D86613"/>
+                </a:solidFill>
+              </a:rPr>
+              <a:t>		         </a:t>
+            </a:r>
+            <a:r>
+              <a:rPr lang="en-US" sz="1100" dirty="0">
+                <a:solidFill>
+                  <a:schemeClr val="tx1"/>
+                </a:solidFill>
+              </a:rPr>
+              <a:t>Xray Secondary</a:t>
+            </a:r>
+          </a:p>
+        </p:txBody>
+      </p:sp>
+      <p:sp>
+        <p:nvSpPr>
+          <p:cNvPr id="89" name="TextBox 88">
+            <a:extLst>
+              <a:ext uri="{FF2B5EF4-FFF2-40B4-BE49-F238E27FC236}">
+                <a16:creationId xmlns:a16="http://schemas.microsoft.com/office/drawing/2014/main" id="{926AAFA2-79AC-4AE9-9B62-22827E709DCD}"/>
+              </a:ext>
+            </a:extLst>
+          </p:cNvPr>
+          <p:cNvSpPr txBox="1"/>
+          <p:nvPr/>
+        </p:nvSpPr>
+        <p:spPr>
+          <a:xfrm>
+            <a:off x="3861435" y="6951172"/>
+            <a:ext cx="1855081" cy="276999"/>
+          </a:xfrm>
+          <a:prstGeom prst="rect">
+            <a:avLst/>
+          </a:prstGeom>
+          <a:noFill/>
+        </p:spPr>
+        <p:txBody>
+          <a:bodyPr wrap="square" rtlCol="0">
+            <a:spAutoFit/>
+          </a:bodyPr>
+          <a:lstStyle/>
+          <a:p>
+            <a:pPr algn="ctr"/>
+            <a:r>
+              <a:rPr lang="en-US" sz="1200" dirty="0"/>
+              <a:t>Xray secondary node(s)</a:t>
+            </a:r>
+          </a:p>
+        </p:txBody>
+      </p:sp>
+      <p:pic>
+        <p:nvPicPr>
+          <p:cNvPr id="109" name="Graphic 108">
+            <a:extLst>
+              <a:ext uri="{FF2B5EF4-FFF2-40B4-BE49-F238E27FC236}">
+                <a16:creationId xmlns:a16="http://schemas.microsoft.com/office/drawing/2014/main" id="{FC400696-0468-4CA8-8209-8AF0B0BFD1AC}"/>
+              </a:ext>
+            </a:extLst>
+          </p:cNvPr>
+          <p:cNvPicPr>
+            <a:picLocks noChangeAspect="1"/>
+          </p:cNvPicPr>
+          <p:nvPr/>
+        </p:nvPicPr>
+        <p:blipFill>
+          <a:blip r:embed="rId13">
+            <a:extLst>
+              <a:ext uri="{96DAC541-7B7A-43D3-8B79-37D633B846F1}">
+                <asvg:svgBlip xmlns:asvg="http://schemas.microsoft.com/office/drawing/2016/SVG/main" r:embed="rId14"/>
+              </a:ext>
+            </a:extLst>
+          </a:blip>
+          <a:stretch>
+            <a:fillRect/>
+          </a:stretch>
+        </p:blipFill>
+        <p:spPr>
+          <a:xfrm>
+            <a:off x="6489782" y="6644337"/>
+            <a:ext cx="277535" cy="277535"/>
+          </a:xfrm>
+          <a:prstGeom prst="rect">
+            <a:avLst/>
+          </a:prstGeom>
+        </p:spPr>
+      </p:pic>
+      <p:pic>
+        <p:nvPicPr>
+          <p:cNvPr id="110" name="Graphic 109">
+            <a:extLst>
+              <a:ext uri="{FF2B5EF4-FFF2-40B4-BE49-F238E27FC236}">
+                <a16:creationId xmlns:a16="http://schemas.microsoft.com/office/drawing/2014/main" id="{526D6607-1E35-4990-8B3D-95BB75176B4A}"/>
+              </a:ext>
+            </a:extLst>
+          </p:cNvPr>
+          <p:cNvPicPr>
+            <a:picLocks noChangeAspect="1"/>
+          </p:cNvPicPr>
+          <p:nvPr/>
+        </p:nvPicPr>
+        <p:blipFill>
+          <a:blip r:embed="rId39">
+            <a:extLst>
+              <a:ext uri="{96DAC541-7B7A-43D3-8B79-37D633B846F1}">
+                <asvg:svgBlip xmlns:asvg="http://schemas.microsoft.com/office/drawing/2016/SVG/main" r:embed="rId34"/>
+              </a:ext>
+            </a:extLst>
+          </a:blip>
+          <a:stretch>
+            <a:fillRect/>
+          </a:stretch>
+        </p:blipFill>
+        <p:spPr>
+          <a:xfrm>
+            <a:off x="8421393" y="6658147"/>
+            <a:ext cx="318760" cy="318760"/>
+          </a:xfrm>
+          <a:prstGeom prst="rect">
+            <a:avLst/>
+          </a:prstGeom>
+        </p:spPr>
+      </p:pic>
+      <p:sp>
+        <p:nvSpPr>
+          <p:cNvPr id="111" name="TextBox 110">
+            <a:extLst>
+              <a:ext uri="{FF2B5EF4-FFF2-40B4-BE49-F238E27FC236}">
+                <a16:creationId xmlns:a16="http://schemas.microsoft.com/office/drawing/2014/main" id="{CAE239B5-902F-4484-A0CC-28B4504B62B4}"/>
+              </a:ext>
+            </a:extLst>
+          </p:cNvPr>
+          <p:cNvSpPr txBox="1"/>
+          <p:nvPr/>
+        </p:nvSpPr>
+        <p:spPr>
+          <a:xfrm>
+            <a:off x="7618446" y="6926269"/>
+            <a:ext cx="1767169" cy="276999"/>
+          </a:xfrm>
+          <a:prstGeom prst="rect">
+            <a:avLst/>
+          </a:prstGeom>
+          <a:noFill/>
+        </p:spPr>
+        <p:txBody>
+          <a:bodyPr wrap="square" rtlCol="0">
+            <a:spAutoFit/>
+          </a:bodyPr>
+          <a:lstStyle/>
+          <a:p>
+            <a:pPr algn="ctr"/>
+            <a:r>
+              <a:rPr lang="en-US" sz="1200" dirty="0"/>
+              <a:t>Xray secondary node(s)</a:t>
+            </a:r>
+          </a:p>
+        </p:txBody>
+      </p:sp>
+      <p:pic>
+        <p:nvPicPr>
+          <p:cNvPr id="112" name="Graphic 111">
+            <a:extLst>
+              <a:ext uri="{FF2B5EF4-FFF2-40B4-BE49-F238E27FC236}">
+                <a16:creationId xmlns:a16="http://schemas.microsoft.com/office/drawing/2014/main" id="{4A153535-04EF-4E9A-A919-9DCA2B9CC521}"/>
+              </a:ext>
+            </a:extLst>
+          </p:cNvPr>
+          <p:cNvPicPr>
+            <a:picLocks noChangeAspect="1"/>
+          </p:cNvPicPr>
+          <p:nvPr/>
+        </p:nvPicPr>
+        <p:blipFill>
+          <a:blip r:embed="rId35">
+            <a:extLst>
+              <a:ext uri="{96DAC541-7B7A-43D3-8B79-37D633B846F1}">
+                <asvg:svgBlip xmlns:asvg="http://schemas.microsoft.com/office/drawing/2016/SVG/main" r:embed="rId36"/>
+              </a:ext>
+            </a:extLst>
+          </a:blip>
+          <a:stretch>
+            <a:fillRect/>
+          </a:stretch>
+        </p:blipFill>
+        <p:spPr>
+          <a:xfrm>
+            <a:off x="4311857" y="6657651"/>
+            <a:ext cx="366859" cy="366859"/>
+          </a:xfrm>
+          <a:prstGeom prst="rect">
+            <a:avLst/>
+          </a:prstGeom>
+        </p:spPr>
+      </p:pic>
+      <p:cxnSp>
+        <p:nvCxnSpPr>
+          <p:cNvPr id="113" name="Elbow Connector 103">
+            <a:extLst>
+              <a:ext uri="{FF2B5EF4-FFF2-40B4-BE49-F238E27FC236}">
+                <a16:creationId xmlns:a16="http://schemas.microsoft.com/office/drawing/2014/main" id="{5D5828B6-F690-490A-A049-73BBCA0DFD96}"/>
+              </a:ext>
+            </a:extLst>
+          </p:cNvPr>
+          <p:cNvCxnSpPr>
+            <a:cxnSpLocks/>
+            <a:stCxn id="128" idx="3"/>
+          </p:cNvCxnSpPr>
+          <p:nvPr/>
+        </p:nvCxnSpPr>
+        <p:spPr>
+          <a:xfrm flipV="1">
+            <a:off x="2968659" y="6207240"/>
+            <a:ext cx="1042887" cy="288395"/>
+          </a:xfrm>
+          <a:prstGeom prst="bentConnector3">
+            <a:avLst>
+              <a:gd name="adj1" fmla="val 50000"/>
+            </a:avLst>
+          </a:prstGeom>
+          <a:ln>
+            <a:headEnd type="none" w="med" len="sm"/>
+            <a:tailEnd type="arrow" w="med" len="sm"/>
+          </a:ln>
+        </p:spPr>
+        <p:style>
+          <a:lnRef idx="1">
+            <a:schemeClr val="accent6"/>
+          </a:lnRef>
+          <a:fillRef idx="0">
+            <a:schemeClr val="accent6"/>
+          </a:fillRef>
+          <a:effectRef idx="0">
+            <a:schemeClr val="accent6"/>
+          </a:effectRef>
+          <a:fontRef idx="minor">
+            <a:schemeClr val="tx1"/>
+          </a:fontRef>
+        </p:style>
+      </p:cxnSp>
+      <p:pic>
+        <p:nvPicPr>
+          <p:cNvPr id="114" name="Picture 2" descr="AWS Elastic File System (EFS) Summary | by Michael Weeks | Absolute Zero |  Medium">
+            <a:extLst>
+              <a:ext uri="{FF2B5EF4-FFF2-40B4-BE49-F238E27FC236}">
+                <a16:creationId xmlns:a16="http://schemas.microsoft.com/office/drawing/2014/main" id="{BF8D6C65-B4FC-49A4-B502-BEBC7427C6F4}"/>
+              </a:ext>
+            </a:extLst>
+          </p:cNvPr>
+          <p:cNvPicPr>
+            <a:picLocks noChangeAspect="1" noChangeArrowheads="1"/>
+          </p:cNvPicPr>
+          <p:nvPr/>
+        </p:nvPicPr>
+        <p:blipFill>
+          <a:blip r:embed="rId40">
+            <a:extLst>
+              <a:ext uri="{28A0092B-C50C-407E-A947-70E740481C1C}">
+                <a14:useLocalDpi xmlns:a14="http://schemas.microsoft.com/office/drawing/2010/main" val="0"/>
+              </a:ext>
+            </a:extLst>
+          </a:blip>
+          <a:srcRect/>
+          <a:stretch>
+            <a:fillRect/>
+          </a:stretch>
+        </p:blipFill>
+        <p:spPr bwMode="auto">
+          <a:xfrm>
+            <a:off x="2523210" y="5429976"/>
+            <a:ext cx="444473" cy="520641"/>
+          </a:xfrm>
+          <a:prstGeom prst="rect">
+            <a:avLst/>
+          </a:prstGeom>
+          <a:noFill/>
+          <a:extLst>
+            <a:ext uri="{909E8E84-426E-40DD-AFC4-6F175D3DCCD1}">
+              <a14:hiddenFill xmlns:a14="http://schemas.microsoft.com/office/drawing/2010/main">
+                <a:solidFill>
+                  <a:srgbClr val="FFFFFF"/>
+                </a:solidFill>
+              </a14:hiddenFill>
+            </a:ext>
+          </a:extLst>
+        </p:spPr>
+      </p:pic>
+      <p:cxnSp>
+        <p:nvCxnSpPr>
+          <p:cNvPr id="119" name="Elbow Connector 103">
+            <a:extLst>
+              <a:ext uri="{FF2B5EF4-FFF2-40B4-BE49-F238E27FC236}">
+                <a16:creationId xmlns:a16="http://schemas.microsoft.com/office/drawing/2014/main" id="{36766FCE-0837-4CAC-8C74-06D88C7242AF}"/>
+              </a:ext>
+            </a:extLst>
+          </p:cNvPr>
+          <p:cNvCxnSpPr>
+            <a:cxnSpLocks/>
+            <a:stCxn id="114" idx="3"/>
+            <a:endCxn id="48" idx="1"/>
+          </p:cNvCxnSpPr>
+          <p:nvPr/>
+        </p:nvCxnSpPr>
+        <p:spPr>
+          <a:xfrm flipV="1">
+            <a:off x="2967682" y="5319702"/>
+            <a:ext cx="1360768" cy="370594"/>
+          </a:xfrm>
+          <a:prstGeom prst="bentConnector3">
+            <a:avLst>
+              <a:gd name="adj1" fmla="val 50000"/>
+            </a:avLst>
+          </a:prstGeom>
+          <a:ln w="0">
+            <a:solidFill>
+              <a:schemeClr val="tx2"/>
+            </a:solidFill>
+            <a:headEnd type="none" w="med" len="sm"/>
+            <a:tailEnd type="arrow" w="med" len="sm"/>
+          </a:ln>
+        </p:spPr>
+        <p:style>
+          <a:lnRef idx="1">
+            <a:schemeClr val="accent1"/>
+          </a:lnRef>
+          <a:fillRef idx="0">
+            <a:schemeClr val="accent1"/>
+          </a:fillRef>
+          <a:effectRef idx="0">
+            <a:schemeClr val="accent1"/>
+          </a:effectRef>
+          <a:fontRef idx="minor">
+            <a:schemeClr val="tx1"/>
+          </a:fontRef>
+        </p:style>
+      </p:cxnSp>
+      <p:sp>
+        <p:nvSpPr>
+          <p:cNvPr id="120" name="TextBox 119">
+            <a:extLst>
+              <a:ext uri="{FF2B5EF4-FFF2-40B4-BE49-F238E27FC236}">
+                <a16:creationId xmlns:a16="http://schemas.microsoft.com/office/drawing/2014/main" id="{AD8D40D2-DB28-4206-94F0-00F143E77755}"/>
+              </a:ext>
+            </a:extLst>
+          </p:cNvPr>
+          <p:cNvSpPr txBox="1"/>
+          <p:nvPr/>
+        </p:nvSpPr>
+        <p:spPr>
+          <a:xfrm>
+            <a:off x="2176321" y="5833978"/>
+            <a:ext cx="1251219" cy="400110"/>
+          </a:xfrm>
+          <a:prstGeom prst="rect">
+            <a:avLst/>
+          </a:prstGeom>
+          <a:noFill/>
+        </p:spPr>
+        <p:txBody>
+          <a:bodyPr wrap="square" rtlCol="0">
+            <a:spAutoFit/>
+          </a:bodyPr>
+          <a:lstStyle/>
+          <a:p>
+            <a:pPr algn="ctr"/>
+            <a:r>
+              <a:rPr lang="en-US" sz="1000" dirty="0"/>
+              <a:t>Elastic File </a:t>
+            </a:r>
+          </a:p>
+          <a:p>
+            <a:pPr algn="ctr"/>
+            <a:r>
+              <a:rPr lang="en-US" sz="1000" dirty="0"/>
+              <a:t>System (EFS)</a:t>
+            </a:r>
+          </a:p>
+        </p:txBody>
+      </p:sp>
+    </p:spTree>
+    <p:extLst>
+      <p:ext uri="{BB962C8B-B14F-4D97-AF65-F5344CB8AC3E}">
+        <p14:creationId xmlns:p14="http://schemas.microsoft.com/office/powerpoint/2010/main" val="1731945212"/>
+      </p:ext>
+    </p:extLst>
+  </p:cSld>
+  <p:clrMapOvr>
+    <a:masterClrMapping/>
+  </p:clrMapOvr>
+</p:sld>
+</file>
+
+<file path=ppt/slides/slide3.xml><?xml version="1.0" encoding="utf-8"?>
+<p:sld xmlns:a="http://schemas.openxmlformats.org/drawingml/2006/main" xmlns:r="http://schemas.openxmlformats.org/officeDocument/2006/relationships" xmlns:p="http://schemas.openxmlformats.org/presentationml/2006/main">
+  <p:cSld>
+    <p:spTree>
+      <p:nvGrpSpPr>
+        <p:cNvPr id="1" name=""/>
+        <p:cNvGrpSpPr/>
+        <p:nvPr/>
+      </p:nvGrpSpPr>
+      <p:grpSpPr>
+        <a:xfrm>
+          <a:off x="0" y="0"/>
+          <a:ext cx="0" cy="0"/>
+          <a:chOff x="0" y="0"/>
+          <a:chExt cx="0" cy="0"/>
+        </a:xfrm>
+      </p:grpSpPr>
+      <p:sp>
+        <p:nvSpPr>
+          <p:cNvPr id="59" name="Rectangle 58">
+            <a:extLst>
+              <a:ext uri="{FF2B5EF4-FFF2-40B4-BE49-F238E27FC236}">
+                <a16:creationId xmlns:a16="http://schemas.microsoft.com/office/drawing/2014/main" id="{41BC9E44-8E66-3144-ACE4-3F48D4B12908}"/>
+              </a:ext>
+            </a:extLst>
+          </p:cNvPr>
+          <p:cNvSpPr/>
+          <p:nvPr/>
+        </p:nvSpPr>
+        <p:spPr>
+          <a:xfrm>
+            <a:off x="2621437" y="4320496"/>
+            <a:ext cx="2322576" cy="2917929"/>
+          </a:xfrm>
+          <a:prstGeom prst="rect">
+            <a:avLst/>
+          </a:prstGeom>
+          <a:solidFill>
+            <a:srgbClr val="007CBC">
+              <a:alpha val="9804"/>
+            </a:srgbClr>
+          </a:solidFill>
+          <a:ln w="12700">
+            <a:noFill/>
+            <a:prstDash val="solid"/>
+          </a:ln>
+        </p:spPr>
+        <p:style>
+          <a:lnRef idx="2">
+            <a:schemeClr val="accent1">
+              <a:shade val="50000"/>
+            </a:schemeClr>
+          </a:lnRef>
+          <a:fillRef idx="1">
+            <a:schemeClr val="accent1"/>
+          </a:fillRef>
+          <a:effectRef idx="0">
+            <a:schemeClr val="accent1"/>
+          </a:effectRef>
+          <a:fontRef idx="minor">
+            <a:schemeClr val="lt1"/>
+          </a:fontRef>
+        </p:style>
+        <p:txBody>
+          <a:bodyPr rot="0" spcFirstLastPara="0" vertOverflow="overflow" horzOverflow="overflow" vert="horz" wrap="square" lIns="338328" tIns="45720" rIns="91440" bIns="45720" numCol="1" spcCol="0" rtlCol="0" fromWordArt="0" anchor="t" anchorCtr="0" forceAA="0" compatLnSpc="1">
+            <a:prstTxWarp prst="textNoShape">
+              <a:avLst/>
+            </a:prstTxWarp>
+            <a:noAutofit/>
+          </a:bodyPr>
+          <a:lstStyle/>
+          <a:p>
+            <a:pPr algn="l"/>
+            <a:r>
+              <a:rPr lang="en-US" sz="1200" dirty="0">
+                <a:solidFill>
+                  <a:schemeClr val="accent5">
+                    <a:lumMod val="75000"/>
+                  </a:schemeClr>
+                </a:solidFill>
+              </a:rPr>
+              <a:t>Private subnet</a:t>
+            </a:r>
+          </a:p>
+        </p:txBody>
+      </p:sp>
+      <p:sp>
+        <p:nvSpPr>
+          <p:cNvPr id="95" name="Rectangle 94">
+            <a:extLst>
+              <a:ext uri="{FF2B5EF4-FFF2-40B4-BE49-F238E27FC236}">
+                <a16:creationId xmlns:a16="http://schemas.microsoft.com/office/drawing/2014/main" id="{891F0CD3-B2D1-BF40-A87C-82BD95CF0AD0}"/>
+              </a:ext>
+            </a:extLst>
+          </p:cNvPr>
+          <p:cNvSpPr/>
+          <p:nvPr/>
+        </p:nvSpPr>
+        <p:spPr>
+          <a:xfrm>
+            <a:off x="2772170" y="4642900"/>
+            <a:ext cx="5830657" cy="1786567"/>
+          </a:xfrm>
+          <a:prstGeom prst="rect">
+            <a:avLst/>
+          </a:prstGeom>
+          <a:noFill/>
+          <a:ln w="12700">
+            <a:solidFill>
+              <a:srgbClr val="D86613"/>
+            </a:solidFill>
+            <a:prstDash val="dash"/>
+          </a:ln>
+        </p:spPr>
+        <p:style>
+          <a:lnRef idx="2">
+            <a:schemeClr val="accent1">
+              <a:shade val="50000"/>
+            </a:schemeClr>
+          </a:lnRef>
+          <a:fillRef idx="1">
+            <a:schemeClr val="accent1"/>
+          </a:fillRef>
+          <a:effectRef idx="0">
+            <a:schemeClr val="accent1"/>
+          </a:effectRef>
+          <a:fontRef idx="minor">
+            <a:schemeClr val="lt1"/>
+          </a:fontRef>
+        </p:style>
+        <p:txBody>
+          <a:bodyPr rot="0" spcFirstLastPara="0" vertOverflow="overflow" horzOverflow="overflow" vert="horz" wrap="square" lIns="91440" tIns="91440" rIns="91440" bIns="45720" numCol="1" spcCol="0" rtlCol="0" fromWordArt="0" anchor="t" anchorCtr="0" forceAA="0" compatLnSpc="1">
+            <a:prstTxWarp prst="textNoShape">
+              <a:avLst/>
+            </a:prstTxWarp>
+            <a:noAutofit/>
+          </a:bodyPr>
+          <a:lstStyle/>
+          <a:p>
+            <a:pPr algn="ctr"/>
+            <a:endParaRPr lang="en-US" sz="1100" dirty="0">
+              <a:solidFill>
+                <a:srgbClr val="D86613"/>
+              </a:solidFill>
+            </a:endParaRPr>
+          </a:p>
+        </p:txBody>
+      </p:sp>
+      <p:sp>
+        <p:nvSpPr>
+          <p:cNvPr id="68" name="Rectangle 67">
+            <a:extLst>
+              <a:ext uri="{FF2B5EF4-FFF2-40B4-BE49-F238E27FC236}">
+                <a16:creationId xmlns:a16="http://schemas.microsoft.com/office/drawing/2014/main" id="{98C6A7D6-A801-454B-95CD-4F51D601DC95}"/>
+              </a:ext>
+            </a:extLst>
+          </p:cNvPr>
+          <p:cNvSpPr/>
+          <p:nvPr/>
+        </p:nvSpPr>
+        <p:spPr>
+          <a:xfrm>
+            <a:off x="2617228" y="2537417"/>
+            <a:ext cx="2322576" cy="1668769"/>
+          </a:xfrm>
+          <a:prstGeom prst="rect">
+            <a:avLst/>
+          </a:prstGeom>
+          <a:solidFill>
+            <a:srgbClr val="1D8900">
+              <a:alpha val="9804"/>
+            </a:srgbClr>
+          </a:solidFill>
+          <a:ln w="12700">
+            <a:noFill/>
+            <a:prstDash val="solid"/>
+          </a:ln>
+        </p:spPr>
+        <p:style>
+          <a:lnRef idx="2">
+            <a:schemeClr val="accent1">
+              <a:shade val="50000"/>
+            </a:schemeClr>
+          </a:lnRef>
+          <a:fillRef idx="1">
+            <a:schemeClr val="accent1"/>
+          </a:fillRef>
+          <a:effectRef idx="0">
+            <a:schemeClr val="accent1"/>
+          </a:effectRef>
+          <a:fontRef idx="minor">
+            <a:schemeClr val="lt1"/>
+          </a:fontRef>
+        </p:style>
+        <p:txBody>
+          <a:bodyPr rot="0" spcFirstLastPara="0" vertOverflow="overflow" horzOverflow="overflow" vert="horz" wrap="square" lIns="338328" tIns="45720" rIns="91440" bIns="45720" numCol="1" spcCol="0" rtlCol="0" fromWordArt="0" anchor="t" anchorCtr="0" forceAA="0" compatLnSpc="1">
+            <a:prstTxWarp prst="textNoShape">
+              <a:avLst/>
+            </a:prstTxWarp>
+            <a:noAutofit/>
+          </a:bodyPr>
+          <a:lstStyle/>
+          <a:p>
+            <a:pPr algn="l"/>
+            <a:r>
+              <a:rPr lang="en-US" sz="1200" dirty="0">
+                <a:solidFill>
+                  <a:schemeClr val="accent6">
+                    <a:lumMod val="75000"/>
+                  </a:schemeClr>
+                </a:solidFill>
+              </a:rPr>
+              <a:t>Public subnet</a:t>
+            </a:r>
+          </a:p>
+        </p:txBody>
+      </p:sp>
+      <p:sp>
+        <p:nvSpPr>
+          <p:cNvPr id="35" name="Rectangle 34">
+            <a:extLst>
+              <a:ext uri="{FF2B5EF4-FFF2-40B4-BE49-F238E27FC236}">
+                <a16:creationId xmlns:a16="http://schemas.microsoft.com/office/drawing/2014/main" id="{CE7F7081-419C-2E4F-A999-2923C4338FC0}"/>
+              </a:ext>
+            </a:extLst>
+          </p:cNvPr>
+          <p:cNvSpPr/>
+          <p:nvPr/>
+        </p:nvSpPr>
+        <p:spPr>
+          <a:xfrm>
+            <a:off x="1366156" y="1751443"/>
+            <a:ext cx="9391492" cy="5870169"/>
+          </a:xfrm>
+          <a:prstGeom prst="rect">
+            <a:avLst/>
+          </a:prstGeom>
+          <a:noFill/>
+          <a:ln w="12700">
+            <a:solidFill>
+              <a:schemeClr val="tx1"/>
+            </a:solidFill>
+          </a:ln>
+        </p:spPr>
+        <p:style>
+          <a:lnRef idx="2">
+            <a:schemeClr val="accent1">
+              <a:shade val="50000"/>
+            </a:schemeClr>
+          </a:lnRef>
+          <a:fillRef idx="1">
+            <a:schemeClr val="accent1"/>
+          </a:fillRef>
+          <a:effectRef idx="0">
+            <a:schemeClr val="accent1"/>
+          </a:effectRef>
+          <a:fontRef idx="minor">
+            <a:schemeClr val="lt1"/>
+          </a:fontRef>
+        </p:style>
+        <p:txBody>
+          <a:bodyPr rot="0" spcFirstLastPara="0" vertOverflow="overflow" horzOverflow="overflow" vert="horz" wrap="square" lIns="457200" tIns="91440" rIns="91440" bIns="45720" numCol="1" spcCol="0" rtlCol="0" fromWordArt="0" anchor="t" anchorCtr="0" forceAA="0" compatLnSpc="1">
+            <a:prstTxWarp prst="textNoShape">
+              <a:avLst/>
+            </a:prstTxWarp>
+            <a:noAutofit/>
+          </a:bodyPr>
+          <a:lstStyle/>
+          <a:p>
+            <a:pPr algn="l"/>
+            <a:r>
+              <a:rPr lang="en-US" sz="1200" dirty="0">
+                <a:solidFill>
+                  <a:sysClr val="windowText" lastClr="000000"/>
+                </a:solidFill>
+              </a:rPr>
+              <a:t>AWS Cloud</a:t>
+            </a:r>
+          </a:p>
+        </p:txBody>
+      </p:sp>
+      <p:pic>
+        <p:nvPicPr>
+          <p:cNvPr id="12" name="Graphic 11">
+            <a:extLst>
+              <a:ext uri="{FF2B5EF4-FFF2-40B4-BE49-F238E27FC236}">
+                <a16:creationId xmlns:a16="http://schemas.microsoft.com/office/drawing/2014/main" id="{CE52C9D7-11B0-9E41-AB16-2C9849C3ECBE}"/>
+              </a:ext>
+            </a:extLst>
+          </p:cNvPr>
+          <p:cNvPicPr>
+            <a:picLocks noChangeAspect="1"/>
+          </p:cNvPicPr>
+          <p:nvPr/>
+        </p:nvPicPr>
+        <p:blipFill>
+          <a:blip r:embed="rId3">
+            <a:extLst>
+              <a:ext uri="{96DAC541-7B7A-43D3-8B79-37D633B846F1}">
+                <asvg:svgBlip xmlns:asvg="http://schemas.microsoft.com/office/drawing/2016/SVG/main" r:embed="rId4"/>
+              </a:ext>
+            </a:extLst>
+          </a:blip>
+          <a:stretch>
+            <a:fillRect/>
+          </a:stretch>
+        </p:blipFill>
+        <p:spPr>
+          <a:xfrm>
+            <a:off x="1366156" y="1750177"/>
+            <a:ext cx="329184" cy="329184"/>
+          </a:xfrm>
+          <a:prstGeom prst="rect">
+            <a:avLst/>
+          </a:prstGeom>
+        </p:spPr>
+      </p:pic>
+      <p:sp>
+        <p:nvSpPr>
+          <p:cNvPr id="38" name="Rectangle 37">
+            <a:extLst>
+              <a:ext uri="{FF2B5EF4-FFF2-40B4-BE49-F238E27FC236}">
+                <a16:creationId xmlns:a16="http://schemas.microsoft.com/office/drawing/2014/main" id="{B49515D6-3F2B-974D-BD44-4567F9748DBA}"/>
+              </a:ext>
+            </a:extLst>
+          </p:cNvPr>
+          <p:cNvSpPr/>
+          <p:nvPr/>
+        </p:nvSpPr>
+        <p:spPr>
+          <a:xfrm>
+            <a:off x="2495570" y="2054982"/>
+            <a:ext cx="2625577" cy="5313584"/>
+          </a:xfrm>
+          <a:prstGeom prst="rect">
+            <a:avLst/>
+          </a:prstGeom>
+          <a:noFill/>
+          <a:ln w="12700">
+            <a:solidFill>
+              <a:schemeClr val="accent5"/>
+            </a:solidFill>
+            <a:prstDash val="dash"/>
+          </a:ln>
+        </p:spPr>
+        <p:style>
+          <a:lnRef idx="2">
+            <a:schemeClr val="accent1">
+              <a:shade val="50000"/>
+            </a:schemeClr>
+          </a:lnRef>
+          <a:fillRef idx="1">
+            <a:schemeClr val="accent1"/>
+          </a:fillRef>
+          <a:effectRef idx="0">
+            <a:schemeClr val="accent1"/>
+          </a:effectRef>
+          <a:fontRef idx="minor">
+            <a:schemeClr val="lt1"/>
+          </a:fontRef>
+        </p:style>
+        <p:txBody>
+          <a:bodyPr rot="0" spcFirstLastPara="0" vertOverflow="overflow" horzOverflow="overflow" vert="horz" wrap="square" lIns="91440" tIns="91440" rIns="91440" bIns="45720" numCol="1" spcCol="0" rtlCol="0" fromWordArt="0" anchor="t" anchorCtr="0" forceAA="0" compatLnSpc="1">
+            <a:prstTxWarp prst="textNoShape">
+              <a:avLst/>
+            </a:prstTxWarp>
+            <a:noAutofit/>
+          </a:bodyPr>
+          <a:lstStyle/>
+          <a:p>
+            <a:pPr algn="ctr"/>
+            <a:r>
+              <a:rPr lang="en-US" sz="1200" dirty="0">
+                <a:solidFill>
+                  <a:schemeClr val="accent5"/>
+                </a:solidFill>
+              </a:rPr>
+              <a:t>Availability Zone 1 </a:t>
+            </a:r>
+          </a:p>
+        </p:txBody>
+      </p:sp>
+      <p:sp>
+        <p:nvSpPr>
+          <p:cNvPr id="42" name="Rectangle 41">
+            <a:extLst>
+              <a:ext uri="{FF2B5EF4-FFF2-40B4-BE49-F238E27FC236}">
+                <a16:creationId xmlns:a16="http://schemas.microsoft.com/office/drawing/2014/main" id="{CFE615A1-47A2-7C46-BF1C-41DAFA36A0C7}"/>
+              </a:ext>
+            </a:extLst>
+          </p:cNvPr>
+          <p:cNvSpPr/>
+          <p:nvPr/>
+        </p:nvSpPr>
+        <p:spPr>
+          <a:xfrm>
+            <a:off x="1500597" y="2349211"/>
+            <a:ext cx="7941030" cy="5147508"/>
+          </a:xfrm>
+          <a:prstGeom prst="rect">
+            <a:avLst/>
+          </a:prstGeom>
+          <a:noFill/>
+          <a:ln w="12700">
+            <a:solidFill>
+              <a:schemeClr val="accent6">
+                <a:lumMod val="75000"/>
+              </a:schemeClr>
+            </a:solidFill>
+          </a:ln>
+        </p:spPr>
+        <p:style>
+          <a:lnRef idx="2">
+            <a:schemeClr val="accent1">
+              <a:shade val="50000"/>
+            </a:schemeClr>
+          </a:lnRef>
+          <a:fillRef idx="1">
+            <a:schemeClr val="accent1"/>
+          </a:fillRef>
+          <a:effectRef idx="0">
+            <a:schemeClr val="accent1"/>
+          </a:effectRef>
+          <a:fontRef idx="minor">
+            <a:schemeClr val="lt1"/>
+          </a:fontRef>
+        </p:style>
+        <p:txBody>
+          <a:bodyPr rot="0" spcFirstLastPara="0" vertOverflow="overflow" horzOverflow="overflow" vert="horz" wrap="square" lIns="457200" tIns="91440" rIns="91440" bIns="45720" numCol="1" spcCol="0" rtlCol="0" fromWordArt="0" anchor="t" anchorCtr="0" forceAA="0" compatLnSpc="1">
+            <a:prstTxWarp prst="textNoShape">
+              <a:avLst/>
+            </a:prstTxWarp>
+            <a:noAutofit/>
+          </a:bodyPr>
+          <a:lstStyle/>
+          <a:p>
+            <a:pPr algn="l"/>
+            <a:r>
+              <a:rPr lang="en-US" sz="1200" dirty="0">
+                <a:ln w="0"/>
+                <a:solidFill>
+                  <a:schemeClr val="accent6">
+                    <a:lumMod val="75000"/>
+                  </a:schemeClr>
+                </a:solidFill>
+              </a:rPr>
+              <a:t>VPC</a:t>
+            </a:r>
+          </a:p>
+        </p:txBody>
+      </p:sp>
+      <p:pic>
+        <p:nvPicPr>
+          <p:cNvPr id="45" name="Graphic 44">
+            <a:extLst>
+              <a:ext uri="{FF2B5EF4-FFF2-40B4-BE49-F238E27FC236}">
+                <a16:creationId xmlns:a16="http://schemas.microsoft.com/office/drawing/2014/main" id="{1D8BD82B-EEBD-D04C-BAD0-1AE0FE879C4A}"/>
+              </a:ext>
+            </a:extLst>
+          </p:cNvPr>
+          <p:cNvPicPr>
+            <a:picLocks noChangeAspect="1"/>
+          </p:cNvPicPr>
+          <p:nvPr/>
+        </p:nvPicPr>
+        <p:blipFill>
+          <a:blip r:embed="rId5">
+            <a:extLst>
+              <a:ext uri="{96DAC541-7B7A-43D3-8B79-37D633B846F1}">
+                <asvg:svgBlip xmlns:asvg="http://schemas.microsoft.com/office/drawing/2016/SVG/main" r:embed="rId6"/>
+              </a:ext>
+            </a:extLst>
+          </a:blip>
+          <a:stretch>
+            <a:fillRect/>
+          </a:stretch>
+        </p:blipFill>
+        <p:spPr>
+          <a:xfrm>
+            <a:off x="1500596" y="2344913"/>
+            <a:ext cx="330200" cy="330200"/>
+          </a:xfrm>
+          <a:prstGeom prst="rect">
+            <a:avLst/>
+          </a:prstGeom>
+        </p:spPr>
+      </p:pic>
+      <p:sp>
+        <p:nvSpPr>
+          <p:cNvPr id="63" name="TextBox 62">
+            <a:extLst>
+              <a:ext uri="{FF2B5EF4-FFF2-40B4-BE49-F238E27FC236}">
+                <a16:creationId xmlns:a16="http://schemas.microsoft.com/office/drawing/2014/main" id="{FE764737-0E73-594C-AE8B-DB71DA1EB227}"/>
+              </a:ext>
+            </a:extLst>
+          </p:cNvPr>
+          <p:cNvSpPr txBox="1"/>
+          <p:nvPr/>
+        </p:nvSpPr>
+        <p:spPr>
+          <a:xfrm>
+            <a:off x="3563269" y="4326348"/>
+            <a:ext cx="1769070" cy="276999"/>
+          </a:xfrm>
+          <a:prstGeom prst="rect">
+            <a:avLst/>
+          </a:prstGeom>
+          <a:noFill/>
+        </p:spPr>
+        <p:txBody>
+          <a:bodyPr wrap="square" rtlCol="0">
+            <a:spAutoFit/>
+          </a:bodyPr>
+          <a:lstStyle/>
+          <a:p>
+            <a:pPr algn="ctr"/>
+            <a:r>
+              <a:rPr lang="en-US" sz="1200" dirty="0">
+                <a:solidFill>
+                  <a:schemeClr val="accent5"/>
+                </a:solidFill>
+              </a:rPr>
+              <a:t>10.0.0.0/19</a:t>
+            </a:r>
+          </a:p>
+        </p:txBody>
+      </p:sp>
+      <p:pic>
+        <p:nvPicPr>
+          <p:cNvPr id="69" name="Graphic 68">
+            <a:extLst>
+              <a:ext uri="{FF2B5EF4-FFF2-40B4-BE49-F238E27FC236}">
+                <a16:creationId xmlns:a16="http://schemas.microsoft.com/office/drawing/2014/main" id="{09EB77DE-05FC-F740-B942-35485585AE24}"/>
+              </a:ext>
+            </a:extLst>
+          </p:cNvPr>
+          <p:cNvPicPr>
+            <a:picLocks/>
+          </p:cNvPicPr>
+          <p:nvPr/>
+        </p:nvPicPr>
+        <p:blipFill>
+          <a:blip r:embed="rId7">
+            <a:extLst>
+              <a:ext uri="{96DAC541-7B7A-43D3-8B79-37D633B846F1}">
+                <asvg:svgBlip xmlns:asvg="http://schemas.microsoft.com/office/drawing/2016/SVG/main" r:embed="rId8"/>
+              </a:ext>
+            </a:extLst>
+          </a:blip>
+          <a:stretch>
+            <a:fillRect/>
+          </a:stretch>
+        </p:blipFill>
+        <p:spPr>
+          <a:xfrm>
+            <a:off x="2621437" y="2537416"/>
+            <a:ext cx="274320" cy="274320"/>
+          </a:xfrm>
+          <a:prstGeom prst="rect">
+            <a:avLst/>
+          </a:prstGeom>
+        </p:spPr>
+      </p:pic>
+      <p:sp>
+        <p:nvSpPr>
+          <p:cNvPr id="72" name="TextBox 71">
+            <a:extLst>
+              <a:ext uri="{FF2B5EF4-FFF2-40B4-BE49-F238E27FC236}">
+                <a16:creationId xmlns:a16="http://schemas.microsoft.com/office/drawing/2014/main" id="{18D2CF70-69F3-2A43-9756-57323A482E12}"/>
+              </a:ext>
+            </a:extLst>
+          </p:cNvPr>
+          <p:cNvSpPr txBox="1"/>
+          <p:nvPr/>
+        </p:nvSpPr>
+        <p:spPr>
+          <a:xfrm>
+            <a:off x="3560245" y="2523650"/>
+            <a:ext cx="1769070" cy="276999"/>
+          </a:xfrm>
+          <a:prstGeom prst="rect">
+            <a:avLst/>
+          </a:prstGeom>
+          <a:noFill/>
+        </p:spPr>
+        <p:txBody>
+          <a:bodyPr wrap="square" rtlCol="0">
+            <a:spAutoFit/>
+          </a:bodyPr>
+          <a:lstStyle/>
+          <a:p>
+            <a:pPr algn="ctr"/>
+            <a:r>
+              <a:rPr lang="en-US" sz="1200" dirty="0">
+                <a:solidFill>
+                  <a:schemeClr val="accent6">
+                    <a:lumMod val="75000"/>
+                  </a:schemeClr>
+                </a:solidFill>
+              </a:rPr>
+              <a:t>10.0.128.0/20</a:t>
+            </a:r>
+          </a:p>
+        </p:txBody>
+      </p:sp>
+      <p:sp>
+        <p:nvSpPr>
+          <p:cNvPr id="74" name="TextBox 73">
+            <a:extLst>
+              <a:ext uri="{FF2B5EF4-FFF2-40B4-BE49-F238E27FC236}">
+                <a16:creationId xmlns:a16="http://schemas.microsoft.com/office/drawing/2014/main" id="{48225619-6388-144A-A00A-67325F4CEEE7}"/>
+              </a:ext>
+            </a:extLst>
+          </p:cNvPr>
+          <p:cNvSpPr txBox="1"/>
+          <p:nvPr/>
+        </p:nvSpPr>
+        <p:spPr>
+          <a:xfrm>
+            <a:off x="5288850" y="7196842"/>
+            <a:ext cx="944631" cy="276999"/>
+          </a:xfrm>
+          <a:prstGeom prst="rect">
+            <a:avLst/>
+          </a:prstGeom>
+          <a:noFill/>
+        </p:spPr>
+        <p:txBody>
+          <a:bodyPr wrap="square" rtlCol="0">
+            <a:spAutoFit/>
+          </a:bodyPr>
+          <a:lstStyle/>
+          <a:p>
+            <a:pPr algn="ctr"/>
+            <a:r>
+              <a:rPr lang="en-US" sz="1200" dirty="0">
+                <a:solidFill>
+                  <a:schemeClr val="accent6">
+                    <a:lumMod val="75000"/>
+                  </a:schemeClr>
+                </a:solidFill>
+              </a:rPr>
+              <a:t>10.0.0.0/16</a:t>
+            </a:r>
+          </a:p>
+        </p:txBody>
+      </p:sp>
+      <p:pic>
+        <p:nvPicPr>
+          <p:cNvPr id="77" name="Graphic 76">
+            <a:extLst>
+              <a:ext uri="{FF2B5EF4-FFF2-40B4-BE49-F238E27FC236}">
+                <a16:creationId xmlns:a16="http://schemas.microsoft.com/office/drawing/2014/main" id="{E4DC5A8E-B2C6-EF44-B7E5-F6A646E731FE}"/>
+              </a:ext>
+            </a:extLst>
+          </p:cNvPr>
+          <p:cNvPicPr>
+            <a:picLocks noChangeAspect="1"/>
+          </p:cNvPicPr>
+          <p:nvPr/>
+        </p:nvPicPr>
+        <p:blipFill>
+          <a:blip r:embed="rId9">
+            <a:extLst>
+              <a:ext uri="{96DAC541-7B7A-43D3-8B79-37D633B846F1}">
+                <asvg:svgBlip xmlns:asvg="http://schemas.microsoft.com/office/drawing/2016/SVG/main" r:embed="rId10"/>
+              </a:ext>
+            </a:extLst>
+          </a:blip>
+          <a:stretch>
+            <a:fillRect/>
+          </a:stretch>
+        </p:blipFill>
+        <p:spPr>
+          <a:xfrm>
+            <a:off x="3457273" y="2805746"/>
+            <a:ext cx="394953" cy="394953"/>
+          </a:xfrm>
+          <a:prstGeom prst="rect">
+            <a:avLst/>
+          </a:prstGeom>
+        </p:spPr>
+      </p:pic>
+      <p:sp>
+        <p:nvSpPr>
+          <p:cNvPr id="78" name="TextBox 77">
+            <a:extLst>
+              <a:ext uri="{FF2B5EF4-FFF2-40B4-BE49-F238E27FC236}">
+                <a16:creationId xmlns:a16="http://schemas.microsoft.com/office/drawing/2014/main" id="{6D96A958-E580-EA4E-8760-D58907B05BA0}"/>
+              </a:ext>
+            </a:extLst>
+          </p:cNvPr>
+          <p:cNvSpPr txBox="1"/>
+          <p:nvPr/>
+        </p:nvSpPr>
+        <p:spPr>
+          <a:xfrm>
+            <a:off x="2913043" y="3213057"/>
+            <a:ext cx="1485100" cy="276999"/>
+          </a:xfrm>
+          <a:prstGeom prst="rect">
+            <a:avLst/>
+          </a:prstGeom>
+          <a:noFill/>
+        </p:spPr>
+        <p:txBody>
+          <a:bodyPr wrap="square" rtlCol="0">
+            <a:spAutoFit/>
+          </a:bodyPr>
+          <a:lstStyle/>
+          <a:p>
+            <a:pPr algn="ctr"/>
+            <a:r>
+              <a:rPr lang="en-US" sz="1200">
+                <a:solidFill>
+                  <a:srgbClr val="232F3E"/>
+                </a:solidFill>
+              </a:rPr>
+              <a:t>NAT gateway</a:t>
+            </a:r>
+            <a:endParaRPr lang="en-US" sz="1200" dirty="0">
+              <a:solidFill>
+                <a:srgbClr val="232F3E"/>
+              </a:solidFill>
+            </a:endParaRPr>
+          </a:p>
+        </p:txBody>
+      </p:sp>
+      <p:sp>
+        <p:nvSpPr>
+          <p:cNvPr id="80" name="Rectangle 79">
+            <a:extLst>
+              <a:ext uri="{FF2B5EF4-FFF2-40B4-BE49-F238E27FC236}">
+                <a16:creationId xmlns:a16="http://schemas.microsoft.com/office/drawing/2014/main" id="{D7930BBC-96FA-D844-8B3B-B23F04AAFD88}"/>
+              </a:ext>
+            </a:extLst>
+          </p:cNvPr>
+          <p:cNvSpPr/>
+          <p:nvPr/>
+        </p:nvSpPr>
+        <p:spPr>
+          <a:xfrm>
+            <a:off x="2776885" y="3461164"/>
+            <a:ext cx="5833872" cy="675153"/>
+          </a:xfrm>
+          <a:prstGeom prst="rect">
+            <a:avLst/>
+          </a:prstGeom>
+          <a:noFill/>
+          <a:ln w="12700">
+            <a:solidFill>
+              <a:srgbClr val="D86613"/>
+            </a:solidFill>
+            <a:prstDash val="dash"/>
+          </a:ln>
+        </p:spPr>
+        <p:style>
+          <a:lnRef idx="2">
+            <a:schemeClr val="accent1">
+              <a:shade val="50000"/>
+            </a:schemeClr>
+          </a:lnRef>
+          <a:fillRef idx="1">
+            <a:schemeClr val="accent1"/>
+          </a:fillRef>
+          <a:effectRef idx="0">
+            <a:schemeClr val="accent1"/>
+          </a:effectRef>
+          <a:fontRef idx="minor">
+            <a:schemeClr val="lt1"/>
+          </a:fontRef>
+        </p:style>
+        <p:txBody>
+          <a:bodyPr rot="0" spcFirstLastPara="0" vertOverflow="overflow" horzOverflow="overflow" vert="horz" wrap="square" lIns="91440" tIns="91440" rIns="91440" bIns="45720" numCol="1" spcCol="0" rtlCol="0" fromWordArt="0" anchor="t" anchorCtr="0" forceAA="0" compatLnSpc="1">
+            <a:prstTxWarp prst="textNoShape">
+              <a:avLst/>
+            </a:prstTxWarp>
+            <a:noAutofit/>
+          </a:bodyPr>
+          <a:lstStyle/>
+          <a:p>
+            <a:pPr algn="ctr"/>
+            <a:endParaRPr lang="en-US" sz="1100" dirty="0">
+              <a:solidFill>
+                <a:srgbClr val="D86613"/>
+              </a:solidFill>
+            </a:endParaRPr>
+          </a:p>
+          <a:p>
+            <a:r>
+              <a:rPr lang="en-US" sz="1100">
+                <a:solidFill>
+                  <a:srgbClr val="D86613"/>
+                </a:solidFill>
+              </a:rPr>
+              <a:t>                                                                  </a:t>
+            </a:r>
+            <a:endParaRPr lang="en-US" sz="1200" dirty="0">
+              <a:solidFill>
+                <a:srgbClr val="D86613"/>
+              </a:solidFill>
+            </a:endParaRPr>
+          </a:p>
+        </p:txBody>
+      </p:sp>
+      <p:pic>
+        <p:nvPicPr>
+          <p:cNvPr id="81" name="Graphic 80">
+            <a:extLst>
+              <a:ext uri="{FF2B5EF4-FFF2-40B4-BE49-F238E27FC236}">
+                <a16:creationId xmlns:a16="http://schemas.microsoft.com/office/drawing/2014/main" id="{8F1F2F8B-8FF2-2F44-9D38-384D0A244A42}"/>
+              </a:ext>
+            </a:extLst>
+          </p:cNvPr>
+          <p:cNvPicPr>
+            <a:picLocks noChangeAspect="1"/>
+          </p:cNvPicPr>
+          <p:nvPr/>
+        </p:nvPicPr>
+        <p:blipFill>
+          <a:blip r:embed="rId11">
+            <a:extLst>
+              <a:ext uri="{96DAC541-7B7A-43D3-8B79-37D633B846F1}">
+                <asvg:svgBlip xmlns:asvg="http://schemas.microsoft.com/office/drawing/2016/SVG/main" r:embed="rId12"/>
+              </a:ext>
+            </a:extLst>
+          </a:blip>
+          <a:stretch>
+            <a:fillRect/>
+          </a:stretch>
+        </p:blipFill>
+        <p:spPr>
+          <a:xfrm>
+            <a:off x="5629182" y="3460961"/>
+            <a:ext cx="277535" cy="277535"/>
+          </a:xfrm>
+          <a:prstGeom prst="rect">
+            <a:avLst/>
+          </a:prstGeom>
+        </p:spPr>
+      </p:pic>
+      <p:pic>
+        <p:nvPicPr>
+          <p:cNvPr id="91" name="Graphic 90">
+            <a:extLst>
+              <a:ext uri="{FF2B5EF4-FFF2-40B4-BE49-F238E27FC236}">
+                <a16:creationId xmlns:a16="http://schemas.microsoft.com/office/drawing/2014/main" id="{2B537DD3-7437-A841-8670-F15808FFAC1C}"/>
+              </a:ext>
+            </a:extLst>
+          </p:cNvPr>
+          <p:cNvPicPr>
+            <a:picLocks noChangeAspect="1"/>
+          </p:cNvPicPr>
+          <p:nvPr/>
+        </p:nvPicPr>
+        <p:blipFill>
+          <a:blip r:embed="rId13">
+            <a:extLst>
+              <a:ext uri="{96DAC541-7B7A-43D3-8B79-37D633B846F1}">
+                <asvg:svgBlip xmlns:asvg="http://schemas.microsoft.com/office/drawing/2016/SVG/main" r:embed="rId14"/>
+              </a:ext>
+            </a:extLst>
+          </a:blip>
+          <a:stretch>
+            <a:fillRect/>
+          </a:stretch>
+        </p:blipFill>
+        <p:spPr>
+          <a:xfrm>
+            <a:off x="3454559" y="3516961"/>
+            <a:ext cx="394953" cy="394953"/>
+          </a:xfrm>
+          <a:prstGeom prst="rect">
+            <a:avLst/>
+          </a:prstGeom>
+        </p:spPr>
+      </p:pic>
+      <p:sp>
+        <p:nvSpPr>
+          <p:cNvPr id="92" name="TextBox 91">
+            <a:extLst>
+              <a:ext uri="{FF2B5EF4-FFF2-40B4-BE49-F238E27FC236}">
+                <a16:creationId xmlns:a16="http://schemas.microsoft.com/office/drawing/2014/main" id="{7A3F60AE-D7C9-F04E-97BA-6998CD5D31F0}"/>
+              </a:ext>
+            </a:extLst>
+          </p:cNvPr>
+          <p:cNvSpPr txBox="1"/>
+          <p:nvPr/>
+        </p:nvSpPr>
+        <p:spPr>
+          <a:xfrm>
+            <a:off x="2913845" y="3856253"/>
+            <a:ext cx="1485100" cy="276999"/>
+          </a:xfrm>
+          <a:prstGeom prst="rect">
+            <a:avLst/>
+          </a:prstGeom>
+          <a:noFill/>
+        </p:spPr>
+        <p:txBody>
+          <a:bodyPr wrap="square" rtlCol="0">
+            <a:spAutoFit/>
+          </a:bodyPr>
+          <a:lstStyle/>
+          <a:p>
+            <a:pPr algn="ctr"/>
+            <a:r>
+              <a:rPr lang="en-US" sz="1200" dirty="0">
+                <a:solidFill>
+                  <a:srgbClr val="232F3E"/>
+                </a:solidFill>
+              </a:rPr>
+              <a:t>Bastion</a:t>
+            </a:r>
+          </a:p>
+        </p:txBody>
+      </p:sp>
+      <p:pic>
+        <p:nvPicPr>
+          <p:cNvPr id="96" name="Graphic 95">
+            <a:extLst>
+              <a:ext uri="{FF2B5EF4-FFF2-40B4-BE49-F238E27FC236}">
+                <a16:creationId xmlns:a16="http://schemas.microsoft.com/office/drawing/2014/main" id="{EB2BBB6A-B821-5F45-988F-BDA18B516105}"/>
+              </a:ext>
+            </a:extLst>
+          </p:cNvPr>
+          <p:cNvPicPr>
+            <a:picLocks noChangeAspect="1"/>
+          </p:cNvPicPr>
+          <p:nvPr/>
+        </p:nvPicPr>
+        <p:blipFill>
+          <a:blip r:embed="rId11">
+            <a:extLst>
+              <a:ext uri="{96DAC541-7B7A-43D3-8B79-37D633B846F1}">
+                <asvg:svgBlip xmlns:asvg="http://schemas.microsoft.com/office/drawing/2016/SVG/main" r:embed="rId12"/>
+              </a:ext>
+            </a:extLst>
+          </a:blip>
+          <a:stretch>
+            <a:fillRect/>
+          </a:stretch>
+        </p:blipFill>
+        <p:spPr>
+          <a:xfrm>
+            <a:off x="5629814" y="4645300"/>
+            <a:ext cx="277535" cy="277535"/>
+          </a:xfrm>
+          <a:prstGeom prst="rect">
+            <a:avLst/>
+          </a:prstGeom>
+        </p:spPr>
+      </p:pic>
+      <p:sp>
+        <p:nvSpPr>
+          <p:cNvPr id="97" name="Rectangle 96">
+            <a:extLst>
+              <a:ext uri="{FF2B5EF4-FFF2-40B4-BE49-F238E27FC236}">
+                <a16:creationId xmlns:a16="http://schemas.microsoft.com/office/drawing/2014/main" id="{F0BD445B-C2C6-CF4D-97EC-4488631835E5}"/>
+              </a:ext>
+            </a:extLst>
+          </p:cNvPr>
+          <p:cNvSpPr/>
+          <p:nvPr/>
+        </p:nvSpPr>
+        <p:spPr>
+          <a:xfrm>
+            <a:off x="6596764" y="2537155"/>
+            <a:ext cx="2322576" cy="1668769"/>
+          </a:xfrm>
+          <a:prstGeom prst="rect">
+            <a:avLst/>
+          </a:prstGeom>
+          <a:solidFill>
+            <a:srgbClr val="1D8900">
+              <a:alpha val="9804"/>
+            </a:srgbClr>
+          </a:solidFill>
+          <a:ln w="12700">
+            <a:noFill/>
+            <a:prstDash val="solid"/>
+          </a:ln>
+        </p:spPr>
+        <p:style>
+          <a:lnRef idx="2">
+            <a:schemeClr val="accent1">
+              <a:shade val="50000"/>
+            </a:schemeClr>
+          </a:lnRef>
+          <a:fillRef idx="1">
+            <a:schemeClr val="accent1"/>
+          </a:fillRef>
+          <a:effectRef idx="0">
+            <a:schemeClr val="accent1"/>
+          </a:effectRef>
+          <a:fontRef idx="minor">
+            <a:schemeClr val="lt1"/>
+          </a:fontRef>
+        </p:style>
+        <p:txBody>
+          <a:bodyPr rot="0" spcFirstLastPara="0" vertOverflow="overflow" horzOverflow="overflow" vert="horz" wrap="square" lIns="338328" tIns="45720" rIns="91440" bIns="45720" numCol="1" spcCol="0" rtlCol="0" fromWordArt="0" anchor="t" anchorCtr="0" forceAA="0" compatLnSpc="1">
+            <a:prstTxWarp prst="textNoShape">
+              <a:avLst/>
+            </a:prstTxWarp>
+            <a:noAutofit/>
+          </a:bodyPr>
+          <a:lstStyle/>
+          <a:p>
+            <a:pPr algn="l"/>
+            <a:r>
+              <a:rPr lang="en-US" sz="1200" dirty="0">
+                <a:solidFill>
+                  <a:schemeClr val="accent6">
+                    <a:lumMod val="75000"/>
+                  </a:schemeClr>
+                </a:solidFill>
+              </a:rPr>
+              <a:t>Public subnet</a:t>
+            </a:r>
+          </a:p>
+        </p:txBody>
+      </p:sp>
+      <p:sp>
+        <p:nvSpPr>
+          <p:cNvPr id="98" name="Rectangle 97">
+            <a:extLst>
+              <a:ext uri="{FF2B5EF4-FFF2-40B4-BE49-F238E27FC236}">
+                <a16:creationId xmlns:a16="http://schemas.microsoft.com/office/drawing/2014/main" id="{0959FFAB-23A1-1949-903E-628281A462F3}"/>
+              </a:ext>
+            </a:extLst>
+          </p:cNvPr>
+          <p:cNvSpPr/>
+          <p:nvPr/>
+        </p:nvSpPr>
+        <p:spPr>
+          <a:xfrm>
+            <a:off x="6599357" y="4320496"/>
+            <a:ext cx="2322576" cy="2917929"/>
+          </a:xfrm>
+          <a:prstGeom prst="rect">
+            <a:avLst/>
+          </a:prstGeom>
+          <a:solidFill>
+            <a:srgbClr val="007CBC">
+              <a:alpha val="9804"/>
+            </a:srgbClr>
+          </a:solidFill>
+          <a:ln w="12700">
+            <a:noFill/>
+            <a:prstDash val="solid"/>
+          </a:ln>
+        </p:spPr>
+        <p:style>
+          <a:lnRef idx="2">
+            <a:schemeClr val="accent1">
+              <a:shade val="50000"/>
+            </a:schemeClr>
+          </a:lnRef>
+          <a:fillRef idx="1">
+            <a:schemeClr val="accent1"/>
+          </a:fillRef>
+          <a:effectRef idx="0">
+            <a:schemeClr val="accent1"/>
+          </a:effectRef>
+          <a:fontRef idx="minor">
+            <a:schemeClr val="lt1"/>
+          </a:fontRef>
+        </p:style>
+        <p:txBody>
+          <a:bodyPr rot="0" spcFirstLastPara="0" vertOverflow="overflow" horzOverflow="overflow" vert="horz" wrap="square" lIns="338328" tIns="45720" rIns="91440" bIns="45720" numCol="1" spcCol="0" rtlCol="0" fromWordArt="0" anchor="t" anchorCtr="0" forceAA="0" compatLnSpc="1">
+            <a:prstTxWarp prst="textNoShape">
+              <a:avLst/>
+            </a:prstTxWarp>
+            <a:noAutofit/>
+          </a:bodyPr>
+          <a:lstStyle/>
+          <a:p>
+            <a:pPr algn="l"/>
+            <a:r>
+              <a:rPr lang="en-US" sz="1200" dirty="0">
+                <a:solidFill>
+                  <a:schemeClr val="accent5">
+                    <a:lumMod val="75000"/>
+                  </a:schemeClr>
+                </a:solidFill>
+              </a:rPr>
+              <a:t>Private subnet</a:t>
+            </a:r>
+          </a:p>
+        </p:txBody>
+      </p:sp>
+      <p:sp>
+        <p:nvSpPr>
+          <p:cNvPr id="99" name="Rectangle 98">
+            <a:extLst>
+              <a:ext uri="{FF2B5EF4-FFF2-40B4-BE49-F238E27FC236}">
+                <a16:creationId xmlns:a16="http://schemas.microsoft.com/office/drawing/2014/main" id="{2FFC4BEB-5342-F749-8A52-7B38811CBF4B}"/>
+              </a:ext>
+            </a:extLst>
+          </p:cNvPr>
+          <p:cNvSpPr/>
+          <p:nvPr/>
+        </p:nvSpPr>
+        <p:spPr>
+          <a:xfrm>
+            <a:off x="6475105" y="2054982"/>
+            <a:ext cx="2624328" cy="5312664"/>
+          </a:xfrm>
+          <a:prstGeom prst="rect">
+            <a:avLst/>
+          </a:prstGeom>
+          <a:noFill/>
+          <a:ln w="12700">
+            <a:solidFill>
+              <a:schemeClr val="accent5"/>
+            </a:solidFill>
+            <a:prstDash val="dash"/>
+          </a:ln>
+        </p:spPr>
+        <p:style>
+          <a:lnRef idx="2">
+            <a:schemeClr val="accent1">
+              <a:shade val="50000"/>
+            </a:schemeClr>
+          </a:lnRef>
+          <a:fillRef idx="1">
+            <a:schemeClr val="accent1"/>
+          </a:fillRef>
+          <a:effectRef idx="0">
+            <a:schemeClr val="accent1"/>
+          </a:effectRef>
+          <a:fontRef idx="minor">
+            <a:schemeClr val="lt1"/>
+          </a:fontRef>
+        </p:style>
+        <p:txBody>
+          <a:bodyPr rot="0" spcFirstLastPara="0" vertOverflow="overflow" horzOverflow="overflow" vert="horz" wrap="square" lIns="91440" tIns="91440" rIns="91440" bIns="45720" numCol="1" spcCol="0" rtlCol="0" fromWordArt="0" anchor="t" anchorCtr="0" forceAA="0" compatLnSpc="1">
+            <a:prstTxWarp prst="textNoShape">
+              <a:avLst/>
+            </a:prstTxWarp>
+            <a:noAutofit/>
+          </a:bodyPr>
+          <a:lstStyle/>
+          <a:p>
+            <a:pPr algn="ctr"/>
+            <a:r>
+              <a:rPr lang="en-US" sz="1200" dirty="0">
+                <a:solidFill>
+                  <a:schemeClr val="accent5"/>
+                </a:solidFill>
+              </a:rPr>
+              <a:t>Availability Zone 2 </a:t>
+            </a:r>
+          </a:p>
+        </p:txBody>
+      </p:sp>
       <p:pic>
         <p:nvPicPr>
           <p:cNvPr id="100" name="Graphic 99">
@@ -8684,7 +13200,7 @@
           <a:blip r:embed="rId15">
             <a:extLst>
               <a:ext uri="{96DAC541-7B7A-43D3-8B79-37D633B846F1}">
-                <asvg:svgBlip xmlns="" xmlns:asvg="http://schemas.microsoft.com/office/drawing/2016/SVG/main" r:embed="rId16"/>
+                <asvg:svgBlip xmlns:asvg="http://schemas.microsoft.com/office/drawing/2016/SVG/main" r:embed="rId16"/>
               </a:ext>
             </a:extLst>
           </a:blip>
@@ -8760,7 +13276,7 @@
           <a:blip r:embed="rId7">
             <a:extLst>
               <a:ext uri="{96DAC541-7B7A-43D3-8B79-37D633B846F1}">
-                <asvg:svgBlip xmlns="" xmlns:asvg="http://schemas.microsoft.com/office/drawing/2016/SVG/main" r:embed="rId8"/>
+                <asvg:svgBlip xmlns:asvg="http://schemas.microsoft.com/office/drawing/2016/SVG/main" r:embed="rId8"/>
               </a:ext>
             </a:extLst>
           </a:blip>
@@ -8838,7 +13354,7 @@
           <a:blip r:embed="rId9">
             <a:extLst>
               <a:ext uri="{96DAC541-7B7A-43D3-8B79-37D633B846F1}">
-                <asvg:svgBlip xmlns="" xmlns:asvg="http://schemas.microsoft.com/office/drawing/2016/SVG/main" r:embed="rId10"/>
+                <asvg:svgBlip xmlns:asvg="http://schemas.microsoft.com/office/drawing/2016/SVG/main" r:embed="rId10"/>
               </a:ext>
             </a:extLst>
           </a:blip>
@@ -8995,7 +13511,7 @@
           <a:blip r:embed="rId17">
             <a:extLst>
               <a:ext uri="{96DAC541-7B7A-43D3-8B79-37D633B846F1}">
-                <asvg:svgBlip xmlns="" xmlns:asvg="http://schemas.microsoft.com/office/drawing/2016/SVG/main" r:embed="rId18"/>
+                <asvg:svgBlip xmlns:asvg="http://schemas.microsoft.com/office/drawing/2016/SVG/main" r:embed="rId18"/>
               </a:ext>
             </a:extLst>
           </a:blip>
@@ -9078,7 +13594,7 @@
           <a:blip r:embed="rId19">
             <a:extLst>
               <a:ext uri="{96DAC541-7B7A-43D3-8B79-37D633B846F1}">
-                <asvg:svgBlip xmlns="" xmlns:asvg="http://schemas.microsoft.com/office/drawing/2016/SVG/main" r:embed="rId20"/>
+                <asvg:svgBlip xmlns:asvg="http://schemas.microsoft.com/office/drawing/2016/SVG/main" r:embed="rId20"/>
               </a:ext>
             </a:extLst>
           </a:blip>
@@ -9144,7 +13660,7 @@
           <a:blip r:embed="rId22">
             <a:extLst>
               <a:ext uri="{96DAC541-7B7A-43D3-8B79-37D633B846F1}">
-                <asvg:svgBlip xmlns="" xmlns:asvg="http://schemas.microsoft.com/office/drawing/2016/SVG/main" r:embed="rId23"/>
+                <asvg:svgBlip xmlns:asvg="http://schemas.microsoft.com/office/drawing/2016/SVG/main" r:embed="rId23"/>
               </a:ext>
             </a:extLst>
           </a:blip>
@@ -9216,7 +13732,7 @@
           <a:blip r:embed="rId24">
             <a:extLst>
               <a:ext uri="{96DAC541-7B7A-43D3-8B79-37D633B846F1}">
-                <asvg:svgBlip xmlns="" xmlns:asvg="http://schemas.microsoft.com/office/drawing/2016/SVG/main" r:embed="rId25"/>
+                <asvg:svgBlip xmlns:asvg="http://schemas.microsoft.com/office/drawing/2016/SVG/main" r:embed="rId25"/>
               </a:ext>
             </a:extLst>
           </a:blip>
@@ -9252,7 +13768,7 @@
           <a:blip r:embed="rId26">
             <a:extLst>
               <a:ext uri="{96DAC541-7B7A-43D3-8B79-37D633B846F1}">
-                <asvg:svgBlip xmlns="" xmlns:asvg="http://schemas.microsoft.com/office/drawing/2016/SVG/main" r:embed="rId27"/>
+                <asvg:svgBlip xmlns:asvg="http://schemas.microsoft.com/office/drawing/2016/SVG/main" r:embed="rId27"/>
               </a:ext>
             </a:extLst>
           </a:blip>
@@ -9328,7 +13844,7 @@
           <a:blip r:embed="rId28">
             <a:extLst>
               <a:ext uri="{96DAC541-7B7A-43D3-8B79-37D633B846F1}">
-                <asvg:svgBlip xmlns="" xmlns:asvg="http://schemas.microsoft.com/office/drawing/2016/SVG/main" r:embed="rId29"/>
+                <asvg:svgBlip xmlns:asvg="http://schemas.microsoft.com/office/drawing/2016/SVG/main" r:embed="rId29"/>
               </a:ext>
             </a:extLst>
           </a:blip>
@@ -9736,7 +14252,7 @@
           <a:blip r:embed="rId30">
             <a:extLst>
               <a:ext uri="{96DAC541-7B7A-43D3-8B79-37D633B846F1}">
-                <asvg:svgBlip xmlns="" xmlns:asvg="http://schemas.microsoft.com/office/drawing/2016/SVG/main" r:embed="rId31"/>
+                <asvg:svgBlip xmlns:asvg="http://schemas.microsoft.com/office/drawing/2016/SVG/main" r:embed="rId31"/>
               </a:ext>
             </a:extLst>
           </a:blip>
@@ -9772,7 +14288,7 @@
           <a:blip r:embed="rId32">
             <a:extLst>
               <a:ext uri="{96DAC541-7B7A-43D3-8B79-37D633B846F1}">
-                <asvg:svgBlip xmlns="" xmlns:asvg="http://schemas.microsoft.com/office/drawing/2016/SVG/main" r:embed="rId33"/>
+                <asvg:svgBlip xmlns:asvg="http://schemas.microsoft.com/office/drawing/2016/SVG/main" r:embed="rId33"/>
               </a:ext>
             </a:extLst>
           </a:blip>
@@ -9870,7 +14386,7 @@
           <a:blip r:embed="rId30">
             <a:extLst>
               <a:ext uri="{96DAC541-7B7A-43D3-8B79-37D633B846F1}">
-                <asvg:svgBlip xmlns="" xmlns:asvg="http://schemas.microsoft.com/office/drawing/2016/SVG/main" r:embed="rId31"/>
+                <asvg:svgBlip xmlns:asvg="http://schemas.microsoft.com/office/drawing/2016/SVG/main" r:embed="rId31"/>
               </a:ext>
             </a:extLst>
           </a:blip>
@@ -10075,7 +14591,7 @@
           <a:blip r:embed="rId32">
             <a:extLst>
               <a:ext uri="{96DAC541-7B7A-43D3-8B79-37D633B846F1}">
-                <asvg:svgBlip xmlns="" xmlns:asvg="http://schemas.microsoft.com/office/drawing/2016/SVG/main" r:embed="rId33"/>
+                <asvg:svgBlip xmlns:asvg="http://schemas.microsoft.com/office/drawing/2016/SVG/main" r:embed="rId33"/>
               </a:ext>
             </a:extLst>
           </a:blip>
@@ -10173,7 +14689,7 @@
           <a:blip r:embed="rId30">
             <a:extLst>
               <a:ext uri="{96DAC541-7B7A-43D3-8B79-37D633B846F1}">
-                <asvg:svgBlip xmlns="" xmlns:asvg="http://schemas.microsoft.com/office/drawing/2016/SVG/main" r:embed="rId31"/>
+                <asvg:svgBlip xmlns:asvg="http://schemas.microsoft.com/office/drawing/2016/SVG/main" r:embed="rId31"/>
               </a:ext>
             </a:extLst>
           </a:blip>
@@ -10374,7 +14890,7 @@
           <a:blip r:embed="rId30">
             <a:extLst>
               <a:ext uri="{96DAC541-7B7A-43D3-8B79-37D633B846F1}">
-                <asvg:svgBlip xmlns="" xmlns:asvg="http://schemas.microsoft.com/office/drawing/2016/SVG/main" r:embed="rId31"/>
+                <asvg:svgBlip xmlns:asvg="http://schemas.microsoft.com/office/drawing/2016/SVG/main" r:embed="rId31"/>
               </a:ext>
             </a:extLst>
           </a:blip>
@@ -10410,7 +14926,7 @@
           <a:blip r:embed="rId32">
             <a:extLst>
               <a:ext uri="{96DAC541-7B7A-43D3-8B79-37D633B846F1}">
-                <asvg:svgBlip xmlns="" xmlns:asvg="http://schemas.microsoft.com/office/drawing/2016/SVG/main" r:embed="rId33"/>
+                <asvg:svgBlip xmlns:asvg="http://schemas.microsoft.com/office/drawing/2016/SVG/main" r:embed="rId33"/>
               </a:ext>
             </a:extLst>
           </a:blip>
@@ -10508,7 +15024,7 @@
           <a:blip r:embed="rId30">
             <a:extLst>
               <a:ext uri="{96DAC541-7B7A-43D3-8B79-37D633B846F1}">
-                <asvg:svgBlip xmlns="" xmlns:asvg="http://schemas.microsoft.com/office/drawing/2016/SVG/main" r:embed="rId31"/>
+                <asvg:svgBlip xmlns:asvg="http://schemas.microsoft.com/office/drawing/2016/SVG/main" r:embed="rId31"/>
               </a:ext>
             </a:extLst>
           </a:blip>
@@ -10669,7 +15185,7 @@
           <a:blip r:embed="rId34">
             <a:extLst>
               <a:ext uri="{96DAC541-7B7A-43D3-8B79-37D633B846F1}">
-                <asvg:svgBlip xmlns="" xmlns:asvg="http://schemas.microsoft.com/office/drawing/2016/SVG/main" r:embed="rId35"/>
+                <asvg:svgBlip xmlns:asvg="http://schemas.microsoft.com/office/drawing/2016/SVG/main" r:embed="rId35"/>
               </a:ext>
             </a:extLst>
           </a:blip>
@@ -10769,7 +15285,7 @@
           <a:blip r:embed="rId15">
             <a:extLst>
               <a:ext uri="{96DAC541-7B7A-43D3-8B79-37D633B846F1}">
-                <asvg:svgBlip xmlns="" xmlns:asvg="http://schemas.microsoft.com/office/drawing/2016/SVG/main" r:embed="rId16"/>
+                <asvg:svgBlip xmlns:asvg="http://schemas.microsoft.com/office/drawing/2016/SVG/main" r:embed="rId16"/>
               </a:ext>
             </a:extLst>
           </a:blip>
@@ -11063,7 +15579,7 @@
           <a:blip r:embed="rId30">
             <a:extLst>
               <a:ext uri="{96DAC541-7B7A-43D3-8B79-37D633B846F1}">
-                <asvg:svgBlip xmlns="" xmlns:asvg="http://schemas.microsoft.com/office/drawing/2016/SVG/main" r:embed="rId31"/>
+                <asvg:svgBlip xmlns:asvg="http://schemas.microsoft.com/office/drawing/2016/SVG/main" r:embed="rId31"/>
               </a:ext>
             </a:extLst>
           </a:blip>
@@ -11141,7 +15657,7 @@
           <a:blip r:embed="rId38">
             <a:extLst>
               <a:ext uri="{96DAC541-7B7A-43D3-8B79-37D633B846F1}">
-                <asvg:svgBlip xmlns="" xmlns:asvg="http://schemas.microsoft.com/office/drawing/2016/SVG/main" r:embed="rId39"/>
+                <asvg:svgBlip xmlns:asvg="http://schemas.microsoft.com/office/drawing/2016/SVG/main" r:embed="rId39"/>
               </a:ext>
             </a:extLst>
           </a:blip>
@@ -11444,7 +15960,7 @@
 </p:sld>
 </file>
 
-<file path=ppt/slides/slide3.xml><?xml version="1.0" encoding="utf-8"?>
+<file path=ppt/slides/slide4.xml><?xml version="1.0" encoding="utf-8"?>
 <p:sld xmlns:a="http://schemas.openxmlformats.org/drawingml/2006/main" xmlns:r="http://schemas.openxmlformats.org/officeDocument/2006/relationships" xmlns:p="http://schemas.openxmlformats.org/presentationml/2006/main">
   <p:cSld>
     <p:spTree>
@@ -11681,7 +16197,7 @@
           <a:blip r:embed="rId3">
             <a:extLst>
               <a:ext uri="{96DAC541-7B7A-43D3-8B79-37D633B846F1}">
-                <asvg:svgBlip xmlns="" xmlns:asvg="http://schemas.microsoft.com/office/drawing/2016/SVG/main" r:embed="rId4"/>
+                <asvg:svgBlip xmlns:asvg="http://schemas.microsoft.com/office/drawing/2016/SVG/main" r:embed="rId4"/>
               </a:ext>
             </a:extLst>
           </a:blip>
@@ -11851,7 +16367,7 @@
           <a:blip r:embed="rId5">
             <a:extLst>
               <a:ext uri="{96DAC541-7B7A-43D3-8B79-37D633B846F1}">
-                <asvg:svgBlip xmlns="" xmlns:asvg="http://schemas.microsoft.com/office/drawing/2016/SVG/main" r:embed="rId6"/>
+                <asvg:svgBlip xmlns:asvg="http://schemas.microsoft.com/office/drawing/2016/SVG/main" r:embed="rId6"/>
               </a:ext>
             </a:extLst>
           </a:blip>
@@ -11887,7 +16403,7 @@
           <a:blip r:embed="rId7">
             <a:extLst>
               <a:ext uri="{96DAC541-7B7A-43D3-8B79-37D633B846F1}">
-                <asvg:svgBlip xmlns="" xmlns:asvg="http://schemas.microsoft.com/office/drawing/2016/SVG/main" r:embed="rId8"/>
+                <asvg:svgBlip xmlns:asvg="http://schemas.microsoft.com/office/drawing/2016/SVG/main" r:embed="rId8"/>
               </a:ext>
             </a:extLst>
           </a:blip>
@@ -11963,7 +16479,7 @@
           <a:blip r:embed="rId9">
             <a:extLst>
               <a:ext uri="{96DAC541-7B7A-43D3-8B79-37D633B846F1}">
-                <asvg:svgBlip xmlns="" xmlns:asvg="http://schemas.microsoft.com/office/drawing/2016/SVG/main" r:embed="rId10"/>
+                <asvg:svgBlip xmlns:asvg="http://schemas.microsoft.com/office/drawing/2016/SVG/main" r:embed="rId10"/>
               </a:ext>
             </a:extLst>
           </a:blip>
@@ -12083,7 +16599,7 @@
           <a:blip r:embed="rId11">
             <a:extLst>
               <a:ext uri="{96DAC541-7B7A-43D3-8B79-37D633B846F1}">
-                <asvg:svgBlip xmlns="" xmlns:asvg="http://schemas.microsoft.com/office/drawing/2016/SVG/main" r:embed="rId12"/>
+                <asvg:svgBlip xmlns:asvg="http://schemas.microsoft.com/office/drawing/2016/SVG/main" r:embed="rId12"/>
               </a:ext>
             </a:extLst>
           </a:blip>
@@ -12241,7 +16757,7 @@
           <a:blip r:embed="rId13">
             <a:extLst>
               <a:ext uri="{96DAC541-7B7A-43D3-8B79-37D633B846F1}">
-                <asvg:svgBlip xmlns="" xmlns:asvg="http://schemas.microsoft.com/office/drawing/2016/SVG/main" r:embed="rId14"/>
+                <asvg:svgBlip xmlns:asvg="http://schemas.microsoft.com/office/drawing/2016/SVG/main" r:embed="rId14"/>
               </a:ext>
             </a:extLst>
           </a:blip>
@@ -12277,7 +16793,7 @@
           <a:blip r:embed="rId15">
             <a:extLst>
               <a:ext uri="{96DAC541-7B7A-43D3-8B79-37D633B846F1}">
-                <asvg:svgBlip xmlns="" xmlns:asvg="http://schemas.microsoft.com/office/drawing/2016/SVG/main" r:embed="rId16"/>
+                <asvg:svgBlip xmlns:asvg="http://schemas.microsoft.com/office/drawing/2016/SVG/main" r:embed="rId16"/>
               </a:ext>
             </a:extLst>
           </a:blip>
@@ -12425,7 +16941,7 @@
           <a:blip r:embed="rId13">
             <a:extLst>
               <a:ext uri="{96DAC541-7B7A-43D3-8B79-37D633B846F1}">
-                <asvg:svgBlip xmlns="" xmlns:asvg="http://schemas.microsoft.com/office/drawing/2016/SVG/main" r:embed="rId14"/>
+                <asvg:svgBlip xmlns:asvg="http://schemas.microsoft.com/office/drawing/2016/SVG/main" r:embed="rId14"/>
               </a:ext>
             </a:extLst>
           </a:blip>
@@ -12671,7 +17187,7 @@
           <a:blip r:embed="rId7">
             <a:extLst>
               <a:ext uri="{96DAC541-7B7A-43D3-8B79-37D633B846F1}">
-                <asvg:svgBlip xmlns="" xmlns:asvg="http://schemas.microsoft.com/office/drawing/2016/SVG/main" r:embed="rId8"/>
+                <asvg:svgBlip xmlns:asvg="http://schemas.microsoft.com/office/drawing/2016/SVG/main" r:embed="rId8"/>
               </a:ext>
             </a:extLst>
           </a:blip>
@@ -12750,7 +17266,7 @@
           <a:blip r:embed="rId9">
             <a:extLst>
               <a:ext uri="{96DAC541-7B7A-43D3-8B79-37D633B846F1}">
-                <asvg:svgBlip xmlns="" xmlns:asvg="http://schemas.microsoft.com/office/drawing/2016/SVG/main" r:embed="rId10"/>
+                <asvg:svgBlip xmlns:asvg="http://schemas.microsoft.com/office/drawing/2016/SVG/main" r:embed="rId10"/>
               </a:ext>
             </a:extLst>
           </a:blip>
@@ -12828,7 +17344,7 @@
           <a:blip r:embed="rId11">
             <a:extLst>
               <a:ext uri="{96DAC541-7B7A-43D3-8B79-37D633B846F1}">
-                <asvg:svgBlip xmlns="" xmlns:asvg="http://schemas.microsoft.com/office/drawing/2016/SVG/main" r:embed="rId12"/>
+                <asvg:svgBlip xmlns:asvg="http://schemas.microsoft.com/office/drawing/2016/SVG/main" r:embed="rId12"/>
               </a:ext>
             </a:extLst>
           </a:blip>
@@ -13112,7 +17628,7 @@
           <a:blip r:embed="rId7">
             <a:extLst>
               <a:ext uri="{96DAC541-7B7A-43D3-8B79-37D633B846F1}">
-                <asvg:svgBlip xmlns="" xmlns:asvg="http://schemas.microsoft.com/office/drawing/2016/SVG/main" r:embed="rId8"/>
+                <asvg:svgBlip xmlns:asvg="http://schemas.microsoft.com/office/drawing/2016/SVG/main" r:embed="rId8"/>
               </a:ext>
             </a:extLst>
           </a:blip>
@@ -13188,7 +17704,7 @@
           <a:blip r:embed="rId9">
             <a:extLst>
               <a:ext uri="{96DAC541-7B7A-43D3-8B79-37D633B846F1}">
-                <asvg:svgBlip xmlns="" xmlns:asvg="http://schemas.microsoft.com/office/drawing/2016/SVG/main" r:embed="rId10"/>
+                <asvg:svgBlip xmlns:asvg="http://schemas.microsoft.com/office/drawing/2016/SVG/main" r:embed="rId10"/>
               </a:ext>
             </a:extLst>
           </a:blip>
@@ -13266,7 +17782,7 @@
           <a:blip r:embed="rId11">
             <a:extLst>
               <a:ext uri="{96DAC541-7B7A-43D3-8B79-37D633B846F1}">
-                <asvg:svgBlip xmlns="" xmlns:asvg="http://schemas.microsoft.com/office/drawing/2016/SVG/main" r:embed="rId12"/>
+                <asvg:svgBlip xmlns:asvg="http://schemas.microsoft.com/office/drawing/2016/SVG/main" r:embed="rId12"/>
               </a:ext>
             </a:extLst>
           </a:blip>
@@ -13463,7 +17979,7 @@
           <a:blip r:embed="rId17">
             <a:extLst>
               <a:ext uri="{96DAC541-7B7A-43D3-8B79-37D633B846F1}">
-                <asvg:svgBlip xmlns="" xmlns:asvg="http://schemas.microsoft.com/office/drawing/2016/SVG/main" r:embed="rId18"/>
+                <asvg:svgBlip xmlns:asvg="http://schemas.microsoft.com/office/drawing/2016/SVG/main" r:embed="rId18"/>
               </a:ext>
             </a:extLst>
           </a:blip>
@@ -13499,7 +18015,7 @@
           <a:blip r:embed="rId19">
             <a:extLst>
               <a:ext uri="{96DAC541-7B7A-43D3-8B79-37D633B846F1}">
-                <asvg:svgBlip xmlns="" xmlns:asvg="http://schemas.microsoft.com/office/drawing/2016/SVG/main" r:embed="rId20"/>
+                <asvg:svgBlip xmlns:asvg="http://schemas.microsoft.com/office/drawing/2016/SVG/main" r:embed="rId20"/>
               </a:ext>
             </a:extLst>
           </a:blip>
@@ -13612,7 +18128,7 @@
           <a:blip r:embed="rId22">
             <a:extLst>
               <a:ext uri="{96DAC541-7B7A-43D3-8B79-37D633B846F1}">
-                <asvg:svgBlip xmlns="" xmlns:asvg="http://schemas.microsoft.com/office/drawing/2016/SVG/main" r:embed="rId23"/>
+                <asvg:svgBlip xmlns:asvg="http://schemas.microsoft.com/office/drawing/2016/SVG/main" r:embed="rId23"/>
               </a:ext>
             </a:extLst>
           </a:blip>
@@ -13684,7 +18200,7 @@
           <a:blip r:embed="rId24">
             <a:extLst>
               <a:ext uri="{96DAC541-7B7A-43D3-8B79-37D633B846F1}">
-                <asvg:svgBlip xmlns="" xmlns:asvg="http://schemas.microsoft.com/office/drawing/2016/SVG/main" r:embed="rId25"/>
+                <asvg:svgBlip xmlns:asvg="http://schemas.microsoft.com/office/drawing/2016/SVG/main" r:embed="rId25"/>
               </a:ext>
             </a:extLst>
           </a:blip>
@@ -13720,7 +18236,7 @@
           <a:blip r:embed="rId26">
             <a:extLst>
               <a:ext uri="{96DAC541-7B7A-43D3-8B79-37D633B846F1}">
-                <asvg:svgBlip xmlns="" xmlns:asvg="http://schemas.microsoft.com/office/drawing/2016/SVG/main" r:embed="rId27"/>
+                <asvg:svgBlip xmlns:asvg="http://schemas.microsoft.com/office/drawing/2016/SVG/main" r:embed="rId27"/>
               </a:ext>
             </a:extLst>
           </a:blip>
@@ -13796,7 +18312,7 @@
           <a:blip r:embed="rId28">
             <a:extLst>
               <a:ext uri="{96DAC541-7B7A-43D3-8B79-37D633B846F1}">
-                <asvg:svgBlip xmlns="" xmlns:asvg="http://schemas.microsoft.com/office/drawing/2016/SVG/main" r:embed="rId29"/>
+                <asvg:svgBlip xmlns:asvg="http://schemas.microsoft.com/office/drawing/2016/SVG/main" r:embed="rId29"/>
               </a:ext>
             </a:extLst>
           </a:blip>
@@ -14055,7 +18571,7 @@
           <a:blip r:embed="rId30">
             <a:extLst>
               <a:ext uri="{96DAC541-7B7A-43D3-8B79-37D633B846F1}">
-                <asvg:svgBlip xmlns="" xmlns:asvg="http://schemas.microsoft.com/office/drawing/2016/SVG/main" r:embed="rId31"/>
+                <asvg:svgBlip xmlns:asvg="http://schemas.microsoft.com/office/drawing/2016/SVG/main" r:embed="rId31"/>
               </a:ext>
             </a:extLst>
           </a:blip>
@@ -14202,7 +18718,7 @@
           <a:blip r:embed="rId13">
             <a:extLst>
               <a:ext uri="{96DAC541-7B7A-43D3-8B79-37D633B846F1}">
-                <asvg:svgBlip xmlns="" xmlns:asvg="http://schemas.microsoft.com/office/drawing/2016/SVG/main" r:embed="rId14"/>
+                <asvg:svgBlip xmlns:asvg="http://schemas.microsoft.com/office/drawing/2016/SVG/main" r:embed="rId14"/>
               </a:ext>
             </a:extLst>
           </a:blip>
@@ -14700,7 +19216,7 @@
           <a:blip r:embed="rId32">
             <a:extLst>
               <a:ext uri="{96DAC541-7B7A-43D3-8B79-37D633B846F1}">
-                <asvg:svgBlip xmlns="" xmlns:asvg="http://schemas.microsoft.com/office/drawing/2016/SVG/main" r:embed="rId33"/>
+                <asvg:svgBlip xmlns:asvg="http://schemas.microsoft.com/office/drawing/2016/SVG/main" r:embed="rId33"/>
               </a:ext>
             </a:extLst>
           </a:blip>
@@ -14736,7 +19252,7 @@
           <a:blip r:embed="rId34">
             <a:extLst>
               <a:ext uri="{96DAC541-7B7A-43D3-8B79-37D633B846F1}">
-                <asvg:svgBlip xmlns="" xmlns:asvg="http://schemas.microsoft.com/office/drawing/2016/SVG/main" r:embed="rId35"/>
+                <asvg:svgBlip xmlns:asvg="http://schemas.microsoft.com/office/drawing/2016/SVG/main" r:embed="rId35"/>
               </a:ext>
             </a:extLst>
           </a:blip>
@@ -14913,7 +19429,7 @@
           <a:blip r:embed="rId32">
             <a:extLst>
               <a:ext uri="{96DAC541-7B7A-43D3-8B79-37D633B846F1}">
-                <asvg:svgBlip xmlns="" xmlns:asvg="http://schemas.microsoft.com/office/drawing/2016/SVG/main" r:embed="rId33"/>
+                <asvg:svgBlip xmlns:asvg="http://schemas.microsoft.com/office/drawing/2016/SVG/main" r:embed="rId33"/>
               </a:ext>
             </a:extLst>
           </a:blip>
@@ -14949,7 +19465,7 @@
           <a:blip r:embed="rId34">
             <a:extLst>
               <a:ext uri="{96DAC541-7B7A-43D3-8B79-37D633B846F1}">
-                <asvg:svgBlip xmlns="" xmlns:asvg="http://schemas.microsoft.com/office/drawing/2016/SVG/main" r:embed="rId35"/>
+                <asvg:svgBlip xmlns:asvg="http://schemas.microsoft.com/office/drawing/2016/SVG/main" r:embed="rId35"/>
               </a:ext>
             </a:extLst>
           </a:blip>
@@ -15126,7 +19642,7 @@
           <a:blip r:embed="rId32">
             <a:extLst>
               <a:ext uri="{96DAC541-7B7A-43D3-8B79-37D633B846F1}">
-                <asvg:svgBlip xmlns="" xmlns:asvg="http://schemas.microsoft.com/office/drawing/2016/SVG/main" r:embed="rId33"/>
+                <asvg:svgBlip xmlns:asvg="http://schemas.microsoft.com/office/drawing/2016/SVG/main" r:embed="rId33"/>
               </a:ext>
             </a:extLst>
           </a:blip>
@@ -15162,7 +19678,7 @@
           <a:blip r:embed="rId34">
             <a:extLst>
               <a:ext uri="{96DAC541-7B7A-43D3-8B79-37D633B846F1}">
-                <asvg:svgBlip xmlns="" xmlns:asvg="http://schemas.microsoft.com/office/drawing/2016/SVG/main" r:embed="rId35"/>
+                <asvg:svgBlip xmlns:asvg="http://schemas.microsoft.com/office/drawing/2016/SVG/main" r:embed="rId35"/>
               </a:ext>
             </a:extLst>
           </a:blip>

--- a/docs/images/jfrog-architecture-diagram.pptx
+++ b/docs/images/jfrog-architecture-diagram.pptx
@@ -200,7 +200,7 @@
           <a:p>
             <a:fld id="{590E2399-5717-194F-AD3A-E8B320BF82AF}" type="datetimeFigureOut">
               <a:rPr lang="en-US" smtClean="0"/>
-              <a:t>10/22/2021</a:t>
+              <a:t>11/24/21</a:t>
             </a:fld>
             <a:endParaRPr lang="en-US"/>
           </a:p>
@@ -952,7 +952,7 @@
           <a:p>
             <a:fld id="{F55C447A-44A3-5F49-B3D4-7D25A8EEBE0E}" type="datetimeFigureOut">
               <a:rPr lang="en-US" smtClean="0"/>
-              <a:t>10/22/2021</a:t>
+              <a:t>11/24/21</a:t>
             </a:fld>
             <a:endParaRPr lang="en-US"/>
           </a:p>
@@ -1122,7 +1122,7 @@
           <a:p>
             <a:fld id="{F55C447A-44A3-5F49-B3D4-7D25A8EEBE0E}" type="datetimeFigureOut">
               <a:rPr lang="en-US" smtClean="0"/>
-              <a:t>10/22/2021</a:t>
+              <a:t>11/24/21</a:t>
             </a:fld>
             <a:endParaRPr lang="en-US"/>
           </a:p>
@@ -1302,7 +1302,7 @@
           <a:p>
             <a:fld id="{F55C447A-44A3-5F49-B3D4-7D25A8EEBE0E}" type="datetimeFigureOut">
               <a:rPr lang="en-US" smtClean="0"/>
-              <a:t>10/22/2021</a:t>
+              <a:t>11/24/21</a:t>
             </a:fld>
             <a:endParaRPr lang="en-US"/>
           </a:p>
@@ -1686,7 +1686,7 @@
           <a:p>
             <a:fld id="{F55C447A-44A3-5F49-B3D4-7D25A8EEBE0E}" type="datetimeFigureOut">
               <a:rPr lang="en-US" smtClean="0"/>
-              <a:t>10/22/2021</a:t>
+              <a:t>11/24/21</a:t>
             </a:fld>
             <a:endParaRPr lang="en-US"/>
           </a:p>
@@ -1930,7 +1930,7 @@
           <a:p>
             <a:fld id="{F55C447A-44A3-5F49-B3D4-7D25A8EEBE0E}" type="datetimeFigureOut">
               <a:rPr lang="en-US" smtClean="0"/>
-              <a:t>10/22/2021</a:t>
+              <a:t>11/24/21</a:t>
             </a:fld>
             <a:endParaRPr lang="en-US"/>
           </a:p>
@@ -2162,7 +2162,7 @@
           <a:p>
             <a:fld id="{F55C447A-44A3-5F49-B3D4-7D25A8EEBE0E}" type="datetimeFigureOut">
               <a:rPr lang="en-US" smtClean="0"/>
-              <a:t>10/22/2021</a:t>
+              <a:t>11/24/21</a:t>
             </a:fld>
             <a:endParaRPr lang="en-US"/>
           </a:p>
@@ -2529,7 +2529,7 @@
           <a:p>
             <a:fld id="{F55C447A-44A3-5F49-B3D4-7D25A8EEBE0E}" type="datetimeFigureOut">
               <a:rPr lang="en-US" smtClean="0"/>
-              <a:t>10/22/2021</a:t>
+              <a:t>11/24/21</a:t>
             </a:fld>
             <a:endParaRPr lang="en-US"/>
           </a:p>
@@ -2647,7 +2647,7 @@
           <a:p>
             <a:fld id="{F55C447A-44A3-5F49-B3D4-7D25A8EEBE0E}" type="datetimeFigureOut">
               <a:rPr lang="en-US" smtClean="0"/>
-              <a:t>10/22/2021</a:t>
+              <a:t>11/24/21</a:t>
             </a:fld>
             <a:endParaRPr lang="en-US"/>
           </a:p>
@@ -2742,7 +2742,7 @@
           <a:p>
             <a:fld id="{F55C447A-44A3-5F49-B3D4-7D25A8EEBE0E}" type="datetimeFigureOut">
               <a:rPr lang="en-US" smtClean="0"/>
-              <a:t>10/22/2021</a:t>
+              <a:t>11/24/21</a:t>
             </a:fld>
             <a:endParaRPr lang="en-US"/>
           </a:p>
@@ -3019,7 +3019,7 @@
           <a:p>
             <a:fld id="{F55C447A-44A3-5F49-B3D4-7D25A8EEBE0E}" type="datetimeFigureOut">
               <a:rPr lang="en-US" smtClean="0"/>
-              <a:t>10/22/2021</a:t>
+              <a:t>11/24/21</a:t>
             </a:fld>
             <a:endParaRPr lang="en-US"/>
           </a:p>
@@ -3276,7 +3276,7 @@
           <a:p>
             <a:fld id="{F55C447A-44A3-5F49-B3D4-7D25A8EEBE0E}" type="datetimeFigureOut">
               <a:rPr lang="en-US" smtClean="0"/>
-              <a:t>10/22/2021</a:t>
+              <a:t>11/24/21</a:t>
             </a:fld>
             <a:endParaRPr lang="en-US"/>
           </a:p>
@@ -3489,7 +3489,7 @@
           <a:p>
             <a:fld id="{F55C447A-44A3-5F49-B3D4-7D25A8EEBE0E}" type="datetimeFigureOut">
               <a:rPr lang="en-US" smtClean="0"/>
-              <a:t>10/22/2021</a:t>
+              <a:t>11/24/21</a:t>
             </a:fld>
             <a:endParaRPr lang="en-US"/>
           </a:p>
@@ -4873,16 +4873,12 @@
           <a:p>
             <a:pPr algn="ctr"/>
             <a:r>
-              <a:rPr lang="en-US" sz="1200">
+              <a:rPr lang="en-US" sz="1200" dirty="0">
                 <a:latin typeface="Arial" panose="020B0604020202020204" pitchFamily="34" charset="0"/>
                 <a:cs typeface="Arial" panose="020B0604020202020204" pitchFamily="34" charset="0"/>
               </a:rPr>
               <a:t>Artifactory secondary</a:t>
             </a:r>
-            <a:endParaRPr lang="en-US" sz="1200" dirty="0">
-              <a:latin typeface="Arial" panose="020B0604020202020204" pitchFamily="34" charset="0"/>
-              <a:cs typeface="Arial" panose="020B0604020202020204" pitchFamily="34" charset="0"/>
-            </a:endParaRPr>
           </a:p>
         </p:txBody>
       </p:sp>
@@ -6819,42 +6815,6 @@
           </p:style>
         </p:cxnSp>
       </p:grpSp>
-      <p:pic>
-        <p:nvPicPr>
-          <p:cNvPr id="117" name="Graphic 116">
-            <a:extLst>
-              <a:ext uri="{FF2B5EF4-FFF2-40B4-BE49-F238E27FC236}">
-                <a16:creationId xmlns:a16="http://schemas.microsoft.com/office/drawing/2014/main" id="{14F451A7-A9F1-4140-A797-32B2EFA9BBB2}"/>
-              </a:ext>
-            </a:extLst>
-          </p:cNvPr>
-          <p:cNvPicPr>
-            <a:picLocks noChangeAspect="1"/>
-          </p:cNvPicPr>
-          <p:nvPr/>
-        </p:nvPicPr>
-        <p:blipFill>
-          <a:blip r:embed="rId9">
-            <a:extLst>
-              <a:ext uri="{96DAC541-7B7A-43D3-8B79-37D633B846F1}">
-                <asvg:svgBlip xmlns:asvg="http://schemas.microsoft.com/office/drawing/2016/SVG/main" r:embed="rId10"/>
-              </a:ext>
-            </a:extLst>
-          </a:blip>
-          <a:stretch>
-            <a:fillRect/>
-          </a:stretch>
-        </p:blipFill>
-        <p:spPr>
-          <a:xfrm>
-            <a:off x="7510840" y="5833542"/>
-            <a:ext cx="469900" cy="469900"/>
-          </a:xfrm>
-          <a:prstGeom prst="rect">
-            <a:avLst/>
-          </a:prstGeom>
-        </p:spPr>
-      </p:pic>
       <p:sp>
         <p:nvSpPr>
           <p:cNvPr id="119" name="TextBox 118">
@@ -6911,7 +6871,7 @@
         </p:nvSpPr>
         <p:spPr>
           <a:xfrm>
-            <a:off x="1387976" y="6198000"/>
+            <a:off x="1387976" y="7245207"/>
             <a:ext cx="1022439" cy="461665"/>
           </a:xfrm>
           <a:prstGeom prst="rect">
@@ -6974,7 +6934,7 @@
         </p:blipFill>
         <p:spPr>
           <a:xfrm>
-            <a:off x="1604090" y="5459909"/>
+            <a:off x="1604090" y="6507116"/>
             <a:ext cx="594360" cy="594360"/>
           </a:xfrm>
           <a:prstGeom prst="rect">
@@ -6982,12 +6942,159 @@
           </a:prstGeom>
         </p:spPr>
       </p:pic>
-      <p:sp>
-        <p:nvSpPr>
-          <p:cNvPr id="124" name="Freeform 123">
-            <a:extLst>
-              <a:ext uri="{FF2B5EF4-FFF2-40B4-BE49-F238E27FC236}">
-                <a16:creationId xmlns:a16="http://schemas.microsoft.com/office/drawing/2014/main" id="{815AAB7A-3D1D-F540-BF96-843F414BC889}"/>
+      <p:pic>
+        <p:nvPicPr>
+          <p:cNvPr id="6" name="Graphic 5">
+            <a:extLst>
+              <a:ext uri="{FF2B5EF4-FFF2-40B4-BE49-F238E27FC236}">
+                <a16:creationId xmlns:a16="http://schemas.microsoft.com/office/drawing/2014/main" id="{83FA64B8-BC20-8B40-8E6C-BBC88D66EC9D}"/>
+              </a:ext>
+            </a:extLst>
+          </p:cNvPr>
+          <p:cNvPicPr>
+            <a:picLocks noChangeAspect="1"/>
+          </p:cNvPicPr>
+          <p:nvPr/>
+        </p:nvPicPr>
+        <p:blipFill>
+          <a:blip r:embed="rId33">
+            <a:extLst>
+              <a:ext uri="{96DAC541-7B7A-43D3-8B79-37D633B846F1}">
+                <asvg:svgBlip xmlns:asvg="http://schemas.microsoft.com/office/drawing/2016/SVG/main" r:embed="rId34"/>
+              </a:ext>
+            </a:extLst>
+          </a:blip>
+          <a:stretch>
+            <a:fillRect/>
+          </a:stretch>
+        </p:blipFill>
+        <p:spPr>
+          <a:xfrm>
+            <a:off x="9231239" y="6270780"/>
+            <a:ext cx="1342959" cy="745203"/>
+          </a:xfrm>
+          <a:prstGeom prst="rect">
+            <a:avLst/>
+          </a:prstGeom>
+        </p:spPr>
+      </p:pic>
+      <p:pic>
+        <p:nvPicPr>
+          <p:cNvPr id="8" name="Graphic 7">
+            <a:extLst>
+              <a:ext uri="{FF2B5EF4-FFF2-40B4-BE49-F238E27FC236}">
+                <a16:creationId xmlns:a16="http://schemas.microsoft.com/office/drawing/2014/main" id="{D277B287-4A2B-2A46-A369-3EC052889C48}"/>
+              </a:ext>
+            </a:extLst>
+          </p:cNvPr>
+          <p:cNvPicPr>
+            <a:picLocks noChangeAspect="1"/>
+          </p:cNvPicPr>
+          <p:nvPr/>
+        </p:nvPicPr>
+        <p:blipFill>
+          <a:blip r:embed="rId35">
+            <a:extLst>
+              <a:ext uri="{96DAC541-7B7A-43D3-8B79-37D633B846F1}">
+                <asvg:svgBlip xmlns:asvg="http://schemas.microsoft.com/office/drawing/2016/SVG/main" r:embed="rId36"/>
+              </a:ext>
+            </a:extLst>
+          </a:blip>
+          <a:stretch>
+            <a:fillRect/>
+          </a:stretch>
+        </p:blipFill>
+        <p:spPr>
+          <a:xfrm>
+            <a:off x="9192525" y="4497427"/>
+            <a:ext cx="1592207" cy="628149"/>
+          </a:xfrm>
+          <a:prstGeom prst="rect">
+            <a:avLst/>
+          </a:prstGeom>
+        </p:spPr>
+      </p:pic>
+      <p:pic>
+        <p:nvPicPr>
+          <p:cNvPr id="81" name="Graphic 80">
+            <a:extLst>
+              <a:ext uri="{FF2B5EF4-FFF2-40B4-BE49-F238E27FC236}">
+                <a16:creationId xmlns:a16="http://schemas.microsoft.com/office/drawing/2014/main" id="{6EC75CF2-B122-4173-B980-1FA6F3B36A0B}"/>
+              </a:ext>
+            </a:extLst>
+          </p:cNvPr>
+          <p:cNvPicPr>
+            <a:picLocks noChangeAspect="1"/>
+          </p:cNvPicPr>
+          <p:nvPr/>
+        </p:nvPicPr>
+        <p:blipFill>
+          <a:blip r:embed="rId9">
+            <a:extLst>
+              <a:ext uri="{96DAC541-7B7A-43D3-8B79-37D633B846F1}">
+                <asvg:svgBlip xmlns:asvg="http://schemas.microsoft.com/office/drawing/2016/SVG/main" r:embed="rId10"/>
+              </a:ext>
+            </a:extLst>
+          </a:blip>
+          <a:stretch>
+            <a:fillRect/>
+          </a:stretch>
+        </p:blipFill>
+        <p:spPr>
+          <a:xfrm>
+            <a:off x="3605071" y="5875947"/>
+            <a:ext cx="469900" cy="469900"/>
+          </a:xfrm>
+          <a:prstGeom prst="rect">
+            <a:avLst/>
+          </a:prstGeom>
+        </p:spPr>
+      </p:pic>
+      <p:sp>
+        <p:nvSpPr>
+          <p:cNvPr id="84" name="TextBox 83">
+            <a:extLst>
+              <a:ext uri="{FF2B5EF4-FFF2-40B4-BE49-F238E27FC236}">
+                <a16:creationId xmlns:a16="http://schemas.microsoft.com/office/drawing/2014/main" id="{491C3F87-B265-40F7-8EE9-7EF6DB973CA6}"/>
+              </a:ext>
+            </a:extLst>
+          </p:cNvPr>
+          <p:cNvSpPr txBox="1"/>
+          <p:nvPr/>
+        </p:nvSpPr>
+        <p:spPr>
+          <a:xfrm>
+            <a:off x="3095320" y="6285054"/>
+            <a:ext cx="1513305" cy="276999"/>
+          </a:xfrm>
+          <a:prstGeom prst="rect">
+            <a:avLst/>
+          </a:prstGeom>
+          <a:noFill/>
+        </p:spPr>
+        <p:txBody>
+          <a:bodyPr wrap="square" rtlCol="0">
+            <a:spAutoFit/>
+          </a:bodyPr>
+          <a:lstStyle/>
+          <a:p>
+            <a:pPr algn="ctr"/>
+            <a:r>
+              <a:rPr lang="en-US" sz="1200" dirty="0">
+                <a:latin typeface="Arial" panose="020B0604020202020204" pitchFamily="34" charset="0"/>
+                <a:cs typeface="Arial" panose="020B0604020202020204" pitchFamily="34" charset="0"/>
+              </a:rPr>
+              <a:t>Primary node</a:t>
+            </a:r>
+          </a:p>
+        </p:txBody>
+      </p:sp>
+      <p:sp>
+        <p:nvSpPr>
+          <p:cNvPr id="86" name="Rectangle 85">
+            <a:extLst>
+              <a:ext uri="{FF2B5EF4-FFF2-40B4-BE49-F238E27FC236}">
+                <a16:creationId xmlns:a16="http://schemas.microsoft.com/office/drawing/2014/main" id="{38B85B5F-A7D2-4248-83C4-D1D0C246E5A2}"/>
               </a:ext>
             </a:extLst>
           </p:cNvPr>
@@ -6995,70 +7102,19 @@
           <p:nvPr/>
         </p:nvSpPr>
         <p:spPr>
-          <a:xfrm rot="10800000">
-            <a:off x="2672637" y="4433439"/>
-            <a:ext cx="497074" cy="927293"/>
-          </a:xfrm>
-          <a:custGeom>
-            <a:avLst/>
-            <a:gdLst>
-              <a:gd name="connsiteX0" fmla="*/ 0 w 622300"/>
-              <a:gd name="connsiteY0" fmla="*/ 0 h 1574800"/>
-              <a:gd name="connsiteX1" fmla="*/ 622300 w 622300"/>
-              <a:gd name="connsiteY1" fmla="*/ 0 h 1574800"/>
-              <a:gd name="connsiteX2" fmla="*/ 622300 w 622300"/>
-              <a:gd name="connsiteY2" fmla="*/ 1574800 h 1574800"/>
-              <a:gd name="connsiteX3" fmla="*/ 482600 w 622300"/>
-              <a:gd name="connsiteY3" fmla="*/ 1574800 h 1574800"/>
-              <a:gd name="connsiteX4" fmla="*/ 0 w 622300"/>
-              <a:gd name="connsiteY4" fmla="*/ 1574800 h 1574800"/>
-            </a:gdLst>
-            <a:ahLst/>
-            <a:cxnLst>
-              <a:cxn ang="0">
-                <a:pos x="connsiteX0" y="connsiteY0"/>
-              </a:cxn>
-              <a:cxn ang="0">
-                <a:pos x="connsiteX1" y="connsiteY1"/>
-              </a:cxn>
-              <a:cxn ang="0">
-                <a:pos x="connsiteX2" y="connsiteY2"/>
-              </a:cxn>
-              <a:cxn ang="0">
-                <a:pos x="connsiteX3" y="connsiteY3"/>
-              </a:cxn>
-              <a:cxn ang="0">
-                <a:pos x="connsiteX4" y="connsiteY4"/>
-              </a:cxn>
-            </a:cxnLst>
-            <a:rect l="l" t="t" r="r" b="b"/>
-            <a:pathLst>
-              <a:path w="622300" h="1574800">
-                <a:moveTo>
-                  <a:pt x="0" y="0"/>
-                </a:moveTo>
-                <a:lnTo>
-                  <a:pt x="622300" y="0"/>
-                </a:lnTo>
-                <a:lnTo>
-                  <a:pt x="622300" y="1574800"/>
-                </a:lnTo>
-                <a:lnTo>
-                  <a:pt x="482600" y="1574800"/>
-                </a:lnTo>
-                <a:lnTo>
-                  <a:pt x="0" y="1574800"/>
-                </a:lnTo>
-              </a:path>
-            </a:pathLst>
-          </a:custGeom>
+          <a:xfrm>
+            <a:off x="3221023" y="6763635"/>
+            <a:ext cx="5166360" cy="694944"/>
+          </a:xfrm>
+          <a:prstGeom prst="rect">
+            <a:avLst/>
+          </a:prstGeom>
           <a:noFill/>
           <a:ln w="12700">
             <a:solidFill>
-              <a:schemeClr val="tx2"/>
+              <a:srgbClr val="D86613"/>
             </a:solidFill>
-            <a:headEnd type="arrow" w="med" len="sm"/>
-            <a:tailEnd type="arrow" w="med" len="sm"/>
+            <a:prstDash val="dash"/>
           </a:ln>
         </p:spPr>
         <p:style>
@@ -7078,10 +7134,153 @@
           </a:fontRef>
         </p:style>
         <p:txBody>
-          <a:bodyPr rtlCol="0" anchor="ctr"/>
+          <a:bodyPr rot="0" spcFirstLastPara="0" vertOverflow="overflow" horzOverflow="overflow" vert="horz" wrap="square" lIns="91440" tIns="91440" rIns="91440" bIns="45720" numCol="1" spcCol="0" rtlCol="0" fromWordArt="0" anchor="t" anchorCtr="0" forceAA="0" compatLnSpc="1">
+            <a:prstTxWarp prst="textNoShape">
+              <a:avLst/>
+            </a:prstTxWarp>
+            <a:noAutofit/>
+          </a:bodyPr>
           <a:lstStyle/>
           <a:p>
             <a:pPr algn="ctr"/>
+            <a:endParaRPr lang="en-US" sz="1200" dirty="0">
+              <a:solidFill>
+                <a:srgbClr val="D86613"/>
+              </a:solidFill>
+              <a:latin typeface="Arial" panose="020B0604020202020204" pitchFamily="34" charset="0"/>
+              <a:cs typeface="Arial" panose="020B0604020202020204" pitchFamily="34" charset="0"/>
+            </a:endParaRPr>
+          </a:p>
+          <a:p>
+            <a:pPr algn="ctr"/>
+            <a:r>
+              <a:rPr lang="en-US" sz="1200">
+                <a:solidFill>
+                  <a:srgbClr val="D86613"/>
+                </a:solidFill>
+                <a:latin typeface="Arial" panose="020B0604020202020204" pitchFamily="34" charset="0"/>
+                <a:cs typeface="Arial" panose="020B0604020202020204" pitchFamily="34" charset="0"/>
+              </a:rPr>
+              <a:t>         </a:t>
+            </a:r>
+            <a:endParaRPr lang="en-US" sz="1200" dirty="0">
+              <a:solidFill>
+                <a:srgbClr val="D86613"/>
+              </a:solidFill>
+              <a:latin typeface="Arial" panose="020B0604020202020204" pitchFamily="34" charset="0"/>
+              <a:cs typeface="Arial" panose="020B0604020202020204" pitchFamily="34" charset="0"/>
+            </a:endParaRPr>
+          </a:p>
+        </p:txBody>
+      </p:sp>
+      <p:pic>
+        <p:nvPicPr>
+          <p:cNvPr id="116" name="Graphic 115">
+            <a:extLst>
+              <a:ext uri="{FF2B5EF4-FFF2-40B4-BE49-F238E27FC236}">
+                <a16:creationId xmlns:a16="http://schemas.microsoft.com/office/drawing/2014/main" id="{A72A0B95-D9D9-472B-8AC6-6F68ACAE45A3}"/>
+              </a:ext>
+            </a:extLst>
+          </p:cNvPr>
+          <p:cNvPicPr>
+            <a:picLocks noChangeAspect="1"/>
+          </p:cNvPicPr>
+          <p:nvPr/>
+        </p:nvPicPr>
+        <p:blipFill>
+          <a:blip r:embed="rId11">
+            <a:extLst>
+              <a:ext uri="{96DAC541-7B7A-43D3-8B79-37D633B846F1}">
+                <asvg:svgBlip xmlns:asvg="http://schemas.microsoft.com/office/drawing/2016/SVG/main" r:embed="rId12"/>
+              </a:ext>
+            </a:extLst>
+          </a:blip>
+          <a:stretch>
+            <a:fillRect/>
+          </a:stretch>
+        </p:blipFill>
+        <p:spPr>
+          <a:xfrm>
+            <a:off x="5682806" y="6763635"/>
+            <a:ext cx="274320" cy="274320"/>
+          </a:xfrm>
+          <a:prstGeom prst="rect">
+            <a:avLst/>
+          </a:prstGeom>
+        </p:spPr>
+      </p:pic>
+      <p:pic>
+        <p:nvPicPr>
+          <p:cNvPr id="123" name="Graphic 122">
+            <a:extLst>
+              <a:ext uri="{FF2B5EF4-FFF2-40B4-BE49-F238E27FC236}">
+                <a16:creationId xmlns:a16="http://schemas.microsoft.com/office/drawing/2014/main" id="{4E174C69-F99C-4426-8E33-F573E38025A6}"/>
+              </a:ext>
+            </a:extLst>
+          </p:cNvPr>
+          <p:cNvPicPr>
+            <a:picLocks noChangeAspect="1"/>
+          </p:cNvPicPr>
+          <p:nvPr/>
+        </p:nvPicPr>
+        <p:blipFill>
+          <a:blip r:embed="rId9">
+            <a:extLst>
+              <a:ext uri="{96DAC541-7B7A-43D3-8B79-37D633B846F1}">
+                <asvg:svgBlip xmlns:asvg="http://schemas.microsoft.com/office/drawing/2016/SVG/main" r:embed="rId10"/>
+              </a:ext>
+            </a:extLst>
+          </a:blip>
+          <a:stretch>
+            <a:fillRect/>
+          </a:stretch>
+        </p:blipFill>
+        <p:spPr>
+          <a:xfrm>
+            <a:off x="3605071" y="6802444"/>
+            <a:ext cx="469900" cy="469900"/>
+          </a:xfrm>
+          <a:prstGeom prst="rect">
+            <a:avLst/>
+          </a:prstGeom>
+        </p:spPr>
+      </p:pic>
+      <p:sp>
+        <p:nvSpPr>
+          <p:cNvPr id="125" name="TextBox 124">
+            <a:extLst>
+              <a:ext uri="{FF2B5EF4-FFF2-40B4-BE49-F238E27FC236}">
+                <a16:creationId xmlns:a16="http://schemas.microsoft.com/office/drawing/2014/main" id="{55921C25-C694-44D2-A92D-6648E627A7CE}"/>
+              </a:ext>
+            </a:extLst>
+          </p:cNvPr>
+          <p:cNvSpPr txBox="1"/>
+          <p:nvPr/>
+        </p:nvSpPr>
+        <p:spPr>
+          <a:xfrm>
+            <a:off x="3074380" y="7195914"/>
+            <a:ext cx="1513305" cy="276999"/>
+          </a:xfrm>
+          <a:prstGeom prst="rect">
+            <a:avLst/>
+          </a:prstGeom>
+          <a:noFill/>
+        </p:spPr>
+        <p:txBody>
+          <a:bodyPr wrap="square" rtlCol="0">
+            <a:spAutoFit/>
+          </a:bodyPr>
+          <a:lstStyle/>
+          <a:p>
+            <a:pPr algn="ctr"/>
+            <a:r>
+              <a:rPr lang="en-US" sz="1200">
+                <a:latin typeface="Arial" panose="020B0604020202020204" pitchFamily="34" charset="0"/>
+                <a:cs typeface="Arial" panose="020B0604020202020204" pitchFamily="34" charset="0"/>
+              </a:rPr>
+              <a:t>Secondary node</a:t>
+            </a:r>
             <a:endParaRPr lang="en-US" sz="1200" dirty="0">
               <a:latin typeface="Arial" panose="020B0604020202020204" pitchFamily="34" charset="0"/>
               <a:cs typeface="Arial" panose="020B0604020202020204" pitchFamily="34" charset="0"/>
@@ -7091,10 +7290,128 @@
       </p:sp>
       <p:sp>
         <p:nvSpPr>
-          <p:cNvPr id="128" name="Freeform 127">
-            <a:extLst>
-              <a:ext uri="{FF2B5EF4-FFF2-40B4-BE49-F238E27FC236}">
-                <a16:creationId xmlns:a16="http://schemas.microsoft.com/office/drawing/2014/main" id="{05A51809-D26C-0D4B-A29C-BFECA56595AE}"/>
+          <p:cNvPr id="126" name="TextBox 125">
+            <a:extLst>
+              <a:ext uri="{FF2B5EF4-FFF2-40B4-BE49-F238E27FC236}">
+                <a16:creationId xmlns:a16="http://schemas.microsoft.com/office/drawing/2014/main" id="{98073DD9-3FA6-4F40-B789-D793A8D1353F}"/>
+              </a:ext>
+            </a:extLst>
+          </p:cNvPr>
+          <p:cNvSpPr txBox="1"/>
+          <p:nvPr/>
+        </p:nvSpPr>
+        <p:spPr>
+          <a:xfrm>
+            <a:off x="4911140" y="7199068"/>
+            <a:ext cx="1769070" cy="276999"/>
+          </a:xfrm>
+          <a:prstGeom prst="rect">
+            <a:avLst/>
+          </a:prstGeom>
+          <a:noFill/>
+        </p:spPr>
+        <p:txBody>
+          <a:bodyPr wrap="square" rtlCol="0">
+            <a:spAutoFit/>
+          </a:bodyPr>
+          <a:lstStyle/>
+          <a:p>
+            <a:pPr algn="ctr"/>
+            <a:r>
+              <a:rPr lang="en-US" sz="1200" dirty="0">
+                <a:latin typeface="Arial" panose="020B0604020202020204" pitchFamily="34" charset="0"/>
+                <a:cs typeface="Arial" panose="020B0604020202020204" pitchFamily="34" charset="0"/>
+              </a:rPr>
+              <a:t>Xray secondary</a:t>
+            </a:r>
+          </a:p>
+        </p:txBody>
+      </p:sp>
+      <p:pic>
+        <p:nvPicPr>
+          <p:cNvPr id="127" name="Graphic 126">
+            <a:extLst>
+              <a:ext uri="{FF2B5EF4-FFF2-40B4-BE49-F238E27FC236}">
+                <a16:creationId xmlns:a16="http://schemas.microsoft.com/office/drawing/2014/main" id="{0EF99323-FDB0-4AEA-8894-DC77B30E6B59}"/>
+              </a:ext>
+            </a:extLst>
+          </p:cNvPr>
+          <p:cNvPicPr>
+            <a:picLocks noChangeAspect="1"/>
+          </p:cNvPicPr>
+          <p:nvPr/>
+        </p:nvPicPr>
+        <p:blipFill>
+          <a:blip r:embed="rId9">
+            <a:extLst>
+              <a:ext uri="{96DAC541-7B7A-43D3-8B79-37D633B846F1}">
+                <asvg:svgBlip xmlns:asvg="http://schemas.microsoft.com/office/drawing/2016/SVG/main" r:embed="rId10"/>
+              </a:ext>
+            </a:extLst>
+          </a:blip>
+          <a:stretch>
+            <a:fillRect/>
+          </a:stretch>
+        </p:blipFill>
+        <p:spPr>
+          <a:xfrm>
+            <a:off x="7543593" y="6802391"/>
+            <a:ext cx="469900" cy="469900"/>
+          </a:xfrm>
+          <a:prstGeom prst="rect">
+            <a:avLst/>
+          </a:prstGeom>
+        </p:spPr>
+      </p:pic>
+      <p:sp>
+        <p:nvSpPr>
+          <p:cNvPr id="130" name="TextBox 129">
+            <a:extLst>
+              <a:ext uri="{FF2B5EF4-FFF2-40B4-BE49-F238E27FC236}">
+                <a16:creationId xmlns:a16="http://schemas.microsoft.com/office/drawing/2014/main" id="{69E15268-F891-4D8F-8532-6EA951712760}"/>
+              </a:ext>
+            </a:extLst>
+          </p:cNvPr>
+          <p:cNvSpPr txBox="1"/>
+          <p:nvPr/>
+        </p:nvSpPr>
+        <p:spPr>
+          <a:xfrm>
+            <a:off x="7021891" y="7195584"/>
+            <a:ext cx="1513305" cy="276999"/>
+          </a:xfrm>
+          <a:prstGeom prst="rect">
+            <a:avLst/>
+          </a:prstGeom>
+          <a:noFill/>
+        </p:spPr>
+        <p:txBody>
+          <a:bodyPr wrap="square" rtlCol="0">
+            <a:spAutoFit/>
+          </a:bodyPr>
+          <a:lstStyle/>
+          <a:p>
+            <a:pPr algn="ctr"/>
+            <a:r>
+              <a:rPr lang="en-US" sz="1200">
+                <a:latin typeface="Arial" panose="020B0604020202020204" pitchFamily="34" charset="0"/>
+                <a:cs typeface="Arial" panose="020B0604020202020204" pitchFamily="34" charset="0"/>
+              </a:rPr>
+              <a:t>Secondary node</a:t>
+            </a:r>
+            <a:endParaRPr lang="en-US" sz="1200" dirty="0">
+              <a:latin typeface="Arial" panose="020B0604020202020204" pitchFamily="34" charset="0"/>
+              <a:cs typeface="Arial" panose="020B0604020202020204" pitchFamily="34" charset="0"/>
+            </a:endParaRPr>
+          </a:p>
+        </p:txBody>
+      </p:sp>
+      <p:sp>
+        <p:nvSpPr>
+          <p:cNvPr id="131" name="Rectangle 130">
+            <a:extLst>
+              <a:ext uri="{FF2B5EF4-FFF2-40B4-BE49-F238E27FC236}">
+                <a16:creationId xmlns:a16="http://schemas.microsoft.com/office/drawing/2014/main" id="{9A9851FC-5B7A-4A5B-B091-01CB20F90808}"/>
               </a:ext>
             </a:extLst>
           </p:cNvPr>
@@ -7102,54 +7419,19 @@
           <p:nvPr/>
         </p:nvSpPr>
         <p:spPr>
-          <a:xfrm rot="10800000" flipH="1">
-            <a:off x="2212183" y="5356320"/>
-            <a:ext cx="454217" cy="509143"/>
-          </a:xfrm>
-          <a:custGeom>
-            <a:avLst/>
-            <a:gdLst>
-              <a:gd name="connsiteX0" fmla="*/ 1371600 w 1371600"/>
-              <a:gd name="connsiteY0" fmla="*/ 711200 h 711200"/>
-              <a:gd name="connsiteX1" fmla="*/ 1371600 w 1371600"/>
-              <a:gd name="connsiteY1" fmla="*/ 0 h 711200"/>
-              <a:gd name="connsiteX2" fmla="*/ 0 w 1371600"/>
-              <a:gd name="connsiteY2" fmla="*/ 0 h 711200"/>
-            </a:gdLst>
-            <a:ahLst/>
-            <a:cxnLst>
-              <a:cxn ang="0">
-                <a:pos x="connsiteX0" y="connsiteY0"/>
-              </a:cxn>
-              <a:cxn ang="0">
-                <a:pos x="connsiteX1" y="connsiteY1"/>
-              </a:cxn>
-              <a:cxn ang="0">
-                <a:pos x="connsiteX2" y="connsiteY2"/>
-              </a:cxn>
-            </a:cxnLst>
-            <a:rect l="l" t="t" r="r" b="b"/>
-            <a:pathLst>
-              <a:path w="1371600" h="711200">
-                <a:moveTo>
-                  <a:pt x="1371600" y="711200"/>
-                </a:moveTo>
-                <a:lnTo>
-                  <a:pt x="1371600" y="0"/>
-                </a:lnTo>
-                <a:lnTo>
-                  <a:pt x="0" y="0"/>
-                </a:lnTo>
-              </a:path>
-            </a:pathLst>
-          </a:custGeom>
+          <a:xfrm>
+            <a:off x="3218353" y="5833542"/>
+            <a:ext cx="5165644" cy="698945"/>
+          </a:xfrm>
+          <a:prstGeom prst="rect">
+            <a:avLst/>
+          </a:prstGeom>
           <a:noFill/>
           <a:ln w="12700">
             <a:solidFill>
-              <a:schemeClr val="tx2"/>
+              <a:srgbClr val="D86613"/>
             </a:solidFill>
-            <a:headEnd type="none" w="med" len="sm"/>
-            <a:tailEnd type="none" w="med" len="sm"/>
+            <a:prstDash val="dash"/>
           </a:ln>
         </p:spPr>
         <p:style>
@@ -7169,217 +7451,6 @@
           </a:fontRef>
         </p:style>
         <p:txBody>
-          <a:bodyPr anchor="ctr"/>
-          <a:lstStyle/>
-          <a:p>
-            <a:pPr algn="ctr" eaLnBrk="1" fontAlgn="auto" hangingPunct="1">
-              <a:spcBef>
-                <a:spcPts val="0"/>
-              </a:spcBef>
-              <a:spcAft>
-                <a:spcPts val="0"/>
-              </a:spcAft>
-              <a:defRPr/>
-            </a:pPr>
-            <a:endParaRPr lang="en-US" sz="1200" dirty="0">
-              <a:latin typeface="Arial" panose="020B0604020202020204" pitchFamily="34" charset="0"/>
-              <a:cs typeface="Arial" panose="020B0604020202020204" pitchFamily="34" charset="0"/>
-            </a:endParaRPr>
-          </a:p>
-        </p:txBody>
-      </p:sp>
-      <p:pic>
-        <p:nvPicPr>
-          <p:cNvPr id="6" name="Graphic 5">
-            <a:extLst>
-              <a:ext uri="{FF2B5EF4-FFF2-40B4-BE49-F238E27FC236}">
-                <a16:creationId xmlns:a16="http://schemas.microsoft.com/office/drawing/2014/main" id="{83FA64B8-BC20-8B40-8E6C-BBC88D66EC9D}"/>
-              </a:ext>
-            </a:extLst>
-          </p:cNvPr>
-          <p:cNvPicPr>
-            <a:picLocks noChangeAspect="1"/>
-          </p:cNvPicPr>
-          <p:nvPr/>
-        </p:nvPicPr>
-        <p:blipFill>
-          <a:blip r:embed="rId33">
-            <a:extLst>
-              <a:ext uri="{96DAC541-7B7A-43D3-8B79-37D633B846F1}">
-                <asvg:svgBlip xmlns:asvg="http://schemas.microsoft.com/office/drawing/2016/SVG/main" r:embed="rId34"/>
-              </a:ext>
-            </a:extLst>
-          </a:blip>
-          <a:stretch>
-            <a:fillRect/>
-          </a:stretch>
-        </p:blipFill>
-        <p:spPr>
-          <a:xfrm>
-            <a:off x="9231239" y="6270780"/>
-            <a:ext cx="1342959" cy="745203"/>
-          </a:xfrm>
-          <a:prstGeom prst="rect">
-            <a:avLst/>
-          </a:prstGeom>
-        </p:spPr>
-      </p:pic>
-      <p:pic>
-        <p:nvPicPr>
-          <p:cNvPr id="8" name="Graphic 7">
-            <a:extLst>
-              <a:ext uri="{FF2B5EF4-FFF2-40B4-BE49-F238E27FC236}">
-                <a16:creationId xmlns:a16="http://schemas.microsoft.com/office/drawing/2014/main" id="{D277B287-4A2B-2A46-A369-3EC052889C48}"/>
-              </a:ext>
-            </a:extLst>
-          </p:cNvPr>
-          <p:cNvPicPr>
-            <a:picLocks noChangeAspect="1"/>
-          </p:cNvPicPr>
-          <p:nvPr/>
-        </p:nvPicPr>
-        <p:blipFill>
-          <a:blip r:embed="rId35">
-            <a:extLst>
-              <a:ext uri="{96DAC541-7B7A-43D3-8B79-37D633B846F1}">
-                <asvg:svgBlip xmlns:asvg="http://schemas.microsoft.com/office/drawing/2016/SVG/main" r:embed="rId36"/>
-              </a:ext>
-            </a:extLst>
-          </a:blip>
-          <a:stretch>
-            <a:fillRect/>
-          </a:stretch>
-        </p:blipFill>
-        <p:spPr>
-          <a:xfrm>
-            <a:off x="9192525" y="4497427"/>
-            <a:ext cx="1592207" cy="628149"/>
-          </a:xfrm>
-          <a:prstGeom prst="rect">
-            <a:avLst/>
-          </a:prstGeom>
-        </p:spPr>
-      </p:pic>
-      <p:pic>
-        <p:nvPicPr>
-          <p:cNvPr id="81" name="Graphic 80">
-            <a:extLst>
-              <a:ext uri="{FF2B5EF4-FFF2-40B4-BE49-F238E27FC236}">
-                <a16:creationId xmlns:a16="http://schemas.microsoft.com/office/drawing/2014/main" id="{6EC75CF2-B122-4173-B980-1FA6F3B36A0B}"/>
-              </a:ext>
-            </a:extLst>
-          </p:cNvPr>
-          <p:cNvPicPr>
-            <a:picLocks noChangeAspect="1"/>
-          </p:cNvPicPr>
-          <p:nvPr/>
-        </p:nvPicPr>
-        <p:blipFill>
-          <a:blip r:embed="rId9">
-            <a:extLst>
-              <a:ext uri="{96DAC541-7B7A-43D3-8B79-37D633B846F1}">
-                <asvg:svgBlip xmlns:asvg="http://schemas.microsoft.com/office/drawing/2016/SVG/main" r:embed="rId10"/>
-              </a:ext>
-            </a:extLst>
-          </a:blip>
-          <a:stretch>
-            <a:fillRect/>
-          </a:stretch>
-        </p:blipFill>
-        <p:spPr>
-          <a:xfrm>
-            <a:off x="3605071" y="5875947"/>
-            <a:ext cx="469900" cy="469900"/>
-          </a:xfrm>
-          <a:prstGeom prst="rect">
-            <a:avLst/>
-          </a:prstGeom>
-        </p:spPr>
-      </p:pic>
-      <p:sp>
-        <p:nvSpPr>
-          <p:cNvPr id="84" name="TextBox 83">
-            <a:extLst>
-              <a:ext uri="{FF2B5EF4-FFF2-40B4-BE49-F238E27FC236}">
-                <a16:creationId xmlns:a16="http://schemas.microsoft.com/office/drawing/2014/main" id="{491C3F87-B265-40F7-8EE9-7EF6DB973CA6}"/>
-              </a:ext>
-            </a:extLst>
-          </p:cNvPr>
-          <p:cNvSpPr txBox="1"/>
-          <p:nvPr/>
-        </p:nvSpPr>
-        <p:spPr>
-          <a:xfrm>
-            <a:off x="3095320" y="6285054"/>
-            <a:ext cx="1513305" cy="276999"/>
-          </a:xfrm>
-          <a:prstGeom prst="rect">
-            <a:avLst/>
-          </a:prstGeom>
-          <a:noFill/>
-        </p:spPr>
-        <p:txBody>
-          <a:bodyPr wrap="square" rtlCol="0">
-            <a:spAutoFit/>
-          </a:bodyPr>
-          <a:lstStyle/>
-          <a:p>
-            <a:pPr algn="ctr"/>
-            <a:r>
-              <a:rPr lang="en-US" sz="1200" dirty="0">
-                <a:latin typeface="Arial" panose="020B0604020202020204" pitchFamily="34" charset="0"/>
-                <a:cs typeface="Arial" panose="020B0604020202020204" pitchFamily="34" charset="0"/>
-              </a:rPr>
-              <a:t>Primary node</a:t>
-            </a:r>
-          </a:p>
-        </p:txBody>
-      </p:sp>
-      <p:sp>
-        <p:nvSpPr>
-          <p:cNvPr id="86" name="Rectangle 85">
-            <a:extLst>
-              <a:ext uri="{FF2B5EF4-FFF2-40B4-BE49-F238E27FC236}">
-                <a16:creationId xmlns:a16="http://schemas.microsoft.com/office/drawing/2014/main" id="{38B85B5F-A7D2-4248-83C4-D1D0C246E5A2}"/>
-              </a:ext>
-            </a:extLst>
-          </p:cNvPr>
-          <p:cNvSpPr/>
-          <p:nvPr/>
-        </p:nvSpPr>
-        <p:spPr>
-          <a:xfrm>
-            <a:off x="3221023" y="6763635"/>
-            <a:ext cx="5166360" cy="694944"/>
-          </a:xfrm>
-          <a:prstGeom prst="rect">
-            <a:avLst/>
-          </a:prstGeom>
-          <a:noFill/>
-          <a:ln w="12700">
-            <a:solidFill>
-              <a:srgbClr val="D86613"/>
-            </a:solidFill>
-            <a:prstDash val="dash"/>
-          </a:ln>
-        </p:spPr>
-        <p:style>
-          <a:lnRef idx="2">
-            <a:schemeClr val="accent1">
-              <a:shade val="50000"/>
-            </a:schemeClr>
-          </a:lnRef>
-          <a:fillRef idx="1">
-            <a:schemeClr val="accent1"/>
-          </a:fillRef>
-          <a:effectRef idx="0">
-            <a:schemeClr val="accent1"/>
-          </a:effectRef>
-          <a:fontRef idx="minor">
-            <a:schemeClr val="lt1"/>
-          </a:fontRef>
-        </p:style>
-        <p:txBody>
           <a:bodyPr rot="0" spcFirstLastPara="0" vertOverflow="overflow" horzOverflow="overflow" vert="horz" wrap="square" lIns="91440" tIns="91440" rIns="91440" bIns="45720" numCol="1" spcCol="0" rtlCol="0" fromWordArt="0" anchor="t" anchorCtr="0" forceAA="0" compatLnSpc="1">
             <a:prstTxWarp prst="textNoShape">
               <a:avLst/>
@@ -7397,34 +7468,14 @@
               <a:cs typeface="Arial" panose="020B0604020202020204" pitchFamily="34" charset="0"/>
             </a:endParaRPr>
           </a:p>
-          <a:p>
-            <a:pPr algn="ctr"/>
-            <a:r>
-              <a:rPr lang="en-US" sz="1200">
-                <a:solidFill>
-                  <a:srgbClr val="D86613"/>
-                </a:solidFill>
-                <a:latin typeface="Arial" panose="020B0604020202020204" pitchFamily="34" charset="0"/>
-                <a:cs typeface="Arial" panose="020B0604020202020204" pitchFamily="34" charset="0"/>
-              </a:rPr>
-              <a:t>         </a:t>
-            </a:r>
-            <a:endParaRPr lang="en-US" sz="1200" dirty="0">
-              <a:solidFill>
-                <a:srgbClr val="D86613"/>
-              </a:solidFill>
-              <a:latin typeface="Arial" panose="020B0604020202020204" pitchFamily="34" charset="0"/>
-              <a:cs typeface="Arial" panose="020B0604020202020204" pitchFamily="34" charset="0"/>
-            </a:endParaRPr>
-          </a:p>
         </p:txBody>
       </p:sp>
       <p:pic>
         <p:nvPicPr>
-          <p:cNvPr id="116" name="Graphic 115">
-            <a:extLst>
-              <a:ext uri="{FF2B5EF4-FFF2-40B4-BE49-F238E27FC236}">
-                <a16:creationId xmlns:a16="http://schemas.microsoft.com/office/drawing/2014/main" id="{A72A0B95-D9D9-472B-8AC6-6F68ACAE45A3}"/>
+          <p:cNvPr id="132" name="Graphic 131">
+            <a:extLst>
+              <a:ext uri="{FF2B5EF4-FFF2-40B4-BE49-F238E27FC236}">
+                <a16:creationId xmlns:a16="http://schemas.microsoft.com/office/drawing/2014/main" id="{9CD68518-386E-458C-B5CA-51AA18EFC50D}"/>
               </a:ext>
             </a:extLst>
           </p:cNvPr>
@@ -7447,303 +7498,6 @@
         </p:blipFill>
         <p:spPr>
           <a:xfrm>
-            <a:off x="5682806" y="6763635"/>
-            <a:ext cx="274320" cy="274320"/>
-          </a:xfrm>
-          <a:prstGeom prst="rect">
-            <a:avLst/>
-          </a:prstGeom>
-        </p:spPr>
-      </p:pic>
-      <p:pic>
-        <p:nvPicPr>
-          <p:cNvPr id="123" name="Graphic 122">
-            <a:extLst>
-              <a:ext uri="{FF2B5EF4-FFF2-40B4-BE49-F238E27FC236}">
-                <a16:creationId xmlns:a16="http://schemas.microsoft.com/office/drawing/2014/main" id="{4E174C69-F99C-4426-8E33-F573E38025A6}"/>
-              </a:ext>
-            </a:extLst>
-          </p:cNvPr>
-          <p:cNvPicPr>
-            <a:picLocks noChangeAspect="1"/>
-          </p:cNvPicPr>
-          <p:nvPr/>
-        </p:nvPicPr>
-        <p:blipFill>
-          <a:blip r:embed="rId9">
-            <a:extLst>
-              <a:ext uri="{96DAC541-7B7A-43D3-8B79-37D633B846F1}">
-                <asvg:svgBlip xmlns:asvg="http://schemas.microsoft.com/office/drawing/2016/SVG/main" r:embed="rId10"/>
-              </a:ext>
-            </a:extLst>
-          </a:blip>
-          <a:stretch>
-            <a:fillRect/>
-          </a:stretch>
-        </p:blipFill>
-        <p:spPr>
-          <a:xfrm>
-            <a:off x="3605071" y="6802444"/>
-            <a:ext cx="469900" cy="469900"/>
-          </a:xfrm>
-          <a:prstGeom prst="rect">
-            <a:avLst/>
-          </a:prstGeom>
-        </p:spPr>
-      </p:pic>
-      <p:sp>
-        <p:nvSpPr>
-          <p:cNvPr id="125" name="TextBox 124">
-            <a:extLst>
-              <a:ext uri="{FF2B5EF4-FFF2-40B4-BE49-F238E27FC236}">
-                <a16:creationId xmlns:a16="http://schemas.microsoft.com/office/drawing/2014/main" id="{55921C25-C694-44D2-A92D-6648E627A7CE}"/>
-              </a:ext>
-            </a:extLst>
-          </p:cNvPr>
-          <p:cNvSpPr txBox="1"/>
-          <p:nvPr/>
-        </p:nvSpPr>
-        <p:spPr>
-          <a:xfrm>
-            <a:off x="3074380" y="7195914"/>
-            <a:ext cx="1513305" cy="276999"/>
-          </a:xfrm>
-          <a:prstGeom prst="rect">
-            <a:avLst/>
-          </a:prstGeom>
-          <a:noFill/>
-        </p:spPr>
-        <p:txBody>
-          <a:bodyPr wrap="square" rtlCol="0">
-            <a:spAutoFit/>
-          </a:bodyPr>
-          <a:lstStyle/>
-          <a:p>
-            <a:pPr algn="ctr"/>
-            <a:r>
-              <a:rPr lang="en-US" sz="1200">
-                <a:latin typeface="Arial" panose="020B0604020202020204" pitchFamily="34" charset="0"/>
-                <a:cs typeface="Arial" panose="020B0604020202020204" pitchFamily="34" charset="0"/>
-              </a:rPr>
-              <a:t>Secondary node</a:t>
-            </a:r>
-            <a:endParaRPr lang="en-US" sz="1200" dirty="0">
-              <a:latin typeface="Arial" panose="020B0604020202020204" pitchFamily="34" charset="0"/>
-              <a:cs typeface="Arial" panose="020B0604020202020204" pitchFamily="34" charset="0"/>
-            </a:endParaRPr>
-          </a:p>
-        </p:txBody>
-      </p:sp>
-      <p:sp>
-        <p:nvSpPr>
-          <p:cNvPr id="126" name="TextBox 125">
-            <a:extLst>
-              <a:ext uri="{FF2B5EF4-FFF2-40B4-BE49-F238E27FC236}">
-                <a16:creationId xmlns:a16="http://schemas.microsoft.com/office/drawing/2014/main" id="{98073DD9-3FA6-4F40-B789-D793A8D1353F}"/>
-              </a:ext>
-            </a:extLst>
-          </p:cNvPr>
-          <p:cNvSpPr txBox="1"/>
-          <p:nvPr/>
-        </p:nvSpPr>
-        <p:spPr>
-          <a:xfrm>
-            <a:off x="4911140" y="7199068"/>
-            <a:ext cx="1769070" cy="276999"/>
-          </a:xfrm>
-          <a:prstGeom prst="rect">
-            <a:avLst/>
-          </a:prstGeom>
-          <a:noFill/>
-        </p:spPr>
-        <p:txBody>
-          <a:bodyPr wrap="square" rtlCol="0">
-            <a:spAutoFit/>
-          </a:bodyPr>
-          <a:lstStyle/>
-          <a:p>
-            <a:pPr algn="ctr"/>
-            <a:r>
-              <a:rPr lang="en-US" sz="1200" dirty="0">
-                <a:latin typeface="Arial" panose="020B0604020202020204" pitchFamily="34" charset="0"/>
-                <a:cs typeface="Arial" panose="020B0604020202020204" pitchFamily="34" charset="0"/>
-              </a:rPr>
-              <a:t>Xray secondary</a:t>
-            </a:r>
-          </a:p>
-        </p:txBody>
-      </p:sp>
-      <p:pic>
-        <p:nvPicPr>
-          <p:cNvPr id="127" name="Graphic 126">
-            <a:extLst>
-              <a:ext uri="{FF2B5EF4-FFF2-40B4-BE49-F238E27FC236}">
-                <a16:creationId xmlns:a16="http://schemas.microsoft.com/office/drawing/2014/main" id="{0EF99323-FDB0-4AEA-8894-DC77B30E6B59}"/>
-              </a:ext>
-            </a:extLst>
-          </p:cNvPr>
-          <p:cNvPicPr>
-            <a:picLocks noChangeAspect="1"/>
-          </p:cNvPicPr>
-          <p:nvPr/>
-        </p:nvPicPr>
-        <p:blipFill>
-          <a:blip r:embed="rId9">
-            <a:extLst>
-              <a:ext uri="{96DAC541-7B7A-43D3-8B79-37D633B846F1}">
-                <asvg:svgBlip xmlns:asvg="http://schemas.microsoft.com/office/drawing/2016/SVG/main" r:embed="rId10"/>
-              </a:ext>
-            </a:extLst>
-          </a:blip>
-          <a:stretch>
-            <a:fillRect/>
-          </a:stretch>
-        </p:blipFill>
-        <p:spPr>
-          <a:xfrm>
-            <a:off x="7543593" y="6802391"/>
-            <a:ext cx="469900" cy="469900"/>
-          </a:xfrm>
-          <a:prstGeom prst="rect">
-            <a:avLst/>
-          </a:prstGeom>
-        </p:spPr>
-      </p:pic>
-      <p:sp>
-        <p:nvSpPr>
-          <p:cNvPr id="130" name="TextBox 129">
-            <a:extLst>
-              <a:ext uri="{FF2B5EF4-FFF2-40B4-BE49-F238E27FC236}">
-                <a16:creationId xmlns:a16="http://schemas.microsoft.com/office/drawing/2014/main" id="{69E15268-F891-4D8F-8532-6EA951712760}"/>
-              </a:ext>
-            </a:extLst>
-          </p:cNvPr>
-          <p:cNvSpPr txBox="1"/>
-          <p:nvPr/>
-        </p:nvSpPr>
-        <p:spPr>
-          <a:xfrm>
-            <a:off x="7021891" y="7195584"/>
-            <a:ext cx="1513305" cy="276999"/>
-          </a:xfrm>
-          <a:prstGeom prst="rect">
-            <a:avLst/>
-          </a:prstGeom>
-          <a:noFill/>
-        </p:spPr>
-        <p:txBody>
-          <a:bodyPr wrap="square" rtlCol="0">
-            <a:spAutoFit/>
-          </a:bodyPr>
-          <a:lstStyle/>
-          <a:p>
-            <a:pPr algn="ctr"/>
-            <a:r>
-              <a:rPr lang="en-US" sz="1200">
-                <a:latin typeface="Arial" panose="020B0604020202020204" pitchFamily="34" charset="0"/>
-                <a:cs typeface="Arial" panose="020B0604020202020204" pitchFamily="34" charset="0"/>
-              </a:rPr>
-              <a:t>Secondary node</a:t>
-            </a:r>
-            <a:endParaRPr lang="en-US" sz="1200" dirty="0">
-              <a:latin typeface="Arial" panose="020B0604020202020204" pitchFamily="34" charset="0"/>
-              <a:cs typeface="Arial" panose="020B0604020202020204" pitchFamily="34" charset="0"/>
-            </a:endParaRPr>
-          </a:p>
-        </p:txBody>
-      </p:sp>
-      <p:sp>
-        <p:nvSpPr>
-          <p:cNvPr id="131" name="Rectangle 130">
-            <a:extLst>
-              <a:ext uri="{FF2B5EF4-FFF2-40B4-BE49-F238E27FC236}">
-                <a16:creationId xmlns:a16="http://schemas.microsoft.com/office/drawing/2014/main" id="{9A9851FC-5B7A-4A5B-B091-01CB20F90808}"/>
-              </a:ext>
-            </a:extLst>
-          </p:cNvPr>
-          <p:cNvSpPr/>
-          <p:nvPr/>
-        </p:nvSpPr>
-        <p:spPr>
-          <a:xfrm>
-            <a:off x="3218353" y="5833542"/>
-            <a:ext cx="5165644" cy="698945"/>
-          </a:xfrm>
-          <a:prstGeom prst="rect">
-            <a:avLst/>
-          </a:prstGeom>
-          <a:noFill/>
-          <a:ln w="12700">
-            <a:solidFill>
-              <a:srgbClr val="D86613"/>
-            </a:solidFill>
-            <a:prstDash val="dash"/>
-          </a:ln>
-        </p:spPr>
-        <p:style>
-          <a:lnRef idx="2">
-            <a:schemeClr val="accent1">
-              <a:shade val="50000"/>
-            </a:schemeClr>
-          </a:lnRef>
-          <a:fillRef idx="1">
-            <a:schemeClr val="accent1"/>
-          </a:fillRef>
-          <a:effectRef idx="0">
-            <a:schemeClr val="accent1"/>
-          </a:effectRef>
-          <a:fontRef idx="minor">
-            <a:schemeClr val="lt1"/>
-          </a:fontRef>
-        </p:style>
-        <p:txBody>
-          <a:bodyPr rot="0" spcFirstLastPara="0" vertOverflow="overflow" horzOverflow="overflow" vert="horz" wrap="square" lIns="91440" tIns="91440" rIns="91440" bIns="45720" numCol="1" spcCol="0" rtlCol="0" fromWordArt="0" anchor="t" anchorCtr="0" forceAA="0" compatLnSpc="1">
-            <a:prstTxWarp prst="textNoShape">
-              <a:avLst/>
-            </a:prstTxWarp>
-            <a:noAutofit/>
-          </a:bodyPr>
-          <a:lstStyle/>
-          <a:p>
-            <a:pPr algn="ctr"/>
-            <a:endParaRPr lang="en-US" sz="1200" dirty="0">
-              <a:solidFill>
-                <a:srgbClr val="D86613"/>
-              </a:solidFill>
-              <a:latin typeface="Arial" panose="020B0604020202020204" pitchFamily="34" charset="0"/>
-              <a:cs typeface="Arial" panose="020B0604020202020204" pitchFamily="34" charset="0"/>
-            </a:endParaRPr>
-          </a:p>
-        </p:txBody>
-      </p:sp>
-      <p:pic>
-        <p:nvPicPr>
-          <p:cNvPr id="132" name="Graphic 131">
-            <a:extLst>
-              <a:ext uri="{FF2B5EF4-FFF2-40B4-BE49-F238E27FC236}">
-                <a16:creationId xmlns:a16="http://schemas.microsoft.com/office/drawing/2014/main" id="{9CD68518-386E-458C-B5CA-51AA18EFC50D}"/>
-              </a:ext>
-            </a:extLst>
-          </p:cNvPr>
-          <p:cNvPicPr>
-            <a:picLocks noChangeAspect="1"/>
-          </p:cNvPicPr>
-          <p:nvPr/>
-        </p:nvPicPr>
-        <p:blipFill>
-          <a:blip r:embed="rId11">
-            <a:extLst>
-              <a:ext uri="{96DAC541-7B7A-43D3-8B79-37D633B846F1}">
-                <asvg:svgBlip xmlns:asvg="http://schemas.microsoft.com/office/drawing/2016/SVG/main" r:embed="rId12"/>
-              </a:ext>
-            </a:extLst>
-          </a:blip>
-          <a:stretch>
-            <a:fillRect/>
-          </a:stretch>
-        </p:blipFill>
-        <p:spPr>
-          <a:xfrm>
             <a:off x="5676112" y="5833128"/>
             <a:ext cx="277535" cy="277535"/>
           </a:xfrm>
@@ -7752,45 +7506,6 @@
           </a:prstGeom>
         </p:spPr>
       </p:pic>
-      <p:sp>
-        <p:nvSpPr>
-          <p:cNvPr id="133" name="TextBox 132">
-            <a:extLst>
-              <a:ext uri="{FF2B5EF4-FFF2-40B4-BE49-F238E27FC236}">
-                <a16:creationId xmlns:a16="http://schemas.microsoft.com/office/drawing/2014/main" id="{0BABA691-5A6E-4E88-B85F-20BB01D8B791}"/>
-              </a:ext>
-            </a:extLst>
-          </p:cNvPr>
-          <p:cNvSpPr txBox="1"/>
-          <p:nvPr/>
-        </p:nvSpPr>
-        <p:spPr>
-          <a:xfrm>
-            <a:off x="7020540" y="6281184"/>
-            <a:ext cx="1513305" cy="276999"/>
-          </a:xfrm>
-          <a:prstGeom prst="rect">
-            <a:avLst/>
-          </a:prstGeom>
-          <a:noFill/>
-        </p:spPr>
-        <p:txBody>
-          <a:bodyPr wrap="square" rtlCol="0">
-            <a:spAutoFit/>
-          </a:bodyPr>
-          <a:lstStyle/>
-          <a:p>
-            <a:pPr algn="ctr"/>
-            <a:r>
-              <a:rPr lang="en-US" sz="1200" dirty="0">
-                <a:latin typeface="Arial" panose="020B0604020202020204" pitchFamily="34" charset="0"/>
-                <a:cs typeface="Arial" panose="020B0604020202020204" pitchFamily="34" charset="0"/>
-              </a:rPr>
-              <a:t>Primary node</a:t>
-            </a:r>
-          </a:p>
-        </p:txBody>
-      </p:sp>
       <p:grpSp>
         <p:nvGrpSpPr>
           <p:cNvPr id="134" name="Group 133">
@@ -8035,7 +7750,7 @@
         </p:blipFill>
         <p:spPr bwMode="auto">
           <a:xfrm>
-            <a:off x="1579944" y="6647608"/>
+            <a:off x="1565740" y="5282665"/>
             <a:ext cx="705431" cy="826319"/>
           </a:xfrm>
           <a:prstGeom prst="rect">
@@ -8067,7 +7782,7 @@
         </p:nvSpPr>
         <p:spPr>
           <a:xfrm>
-            <a:off x="1419939" y="7388593"/>
+            <a:off x="1405735" y="6023650"/>
             <a:ext cx="1154202" cy="461665"/>
           </a:xfrm>
           <a:prstGeom prst="rect">
@@ -8092,31 +7807,219 @@
           </a:p>
         </p:txBody>
       </p:sp>
+      <p:sp>
+        <p:nvSpPr>
+          <p:cNvPr id="104" name="TextBox 103">
+            <a:extLst>
+              <a:ext uri="{FF2B5EF4-FFF2-40B4-BE49-F238E27FC236}">
+                <a16:creationId xmlns:a16="http://schemas.microsoft.com/office/drawing/2014/main" id="{2209C4DF-F9AF-0946-9374-5CF6EC619051}"/>
+              </a:ext>
+            </a:extLst>
+          </p:cNvPr>
+          <p:cNvSpPr txBox="1"/>
+          <p:nvPr/>
+        </p:nvSpPr>
+        <p:spPr>
+          <a:xfrm>
+            <a:off x="4877245" y="4368633"/>
+            <a:ext cx="1769070" cy="276999"/>
+          </a:xfrm>
+          <a:prstGeom prst="rect">
+            <a:avLst/>
+          </a:prstGeom>
+          <a:noFill/>
+        </p:spPr>
+        <p:txBody>
+          <a:bodyPr wrap="square" rtlCol="0">
+            <a:spAutoFit/>
+          </a:bodyPr>
+          <a:lstStyle/>
+          <a:p>
+            <a:pPr algn="ctr"/>
+            <a:r>
+              <a:rPr lang="en-US" sz="1200" dirty="0">
+                <a:latin typeface="Arial" panose="020B0604020202020204" pitchFamily="34" charset="0"/>
+                <a:cs typeface="Arial" panose="020B0604020202020204" pitchFamily="34" charset="0"/>
+              </a:rPr>
+              <a:t>Artifactory primary</a:t>
+            </a:r>
+          </a:p>
+        </p:txBody>
+      </p:sp>
+      <p:sp>
+        <p:nvSpPr>
+          <p:cNvPr id="115" name="TextBox 114">
+            <a:extLst>
+              <a:ext uri="{FF2B5EF4-FFF2-40B4-BE49-F238E27FC236}">
+                <a16:creationId xmlns:a16="http://schemas.microsoft.com/office/drawing/2014/main" id="{9E3BE8FA-AA83-6041-8F98-228EED19A0D3}"/>
+              </a:ext>
+            </a:extLst>
+          </p:cNvPr>
+          <p:cNvSpPr txBox="1"/>
+          <p:nvPr/>
+        </p:nvSpPr>
+        <p:spPr>
+          <a:xfrm>
+            <a:off x="4881773" y="6302089"/>
+            <a:ext cx="1769070" cy="276999"/>
+          </a:xfrm>
+          <a:prstGeom prst="rect">
+            <a:avLst/>
+          </a:prstGeom>
+          <a:noFill/>
+        </p:spPr>
+        <p:txBody>
+          <a:bodyPr wrap="square" rtlCol="0">
+            <a:spAutoFit/>
+          </a:bodyPr>
+          <a:lstStyle/>
+          <a:p>
+            <a:pPr algn="ctr"/>
+            <a:r>
+              <a:rPr lang="en-US" sz="1200" dirty="0">
+                <a:latin typeface="Arial" panose="020B0604020202020204" pitchFamily="34" charset="0"/>
+                <a:cs typeface="Arial" panose="020B0604020202020204" pitchFamily="34" charset="0"/>
+              </a:rPr>
+              <a:t>Xray primary</a:t>
+            </a:r>
+          </a:p>
+        </p:txBody>
+      </p:sp>
+      <p:sp>
+        <p:nvSpPr>
+          <p:cNvPr id="122" name="Freeform 121">
+            <a:extLst>
+              <a:ext uri="{FF2B5EF4-FFF2-40B4-BE49-F238E27FC236}">
+                <a16:creationId xmlns:a16="http://schemas.microsoft.com/office/drawing/2014/main" id="{4A41CF6F-EED3-8C46-80B8-BE76234DB155}"/>
+              </a:ext>
+            </a:extLst>
+          </p:cNvPr>
+          <p:cNvSpPr/>
+          <p:nvPr/>
+        </p:nvSpPr>
+        <p:spPr>
+          <a:xfrm rot="10800000">
+            <a:off x="2930621" y="6098549"/>
+            <a:ext cx="661605" cy="952582"/>
+          </a:xfrm>
+          <a:custGeom>
+            <a:avLst/>
+            <a:gdLst>
+              <a:gd name="connsiteX0" fmla="*/ 0 w 622300"/>
+              <a:gd name="connsiteY0" fmla="*/ 0 h 1574800"/>
+              <a:gd name="connsiteX1" fmla="*/ 622300 w 622300"/>
+              <a:gd name="connsiteY1" fmla="*/ 0 h 1574800"/>
+              <a:gd name="connsiteX2" fmla="*/ 622300 w 622300"/>
+              <a:gd name="connsiteY2" fmla="*/ 1574800 h 1574800"/>
+              <a:gd name="connsiteX3" fmla="*/ 482600 w 622300"/>
+              <a:gd name="connsiteY3" fmla="*/ 1574800 h 1574800"/>
+              <a:gd name="connsiteX4" fmla="*/ 0 w 622300"/>
+              <a:gd name="connsiteY4" fmla="*/ 1574800 h 1574800"/>
+            </a:gdLst>
+            <a:ahLst/>
+            <a:cxnLst>
+              <a:cxn ang="0">
+                <a:pos x="connsiteX0" y="connsiteY0"/>
+              </a:cxn>
+              <a:cxn ang="0">
+                <a:pos x="connsiteX1" y="connsiteY1"/>
+              </a:cxn>
+              <a:cxn ang="0">
+                <a:pos x="connsiteX2" y="connsiteY2"/>
+              </a:cxn>
+              <a:cxn ang="0">
+                <a:pos x="connsiteX3" y="connsiteY3"/>
+              </a:cxn>
+              <a:cxn ang="0">
+                <a:pos x="connsiteX4" y="connsiteY4"/>
+              </a:cxn>
+            </a:cxnLst>
+            <a:rect l="l" t="t" r="r" b="b"/>
+            <a:pathLst>
+              <a:path w="622300" h="1574800">
+                <a:moveTo>
+                  <a:pt x="0" y="0"/>
+                </a:moveTo>
+                <a:lnTo>
+                  <a:pt x="622300" y="0"/>
+                </a:lnTo>
+                <a:lnTo>
+                  <a:pt x="622300" y="1574800"/>
+                </a:lnTo>
+                <a:lnTo>
+                  <a:pt x="482600" y="1574800"/>
+                </a:lnTo>
+                <a:lnTo>
+                  <a:pt x="0" y="1574800"/>
+                </a:lnTo>
+              </a:path>
+            </a:pathLst>
+          </a:custGeom>
+          <a:noFill/>
+          <a:ln w="12700">
+            <a:solidFill>
+              <a:schemeClr val="tx2"/>
+            </a:solidFill>
+            <a:headEnd type="arrow" w="med" len="sm"/>
+            <a:tailEnd type="arrow" w="med" len="sm"/>
+          </a:ln>
+        </p:spPr>
+        <p:style>
+          <a:lnRef idx="2">
+            <a:schemeClr val="accent1">
+              <a:shade val="50000"/>
+            </a:schemeClr>
+          </a:lnRef>
+          <a:fillRef idx="1">
+            <a:schemeClr val="accent1"/>
+          </a:fillRef>
+          <a:effectRef idx="0">
+            <a:schemeClr val="accent1"/>
+          </a:effectRef>
+          <a:fontRef idx="minor">
+            <a:schemeClr val="lt1"/>
+          </a:fontRef>
+        </p:style>
+        <p:txBody>
+          <a:bodyPr rtlCol="0" anchor="ctr"/>
+          <a:lstStyle/>
+          <a:p>
+            <a:pPr algn="ctr"/>
+            <a:endParaRPr lang="en-US" sz="1200" dirty="0">
+              <a:latin typeface="Arial" panose="020B0604020202020204" pitchFamily="34" charset="0"/>
+              <a:cs typeface="Arial" panose="020B0604020202020204" pitchFamily="34" charset="0"/>
+            </a:endParaRPr>
+          </a:p>
+        </p:txBody>
+      </p:sp>
       <p:cxnSp>
         <p:nvCxnSpPr>
-          <p:cNvPr id="4" name="Connector: Elbow 3">
-            <a:extLst>
-              <a:ext uri="{FF2B5EF4-FFF2-40B4-BE49-F238E27FC236}">
-                <a16:creationId xmlns:a16="http://schemas.microsoft.com/office/drawing/2014/main" id="{8D4B0C29-1D2D-44B5-A6BB-9923D7637367}"/>
+          <p:cNvPr id="129" name="Straight Arrow Connector 128">
+            <a:extLst>
+              <a:ext uri="{FF2B5EF4-FFF2-40B4-BE49-F238E27FC236}">
+                <a16:creationId xmlns:a16="http://schemas.microsoft.com/office/drawing/2014/main" id="{25FA848C-F7E4-8A46-B3EF-1EA5EAE93558}"/>
               </a:ext>
             </a:extLst>
           </p:cNvPr>
           <p:cNvCxnSpPr>
-            <a:stCxn id="141" idx="3"/>
-            <a:endCxn id="124" idx="4"/>
+            <a:cxnSpLocks/>
           </p:cNvCxnSpPr>
           <p:nvPr/>
         </p:nvCxnSpPr>
         <p:spPr>
           <a:xfrm flipV="1">
-            <a:off x="2285375" y="4433439"/>
-            <a:ext cx="884336" cy="2627329"/>
-          </a:xfrm>
-          <a:prstGeom prst="bentConnector3">
-            <a:avLst/>
-          </a:prstGeom>
-          <a:ln>
-            <a:tailEnd type="triangle"/>
+            <a:off x="2254330" y="6797088"/>
+            <a:ext cx="676078" cy="1"/>
+          </a:xfrm>
+          <a:prstGeom prst="straightConnector1">
+            <a:avLst/>
+          </a:prstGeom>
+          <a:ln w="12700">
+            <a:solidFill>
+              <a:srgbClr val="545B64"/>
+            </a:solidFill>
+            <a:headEnd type="none" w="med" len="sm"/>
+            <a:tailEnd type="none" w="med" len="sm"/>
           </a:ln>
         </p:spPr>
         <p:style>
@@ -8134,131 +8037,87 @@
           </a:fontRef>
         </p:style>
       </p:cxnSp>
-      <p:cxnSp>
-        <p:nvCxnSpPr>
-          <p:cNvPr id="7" name="Connector: Elbow 6">
-            <a:extLst>
-              <a:ext uri="{FF2B5EF4-FFF2-40B4-BE49-F238E27FC236}">
-                <a16:creationId xmlns:a16="http://schemas.microsoft.com/office/drawing/2014/main" id="{844752B0-2437-4195-A4D8-4F087BEA635B}"/>
-              </a:ext>
-            </a:extLst>
-          </p:cNvPr>
-          <p:cNvCxnSpPr>
-            <a:stCxn id="141" idx="3"/>
-          </p:cNvCxnSpPr>
-          <p:nvPr/>
-        </p:nvCxnSpPr>
-        <p:spPr>
-          <a:xfrm flipV="1">
-            <a:off x="2285375" y="5273647"/>
-            <a:ext cx="780578" cy="1787121"/>
-          </a:xfrm>
-          <a:prstGeom prst="bentConnector2">
-            <a:avLst/>
-          </a:prstGeom>
-          <a:ln>
-            <a:tailEnd type="triangle"/>
-          </a:ln>
-        </p:spPr>
-        <p:style>
-          <a:lnRef idx="1">
-            <a:schemeClr val="accent1"/>
-          </a:lnRef>
-          <a:fillRef idx="0">
-            <a:schemeClr val="accent1"/>
-          </a:fillRef>
-          <a:effectRef idx="0">
-            <a:schemeClr val="accent1"/>
-          </a:effectRef>
-          <a:fontRef idx="minor">
-            <a:schemeClr val="tx1"/>
-          </a:fontRef>
-        </p:style>
-      </p:cxnSp>
-      <p:cxnSp>
-        <p:nvCxnSpPr>
-          <p:cNvPr id="10" name="Connector: Elbow 9">
-            <a:extLst>
-              <a:ext uri="{FF2B5EF4-FFF2-40B4-BE49-F238E27FC236}">
-                <a16:creationId xmlns:a16="http://schemas.microsoft.com/office/drawing/2014/main" id="{32B8F2B3-9B2A-4DE1-ABB5-85865C7C8F2C}"/>
-              </a:ext>
-            </a:extLst>
-          </p:cNvPr>
-          <p:cNvCxnSpPr>
-            <a:stCxn id="121" idx="3"/>
-            <a:endCxn id="131" idx="1"/>
-          </p:cNvCxnSpPr>
-          <p:nvPr/>
-        </p:nvCxnSpPr>
-        <p:spPr>
-          <a:xfrm>
-            <a:off x="2198450" y="5757089"/>
-            <a:ext cx="1019903" cy="425926"/>
-          </a:xfrm>
-          <a:prstGeom prst="bentConnector3">
-            <a:avLst/>
-          </a:prstGeom>
-          <a:ln>
-            <a:tailEnd type="triangle"/>
-          </a:ln>
-        </p:spPr>
-        <p:style>
-          <a:lnRef idx="1">
-            <a:schemeClr val="accent1"/>
-          </a:lnRef>
-          <a:fillRef idx="0">
-            <a:schemeClr val="accent1"/>
-          </a:fillRef>
-          <a:effectRef idx="0">
-            <a:schemeClr val="accent1"/>
-          </a:effectRef>
-          <a:fontRef idx="minor">
-            <a:schemeClr val="tx1"/>
-          </a:fontRef>
-        </p:style>
-      </p:cxnSp>
-      <p:cxnSp>
-        <p:nvCxnSpPr>
-          <p:cNvPr id="13" name="Connector: Elbow 12">
-            <a:extLst>
-              <a:ext uri="{FF2B5EF4-FFF2-40B4-BE49-F238E27FC236}">
-                <a16:creationId xmlns:a16="http://schemas.microsoft.com/office/drawing/2014/main" id="{64757619-2856-4299-9C2B-5C952A1EAF18}"/>
-              </a:ext>
-            </a:extLst>
-          </p:cNvPr>
-          <p:cNvCxnSpPr>
-            <a:stCxn id="121" idx="3"/>
-            <a:endCxn id="86" idx="1"/>
-          </p:cNvCxnSpPr>
-          <p:nvPr/>
-        </p:nvCxnSpPr>
-        <p:spPr>
-          <a:xfrm>
-            <a:off x="2198450" y="5757089"/>
-            <a:ext cx="1022573" cy="1354018"/>
-          </a:xfrm>
-          <a:prstGeom prst="bentConnector3">
-            <a:avLst/>
-          </a:prstGeom>
-          <a:ln>
-            <a:tailEnd type="triangle"/>
-          </a:ln>
-        </p:spPr>
-        <p:style>
-          <a:lnRef idx="1">
-            <a:schemeClr val="accent1"/>
-          </a:lnRef>
-          <a:fillRef idx="0">
-            <a:schemeClr val="accent1"/>
-          </a:fillRef>
-          <a:effectRef idx="0">
-            <a:schemeClr val="accent1"/>
-          </a:effectRef>
-          <a:fontRef idx="minor">
-            <a:schemeClr val="tx1"/>
-          </a:fontRef>
-        </p:style>
-      </p:cxnSp>
+      <p:sp>
+        <p:nvSpPr>
+          <p:cNvPr id="138" name="TextBox 137">
+            <a:extLst>
+              <a:ext uri="{FF2B5EF4-FFF2-40B4-BE49-F238E27FC236}">
+                <a16:creationId xmlns:a16="http://schemas.microsoft.com/office/drawing/2014/main" id="{EC84BC37-1E71-7541-AF24-7192E217CFBB}"/>
+              </a:ext>
+            </a:extLst>
+          </p:cNvPr>
+          <p:cNvSpPr txBox="1"/>
+          <p:nvPr/>
+        </p:nvSpPr>
+        <p:spPr>
+          <a:xfrm>
+            <a:off x="7003499" y="6265580"/>
+            <a:ext cx="1513305" cy="276999"/>
+          </a:xfrm>
+          <a:prstGeom prst="rect">
+            <a:avLst/>
+          </a:prstGeom>
+          <a:noFill/>
+        </p:spPr>
+        <p:txBody>
+          <a:bodyPr wrap="square" rtlCol="0">
+            <a:spAutoFit/>
+          </a:bodyPr>
+          <a:lstStyle/>
+          <a:p>
+            <a:pPr algn="ctr"/>
+            <a:r>
+              <a:rPr lang="en-US" sz="1200" dirty="0">
+                <a:latin typeface="Arial" panose="020B0604020202020204" pitchFamily="34" charset="0"/>
+                <a:cs typeface="Arial" panose="020B0604020202020204" pitchFamily="34" charset="0"/>
+              </a:rPr>
+              <a:t>Primary node</a:t>
+            </a:r>
+          </a:p>
+        </p:txBody>
+      </p:sp>
+      <p:pic>
+        <p:nvPicPr>
+          <p:cNvPr id="139" name="Graphic 93">
+            <a:extLst>
+              <a:ext uri="{FF2B5EF4-FFF2-40B4-BE49-F238E27FC236}">
+                <a16:creationId xmlns:a16="http://schemas.microsoft.com/office/drawing/2014/main" id="{A2B3DC3F-A4D3-3543-A7D4-89A52D99707D}"/>
+              </a:ext>
+            </a:extLst>
+          </p:cNvPr>
+          <p:cNvPicPr>
+            <a:picLocks noChangeAspect="1"/>
+          </p:cNvPicPr>
+          <p:nvPr/>
+        </p:nvPicPr>
+        <p:blipFill>
+          <a:blip r:embed="rId27">
+            <a:extLst>
+              <a:ext uri="{BEBA8EAE-BF5A-486C-A8C5-ECC9F3942E4B}">
+                <a14:imgProps xmlns:a14="http://schemas.microsoft.com/office/drawing/2010/main">
+                  <a14:imgLayer r:embed="rId28">
+                    <a14:imgEffect>
+                      <a14:artisticBlur/>
+                    </a14:imgEffect>
+                  </a14:imgLayer>
+                </a14:imgProps>
+              </a:ext>
+            </a:extLst>
+          </a:blip>
+          <a:stretch>
+            <a:fillRect/>
+          </a:stretch>
+        </p:blipFill>
+        <p:spPr>
+          <a:xfrm>
+            <a:off x="7556688" y="5901072"/>
+            <a:ext cx="394953" cy="394953"/>
+          </a:xfrm>
+          <a:prstGeom prst="rect">
+            <a:avLst/>
+          </a:prstGeom>
+        </p:spPr>
+      </p:pic>
     </p:spTree>
     <p:extLst>
       <p:ext uri="{BB962C8B-B14F-4D97-AF65-F5344CB8AC3E}">

--- a/docs/images/jfrog-architecture-diagram.pptx
+++ b/docs/images/jfrog-architecture-diagram.pptx
@@ -200,7 +200,7 @@
           <a:p>
             <a:fld id="{590E2399-5717-194F-AD3A-E8B320BF82AF}" type="datetimeFigureOut">
               <a:rPr lang="en-US" smtClean="0"/>
-              <a:t>11/24/21</a:t>
+              <a:t>1/12/2022</a:t>
             </a:fld>
             <a:endParaRPr lang="en-US"/>
           </a:p>
@@ -952,7 +952,7 @@
           <a:p>
             <a:fld id="{F55C447A-44A3-5F49-B3D4-7D25A8EEBE0E}" type="datetimeFigureOut">
               <a:rPr lang="en-US" smtClean="0"/>
-              <a:t>11/24/21</a:t>
+              <a:t>1/12/2022</a:t>
             </a:fld>
             <a:endParaRPr lang="en-US"/>
           </a:p>
@@ -1122,7 +1122,7 @@
           <a:p>
             <a:fld id="{F55C447A-44A3-5F49-B3D4-7D25A8EEBE0E}" type="datetimeFigureOut">
               <a:rPr lang="en-US" smtClean="0"/>
-              <a:t>11/24/21</a:t>
+              <a:t>1/12/2022</a:t>
             </a:fld>
             <a:endParaRPr lang="en-US"/>
           </a:p>
@@ -1302,7 +1302,7 @@
           <a:p>
             <a:fld id="{F55C447A-44A3-5F49-B3D4-7D25A8EEBE0E}" type="datetimeFigureOut">
               <a:rPr lang="en-US" smtClean="0"/>
-              <a:t>11/24/21</a:t>
+              <a:t>1/12/2022</a:t>
             </a:fld>
             <a:endParaRPr lang="en-US"/>
           </a:p>
@@ -1686,7 +1686,7 @@
           <a:p>
             <a:fld id="{F55C447A-44A3-5F49-B3D4-7D25A8EEBE0E}" type="datetimeFigureOut">
               <a:rPr lang="en-US" smtClean="0"/>
-              <a:t>11/24/21</a:t>
+              <a:t>1/12/2022</a:t>
             </a:fld>
             <a:endParaRPr lang="en-US"/>
           </a:p>
@@ -1930,7 +1930,7 @@
           <a:p>
             <a:fld id="{F55C447A-44A3-5F49-B3D4-7D25A8EEBE0E}" type="datetimeFigureOut">
               <a:rPr lang="en-US" smtClean="0"/>
-              <a:t>11/24/21</a:t>
+              <a:t>1/12/2022</a:t>
             </a:fld>
             <a:endParaRPr lang="en-US"/>
           </a:p>
@@ -2162,7 +2162,7 @@
           <a:p>
             <a:fld id="{F55C447A-44A3-5F49-B3D4-7D25A8EEBE0E}" type="datetimeFigureOut">
               <a:rPr lang="en-US" smtClean="0"/>
-              <a:t>11/24/21</a:t>
+              <a:t>1/12/2022</a:t>
             </a:fld>
             <a:endParaRPr lang="en-US"/>
           </a:p>
@@ -2529,7 +2529,7 @@
           <a:p>
             <a:fld id="{F55C447A-44A3-5F49-B3D4-7D25A8EEBE0E}" type="datetimeFigureOut">
               <a:rPr lang="en-US" smtClean="0"/>
-              <a:t>11/24/21</a:t>
+              <a:t>1/12/2022</a:t>
             </a:fld>
             <a:endParaRPr lang="en-US"/>
           </a:p>
@@ -2647,7 +2647,7 @@
           <a:p>
             <a:fld id="{F55C447A-44A3-5F49-B3D4-7D25A8EEBE0E}" type="datetimeFigureOut">
               <a:rPr lang="en-US" smtClean="0"/>
-              <a:t>11/24/21</a:t>
+              <a:t>1/12/2022</a:t>
             </a:fld>
             <a:endParaRPr lang="en-US"/>
           </a:p>
@@ -2742,7 +2742,7 @@
           <a:p>
             <a:fld id="{F55C447A-44A3-5F49-B3D4-7D25A8EEBE0E}" type="datetimeFigureOut">
               <a:rPr lang="en-US" smtClean="0"/>
-              <a:t>11/24/21</a:t>
+              <a:t>1/12/2022</a:t>
             </a:fld>
             <a:endParaRPr lang="en-US"/>
           </a:p>
@@ -3019,7 +3019,7 @@
           <a:p>
             <a:fld id="{F55C447A-44A3-5F49-B3D4-7D25A8EEBE0E}" type="datetimeFigureOut">
               <a:rPr lang="en-US" smtClean="0"/>
-              <a:t>11/24/21</a:t>
+              <a:t>1/12/2022</a:t>
             </a:fld>
             <a:endParaRPr lang="en-US"/>
           </a:p>
@@ -3276,7 +3276,7 @@
           <a:p>
             <a:fld id="{F55C447A-44A3-5F49-B3D4-7D25A8EEBE0E}" type="datetimeFigureOut">
               <a:rPr lang="en-US" smtClean="0"/>
-              <a:t>11/24/21</a:t>
+              <a:t>1/12/2022</a:t>
             </a:fld>
             <a:endParaRPr lang="en-US"/>
           </a:p>
@@ -3489,7 +3489,7 @@
           <a:p>
             <a:fld id="{F55C447A-44A3-5F49-B3D4-7D25A8EEBE0E}" type="datetimeFigureOut">
               <a:rPr lang="en-US" smtClean="0"/>
-              <a:t>11/24/21</a:t>
+              <a:t>1/12/2022</a:t>
             </a:fld>
             <a:endParaRPr lang="en-US"/>
           </a:p>
